--- a/huggingface 発表資料.pptx
+++ b/huggingface 発表資料.pptx
@@ -12,10 +12,12 @@
     <p:sldId id="262" r:id="rId6"/>
     <p:sldId id="263" r:id="rId7"/>
     <p:sldId id="259" r:id="rId8"/>
-    <p:sldId id="260" r:id="rId9"/>
-    <p:sldId id="268" r:id="rId10"/>
+    <p:sldId id="270" r:id="rId9"/>
+    <p:sldId id="267" r:id="rId10"/>
     <p:sldId id="261" r:id="rId11"/>
-    <p:sldId id="267" r:id="rId12"/>
+    <p:sldId id="269" r:id="rId12"/>
+    <p:sldId id="268" r:id="rId13"/>
+    <p:sldId id="260" r:id="rId14"/>
   </p:sldIdLst>
   <p:sldSz cx="12192000" cy="6858000"/>
   <p:notesSz cx="6858000" cy="9144000"/>
@@ -3749,7 +3751,7 @@
           <p:nvPr/>
         </p:nvPicPr>
         <p:blipFill>
-          <a:blip r:embed="rId3" cstate="screen">
+          <a:blip r:embed="rId3" cstate="email">
             <a:extLst>
               <a:ext uri="{28A0092B-C50C-407E-A947-70E740481C1C}">
                 <a14:useLocalDpi xmlns:a14="http://schemas.microsoft.com/office/drawing/2010/main"/>
@@ -3868,13 +3870,101 @@
         </p:nvSpPr>
         <p:spPr/>
         <p:txBody>
-          <a:bodyPr/>
+          <a:bodyPr>
+            <a:normAutofit fontScale="92500" lnSpcReduction="10000"/>
+          </a:bodyPr>
           <a:lstStyle/>
           <a:p>
             <a:r>
               <a:rPr kumimoji="1" lang="ja-JP" altLang="en-US" dirty="0"/>
               <a:t>結局、使ってみた方が理解が早い！ｗ</a:t>
             </a:r>
+            <a:endParaRPr lang="en-US" altLang="ja-JP" dirty="0"/>
+          </a:p>
+          <a:p>
+            <a:r>
+              <a:rPr lang="en-US" altLang="ja-JP" dirty="0"/>
+              <a:t>Textbooks Are All You Need</a:t>
+            </a:r>
+            <a:r>
+              <a:rPr lang="ja-JP" altLang="en-US" dirty="0"/>
+              <a:t>の論文の</a:t>
+            </a:r>
+            <a:r>
+              <a:rPr lang="en-US" altLang="ja-JP" dirty="0"/>
+              <a:t>Phi-1.5</a:t>
+            </a:r>
+            <a:r>
+              <a:rPr lang="ja-JP" altLang="en-US" dirty="0"/>
+              <a:t>（</a:t>
+            </a:r>
+            <a:r>
+              <a:rPr lang="en-US" altLang="ja-JP" dirty="0"/>
+              <a:t>Microsoft</a:t>
+            </a:r>
+            <a:r>
+              <a:rPr lang="ja-JP" altLang="en-US" dirty="0"/>
+              <a:t>）を使ってみよう</a:t>
+            </a:r>
+            <a:endParaRPr lang="en-US" altLang="ja-JP" dirty="0"/>
+          </a:p>
+          <a:p>
+            <a:endParaRPr lang="en-US" altLang="ja-JP" dirty="0"/>
+          </a:p>
+          <a:p>
+            <a:endParaRPr lang="en-US" altLang="ja-JP" dirty="0"/>
+          </a:p>
+          <a:p>
+            <a:endParaRPr lang="en-US" altLang="ja-JP" dirty="0"/>
+          </a:p>
+          <a:p>
+            <a:r>
+              <a:rPr lang="en-US" altLang="ja-JP" dirty="0"/>
+              <a:t>※</a:t>
+            </a:r>
+            <a:r>
+              <a:rPr lang="ja-JP" altLang="en-US" dirty="0"/>
+              <a:t>ア</a:t>
+            </a:r>
+            <a:r>
+              <a:rPr kumimoji="1" lang="ja-JP" altLang="en-US" dirty="0"/>
+              <a:t>ップロードするときは</a:t>
+            </a:r>
+            <a:r>
+              <a:rPr kumimoji="1" lang="en-US" altLang="ja-JP" dirty="0" err="1"/>
+              <a:t>huggingface</a:t>
+            </a:r>
+            <a:r>
+              <a:rPr kumimoji="1" lang="en-US" altLang="ja-JP" dirty="0"/>
+              <a:t>-cli login</a:t>
+            </a:r>
+            <a:r>
+              <a:rPr kumimoji="1" lang="ja-JP" altLang="en-US" dirty="0"/>
+              <a:t>が必要</a:t>
+            </a:r>
+            <a:endParaRPr kumimoji="1" lang="en-US" altLang="ja-JP" dirty="0"/>
+          </a:p>
+          <a:p>
+            <a:endParaRPr kumimoji="1" lang="en-US" altLang="ja-JP" dirty="0">
+              <a:hlinkClick r:id="rId2"/>
+            </a:endParaRPr>
+          </a:p>
+          <a:p>
+            <a:endParaRPr kumimoji="1" lang="en-US" altLang="ja-JP" dirty="0">
+              <a:hlinkClick r:id="rId2"/>
+            </a:endParaRPr>
+          </a:p>
+          <a:p>
+            <a:r>
+              <a:rPr kumimoji="1" lang="en-US" altLang="ja-JP" dirty="0">
+                <a:hlinkClick r:id="rId2"/>
+              </a:rPr>
+              <a:t>https://arxiv.org/abs/2309.05463</a:t>
+            </a:r>
+            <a:endParaRPr kumimoji="1" lang="en-US" altLang="ja-JP" dirty="0"/>
+          </a:p>
+          <a:p>
+            <a:endParaRPr kumimoji="1" lang="ja-JP" altLang="en-US" dirty="0"/>
           </a:p>
         </p:txBody>
       </p:sp>
@@ -3913,7 +4003,7 @@
           <p:cNvPr id="2" name="タイトル 1">
             <a:extLst>
               <a:ext uri="{FF2B5EF4-FFF2-40B4-BE49-F238E27FC236}">
-                <a16:creationId xmlns:a16="http://schemas.microsoft.com/office/drawing/2014/main" id="{CFB68E09-98DA-B97F-6224-02C529FE5B1C}"/>
+                <a16:creationId xmlns:a16="http://schemas.microsoft.com/office/drawing/2014/main" id="{22366E19-78D9-D536-ADAE-1B95DC70850F}"/>
               </a:ext>
             </a:extLst>
           </p:cNvPr>
@@ -3929,31 +4019,2396 @@
           <a:bodyPr/>
           <a:lstStyle/>
           <a:p>
-            <a:endParaRPr kumimoji="1" lang="ja-JP" altLang="en-US"/>
-          </a:p>
-        </p:txBody>
-      </p:sp>
+            <a:r>
+              <a:rPr kumimoji="1" lang="en-US" altLang="ja-JP" dirty="0"/>
+              <a:t>LLM</a:t>
+            </a:r>
+            <a:r>
+              <a:rPr kumimoji="1" lang="ja-JP" altLang="en-US" dirty="0"/>
+              <a:t>の処理をイメージする</a:t>
+            </a:r>
+          </a:p>
+        </p:txBody>
+      </p:sp>
+      <p:sp>
+        <p:nvSpPr>
+          <p:cNvPr id="14" name="四角形: 角を丸くする 13">
+            <a:extLst>
+              <a:ext uri="{FF2B5EF4-FFF2-40B4-BE49-F238E27FC236}">
+                <a16:creationId xmlns:a16="http://schemas.microsoft.com/office/drawing/2014/main" id="{7B944382-DABA-1AF3-5841-EE6125F35AD1}"/>
+              </a:ext>
+            </a:extLst>
+          </p:cNvPr>
+          <p:cNvSpPr/>
+          <p:nvPr/>
+        </p:nvSpPr>
+        <p:spPr>
+          <a:xfrm>
+            <a:off x="836001" y="3358662"/>
+            <a:ext cx="1371599" cy="641839"/>
+          </a:xfrm>
+          <a:prstGeom prst="roundRect">
+            <a:avLst/>
+          </a:prstGeom>
+          <a:solidFill>
+            <a:schemeClr val="accent6">
+              <a:lumMod val="40000"/>
+              <a:lumOff val="60000"/>
+            </a:schemeClr>
+          </a:solidFill>
+        </p:spPr>
+        <p:style>
+          <a:lnRef idx="2">
+            <a:schemeClr val="accent1">
+              <a:shade val="50000"/>
+            </a:schemeClr>
+          </a:lnRef>
+          <a:fillRef idx="1">
+            <a:schemeClr val="accent1"/>
+          </a:fillRef>
+          <a:effectRef idx="0">
+            <a:schemeClr val="accent1"/>
+          </a:effectRef>
+          <a:fontRef idx="minor">
+            <a:schemeClr val="lt1"/>
+          </a:fontRef>
+        </p:style>
+        <p:txBody>
+          <a:bodyPr rtlCol="0" anchor="ctr"/>
+          <a:lstStyle/>
+          <a:p>
+            <a:pPr algn="ctr"/>
+            <a:r>
+              <a:rPr kumimoji="1" lang="en-US" altLang="ja-JP" dirty="0">
+                <a:solidFill>
+                  <a:schemeClr val="tx1"/>
+                </a:solidFill>
+                <a:latin typeface="Meiryo UI" panose="020B0604030504040204" pitchFamily="50" charset="-128"/>
+                <a:ea typeface="Meiryo UI" panose="020B0604030504040204" pitchFamily="50" charset="-128"/>
+              </a:rPr>
+              <a:t>Raw text</a:t>
+            </a:r>
+            <a:endParaRPr kumimoji="1" lang="ja-JP" altLang="en-US" dirty="0">
+              <a:solidFill>
+                <a:schemeClr val="tx1"/>
+              </a:solidFill>
+              <a:latin typeface="Meiryo UI" panose="020B0604030504040204" pitchFamily="50" charset="-128"/>
+              <a:ea typeface="Meiryo UI" panose="020B0604030504040204" pitchFamily="50" charset="-128"/>
+            </a:endParaRPr>
+          </a:p>
+        </p:txBody>
+      </p:sp>
+      <p:sp>
+        <p:nvSpPr>
+          <p:cNvPr id="15" name="四角形: 角を丸くする 14">
+            <a:extLst>
+              <a:ext uri="{FF2B5EF4-FFF2-40B4-BE49-F238E27FC236}">
+                <a16:creationId xmlns:a16="http://schemas.microsoft.com/office/drawing/2014/main" id="{0228956E-5FB9-3E10-3AD8-44967332FA84}"/>
+              </a:ext>
+            </a:extLst>
+          </p:cNvPr>
+          <p:cNvSpPr/>
+          <p:nvPr/>
+        </p:nvSpPr>
+        <p:spPr>
+          <a:xfrm>
+            <a:off x="2747045" y="3358662"/>
+            <a:ext cx="1698381" cy="641839"/>
+          </a:xfrm>
+          <a:prstGeom prst="roundRect">
+            <a:avLst/>
+          </a:prstGeom>
+        </p:spPr>
+        <p:style>
+          <a:lnRef idx="2">
+            <a:schemeClr val="accent1">
+              <a:shade val="50000"/>
+            </a:schemeClr>
+          </a:lnRef>
+          <a:fillRef idx="1">
+            <a:schemeClr val="accent1"/>
+          </a:fillRef>
+          <a:effectRef idx="0">
+            <a:schemeClr val="accent1"/>
+          </a:effectRef>
+          <a:fontRef idx="minor">
+            <a:schemeClr val="lt1"/>
+          </a:fontRef>
+        </p:style>
+        <p:txBody>
+          <a:bodyPr rtlCol="0" anchor="ctr"/>
+          <a:lstStyle/>
+          <a:p>
+            <a:pPr algn="ctr"/>
+            <a:r>
+              <a:rPr kumimoji="1" lang="en-US" altLang="ja-JP" dirty="0">
+                <a:latin typeface="Meiryo UI" panose="020B0604030504040204" pitchFamily="50" charset="-128"/>
+                <a:ea typeface="Meiryo UI" panose="020B0604030504040204" pitchFamily="50" charset="-128"/>
+              </a:rPr>
+              <a:t>Tokenizer</a:t>
+            </a:r>
+            <a:endParaRPr kumimoji="1" lang="ja-JP" altLang="en-US" dirty="0">
+              <a:latin typeface="Meiryo UI" panose="020B0604030504040204" pitchFamily="50" charset="-128"/>
+              <a:ea typeface="Meiryo UI" panose="020B0604030504040204" pitchFamily="50" charset="-128"/>
+            </a:endParaRPr>
+          </a:p>
+        </p:txBody>
+      </p:sp>
+      <p:sp>
+        <p:nvSpPr>
+          <p:cNvPr id="16" name="四角形: 角を丸くする 15">
+            <a:extLst>
+              <a:ext uri="{FF2B5EF4-FFF2-40B4-BE49-F238E27FC236}">
+                <a16:creationId xmlns:a16="http://schemas.microsoft.com/office/drawing/2014/main" id="{CF781B42-8159-44F3-C78F-71A763311467}"/>
+              </a:ext>
+            </a:extLst>
+          </p:cNvPr>
+          <p:cNvSpPr/>
+          <p:nvPr/>
+        </p:nvSpPr>
+        <p:spPr>
+          <a:xfrm>
+            <a:off x="4984871" y="3358662"/>
+            <a:ext cx="1698381" cy="641839"/>
+          </a:xfrm>
+          <a:prstGeom prst="roundRect">
+            <a:avLst/>
+          </a:prstGeom>
+        </p:spPr>
+        <p:style>
+          <a:lnRef idx="2">
+            <a:schemeClr val="accent1">
+              <a:shade val="50000"/>
+            </a:schemeClr>
+          </a:lnRef>
+          <a:fillRef idx="1">
+            <a:schemeClr val="accent1"/>
+          </a:fillRef>
+          <a:effectRef idx="0">
+            <a:schemeClr val="accent1"/>
+          </a:effectRef>
+          <a:fontRef idx="minor">
+            <a:schemeClr val="lt1"/>
+          </a:fontRef>
+        </p:style>
+        <p:txBody>
+          <a:bodyPr rtlCol="0" anchor="ctr"/>
+          <a:lstStyle/>
+          <a:p>
+            <a:pPr algn="ctr"/>
+            <a:r>
+              <a:rPr kumimoji="1" lang="en-US" altLang="ja-JP" dirty="0">
+                <a:latin typeface="Meiryo UI" panose="020B0604030504040204" pitchFamily="50" charset="-128"/>
+                <a:ea typeface="Meiryo UI" panose="020B0604030504040204" pitchFamily="50" charset="-128"/>
+              </a:rPr>
+              <a:t>model</a:t>
+            </a:r>
+            <a:endParaRPr kumimoji="1" lang="ja-JP" altLang="en-US" dirty="0">
+              <a:latin typeface="Meiryo UI" panose="020B0604030504040204" pitchFamily="50" charset="-128"/>
+              <a:ea typeface="Meiryo UI" panose="020B0604030504040204" pitchFamily="50" charset="-128"/>
+            </a:endParaRPr>
+          </a:p>
+        </p:txBody>
+      </p:sp>
+      <p:sp>
+        <p:nvSpPr>
+          <p:cNvPr id="17" name="四角形: 角を丸くする 16">
+            <a:extLst>
+              <a:ext uri="{FF2B5EF4-FFF2-40B4-BE49-F238E27FC236}">
+                <a16:creationId xmlns:a16="http://schemas.microsoft.com/office/drawing/2014/main" id="{2EEB024A-2745-01C9-C34E-89B9225C6E84}"/>
+              </a:ext>
+            </a:extLst>
+          </p:cNvPr>
+          <p:cNvSpPr/>
+          <p:nvPr/>
+        </p:nvSpPr>
+        <p:spPr>
+          <a:xfrm>
+            <a:off x="7222697" y="3358662"/>
+            <a:ext cx="1698381" cy="641839"/>
+          </a:xfrm>
+          <a:prstGeom prst="roundRect">
+            <a:avLst/>
+          </a:prstGeom>
+        </p:spPr>
+        <p:style>
+          <a:lnRef idx="2">
+            <a:schemeClr val="accent1">
+              <a:shade val="50000"/>
+            </a:schemeClr>
+          </a:lnRef>
+          <a:fillRef idx="1">
+            <a:schemeClr val="accent1"/>
+          </a:fillRef>
+          <a:effectRef idx="0">
+            <a:schemeClr val="accent1"/>
+          </a:effectRef>
+          <a:fontRef idx="minor">
+            <a:schemeClr val="lt1"/>
+          </a:fontRef>
+        </p:style>
+        <p:txBody>
+          <a:bodyPr rtlCol="0" anchor="ctr"/>
+          <a:lstStyle/>
+          <a:p>
+            <a:pPr algn="ctr"/>
+            <a:r>
+              <a:rPr kumimoji="1" lang="en-US" altLang="ja-JP" dirty="0">
+                <a:latin typeface="Meiryo UI" panose="020B0604030504040204" pitchFamily="50" charset="-128"/>
+                <a:ea typeface="Meiryo UI" panose="020B0604030504040204" pitchFamily="50" charset="-128"/>
+              </a:rPr>
+              <a:t>Post</a:t>
+            </a:r>
+            <a:br>
+              <a:rPr kumimoji="1" lang="en-US" altLang="ja-JP" dirty="0">
+                <a:latin typeface="Meiryo UI" panose="020B0604030504040204" pitchFamily="50" charset="-128"/>
+                <a:ea typeface="Meiryo UI" panose="020B0604030504040204" pitchFamily="50" charset="-128"/>
+              </a:rPr>
+            </a:br>
+            <a:r>
+              <a:rPr kumimoji="1" lang="en-US" altLang="ja-JP" dirty="0">
+                <a:latin typeface="Meiryo UI" panose="020B0604030504040204" pitchFamily="50" charset="-128"/>
+                <a:ea typeface="Meiryo UI" panose="020B0604030504040204" pitchFamily="50" charset="-128"/>
+              </a:rPr>
+              <a:t>Processing</a:t>
+            </a:r>
+            <a:endParaRPr kumimoji="1" lang="ja-JP" altLang="en-US" dirty="0">
+              <a:latin typeface="Meiryo UI" panose="020B0604030504040204" pitchFamily="50" charset="-128"/>
+              <a:ea typeface="Meiryo UI" panose="020B0604030504040204" pitchFamily="50" charset="-128"/>
+            </a:endParaRPr>
+          </a:p>
+        </p:txBody>
+      </p:sp>
+      <p:cxnSp>
+        <p:nvCxnSpPr>
+          <p:cNvPr id="19" name="直線矢印コネクタ 18">
+            <a:extLst>
+              <a:ext uri="{FF2B5EF4-FFF2-40B4-BE49-F238E27FC236}">
+                <a16:creationId xmlns:a16="http://schemas.microsoft.com/office/drawing/2014/main" id="{4266875A-6DB6-30A1-D5A2-F03803057691}"/>
+              </a:ext>
+            </a:extLst>
+          </p:cNvPr>
+          <p:cNvCxnSpPr>
+            <a:cxnSpLocks/>
+            <a:stCxn id="15" idx="3"/>
+            <a:endCxn id="16" idx="1"/>
+          </p:cNvCxnSpPr>
+          <p:nvPr/>
+        </p:nvCxnSpPr>
+        <p:spPr>
+          <a:xfrm>
+            <a:off x="4445426" y="3679582"/>
+            <a:ext cx="539445" cy="0"/>
+          </a:xfrm>
+          <a:prstGeom prst="straightConnector1">
+            <a:avLst/>
+          </a:prstGeom>
+          <a:ln>
+            <a:tailEnd type="triangle"/>
+          </a:ln>
+        </p:spPr>
+        <p:style>
+          <a:lnRef idx="2">
+            <a:schemeClr val="accent1"/>
+          </a:lnRef>
+          <a:fillRef idx="0">
+            <a:schemeClr val="accent1"/>
+          </a:fillRef>
+          <a:effectRef idx="1">
+            <a:schemeClr val="accent1"/>
+          </a:effectRef>
+          <a:fontRef idx="minor">
+            <a:schemeClr val="tx1"/>
+          </a:fontRef>
+        </p:style>
+      </p:cxnSp>
+      <p:cxnSp>
+        <p:nvCxnSpPr>
+          <p:cNvPr id="20" name="直線矢印コネクタ 19">
+            <a:extLst>
+              <a:ext uri="{FF2B5EF4-FFF2-40B4-BE49-F238E27FC236}">
+                <a16:creationId xmlns:a16="http://schemas.microsoft.com/office/drawing/2014/main" id="{A6843358-DB2C-E50A-D871-B32B6A9ECD38}"/>
+              </a:ext>
+            </a:extLst>
+          </p:cNvPr>
+          <p:cNvCxnSpPr>
+            <a:cxnSpLocks/>
+            <a:stCxn id="16" idx="3"/>
+            <a:endCxn id="17" idx="1"/>
+          </p:cNvCxnSpPr>
+          <p:nvPr/>
+        </p:nvCxnSpPr>
+        <p:spPr>
+          <a:xfrm>
+            <a:off x="6683252" y="3679582"/>
+            <a:ext cx="539445" cy="0"/>
+          </a:xfrm>
+          <a:prstGeom prst="straightConnector1">
+            <a:avLst/>
+          </a:prstGeom>
+          <a:ln>
+            <a:tailEnd type="triangle"/>
+          </a:ln>
+        </p:spPr>
+        <p:style>
+          <a:lnRef idx="2">
+            <a:schemeClr val="accent1"/>
+          </a:lnRef>
+          <a:fillRef idx="0">
+            <a:schemeClr val="accent1"/>
+          </a:fillRef>
+          <a:effectRef idx="1">
+            <a:schemeClr val="accent1"/>
+          </a:effectRef>
+          <a:fontRef idx="minor">
+            <a:schemeClr val="tx1"/>
+          </a:fontRef>
+        </p:style>
+      </p:cxnSp>
+      <p:sp>
+        <p:nvSpPr>
+          <p:cNvPr id="27" name="四角形: 角を丸くする 26">
+            <a:extLst>
+              <a:ext uri="{FF2B5EF4-FFF2-40B4-BE49-F238E27FC236}">
+                <a16:creationId xmlns:a16="http://schemas.microsoft.com/office/drawing/2014/main" id="{1E531FF2-E924-DD79-011D-4DB11B8562CC}"/>
+              </a:ext>
+            </a:extLst>
+          </p:cNvPr>
+          <p:cNvSpPr/>
+          <p:nvPr/>
+        </p:nvSpPr>
+        <p:spPr>
+          <a:xfrm>
+            <a:off x="9460524" y="3358662"/>
+            <a:ext cx="1371599" cy="641839"/>
+          </a:xfrm>
+          <a:prstGeom prst="roundRect">
+            <a:avLst/>
+          </a:prstGeom>
+          <a:solidFill>
+            <a:schemeClr val="accent6">
+              <a:lumMod val="40000"/>
+              <a:lumOff val="60000"/>
+            </a:schemeClr>
+          </a:solidFill>
+        </p:spPr>
+        <p:style>
+          <a:lnRef idx="2">
+            <a:schemeClr val="accent1">
+              <a:shade val="50000"/>
+            </a:schemeClr>
+          </a:lnRef>
+          <a:fillRef idx="1">
+            <a:schemeClr val="accent1"/>
+          </a:fillRef>
+          <a:effectRef idx="0">
+            <a:schemeClr val="accent1"/>
+          </a:effectRef>
+          <a:fontRef idx="minor">
+            <a:schemeClr val="lt1"/>
+          </a:fontRef>
+        </p:style>
+        <p:txBody>
+          <a:bodyPr rtlCol="0" anchor="ctr"/>
+          <a:lstStyle/>
+          <a:p>
+            <a:pPr algn="ctr"/>
+            <a:r>
+              <a:rPr kumimoji="1" lang="en-US" altLang="ja-JP" dirty="0">
+                <a:solidFill>
+                  <a:schemeClr val="tx1"/>
+                </a:solidFill>
+                <a:latin typeface="Meiryo UI" panose="020B0604030504040204" pitchFamily="50" charset="-128"/>
+                <a:ea typeface="Meiryo UI" panose="020B0604030504040204" pitchFamily="50" charset="-128"/>
+              </a:rPr>
+              <a:t>text</a:t>
+            </a:r>
+            <a:endParaRPr kumimoji="1" lang="ja-JP" altLang="en-US" dirty="0">
+              <a:solidFill>
+                <a:schemeClr val="tx1"/>
+              </a:solidFill>
+              <a:latin typeface="Meiryo UI" panose="020B0604030504040204" pitchFamily="50" charset="-128"/>
+              <a:ea typeface="Meiryo UI" panose="020B0604030504040204" pitchFamily="50" charset="-128"/>
+            </a:endParaRPr>
+          </a:p>
+        </p:txBody>
+      </p:sp>
+      <p:cxnSp>
+        <p:nvCxnSpPr>
+          <p:cNvPr id="28" name="直線矢印コネクタ 27">
+            <a:extLst>
+              <a:ext uri="{FF2B5EF4-FFF2-40B4-BE49-F238E27FC236}">
+                <a16:creationId xmlns:a16="http://schemas.microsoft.com/office/drawing/2014/main" id="{AED92C2C-4367-127C-8B9B-7FC80E962A04}"/>
+              </a:ext>
+            </a:extLst>
+          </p:cNvPr>
+          <p:cNvCxnSpPr>
+            <a:cxnSpLocks/>
+            <a:stCxn id="14" idx="3"/>
+            <a:endCxn id="15" idx="1"/>
+          </p:cNvCxnSpPr>
+          <p:nvPr/>
+        </p:nvCxnSpPr>
+        <p:spPr>
+          <a:xfrm>
+            <a:off x="2207600" y="3679582"/>
+            <a:ext cx="539445" cy="0"/>
+          </a:xfrm>
+          <a:prstGeom prst="straightConnector1">
+            <a:avLst/>
+          </a:prstGeom>
+          <a:ln>
+            <a:tailEnd type="triangle"/>
+          </a:ln>
+        </p:spPr>
+        <p:style>
+          <a:lnRef idx="2">
+            <a:schemeClr val="accent1"/>
+          </a:lnRef>
+          <a:fillRef idx="0">
+            <a:schemeClr val="accent1"/>
+          </a:fillRef>
+          <a:effectRef idx="1">
+            <a:schemeClr val="accent1"/>
+          </a:effectRef>
+          <a:fontRef idx="minor">
+            <a:schemeClr val="tx1"/>
+          </a:fontRef>
+        </p:style>
+      </p:cxnSp>
+      <p:cxnSp>
+        <p:nvCxnSpPr>
+          <p:cNvPr id="29" name="直線矢印コネクタ 28">
+            <a:extLst>
+              <a:ext uri="{FF2B5EF4-FFF2-40B4-BE49-F238E27FC236}">
+                <a16:creationId xmlns:a16="http://schemas.microsoft.com/office/drawing/2014/main" id="{89D9A777-BB07-9D0B-B9CF-734BDD24D951}"/>
+              </a:ext>
+            </a:extLst>
+          </p:cNvPr>
+          <p:cNvCxnSpPr>
+            <a:cxnSpLocks/>
+            <a:stCxn id="17" idx="3"/>
+            <a:endCxn id="27" idx="1"/>
+          </p:cNvCxnSpPr>
+          <p:nvPr/>
+        </p:nvCxnSpPr>
+        <p:spPr>
+          <a:xfrm>
+            <a:off x="8921078" y="3679582"/>
+            <a:ext cx="539446" cy="0"/>
+          </a:xfrm>
+          <a:prstGeom prst="straightConnector1">
+            <a:avLst/>
+          </a:prstGeom>
+          <a:ln>
+            <a:tailEnd type="triangle"/>
+          </a:ln>
+        </p:spPr>
+        <p:style>
+          <a:lnRef idx="2">
+            <a:schemeClr val="accent1"/>
+          </a:lnRef>
+          <a:fillRef idx="0">
+            <a:schemeClr val="accent1"/>
+          </a:fillRef>
+          <a:effectRef idx="1">
+            <a:schemeClr val="accent1"/>
+          </a:effectRef>
+          <a:fontRef idx="minor">
+            <a:schemeClr val="tx1"/>
+          </a:fontRef>
+        </p:style>
+      </p:cxnSp>
+      <p:sp>
+        <p:nvSpPr>
+          <p:cNvPr id="34" name="テキスト ボックス 33">
+            <a:extLst>
+              <a:ext uri="{FF2B5EF4-FFF2-40B4-BE49-F238E27FC236}">
+                <a16:creationId xmlns:a16="http://schemas.microsoft.com/office/drawing/2014/main" id="{419C5DEE-96D9-26A0-C7FB-979A35E35224}"/>
+              </a:ext>
+            </a:extLst>
+          </p:cNvPr>
+          <p:cNvSpPr txBox="1"/>
+          <p:nvPr/>
+        </p:nvSpPr>
+        <p:spPr>
+          <a:xfrm>
+            <a:off x="705005" y="4115095"/>
+            <a:ext cx="1761104" cy="646331"/>
+          </a:xfrm>
+          <a:prstGeom prst="rect">
+            <a:avLst/>
+          </a:prstGeom>
+          <a:noFill/>
+        </p:spPr>
+        <p:txBody>
+          <a:bodyPr wrap="square" rtlCol="0">
+            <a:spAutoFit/>
+          </a:bodyPr>
+          <a:lstStyle/>
+          <a:p>
+            <a:r>
+              <a:rPr lang="en-US" altLang="ja-JP" dirty="0">
+                <a:latin typeface="Meiryo UI" panose="020B0604030504040204" pitchFamily="50" charset="-128"/>
+                <a:ea typeface="Meiryo UI" panose="020B0604030504040204" pitchFamily="50" charset="-128"/>
+              </a:rPr>
+              <a:t>T</a:t>
+            </a:r>
+            <a:r>
+              <a:rPr kumimoji="1" lang="en-US" altLang="ja-JP" dirty="0">
+                <a:latin typeface="Meiryo UI" panose="020B0604030504040204" pitchFamily="50" charset="-128"/>
+                <a:ea typeface="Meiryo UI" panose="020B0604030504040204" pitchFamily="50" charset="-128"/>
+              </a:rPr>
+              <a:t>extbook </a:t>
+            </a:r>
+            <a:r>
+              <a:rPr lang="en-US" altLang="ja-JP" dirty="0">
+                <a:latin typeface="Meiryo UI" panose="020B0604030504040204" pitchFamily="50" charset="-128"/>
+                <a:ea typeface="Meiryo UI" panose="020B0604030504040204" pitchFamily="50" charset="-128"/>
+              </a:rPr>
+              <a:t>is all you need.</a:t>
+            </a:r>
+            <a:endParaRPr kumimoji="1" lang="ja-JP" altLang="en-US" dirty="0">
+              <a:latin typeface="Meiryo UI" panose="020B0604030504040204" pitchFamily="50" charset="-128"/>
+              <a:ea typeface="Meiryo UI" panose="020B0604030504040204" pitchFamily="50" charset="-128"/>
+            </a:endParaRPr>
+          </a:p>
+        </p:txBody>
+      </p:sp>
+      <p:sp>
+        <p:nvSpPr>
+          <p:cNvPr id="36" name="テキスト ボックス 35">
+            <a:extLst>
+              <a:ext uri="{FF2B5EF4-FFF2-40B4-BE49-F238E27FC236}">
+                <a16:creationId xmlns:a16="http://schemas.microsoft.com/office/drawing/2014/main" id="{760C28C8-66DC-B8D7-A0D2-2E7EC33AB04C}"/>
+              </a:ext>
+            </a:extLst>
+          </p:cNvPr>
+          <p:cNvSpPr txBox="1"/>
+          <p:nvPr/>
+        </p:nvSpPr>
+        <p:spPr>
+          <a:xfrm>
+            <a:off x="6560879" y="2957440"/>
+            <a:ext cx="784189" cy="369332"/>
+          </a:xfrm>
+          <a:prstGeom prst="rect">
+            <a:avLst/>
+          </a:prstGeom>
+          <a:noFill/>
+        </p:spPr>
+        <p:txBody>
+          <a:bodyPr wrap="none" rtlCol="0">
+            <a:spAutoFit/>
+          </a:bodyPr>
+          <a:lstStyle/>
+          <a:p>
+            <a:r>
+              <a:rPr lang="en-US" altLang="ja-JP" dirty="0">
+                <a:latin typeface="Meiryo UI" panose="020B0604030504040204" pitchFamily="50" charset="-128"/>
+                <a:ea typeface="Meiryo UI" panose="020B0604030504040204" pitchFamily="50" charset="-128"/>
+              </a:rPr>
+              <a:t>logits</a:t>
+            </a:r>
+            <a:endParaRPr kumimoji="1" lang="ja-JP" altLang="en-US" dirty="0">
+              <a:latin typeface="Meiryo UI" panose="020B0604030504040204" pitchFamily="50" charset="-128"/>
+              <a:ea typeface="Meiryo UI" panose="020B0604030504040204" pitchFamily="50" charset="-128"/>
+            </a:endParaRPr>
+          </a:p>
+        </p:txBody>
+      </p:sp>
+      <p:sp>
+        <p:nvSpPr>
+          <p:cNvPr id="38" name="テキスト ボックス 37">
+            <a:extLst>
+              <a:ext uri="{FF2B5EF4-FFF2-40B4-BE49-F238E27FC236}">
+                <a16:creationId xmlns:a16="http://schemas.microsoft.com/office/drawing/2014/main" id="{5B4AFD6B-3CD3-B2BD-9B08-00595243EA41}"/>
+              </a:ext>
+            </a:extLst>
+          </p:cNvPr>
+          <p:cNvSpPr txBox="1"/>
+          <p:nvPr/>
+        </p:nvSpPr>
+        <p:spPr>
+          <a:xfrm>
+            <a:off x="2124759" y="2957440"/>
+            <a:ext cx="622286" cy="369332"/>
+          </a:xfrm>
+          <a:prstGeom prst="rect">
+            <a:avLst/>
+          </a:prstGeom>
+          <a:noFill/>
+        </p:spPr>
+        <p:txBody>
+          <a:bodyPr wrap="none" rtlCol="0">
+            <a:spAutoFit/>
+          </a:bodyPr>
+          <a:lstStyle/>
+          <a:p>
+            <a:r>
+              <a:rPr lang="en-US" altLang="ja-JP" dirty="0">
+                <a:latin typeface="Meiryo UI" panose="020B0604030504040204" pitchFamily="50" charset="-128"/>
+                <a:ea typeface="Meiryo UI" panose="020B0604030504040204" pitchFamily="50" charset="-128"/>
+              </a:rPr>
+              <a:t>text</a:t>
+            </a:r>
+            <a:endParaRPr kumimoji="1" lang="ja-JP" altLang="en-US" dirty="0">
+              <a:latin typeface="Meiryo UI" panose="020B0604030504040204" pitchFamily="50" charset="-128"/>
+              <a:ea typeface="Meiryo UI" panose="020B0604030504040204" pitchFamily="50" charset="-128"/>
+            </a:endParaRPr>
+          </a:p>
+        </p:txBody>
+      </p:sp>
+      <p:sp>
+        <p:nvSpPr>
+          <p:cNvPr id="39" name="テキスト ボックス 38">
+            <a:extLst>
+              <a:ext uri="{FF2B5EF4-FFF2-40B4-BE49-F238E27FC236}">
+                <a16:creationId xmlns:a16="http://schemas.microsoft.com/office/drawing/2014/main" id="{D8ABCD28-B20B-2AD5-8C59-1ABC6A2A7F9E}"/>
+              </a:ext>
+            </a:extLst>
+          </p:cNvPr>
+          <p:cNvSpPr txBox="1"/>
+          <p:nvPr/>
+        </p:nvSpPr>
+        <p:spPr>
+          <a:xfrm>
+            <a:off x="4392260" y="2957440"/>
+            <a:ext cx="566181" cy="369332"/>
+          </a:xfrm>
+          <a:prstGeom prst="rect">
+            <a:avLst/>
+          </a:prstGeom>
+          <a:noFill/>
+        </p:spPr>
+        <p:txBody>
+          <a:bodyPr wrap="none" rtlCol="0">
+            <a:spAutoFit/>
+          </a:bodyPr>
+          <a:lstStyle/>
+          <a:p>
+            <a:r>
+              <a:rPr lang="en-US" altLang="ja-JP" dirty="0">
+                <a:latin typeface="Meiryo UI" panose="020B0604030504040204" pitchFamily="50" charset="-128"/>
+                <a:ea typeface="Meiryo UI" panose="020B0604030504040204" pitchFamily="50" charset="-128"/>
+              </a:rPr>
+              <a:t>IDs</a:t>
+            </a:r>
+            <a:endParaRPr kumimoji="1" lang="ja-JP" altLang="en-US" dirty="0">
+              <a:latin typeface="Meiryo UI" panose="020B0604030504040204" pitchFamily="50" charset="-128"/>
+              <a:ea typeface="Meiryo UI" panose="020B0604030504040204" pitchFamily="50" charset="-128"/>
+            </a:endParaRPr>
+          </a:p>
+        </p:txBody>
+      </p:sp>
+      <p:sp>
+        <p:nvSpPr>
+          <p:cNvPr id="41" name="テキスト ボックス 40">
+            <a:extLst>
+              <a:ext uri="{FF2B5EF4-FFF2-40B4-BE49-F238E27FC236}">
+                <a16:creationId xmlns:a16="http://schemas.microsoft.com/office/drawing/2014/main" id="{9948234A-7C8B-5B06-A2FE-613BE78263EE}"/>
+              </a:ext>
+            </a:extLst>
+          </p:cNvPr>
+          <p:cNvSpPr txBox="1"/>
+          <p:nvPr/>
+        </p:nvSpPr>
+        <p:spPr>
+          <a:xfrm>
+            <a:off x="8864387" y="2957440"/>
+            <a:ext cx="652828" cy="369332"/>
+          </a:xfrm>
+          <a:prstGeom prst="rect">
+            <a:avLst/>
+          </a:prstGeom>
+          <a:noFill/>
+        </p:spPr>
+        <p:txBody>
+          <a:bodyPr wrap="square">
+            <a:spAutoFit/>
+          </a:bodyPr>
+          <a:lstStyle/>
+          <a:p>
+            <a:r>
+              <a:rPr lang="en-US" altLang="ja-JP" dirty="0">
+                <a:latin typeface="Meiryo UI" panose="020B0604030504040204" pitchFamily="50" charset="-128"/>
+                <a:ea typeface="Meiryo UI" panose="020B0604030504040204" pitchFamily="50" charset="-128"/>
+              </a:rPr>
+              <a:t>text</a:t>
+            </a:r>
+            <a:endParaRPr lang="ja-JP" altLang="en-US" dirty="0"/>
+          </a:p>
+        </p:txBody>
+      </p:sp>
+      <p:sp>
+        <p:nvSpPr>
+          <p:cNvPr id="45" name="テキスト ボックス 44">
+            <a:extLst>
+              <a:ext uri="{FF2B5EF4-FFF2-40B4-BE49-F238E27FC236}">
+                <a16:creationId xmlns:a16="http://schemas.microsoft.com/office/drawing/2014/main" id="{F8DA437F-978F-3101-6F05-69BFE464EABE}"/>
+              </a:ext>
+            </a:extLst>
+          </p:cNvPr>
+          <p:cNvSpPr txBox="1"/>
+          <p:nvPr/>
+        </p:nvSpPr>
+        <p:spPr>
+          <a:xfrm>
+            <a:off x="2590800" y="4117583"/>
+            <a:ext cx="2367641" cy="923330"/>
+          </a:xfrm>
+          <a:prstGeom prst="rect">
+            <a:avLst/>
+          </a:prstGeom>
+          <a:noFill/>
+        </p:spPr>
+        <p:txBody>
+          <a:bodyPr wrap="square">
+            <a:spAutoFit/>
+          </a:bodyPr>
+          <a:lstStyle/>
+          <a:p>
+            <a:r>
+              <a:rPr lang="en-US" altLang="ja-JP" dirty="0">
+                <a:latin typeface="Meiryo UI" panose="020B0604030504040204" pitchFamily="50" charset="-128"/>
+                <a:ea typeface="Meiryo UI" panose="020B0604030504040204" pitchFamily="50" charset="-128"/>
+              </a:rPr>
+              <a:t>[ 8206, 2070,  318,  477,  345,  761,   13]</a:t>
+            </a:r>
+            <a:endParaRPr lang="ja-JP" altLang="en-US" dirty="0">
+              <a:latin typeface="Meiryo UI" panose="020B0604030504040204" pitchFamily="50" charset="-128"/>
+              <a:ea typeface="Meiryo UI" panose="020B0604030504040204" pitchFamily="50" charset="-128"/>
+            </a:endParaRPr>
+          </a:p>
+        </p:txBody>
+      </p:sp>
+      <p:sp>
+        <p:nvSpPr>
+          <p:cNvPr id="49" name="テキスト ボックス 48">
+            <a:extLst>
+              <a:ext uri="{FF2B5EF4-FFF2-40B4-BE49-F238E27FC236}">
+                <a16:creationId xmlns:a16="http://schemas.microsoft.com/office/drawing/2014/main" id="{892695CB-B473-5290-38CD-2FBDD82553BA}"/>
+              </a:ext>
+            </a:extLst>
+          </p:cNvPr>
+          <p:cNvSpPr txBox="1"/>
+          <p:nvPr/>
+        </p:nvSpPr>
+        <p:spPr>
+          <a:xfrm>
+            <a:off x="8664718" y="704712"/>
+            <a:ext cx="3373583" cy="2192908"/>
+          </a:xfrm>
+          <a:prstGeom prst="rect">
+            <a:avLst/>
+          </a:prstGeom>
+          <a:noFill/>
+        </p:spPr>
+        <p:txBody>
+          <a:bodyPr wrap="square">
+            <a:spAutoFit/>
+          </a:bodyPr>
+          <a:lstStyle/>
+          <a:p>
+            <a:r>
+              <a:rPr lang="en-US" altLang="ja-JP" sz="1050" dirty="0">
+                <a:latin typeface="Meiryo UI" panose="020B0604030504040204" pitchFamily="50" charset="-128"/>
+                <a:ea typeface="Meiryo UI" panose="020B0604030504040204" pitchFamily="50" charset="-128"/>
+              </a:rPr>
+              <a:t>Textbook is all you need.</a:t>
+            </a:r>
+          </a:p>
+          <a:p>
+            <a:endParaRPr lang="en-US" altLang="ja-JP" sz="1050" dirty="0">
+              <a:latin typeface="Meiryo UI" panose="020B0604030504040204" pitchFamily="50" charset="-128"/>
+              <a:ea typeface="Meiryo UI" panose="020B0604030504040204" pitchFamily="50" charset="-128"/>
+            </a:endParaRPr>
+          </a:p>
+          <a:p>
+            <a:r>
+              <a:rPr lang="en-US" altLang="ja-JP" sz="1050" dirty="0">
+                <a:latin typeface="Meiryo UI" panose="020B0604030504040204" pitchFamily="50" charset="-128"/>
+                <a:ea typeface="Meiryo UI" panose="020B0604030504040204" pitchFamily="50" charset="-128"/>
+              </a:rPr>
+              <a:t>Exercises:</a:t>
+            </a:r>
+          </a:p>
+          <a:p>
+            <a:endParaRPr lang="en-US" altLang="ja-JP" sz="1050" dirty="0">
+              <a:latin typeface="Meiryo UI" panose="020B0604030504040204" pitchFamily="50" charset="-128"/>
+              <a:ea typeface="Meiryo UI" panose="020B0604030504040204" pitchFamily="50" charset="-128"/>
+            </a:endParaRPr>
+          </a:p>
+          <a:p>
+            <a:r>
+              <a:rPr lang="en-US" altLang="ja-JP" sz="1050" dirty="0">
+                <a:latin typeface="Meiryo UI" panose="020B0604030504040204" pitchFamily="50" charset="-128"/>
+                <a:ea typeface="Meiryo UI" panose="020B0604030504040204" pitchFamily="50" charset="-128"/>
+              </a:rPr>
+              <a:t>1. What is a cell phone?</a:t>
+            </a:r>
+          </a:p>
+          <a:p>
+            <a:r>
+              <a:rPr lang="en-US" altLang="ja-JP" sz="1050" dirty="0">
+                <a:latin typeface="Meiryo UI" panose="020B0604030504040204" pitchFamily="50" charset="-128"/>
+                <a:ea typeface="Meiryo UI" panose="020B0604030504040204" pitchFamily="50" charset="-128"/>
+              </a:rPr>
+              <a:t>Answer: A cell phone is a device that allows you to make phone calls, send text messages, and access the internet.</a:t>
+            </a:r>
+          </a:p>
+          <a:p>
+            <a:endParaRPr lang="en-US" altLang="ja-JP" sz="1050" dirty="0">
+              <a:latin typeface="Meiryo UI" panose="020B0604030504040204" pitchFamily="50" charset="-128"/>
+              <a:ea typeface="Meiryo UI" panose="020B0604030504040204" pitchFamily="50" charset="-128"/>
+            </a:endParaRPr>
+          </a:p>
+          <a:p>
+            <a:r>
+              <a:rPr lang="en-US" altLang="ja-JP" sz="1050" dirty="0">
+                <a:latin typeface="Meiryo UI" panose="020B0604030504040204" pitchFamily="50" charset="-128"/>
+                <a:ea typeface="Meiryo UI" panose="020B0604030504040204" pitchFamily="50" charset="-128"/>
+              </a:rPr>
+              <a:t>2. What are some accessories that you can use with your cell phone?</a:t>
+            </a:r>
+          </a:p>
+          <a:p>
+            <a:r>
+              <a:rPr lang="en-US" altLang="ja-JP" sz="1050" dirty="0">
+                <a:latin typeface="Meiryo UI" panose="020B0604030504040204" pitchFamily="50" charset="-128"/>
+                <a:ea typeface="Meiryo UI" panose="020B0604030504040204" pitchFamily="50" charset="-128"/>
+              </a:rPr>
+              <a:t>Answer: Some accessories that you can use with your cell phone include</a:t>
+            </a:r>
+            <a:endParaRPr lang="ja-JP" altLang="en-US" sz="1050" dirty="0">
+              <a:latin typeface="Meiryo UI" panose="020B0604030504040204" pitchFamily="50" charset="-128"/>
+              <a:ea typeface="Meiryo UI" panose="020B0604030504040204" pitchFamily="50" charset="-128"/>
+            </a:endParaRPr>
+          </a:p>
+        </p:txBody>
+      </p:sp>
+      <p:sp>
+        <p:nvSpPr>
+          <p:cNvPr id="51" name="テキスト ボックス 50">
+            <a:extLst>
+              <a:ext uri="{FF2B5EF4-FFF2-40B4-BE49-F238E27FC236}">
+                <a16:creationId xmlns:a16="http://schemas.microsoft.com/office/drawing/2014/main" id="{7EAA94B5-4230-0106-67F7-C5A5B6E7A82A}"/>
+              </a:ext>
+            </a:extLst>
+          </p:cNvPr>
+          <p:cNvSpPr txBox="1"/>
+          <p:nvPr/>
+        </p:nvSpPr>
+        <p:spPr>
+          <a:xfrm>
+            <a:off x="6743056" y="4314960"/>
+            <a:ext cx="4141176" cy="1384995"/>
+          </a:xfrm>
+          <a:prstGeom prst="rect">
+            <a:avLst/>
+          </a:prstGeom>
+          <a:noFill/>
+        </p:spPr>
+        <p:txBody>
+          <a:bodyPr wrap="square">
+            <a:spAutoFit/>
+          </a:bodyPr>
+          <a:lstStyle/>
+          <a:p>
+            <a:r>
+              <a:rPr lang="en-US" altLang="ja-JP" sz="1050" b="0" i="0" dirty="0">
+                <a:effectLst/>
+                <a:latin typeface="Consolas" panose="020B0609020204030204" pitchFamily="49" charset="0"/>
+              </a:rPr>
+              <a:t>[ 8206, 2070, 318, 477, 345, 761, 13, 198, 198, 3109, 2798, 2696, 25, 198, 198, 16, 13, 1867, 318, 257, 2685, 3072, 30, 198, 33706, 25, 317, 2685, 3072, 318, 257, 3335, 326, 3578, 345, 284, 787, 3072, 3848, 11, 3758, 2420, 6218, 11, 290, 1895, 262, 5230, 13, 198, 198, 17, 13, 1867, 389, 617, 18199, 326, 345, 460, 779, 351, 534, 2685, 3072, 30, 198, 33706, 25, 2773, 18199, 326, 345, 460, 779, 351, 534, 2685, 3072, 2291]</a:t>
+            </a:r>
+            <a:endParaRPr lang="ja-JP" altLang="en-US" sz="1050" dirty="0"/>
+          </a:p>
+        </p:txBody>
+      </p:sp>
+    </p:spTree>
+    <p:extLst>
+      <p:ext uri="{BB962C8B-B14F-4D97-AF65-F5344CB8AC3E}">
+        <p14:creationId xmlns:p14="http://schemas.microsoft.com/office/powerpoint/2010/main" val="2032352707"/>
+      </p:ext>
+    </p:extLst>
+  </p:cSld>
+  <p:clrMapOvr>
+    <a:masterClrMapping/>
+  </p:clrMapOvr>
+</p:sld>
+</file>
+
+<file path=ppt/slides/slide12.xml><?xml version="1.0" encoding="utf-8"?>
+<p:sld xmlns:a="http://schemas.openxmlformats.org/drawingml/2006/main" xmlns:r="http://schemas.openxmlformats.org/officeDocument/2006/relationships" xmlns:p="http://schemas.openxmlformats.org/presentationml/2006/main">
+  <p:cSld>
+    <p:spTree>
+      <p:nvGrpSpPr>
+        <p:cNvPr id="1" name=""/>
+        <p:cNvGrpSpPr/>
+        <p:nvPr/>
+      </p:nvGrpSpPr>
+      <p:grpSpPr>
+        <a:xfrm>
+          <a:off x="0" y="0"/>
+          <a:ext cx="0" cy="0"/>
+          <a:chOff x="0" y="0"/>
+          <a:chExt cx="0" cy="0"/>
+        </a:xfrm>
+      </p:grpSpPr>
+      <p:sp>
+        <p:nvSpPr>
+          <p:cNvPr id="15" name="正方形/長方形 14">
+            <a:extLst>
+              <a:ext uri="{FF2B5EF4-FFF2-40B4-BE49-F238E27FC236}">
+                <a16:creationId xmlns:a16="http://schemas.microsoft.com/office/drawing/2014/main" id="{023D9D19-E72E-0DE1-EDB1-893DCAF70A1D}"/>
+              </a:ext>
+            </a:extLst>
+          </p:cNvPr>
+          <p:cNvSpPr/>
+          <p:nvPr/>
+        </p:nvSpPr>
+        <p:spPr>
+          <a:xfrm>
+            <a:off x="1867686" y="5616778"/>
+            <a:ext cx="9493057" cy="1090463"/>
+          </a:xfrm>
+          <a:prstGeom prst="rect">
+            <a:avLst/>
+          </a:prstGeom>
+          <a:solidFill>
+            <a:schemeClr val="accent2">
+              <a:lumMod val="40000"/>
+              <a:lumOff val="60000"/>
+            </a:schemeClr>
+          </a:solidFill>
+          <a:ln w="9525"/>
+        </p:spPr>
+        <p:style>
+          <a:lnRef idx="2">
+            <a:schemeClr val="accent1">
+              <a:shade val="50000"/>
+            </a:schemeClr>
+          </a:lnRef>
+          <a:fillRef idx="1">
+            <a:schemeClr val="accent1"/>
+          </a:fillRef>
+          <a:effectRef idx="0">
+            <a:schemeClr val="accent1"/>
+          </a:effectRef>
+          <a:fontRef idx="minor">
+            <a:schemeClr val="lt1"/>
+          </a:fontRef>
+        </p:style>
+        <p:txBody>
+          <a:bodyPr rtlCol="0" anchor="ctr"/>
+          <a:lstStyle/>
+          <a:p>
+            <a:pPr algn="ctr"/>
+            <a:endParaRPr kumimoji="1" lang="ja-JP" altLang="en-US" sz="1400" b="1" dirty="0">
+              <a:latin typeface="Meiryo UI" panose="020B0604030504040204" pitchFamily="50" charset="-128"/>
+              <a:ea typeface="Meiryo UI" panose="020B0604030504040204" pitchFamily="50" charset="-128"/>
+            </a:endParaRPr>
+          </a:p>
+        </p:txBody>
+      </p:sp>
+      <p:sp>
+        <p:nvSpPr>
+          <p:cNvPr id="11" name="正方形/長方形 10">
+            <a:extLst>
+              <a:ext uri="{FF2B5EF4-FFF2-40B4-BE49-F238E27FC236}">
+                <a16:creationId xmlns:a16="http://schemas.microsoft.com/office/drawing/2014/main" id="{74F26ACD-5D6A-1C61-2C2B-1D197752F696}"/>
+              </a:ext>
+            </a:extLst>
+          </p:cNvPr>
+          <p:cNvSpPr/>
+          <p:nvPr/>
+        </p:nvSpPr>
+        <p:spPr>
+          <a:xfrm>
+            <a:off x="1867686" y="1450731"/>
+            <a:ext cx="9493057" cy="1185668"/>
+          </a:xfrm>
+          <a:prstGeom prst="rect">
+            <a:avLst/>
+          </a:prstGeom>
+          <a:solidFill>
+            <a:schemeClr val="accent2">
+              <a:lumMod val="40000"/>
+              <a:lumOff val="60000"/>
+            </a:schemeClr>
+          </a:solidFill>
+          <a:ln w="9525"/>
+        </p:spPr>
+        <p:style>
+          <a:lnRef idx="2">
+            <a:schemeClr val="accent1">
+              <a:shade val="50000"/>
+            </a:schemeClr>
+          </a:lnRef>
+          <a:fillRef idx="1">
+            <a:schemeClr val="accent1"/>
+          </a:fillRef>
+          <a:effectRef idx="0">
+            <a:schemeClr val="accent1"/>
+          </a:effectRef>
+          <a:fontRef idx="minor">
+            <a:schemeClr val="lt1"/>
+          </a:fontRef>
+        </p:style>
+        <p:txBody>
+          <a:bodyPr rtlCol="0" anchor="ctr"/>
+          <a:lstStyle/>
+          <a:p>
+            <a:pPr algn="ctr"/>
+            <a:endParaRPr kumimoji="1" lang="ja-JP" altLang="en-US" sz="1400" b="1" dirty="0">
+              <a:latin typeface="Meiryo UI" panose="020B0604030504040204" pitchFamily="50" charset="-128"/>
+              <a:ea typeface="Meiryo UI" panose="020B0604030504040204" pitchFamily="50" charset="-128"/>
+            </a:endParaRPr>
+          </a:p>
+        </p:txBody>
+      </p:sp>
+      <p:sp>
+        <p:nvSpPr>
+          <p:cNvPr id="46" name="正方形/長方形 45">
+            <a:extLst>
+              <a:ext uri="{FF2B5EF4-FFF2-40B4-BE49-F238E27FC236}">
+                <a16:creationId xmlns:a16="http://schemas.microsoft.com/office/drawing/2014/main" id="{4311BB07-AF11-DAED-50F4-741174304954}"/>
+              </a:ext>
+            </a:extLst>
+          </p:cNvPr>
+          <p:cNvSpPr/>
+          <p:nvPr/>
+        </p:nvSpPr>
+        <p:spPr>
+          <a:xfrm>
+            <a:off x="1867687" y="2734622"/>
+            <a:ext cx="9493057" cy="2783933"/>
+          </a:xfrm>
+          <a:prstGeom prst="rect">
+            <a:avLst/>
+          </a:prstGeom>
+          <a:solidFill>
+            <a:schemeClr val="accent6">
+              <a:lumMod val="20000"/>
+              <a:lumOff val="80000"/>
+            </a:schemeClr>
+          </a:solidFill>
+          <a:ln w="9525"/>
+        </p:spPr>
+        <p:style>
+          <a:lnRef idx="2">
+            <a:schemeClr val="accent1">
+              <a:shade val="50000"/>
+            </a:schemeClr>
+          </a:lnRef>
+          <a:fillRef idx="1">
+            <a:schemeClr val="accent1"/>
+          </a:fillRef>
+          <a:effectRef idx="0">
+            <a:schemeClr val="accent1"/>
+          </a:effectRef>
+          <a:fontRef idx="minor">
+            <a:schemeClr val="lt1"/>
+          </a:fontRef>
+        </p:style>
+        <p:txBody>
+          <a:bodyPr rtlCol="0" anchor="ctr"/>
+          <a:lstStyle/>
+          <a:p>
+            <a:pPr algn="ctr"/>
+            <a:endParaRPr kumimoji="1" lang="ja-JP" altLang="en-US" sz="1400" b="1" dirty="0">
+              <a:latin typeface="Meiryo UI" panose="020B0604030504040204" pitchFamily="50" charset="-128"/>
+              <a:ea typeface="Meiryo UI" panose="020B0604030504040204" pitchFamily="50" charset="-128"/>
+            </a:endParaRPr>
+          </a:p>
+        </p:txBody>
+      </p:sp>
+      <p:sp>
+        <p:nvSpPr>
+          <p:cNvPr id="2" name="タイトル 1">
+            <a:extLst>
+              <a:ext uri="{FF2B5EF4-FFF2-40B4-BE49-F238E27FC236}">
+                <a16:creationId xmlns:a16="http://schemas.microsoft.com/office/drawing/2014/main" id="{7341CB0E-875D-2339-12A7-07F66D2CBDB4}"/>
+              </a:ext>
+            </a:extLst>
+          </p:cNvPr>
+          <p:cNvSpPr>
+            <a:spLocks noGrp="1"/>
+          </p:cNvSpPr>
+          <p:nvPr>
+            <p:ph type="title"/>
+          </p:nvPr>
+        </p:nvSpPr>
+        <p:spPr/>
+        <p:txBody>
+          <a:bodyPr/>
+          <a:lstStyle/>
+          <a:p>
+            <a:r>
+              <a:rPr kumimoji="1" lang="ja-JP" altLang="en-US" b="1" dirty="0"/>
+              <a:t>前提知識</a:t>
+            </a:r>
+            <a:r>
+              <a:rPr kumimoji="1" lang="ja-JP" altLang="en-US" sz="2800" b="1" dirty="0"/>
+              <a:t>（</a:t>
+            </a:r>
+            <a:r>
+              <a:rPr kumimoji="1" lang="en-US" altLang="ja-JP" sz="2800" b="1" dirty="0"/>
+              <a:t>LLM</a:t>
+            </a:r>
+            <a:r>
+              <a:rPr kumimoji="1" lang="ja-JP" altLang="en-US" sz="2800" b="1" dirty="0"/>
+              <a:t>の推論の流れ）</a:t>
+            </a:r>
+            <a:endParaRPr kumimoji="1" lang="ja-JP" altLang="en-US" b="1" dirty="0"/>
+          </a:p>
+        </p:txBody>
+      </p:sp>
+      <p:sp>
+        <p:nvSpPr>
+          <p:cNvPr id="4" name="テキスト ボックス 3">
+            <a:extLst>
+              <a:ext uri="{FF2B5EF4-FFF2-40B4-BE49-F238E27FC236}">
+                <a16:creationId xmlns:a16="http://schemas.microsoft.com/office/drawing/2014/main" id="{618FBC87-714C-3765-8297-6980161BD1FC}"/>
+              </a:ext>
+            </a:extLst>
+          </p:cNvPr>
+          <p:cNvSpPr txBox="1"/>
+          <p:nvPr/>
+        </p:nvSpPr>
+        <p:spPr>
+          <a:xfrm>
+            <a:off x="6203574" y="1618268"/>
+            <a:ext cx="4760021" cy="307777"/>
+          </a:xfrm>
+          <a:prstGeom prst="rect">
+            <a:avLst/>
+          </a:prstGeom>
+          <a:noFill/>
+        </p:spPr>
+        <p:txBody>
+          <a:bodyPr wrap="none" rtlCol="0">
+            <a:spAutoFit/>
+          </a:bodyPr>
+          <a:lstStyle/>
+          <a:p>
+            <a:r>
+              <a:rPr kumimoji="1" lang="en-US" altLang="ja-JP" sz="1400" b="1" dirty="0">
+                <a:latin typeface="Meiryo UI" panose="020B0604030504040204" pitchFamily="50" charset="-128"/>
+                <a:ea typeface="Meiryo UI" panose="020B0604030504040204" pitchFamily="50" charset="-128"/>
+              </a:rPr>
+              <a:t>“</a:t>
+            </a:r>
+            <a:r>
+              <a:rPr kumimoji="1" lang="en-US" altLang="ja-JP" sz="1400" b="1" dirty="0">
+                <a:solidFill>
+                  <a:schemeClr val="tx1">
+                    <a:lumMod val="50000"/>
+                    <a:lumOff val="50000"/>
+                  </a:schemeClr>
+                </a:solidFill>
+                <a:latin typeface="Meiryo UI" panose="020B0604030504040204" pitchFamily="50" charset="-128"/>
+                <a:ea typeface="Meiryo UI" panose="020B0604030504040204" pitchFamily="50" charset="-128"/>
+              </a:rPr>
+              <a:t>attention</a:t>
+            </a:r>
+            <a:r>
+              <a:rPr kumimoji="1" lang="en-US" altLang="ja-JP" sz="1400" b="1" dirty="0">
+                <a:latin typeface="Meiryo UI" panose="020B0604030504040204" pitchFamily="50" charset="-128"/>
+                <a:ea typeface="Meiryo UI" panose="020B0604030504040204" pitchFamily="50" charset="-128"/>
+              </a:rPr>
+              <a:t>”,    “</a:t>
+            </a:r>
+            <a:r>
+              <a:rPr kumimoji="1" lang="en-US" altLang="ja-JP" sz="1400" b="1" dirty="0">
+                <a:solidFill>
+                  <a:schemeClr val="tx2">
+                    <a:lumMod val="40000"/>
+                    <a:lumOff val="60000"/>
+                  </a:schemeClr>
+                </a:solidFill>
+                <a:latin typeface="Meiryo UI" panose="020B0604030504040204" pitchFamily="50" charset="-128"/>
+                <a:ea typeface="Meiryo UI" panose="020B0604030504040204" pitchFamily="50" charset="-128"/>
+              </a:rPr>
+              <a:t>is</a:t>
+            </a:r>
+            <a:r>
+              <a:rPr kumimoji="1" lang="en-US" altLang="ja-JP" sz="1400" b="1" dirty="0">
+                <a:latin typeface="Meiryo UI" panose="020B0604030504040204" pitchFamily="50" charset="-128"/>
+                <a:ea typeface="Meiryo UI" panose="020B0604030504040204" pitchFamily="50" charset="-128"/>
+              </a:rPr>
+              <a:t>”,    “</a:t>
+            </a:r>
+            <a:r>
+              <a:rPr kumimoji="1" lang="en-US" altLang="ja-JP" sz="1400" b="1" dirty="0">
+                <a:solidFill>
+                  <a:schemeClr val="accent5">
+                    <a:lumMod val="60000"/>
+                    <a:lumOff val="40000"/>
+                  </a:schemeClr>
+                </a:solidFill>
+                <a:latin typeface="Meiryo UI" panose="020B0604030504040204" pitchFamily="50" charset="-128"/>
+                <a:ea typeface="Meiryo UI" panose="020B0604030504040204" pitchFamily="50" charset="-128"/>
+              </a:rPr>
+              <a:t>all</a:t>
+            </a:r>
+            <a:r>
+              <a:rPr kumimoji="1" lang="en-US" altLang="ja-JP" sz="1400" b="1" dirty="0">
+                <a:latin typeface="Meiryo UI" panose="020B0604030504040204" pitchFamily="50" charset="-128"/>
+                <a:ea typeface="Meiryo UI" panose="020B0604030504040204" pitchFamily="50" charset="-128"/>
+              </a:rPr>
+              <a:t>”,    “</a:t>
+            </a:r>
+            <a:r>
+              <a:rPr kumimoji="1" lang="en-US" altLang="ja-JP" sz="1400" b="1" dirty="0">
+                <a:solidFill>
+                  <a:schemeClr val="accent3">
+                    <a:lumMod val="40000"/>
+                    <a:lumOff val="60000"/>
+                  </a:schemeClr>
+                </a:solidFill>
+                <a:latin typeface="Meiryo UI" panose="020B0604030504040204" pitchFamily="50" charset="-128"/>
+                <a:ea typeface="Meiryo UI" panose="020B0604030504040204" pitchFamily="50" charset="-128"/>
+              </a:rPr>
+              <a:t>you</a:t>
+            </a:r>
+            <a:r>
+              <a:rPr kumimoji="1" lang="en-US" altLang="ja-JP" sz="1400" b="1" dirty="0">
+                <a:latin typeface="Meiryo UI" panose="020B0604030504040204" pitchFamily="50" charset="-128"/>
+                <a:ea typeface="Meiryo UI" panose="020B0604030504040204" pitchFamily="50" charset="-128"/>
+              </a:rPr>
+              <a:t>”,    “</a:t>
+            </a:r>
+            <a:r>
+              <a:rPr kumimoji="1" lang="en-US" altLang="ja-JP" sz="1400" b="1" dirty="0">
+                <a:solidFill>
+                  <a:schemeClr val="accent5">
+                    <a:lumMod val="40000"/>
+                    <a:lumOff val="60000"/>
+                  </a:schemeClr>
+                </a:solidFill>
+                <a:latin typeface="Meiryo UI" panose="020B0604030504040204" pitchFamily="50" charset="-128"/>
+                <a:ea typeface="Meiryo UI" panose="020B0604030504040204" pitchFamily="50" charset="-128"/>
+              </a:rPr>
+              <a:t>need</a:t>
+            </a:r>
+            <a:r>
+              <a:rPr kumimoji="1" lang="en-US" altLang="ja-JP" sz="1400" b="1" dirty="0">
+                <a:latin typeface="Meiryo UI" panose="020B0604030504040204" pitchFamily="50" charset="-128"/>
+                <a:ea typeface="Meiryo UI" panose="020B0604030504040204" pitchFamily="50" charset="-128"/>
+              </a:rPr>
+              <a:t>”,    “.”</a:t>
+            </a:r>
+            <a:endParaRPr kumimoji="1" lang="ja-JP" altLang="en-US" sz="1400" b="1" dirty="0">
+              <a:latin typeface="Meiryo UI" panose="020B0604030504040204" pitchFamily="50" charset="-128"/>
+              <a:ea typeface="Meiryo UI" panose="020B0604030504040204" pitchFamily="50" charset="-128"/>
+            </a:endParaRPr>
+          </a:p>
+        </p:txBody>
+      </p:sp>
+      <p:sp>
+        <p:nvSpPr>
+          <p:cNvPr id="7" name="テキスト ボックス 6">
+            <a:extLst>
+              <a:ext uri="{FF2B5EF4-FFF2-40B4-BE49-F238E27FC236}">
+                <a16:creationId xmlns:a16="http://schemas.microsoft.com/office/drawing/2014/main" id="{91C1CCD3-B529-6EE2-F382-7CFF7A57222B}"/>
+              </a:ext>
+            </a:extLst>
+          </p:cNvPr>
+          <p:cNvSpPr txBox="1"/>
+          <p:nvPr/>
+        </p:nvSpPr>
+        <p:spPr>
+          <a:xfrm>
+            <a:off x="2377727" y="2111849"/>
+            <a:ext cx="596638" cy="307777"/>
+          </a:xfrm>
+          <a:prstGeom prst="rect">
+            <a:avLst/>
+          </a:prstGeom>
+          <a:noFill/>
+        </p:spPr>
+        <p:txBody>
+          <a:bodyPr wrap="none" rtlCol="0">
+            <a:spAutoFit/>
+          </a:bodyPr>
+          <a:lstStyle/>
+          <a:p>
+            <a:r>
+              <a:rPr lang="en-US" altLang="ja-JP" sz="1400" b="1" dirty="0">
+                <a:latin typeface="Meiryo UI" panose="020B0604030504040204" pitchFamily="50" charset="-128"/>
+                <a:ea typeface="Meiryo UI" panose="020B0604030504040204" pitchFamily="50" charset="-128"/>
+              </a:rPr>
+              <a:t>ID</a:t>
+            </a:r>
+            <a:r>
+              <a:rPr kumimoji="1" lang="ja-JP" altLang="en-US" sz="1400" b="1" dirty="0">
+                <a:latin typeface="Meiryo UI" panose="020B0604030504040204" pitchFamily="50" charset="-128"/>
+                <a:ea typeface="Meiryo UI" panose="020B0604030504040204" pitchFamily="50" charset="-128"/>
+              </a:rPr>
+              <a:t>化</a:t>
+            </a:r>
+          </a:p>
+        </p:txBody>
+      </p:sp>
+      <p:sp>
+        <p:nvSpPr>
+          <p:cNvPr id="10" name="テキスト ボックス 9">
+            <a:extLst>
+              <a:ext uri="{FF2B5EF4-FFF2-40B4-BE49-F238E27FC236}">
+                <a16:creationId xmlns:a16="http://schemas.microsoft.com/office/drawing/2014/main" id="{EBDC69E9-549A-3BD4-039A-F4BEDCB3BE2D}"/>
+              </a:ext>
+            </a:extLst>
+          </p:cNvPr>
+          <p:cNvSpPr txBox="1"/>
+          <p:nvPr/>
+        </p:nvSpPr>
+        <p:spPr>
+          <a:xfrm>
+            <a:off x="1930643" y="3139654"/>
+            <a:ext cx="1426994" cy="307777"/>
+          </a:xfrm>
+          <a:prstGeom prst="rect">
+            <a:avLst/>
+          </a:prstGeom>
+          <a:noFill/>
+        </p:spPr>
+        <p:txBody>
+          <a:bodyPr wrap="none" rtlCol="0">
+            <a:spAutoFit/>
+          </a:bodyPr>
+          <a:lstStyle/>
+          <a:p>
+            <a:r>
+              <a:rPr kumimoji="1" lang="ja-JP" altLang="en-US" sz="1400" b="1" dirty="0">
+                <a:latin typeface="Meiryo UI" panose="020B0604030504040204" pitchFamily="50" charset="-128"/>
+                <a:ea typeface="Meiryo UI" panose="020B0604030504040204" pitchFamily="50" charset="-128"/>
+              </a:rPr>
+              <a:t>位置情報の付与</a:t>
+            </a:r>
+          </a:p>
+        </p:txBody>
+      </p:sp>
+      <p:sp>
+        <p:nvSpPr>
+          <p:cNvPr id="13" name="テキスト ボックス 12">
+            <a:extLst>
+              <a:ext uri="{FF2B5EF4-FFF2-40B4-BE49-F238E27FC236}">
+                <a16:creationId xmlns:a16="http://schemas.microsoft.com/office/drawing/2014/main" id="{122B4E15-4AD4-89BB-02BD-865BA51C29E8}"/>
+              </a:ext>
+            </a:extLst>
+          </p:cNvPr>
+          <p:cNvSpPr txBox="1"/>
+          <p:nvPr/>
+        </p:nvSpPr>
+        <p:spPr>
+          <a:xfrm>
+            <a:off x="2693629" y="2815134"/>
+            <a:ext cx="853119" cy="307777"/>
+          </a:xfrm>
+          <a:prstGeom prst="rect">
+            <a:avLst/>
+          </a:prstGeom>
+          <a:noFill/>
+        </p:spPr>
+        <p:txBody>
+          <a:bodyPr wrap="none" rtlCol="0">
+            <a:spAutoFit/>
+          </a:bodyPr>
+          <a:lstStyle/>
+          <a:p>
+            <a:r>
+              <a:rPr kumimoji="1" lang="ja-JP" altLang="en-US" sz="1400" b="1" dirty="0">
+                <a:latin typeface="Meiryo UI" panose="020B0604030504040204" pitchFamily="50" charset="-128"/>
+                <a:ea typeface="Meiryo UI" panose="020B0604030504040204" pitchFamily="50" charset="-128"/>
+              </a:rPr>
+              <a:t>埋め込み</a:t>
+            </a:r>
+          </a:p>
+        </p:txBody>
+      </p:sp>
+      <p:sp>
+        <p:nvSpPr>
+          <p:cNvPr id="14" name="テキスト ボックス 13">
+            <a:extLst>
+              <a:ext uri="{FF2B5EF4-FFF2-40B4-BE49-F238E27FC236}">
+                <a16:creationId xmlns:a16="http://schemas.microsoft.com/office/drawing/2014/main" id="{87FE4F63-2BBA-EEB0-03C5-CBEE0D1616F0}"/>
+              </a:ext>
+            </a:extLst>
+          </p:cNvPr>
+          <p:cNvSpPr txBox="1"/>
+          <p:nvPr/>
+        </p:nvSpPr>
+        <p:spPr>
+          <a:xfrm>
+            <a:off x="3369511" y="2128795"/>
+            <a:ext cx="4259499" cy="307777"/>
+          </a:xfrm>
+          <a:prstGeom prst="rect">
+            <a:avLst/>
+          </a:prstGeom>
+          <a:noFill/>
+        </p:spPr>
+        <p:txBody>
+          <a:bodyPr wrap="none" rtlCol="0">
+            <a:spAutoFit/>
+          </a:bodyPr>
+          <a:lstStyle/>
+          <a:p>
+            <a:r>
+              <a:rPr lang="en-US" altLang="ja-JP" sz="1400" b="1" i="0" dirty="0">
+                <a:effectLst/>
+                <a:latin typeface="Meiryo UI" panose="020B0604030504040204" pitchFamily="50" charset="-128"/>
+                <a:ea typeface="Meiryo UI" panose="020B0604030504040204" pitchFamily="50" charset="-128"/>
+              </a:rPr>
+              <a:t>[</a:t>
+            </a:r>
+            <a:r>
+              <a:rPr lang="en-US" altLang="ja-JP" sz="1400" b="1" i="0" dirty="0">
+                <a:solidFill>
+                  <a:schemeClr val="bg1">
+                    <a:lumMod val="65000"/>
+                  </a:schemeClr>
+                </a:solidFill>
+                <a:effectLst/>
+                <a:latin typeface="Meiryo UI" panose="020B0604030504040204" pitchFamily="50" charset="-128"/>
+                <a:ea typeface="Meiryo UI" panose="020B0604030504040204" pitchFamily="50" charset="-128"/>
+              </a:rPr>
+              <a:t>101</a:t>
+            </a:r>
+            <a:r>
+              <a:rPr lang="en-US" altLang="ja-JP" sz="1400" b="1" i="0" dirty="0">
+                <a:effectLst/>
+                <a:latin typeface="Meiryo UI" panose="020B0604030504040204" pitchFamily="50" charset="-128"/>
+                <a:ea typeface="Meiryo UI" panose="020B0604030504040204" pitchFamily="50" charset="-128"/>
+              </a:rPr>
+              <a:t>, </a:t>
+            </a:r>
+            <a:r>
+              <a:rPr lang="en-US" altLang="ja-JP" sz="1400" b="1" i="0" dirty="0">
+                <a:solidFill>
+                  <a:schemeClr val="tx1">
+                    <a:lumMod val="50000"/>
+                    <a:lumOff val="50000"/>
+                  </a:schemeClr>
+                </a:solidFill>
+                <a:effectLst/>
+                <a:latin typeface="Meiryo UI" panose="020B0604030504040204" pitchFamily="50" charset="-128"/>
+                <a:ea typeface="Meiryo UI" panose="020B0604030504040204" pitchFamily="50" charset="-128"/>
+              </a:rPr>
+              <a:t>3086</a:t>
+            </a:r>
+            <a:r>
+              <a:rPr lang="en-US" altLang="ja-JP" sz="1400" b="1" i="0" dirty="0">
+                <a:effectLst/>
+                <a:latin typeface="Meiryo UI" panose="020B0604030504040204" pitchFamily="50" charset="-128"/>
+                <a:ea typeface="Meiryo UI" panose="020B0604030504040204" pitchFamily="50" charset="-128"/>
+              </a:rPr>
+              <a:t>, </a:t>
+            </a:r>
+            <a:r>
+              <a:rPr lang="en-US" altLang="ja-JP" sz="1400" b="1" i="0" dirty="0">
+                <a:solidFill>
+                  <a:schemeClr val="tx2">
+                    <a:lumMod val="40000"/>
+                    <a:lumOff val="60000"/>
+                  </a:schemeClr>
+                </a:solidFill>
+                <a:effectLst/>
+                <a:latin typeface="Meiryo UI" panose="020B0604030504040204" pitchFamily="50" charset="-128"/>
+                <a:ea typeface="Meiryo UI" panose="020B0604030504040204" pitchFamily="50" charset="-128"/>
+              </a:rPr>
+              <a:t>2003</a:t>
+            </a:r>
+            <a:r>
+              <a:rPr lang="en-US" altLang="ja-JP" sz="1400" b="1" i="0" dirty="0">
+                <a:effectLst/>
+                <a:latin typeface="Meiryo UI" panose="020B0604030504040204" pitchFamily="50" charset="-128"/>
+                <a:ea typeface="Meiryo UI" panose="020B0604030504040204" pitchFamily="50" charset="-128"/>
+              </a:rPr>
+              <a:t>, </a:t>
+            </a:r>
+            <a:r>
+              <a:rPr lang="en-US" altLang="ja-JP" sz="1400" b="1" i="0" dirty="0">
+                <a:solidFill>
+                  <a:schemeClr val="accent5">
+                    <a:lumMod val="60000"/>
+                    <a:lumOff val="40000"/>
+                  </a:schemeClr>
+                </a:solidFill>
+                <a:effectLst/>
+                <a:latin typeface="Meiryo UI" panose="020B0604030504040204" pitchFamily="50" charset="-128"/>
+                <a:ea typeface="Meiryo UI" panose="020B0604030504040204" pitchFamily="50" charset="-128"/>
+              </a:rPr>
+              <a:t>2035</a:t>
+            </a:r>
+            <a:r>
+              <a:rPr lang="en-US" altLang="ja-JP" sz="1400" b="1" i="0" dirty="0">
+                <a:effectLst/>
+                <a:latin typeface="Meiryo UI" panose="020B0604030504040204" pitchFamily="50" charset="-128"/>
+                <a:ea typeface="Meiryo UI" panose="020B0604030504040204" pitchFamily="50" charset="-128"/>
+              </a:rPr>
+              <a:t>, </a:t>
+            </a:r>
+            <a:r>
+              <a:rPr lang="en-US" altLang="ja-JP" sz="1400" b="1" i="0" dirty="0">
+                <a:solidFill>
+                  <a:schemeClr val="accent3">
+                    <a:lumMod val="40000"/>
+                    <a:lumOff val="60000"/>
+                  </a:schemeClr>
+                </a:solidFill>
+                <a:effectLst/>
+                <a:latin typeface="Meiryo UI" panose="020B0604030504040204" pitchFamily="50" charset="-128"/>
+                <a:ea typeface="Meiryo UI" panose="020B0604030504040204" pitchFamily="50" charset="-128"/>
+              </a:rPr>
+              <a:t>2017</a:t>
+            </a:r>
+            <a:r>
+              <a:rPr lang="en-US" altLang="ja-JP" sz="1400" b="1" i="0" dirty="0">
+                <a:effectLst/>
+                <a:latin typeface="Meiryo UI" panose="020B0604030504040204" pitchFamily="50" charset="-128"/>
+                <a:ea typeface="Meiryo UI" panose="020B0604030504040204" pitchFamily="50" charset="-128"/>
+              </a:rPr>
+              <a:t>, </a:t>
+            </a:r>
+            <a:r>
+              <a:rPr lang="en-US" altLang="ja-JP" sz="1400" b="1" i="0" dirty="0">
+                <a:solidFill>
+                  <a:schemeClr val="accent5">
+                    <a:lumMod val="40000"/>
+                    <a:lumOff val="60000"/>
+                  </a:schemeClr>
+                </a:solidFill>
+                <a:effectLst/>
+                <a:latin typeface="Meiryo UI" panose="020B0604030504040204" pitchFamily="50" charset="-128"/>
+                <a:ea typeface="Meiryo UI" panose="020B0604030504040204" pitchFamily="50" charset="-128"/>
+              </a:rPr>
+              <a:t>2342</a:t>
+            </a:r>
+            <a:r>
+              <a:rPr lang="en-US" altLang="ja-JP" sz="1400" b="1" i="0" dirty="0">
+                <a:effectLst/>
+                <a:latin typeface="Meiryo UI" panose="020B0604030504040204" pitchFamily="50" charset="-128"/>
+                <a:ea typeface="Meiryo UI" panose="020B0604030504040204" pitchFamily="50" charset="-128"/>
+              </a:rPr>
+              <a:t>, </a:t>
+            </a:r>
+            <a:r>
+              <a:rPr lang="en-US" altLang="ja-JP" sz="1400" b="1" i="0" dirty="0">
+                <a:solidFill>
+                  <a:schemeClr val="bg1">
+                    <a:lumMod val="65000"/>
+                  </a:schemeClr>
+                </a:solidFill>
+                <a:effectLst/>
+                <a:latin typeface="Meiryo UI" panose="020B0604030504040204" pitchFamily="50" charset="-128"/>
+                <a:ea typeface="Meiryo UI" panose="020B0604030504040204" pitchFamily="50" charset="-128"/>
+              </a:rPr>
+              <a:t>102</a:t>
+            </a:r>
+            <a:r>
+              <a:rPr lang="en-US" altLang="ja-JP" sz="1400" b="1" i="0" dirty="0">
+                <a:effectLst/>
+                <a:latin typeface="Meiryo UI" panose="020B0604030504040204" pitchFamily="50" charset="-128"/>
+                <a:ea typeface="Meiryo UI" panose="020B0604030504040204" pitchFamily="50" charset="-128"/>
+              </a:rPr>
+              <a:t>]</a:t>
+            </a:r>
+            <a:endParaRPr kumimoji="1" lang="ja-JP" altLang="en-US" sz="1400" b="1" dirty="0">
+              <a:latin typeface="Meiryo UI" panose="020B0604030504040204" pitchFamily="50" charset="-128"/>
+              <a:ea typeface="Meiryo UI" panose="020B0604030504040204" pitchFamily="50" charset="-128"/>
+            </a:endParaRPr>
+          </a:p>
+        </p:txBody>
+      </p:sp>
+      <p:sp>
+        <p:nvSpPr>
+          <p:cNvPr id="16" name="テキスト ボックス 15">
+            <a:extLst>
+              <a:ext uri="{FF2B5EF4-FFF2-40B4-BE49-F238E27FC236}">
+                <a16:creationId xmlns:a16="http://schemas.microsoft.com/office/drawing/2014/main" id="{6DFE5389-0C3F-9E02-9B38-FBF759F81C18}"/>
+              </a:ext>
+            </a:extLst>
+          </p:cNvPr>
+          <p:cNvSpPr txBox="1"/>
+          <p:nvPr/>
+        </p:nvSpPr>
+        <p:spPr>
+          <a:xfrm>
+            <a:off x="4030337" y="2918158"/>
+            <a:ext cx="5384807" cy="738664"/>
+          </a:xfrm>
+          <a:prstGeom prst="rect">
+            <a:avLst/>
+          </a:prstGeom>
+          <a:noFill/>
+        </p:spPr>
+        <p:txBody>
+          <a:bodyPr wrap="none" rtlCol="0">
+            <a:spAutoFit/>
+          </a:bodyPr>
+          <a:lstStyle/>
+          <a:p>
+            <a:r>
+              <a:rPr lang="en-US" altLang="ja-JP" sz="1400" b="1" i="0" dirty="0">
+                <a:effectLst/>
+                <a:latin typeface="Meiryo UI" panose="020B0604030504040204" pitchFamily="50" charset="-128"/>
+                <a:ea typeface="Meiryo UI" panose="020B0604030504040204" pitchFamily="50" charset="-128"/>
+              </a:rPr>
+              <a:t>[</a:t>
+            </a:r>
+            <a:r>
+              <a:rPr lang="en-US" altLang="ja-JP" sz="1400" b="1" i="0" dirty="0">
+                <a:solidFill>
+                  <a:schemeClr val="bg1">
+                    <a:lumMod val="65000"/>
+                  </a:schemeClr>
+                </a:solidFill>
+                <a:effectLst/>
+                <a:latin typeface="Meiryo UI" panose="020B0604030504040204" pitchFamily="50" charset="-128"/>
+                <a:ea typeface="Meiryo UI" panose="020B0604030504040204" pitchFamily="50" charset="-128"/>
+              </a:rPr>
+              <a:t>[2,23,86,</a:t>
+            </a:r>
+            <a:r>
+              <a:rPr lang="ja-JP" altLang="en-US" sz="1400" b="1" i="0" dirty="0">
+                <a:solidFill>
+                  <a:schemeClr val="bg1">
+                    <a:lumMod val="65000"/>
+                  </a:schemeClr>
+                </a:solidFill>
+                <a:effectLst/>
+                <a:latin typeface="Meiryo UI" panose="020B0604030504040204" pitchFamily="50" charset="-128"/>
+                <a:ea typeface="Meiryo UI" panose="020B0604030504040204" pitchFamily="50" charset="-128"/>
+              </a:rPr>
+              <a:t>・・・</a:t>
+            </a:r>
+            <a:r>
+              <a:rPr lang="en-US" altLang="ja-JP" sz="1400" b="1" i="0" dirty="0">
+                <a:solidFill>
+                  <a:schemeClr val="bg1">
+                    <a:lumMod val="65000"/>
+                  </a:schemeClr>
+                </a:solidFill>
+                <a:effectLst/>
+                <a:latin typeface="Meiryo UI" panose="020B0604030504040204" pitchFamily="50" charset="-128"/>
+                <a:ea typeface="Meiryo UI" panose="020B0604030504040204" pitchFamily="50" charset="-128"/>
+              </a:rPr>
+              <a:t>]</a:t>
+            </a:r>
+            <a:r>
+              <a:rPr lang="en-US" altLang="ja-JP" sz="1400" b="1" i="0" dirty="0">
+                <a:effectLst/>
+                <a:latin typeface="Meiryo UI" panose="020B0604030504040204" pitchFamily="50" charset="-128"/>
+                <a:ea typeface="Meiryo UI" panose="020B0604030504040204" pitchFamily="50" charset="-128"/>
+              </a:rPr>
+              <a:t>, </a:t>
+            </a:r>
+          </a:p>
+          <a:p>
+            <a:r>
+              <a:rPr lang="ja-JP" altLang="en-US" sz="1400" b="1" dirty="0">
+                <a:solidFill>
+                  <a:schemeClr val="tx1">
+                    <a:lumMod val="50000"/>
+                    <a:lumOff val="50000"/>
+                  </a:schemeClr>
+                </a:solidFill>
+                <a:latin typeface="Meiryo UI" panose="020B0604030504040204" pitchFamily="50" charset="-128"/>
+                <a:ea typeface="Meiryo UI" panose="020B0604030504040204" pitchFamily="50" charset="-128"/>
+              </a:rPr>
+              <a:t>　　　　　</a:t>
+            </a:r>
+            <a:r>
+              <a:rPr lang="en-US" altLang="ja-JP" sz="1400" b="1" i="0" dirty="0">
+                <a:solidFill>
+                  <a:schemeClr val="tx1">
+                    <a:lumMod val="50000"/>
+                    <a:lumOff val="50000"/>
+                  </a:schemeClr>
+                </a:solidFill>
+                <a:effectLst/>
+                <a:latin typeface="Meiryo UI" panose="020B0604030504040204" pitchFamily="50" charset="-128"/>
+                <a:ea typeface="Meiryo UI" panose="020B0604030504040204" pitchFamily="50" charset="-128"/>
+              </a:rPr>
+              <a:t>[5,9,10,27,</a:t>
+            </a:r>
+            <a:r>
+              <a:rPr lang="ja-JP" altLang="en-US" sz="1400" b="1" i="0" dirty="0">
+                <a:solidFill>
+                  <a:schemeClr val="tx1">
+                    <a:lumMod val="50000"/>
+                    <a:lumOff val="50000"/>
+                  </a:schemeClr>
+                </a:solidFill>
+                <a:effectLst/>
+                <a:latin typeface="Meiryo UI" panose="020B0604030504040204" pitchFamily="50" charset="-128"/>
+                <a:ea typeface="Meiryo UI" panose="020B0604030504040204" pitchFamily="50" charset="-128"/>
+              </a:rPr>
+              <a:t>・・・</a:t>
+            </a:r>
+            <a:r>
+              <a:rPr lang="en-US" altLang="ja-JP" sz="1400" b="1" i="0" dirty="0">
+                <a:solidFill>
+                  <a:schemeClr val="tx1">
+                    <a:lumMod val="50000"/>
+                    <a:lumOff val="50000"/>
+                  </a:schemeClr>
+                </a:solidFill>
+                <a:effectLst/>
+                <a:latin typeface="Meiryo UI" panose="020B0604030504040204" pitchFamily="50" charset="-128"/>
+                <a:ea typeface="Meiryo UI" panose="020B0604030504040204" pitchFamily="50" charset="-128"/>
+              </a:rPr>
+              <a:t>]</a:t>
+            </a:r>
+            <a:r>
+              <a:rPr lang="en-US" altLang="ja-JP" sz="1400" b="1" i="0" dirty="0">
+                <a:effectLst/>
+                <a:latin typeface="Meiryo UI" panose="020B0604030504040204" pitchFamily="50" charset="-128"/>
+                <a:ea typeface="Meiryo UI" panose="020B0604030504040204" pitchFamily="50" charset="-128"/>
+              </a:rPr>
+              <a:t>, </a:t>
+            </a:r>
+          </a:p>
+          <a:p>
+            <a:r>
+              <a:rPr lang="ja-JP" altLang="en-US" sz="1400" b="1" dirty="0">
+                <a:solidFill>
+                  <a:schemeClr val="tx2">
+                    <a:lumMod val="40000"/>
+                    <a:lumOff val="60000"/>
+                  </a:schemeClr>
+                </a:solidFill>
+                <a:latin typeface="Meiryo UI" panose="020B0604030504040204" pitchFamily="50" charset="-128"/>
+                <a:ea typeface="Meiryo UI" panose="020B0604030504040204" pitchFamily="50" charset="-128"/>
+              </a:rPr>
+              <a:t>　　　　　　　　　</a:t>
+            </a:r>
+            <a:r>
+              <a:rPr lang="en-US" altLang="ja-JP" sz="1400" b="1" i="0" dirty="0">
+                <a:solidFill>
+                  <a:schemeClr val="tx2">
+                    <a:lumMod val="40000"/>
+                    <a:lumOff val="60000"/>
+                  </a:schemeClr>
+                </a:solidFill>
+                <a:effectLst/>
+                <a:latin typeface="Meiryo UI" panose="020B0604030504040204" pitchFamily="50" charset="-128"/>
+                <a:ea typeface="Meiryo UI" panose="020B0604030504040204" pitchFamily="50" charset="-128"/>
+              </a:rPr>
+              <a:t>[9,</a:t>
+            </a:r>
+            <a:r>
+              <a:rPr lang="ja-JP" altLang="en-US" sz="1400" b="1" i="0" dirty="0">
+                <a:solidFill>
+                  <a:schemeClr val="tx2">
+                    <a:lumMod val="40000"/>
+                    <a:lumOff val="60000"/>
+                  </a:schemeClr>
+                </a:solidFill>
+                <a:effectLst/>
+                <a:latin typeface="Meiryo UI" panose="020B0604030504040204" pitchFamily="50" charset="-128"/>
+                <a:ea typeface="Meiryo UI" panose="020B0604030504040204" pitchFamily="50" charset="-128"/>
+              </a:rPr>
+              <a:t>・・・</a:t>
+            </a:r>
+            <a:r>
+              <a:rPr lang="en-US" altLang="ja-JP" sz="1400" b="1" i="0" dirty="0">
+                <a:solidFill>
+                  <a:schemeClr val="tx2">
+                    <a:lumMod val="40000"/>
+                    <a:lumOff val="60000"/>
+                  </a:schemeClr>
+                </a:solidFill>
+                <a:effectLst/>
+                <a:latin typeface="Meiryo UI" panose="020B0604030504040204" pitchFamily="50" charset="-128"/>
+                <a:ea typeface="Meiryo UI" panose="020B0604030504040204" pitchFamily="50" charset="-128"/>
+              </a:rPr>
+              <a:t>]</a:t>
+            </a:r>
+            <a:r>
+              <a:rPr lang="en-US" altLang="ja-JP" sz="1400" b="1" i="0" dirty="0">
+                <a:effectLst/>
+                <a:latin typeface="Meiryo UI" panose="020B0604030504040204" pitchFamily="50" charset="-128"/>
+                <a:ea typeface="Meiryo UI" panose="020B0604030504040204" pitchFamily="50" charset="-128"/>
+              </a:rPr>
+              <a:t>, </a:t>
+            </a:r>
+            <a:r>
+              <a:rPr lang="en-US" altLang="ja-JP" sz="1400" b="1" i="0" dirty="0">
+                <a:solidFill>
+                  <a:schemeClr val="accent2">
+                    <a:lumMod val="40000"/>
+                    <a:lumOff val="60000"/>
+                  </a:schemeClr>
+                </a:solidFill>
+                <a:effectLst/>
+                <a:latin typeface="Meiryo UI" panose="020B0604030504040204" pitchFamily="50" charset="-128"/>
+                <a:ea typeface="Meiryo UI" panose="020B0604030504040204" pitchFamily="50" charset="-128"/>
+              </a:rPr>
+              <a:t>[44</a:t>
+            </a:r>
+            <a:r>
+              <a:rPr lang="ja-JP" altLang="en-US" sz="1400" b="1" i="0" dirty="0">
+                <a:solidFill>
+                  <a:schemeClr val="accent2">
+                    <a:lumMod val="40000"/>
+                    <a:lumOff val="60000"/>
+                  </a:schemeClr>
+                </a:solidFill>
+                <a:effectLst/>
+                <a:latin typeface="Meiryo UI" panose="020B0604030504040204" pitchFamily="50" charset="-128"/>
+                <a:ea typeface="Meiryo UI" panose="020B0604030504040204" pitchFamily="50" charset="-128"/>
+              </a:rPr>
+              <a:t>・・・</a:t>
+            </a:r>
+            <a:r>
+              <a:rPr lang="en-US" altLang="ja-JP" sz="1400" b="1" i="0" dirty="0">
+                <a:solidFill>
+                  <a:schemeClr val="accent2">
+                    <a:lumMod val="40000"/>
+                    <a:lumOff val="60000"/>
+                  </a:schemeClr>
+                </a:solidFill>
+                <a:effectLst/>
+                <a:latin typeface="Meiryo UI" panose="020B0604030504040204" pitchFamily="50" charset="-128"/>
+                <a:ea typeface="Meiryo UI" panose="020B0604030504040204" pitchFamily="50" charset="-128"/>
+              </a:rPr>
+              <a:t>]</a:t>
+            </a:r>
+            <a:r>
+              <a:rPr lang="en-US" altLang="ja-JP" sz="1400" b="1" i="0" dirty="0">
+                <a:effectLst/>
+                <a:latin typeface="Meiryo UI" panose="020B0604030504040204" pitchFamily="50" charset="-128"/>
+                <a:ea typeface="Meiryo UI" panose="020B0604030504040204" pitchFamily="50" charset="-128"/>
+              </a:rPr>
+              <a:t>, </a:t>
+            </a:r>
+            <a:r>
+              <a:rPr lang="en-US" altLang="ja-JP" sz="1400" b="1" i="0" dirty="0">
+                <a:solidFill>
+                  <a:schemeClr val="accent3">
+                    <a:lumMod val="40000"/>
+                    <a:lumOff val="60000"/>
+                  </a:schemeClr>
+                </a:solidFill>
+                <a:effectLst/>
+                <a:latin typeface="Meiryo UI" panose="020B0604030504040204" pitchFamily="50" charset="-128"/>
+                <a:ea typeface="Meiryo UI" panose="020B0604030504040204" pitchFamily="50" charset="-128"/>
+              </a:rPr>
+              <a:t>[52</a:t>
+            </a:r>
+            <a:r>
+              <a:rPr lang="ja-JP" altLang="en-US" sz="1400" b="1" i="0" dirty="0">
+                <a:solidFill>
+                  <a:schemeClr val="accent3">
+                    <a:lumMod val="40000"/>
+                    <a:lumOff val="60000"/>
+                  </a:schemeClr>
+                </a:solidFill>
+                <a:effectLst/>
+                <a:latin typeface="Meiryo UI" panose="020B0604030504040204" pitchFamily="50" charset="-128"/>
+                <a:ea typeface="Meiryo UI" panose="020B0604030504040204" pitchFamily="50" charset="-128"/>
+              </a:rPr>
+              <a:t>・・・</a:t>
+            </a:r>
+            <a:r>
+              <a:rPr lang="en-US" altLang="ja-JP" sz="1400" b="1" i="0" dirty="0">
+                <a:solidFill>
+                  <a:schemeClr val="accent3">
+                    <a:lumMod val="40000"/>
+                    <a:lumOff val="60000"/>
+                  </a:schemeClr>
+                </a:solidFill>
+                <a:effectLst/>
+                <a:latin typeface="Meiryo UI" panose="020B0604030504040204" pitchFamily="50" charset="-128"/>
+                <a:ea typeface="Meiryo UI" panose="020B0604030504040204" pitchFamily="50" charset="-128"/>
+              </a:rPr>
+              <a:t>]</a:t>
+            </a:r>
+            <a:r>
+              <a:rPr lang="en-US" altLang="ja-JP" sz="1400" b="1" i="0" dirty="0">
+                <a:effectLst/>
+                <a:latin typeface="Meiryo UI" panose="020B0604030504040204" pitchFamily="50" charset="-128"/>
+                <a:ea typeface="Meiryo UI" panose="020B0604030504040204" pitchFamily="50" charset="-128"/>
+              </a:rPr>
+              <a:t>, </a:t>
+            </a:r>
+            <a:r>
+              <a:rPr lang="en-US" altLang="ja-JP" sz="1400" b="1" i="0" dirty="0">
+                <a:solidFill>
+                  <a:schemeClr val="accent5">
+                    <a:lumMod val="40000"/>
+                    <a:lumOff val="60000"/>
+                  </a:schemeClr>
+                </a:solidFill>
+                <a:effectLst/>
+                <a:latin typeface="Meiryo UI" panose="020B0604030504040204" pitchFamily="50" charset="-128"/>
+                <a:ea typeface="Meiryo UI" panose="020B0604030504040204" pitchFamily="50" charset="-128"/>
+              </a:rPr>
+              <a:t>[266</a:t>
+            </a:r>
+            <a:r>
+              <a:rPr lang="ja-JP" altLang="en-US" sz="1400" b="1" i="0" dirty="0">
+                <a:solidFill>
+                  <a:schemeClr val="accent5">
+                    <a:lumMod val="40000"/>
+                    <a:lumOff val="60000"/>
+                  </a:schemeClr>
+                </a:solidFill>
+                <a:effectLst/>
+                <a:latin typeface="Meiryo UI" panose="020B0604030504040204" pitchFamily="50" charset="-128"/>
+                <a:ea typeface="Meiryo UI" panose="020B0604030504040204" pitchFamily="50" charset="-128"/>
+              </a:rPr>
+              <a:t>・・・</a:t>
+            </a:r>
+            <a:r>
+              <a:rPr lang="en-US" altLang="ja-JP" sz="1400" b="1" i="0" dirty="0">
+                <a:solidFill>
+                  <a:schemeClr val="accent5">
+                    <a:lumMod val="40000"/>
+                    <a:lumOff val="60000"/>
+                  </a:schemeClr>
+                </a:solidFill>
+                <a:effectLst/>
+                <a:latin typeface="Meiryo UI" panose="020B0604030504040204" pitchFamily="50" charset="-128"/>
+                <a:ea typeface="Meiryo UI" panose="020B0604030504040204" pitchFamily="50" charset="-128"/>
+              </a:rPr>
+              <a:t>]</a:t>
+            </a:r>
+            <a:r>
+              <a:rPr lang="en-US" altLang="ja-JP" sz="1400" b="1" i="0" dirty="0">
+                <a:effectLst/>
+                <a:latin typeface="Meiryo UI" panose="020B0604030504040204" pitchFamily="50" charset="-128"/>
+                <a:ea typeface="Meiryo UI" panose="020B0604030504040204" pitchFamily="50" charset="-128"/>
+              </a:rPr>
+              <a:t>, </a:t>
+            </a:r>
+            <a:r>
+              <a:rPr lang="en-US" altLang="ja-JP" sz="1400" b="1" i="0" dirty="0">
+                <a:solidFill>
+                  <a:schemeClr val="bg1">
+                    <a:lumMod val="65000"/>
+                  </a:schemeClr>
+                </a:solidFill>
+                <a:effectLst/>
+                <a:latin typeface="Meiryo UI" panose="020B0604030504040204" pitchFamily="50" charset="-128"/>
+                <a:ea typeface="Meiryo UI" panose="020B0604030504040204" pitchFamily="50" charset="-128"/>
+              </a:rPr>
+              <a:t>[90</a:t>
+            </a:r>
+            <a:r>
+              <a:rPr lang="ja-JP" altLang="en-US" sz="1400" b="1" i="0" dirty="0">
+                <a:solidFill>
+                  <a:schemeClr val="bg1">
+                    <a:lumMod val="65000"/>
+                  </a:schemeClr>
+                </a:solidFill>
+                <a:effectLst/>
+                <a:latin typeface="Meiryo UI" panose="020B0604030504040204" pitchFamily="50" charset="-128"/>
+                <a:ea typeface="Meiryo UI" panose="020B0604030504040204" pitchFamily="50" charset="-128"/>
+              </a:rPr>
+              <a:t>・・・</a:t>
+            </a:r>
+            <a:r>
+              <a:rPr lang="en-US" altLang="ja-JP" sz="1400" b="1" i="0" dirty="0">
+                <a:solidFill>
+                  <a:schemeClr val="bg1">
+                    <a:lumMod val="65000"/>
+                  </a:schemeClr>
+                </a:solidFill>
+                <a:effectLst/>
+                <a:latin typeface="Meiryo UI" panose="020B0604030504040204" pitchFamily="50" charset="-128"/>
+                <a:ea typeface="Meiryo UI" panose="020B0604030504040204" pitchFamily="50" charset="-128"/>
+              </a:rPr>
+              <a:t>]</a:t>
+            </a:r>
+            <a:r>
+              <a:rPr lang="en-US" altLang="ja-JP" sz="1400" b="1" i="0" dirty="0">
+                <a:effectLst/>
+                <a:latin typeface="Meiryo UI" panose="020B0604030504040204" pitchFamily="50" charset="-128"/>
+                <a:ea typeface="Meiryo UI" panose="020B0604030504040204" pitchFamily="50" charset="-128"/>
+              </a:rPr>
+              <a:t>]</a:t>
+            </a:r>
+            <a:endParaRPr kumimoji="1" lang="ja-JP" altLang="en-US" sz="1400" b="1" dirty="0">
+              <a:latin typeface="Meiryo UI" panose="020B0604030504040204" pitchFamily="50" charset="-128"/>
+              <a:ea typeface="Meiryo UI" panose="020B0604030504040204" pitchFamily="50" charset="-128"/>
+            </a:endParaRPr>
+          </a:p>
+        </p:txBody>
+      </p:sp>
+      <p:sp>
+        <p:nvSpPr>
+          <p:cNvPr id="17" name="テキスト ボックス 16">
+            <a:extLst>
+              <a:ext uri="{FF2B5EF4-FFF2-40B4-BE49-F238E27FC236}">
+                <a16:creationId xmlns:a16="http://schemas.microsoft.com/office/drawing/2014/main" id="{795CDB25-F5EC-5DD3-6222-06DF0CED02DB}"/>
+              </a:ext>
+            </a:extLst>
+          </p:cNvPr>
+          <p:cNvSpPr txBox="1"/>
+          <p:nvPr/>
+        </p:nvSpPr>
+        <p:spPr>
+          <a:xfrm>
+            <a:off x="9464340" y="4350443"/>
+            <a:ext cx="1914305" cy="230832"/>
+          </a:xfrm>
+          <a:prstGeom prst="rect">
+            <a:avLst/>
+          </a:prstGeom>
+          <a:noFill/>
+        </p:spPr>
+        <p:txBody>
+          <a:bodyPr wrap="square" rtlCol="0">
+            <a:spAutoFit/>
+          </a:bodyPr>
+          <a:lstStyle/>
+          <a:p>
+            <a:r>
+              <a:rPr lang="ja-JP" altLang="en-US" sz="900" b="1" dirty="0">
+                <a:latin typeface="Meiryo UI" panose="020B0604030504040204" pitchFamily="50" charset="-128"/>
+                <a:ea typeface="Meiryo UI" panose="020B0604030504040204" pitchFamily="50" charset="-128"/>
+              </a:rPr>
+              <a:t>値は適当です💦</a:t>
+            </a:r>
+            <a:endParaRPr kumimoji="1" lang="ja-JP" altLang="en-US" sz="900" b="1" dirty="0">
+              <a:latin typeface="Meiryo UI" panose="020B0604030504040204" pitchFamily="50" charset="-128"/>
+              <a:ea typeface="Meiryo UI" panose="020B0604030504040204" pitchFamily="50" charset="-128"/>
+            </a:endParaRPr>
+          </a:p>
+        </p:txBody>
+      </p:sp>
+      <p:sp>
+        <p:nvSpPr>
+          <p:cNvPr id="18" name="テキスト ボックス 17">
+            <a:extLst>
+              <a:ext uri="{FF2B5EF4-FFF2-40B4-BE49-F238E27FC236}">
+                <a16:creationId xmlns:a16="http://schemas.microsoft.com/office/drawing/2014/main" id="{CE7A67BB-9767-37F2-5630-5A3C6F6C8220}"/>
+              </a:ext>
+            </a:extLst>
+          </p:cNvPr>
+          <p:cNvSpPr txBox="1"/>
+          <p:nvPr/>
+        </p:nvSpPr>
+        <p:spPr>
+          <a:xfrm>
+            <a:off x="1883426" y="1618268"/>
+            <a:ext cx="2694456" cy="307777"/>
+          </a:xfrm>
+          <a:prstGeom prst="rect">
+            <a:avLst/>
+          </a:prstGeom>
+          <a:noFill/>
+        </p:spPr>
+        <p:txBody>
+          <a:bodyPr wrap="none" rtlCol="0">
+            <a:spAutoFit/>
+          </a:bodyPr>
+          <a:lstStyle/>
+          <a:p>
+            <a:r>
+              <a:rPr kumimoji="1" lang="en-US" altLang="ja-JP" sz="1400" b="1" dirty="0">
+                <a:latin typeface="Meiryo UI" panose="020B0604030504040204" pitchFamily="50" charset="-128"/>
+                <a:ea typeface="Meiryo UI" panose="020B0604030504040204" pitchFamily="50" charset="-128"/>
+              </a:rPr>
+              <a:t>textbook is</a:t>
+            </a:r>
+            <a:r>
+              <a:rPr kumimoji="1" lang="ja-JP" altLang="en-US" sz="1400" b="1" dirty="0">
+                <a:latin typeface="Meiryo UI" panose="020B0604030504040204" pitchFamily="50" charset="-128"/>
+                <a:ea typeface="Meiryo UI" panose="020B0604030504040204" pitchFamily="50" charset="-128"/>
+              </a:rPr>
+              <a:t>　</a:t>
+            </a:r>
+            <a:r>
+              <a:rPr kumimoji="1" lang="en-US" altLang="ja-JP" sz="1400" b="1" dirty="0">
+                <a:latin typeface="Meiryo UI" panose="020B0604030504040204" pitchFamily="50" charset="-128"/>
+                <a:ea typeface="Meiryo UI" panose="020B0604030504040204" pitchFamily="50" charset="-128"/>
+              </a:rPr>
+              <a:t>all</a:t>
+            </a:r>
+            <a:r>
+              <a:rPr kumimoji="1" lang="ja-JP" altLang="en-US" sz="1400" b="1" dirty="0">
+                <a:latin typeface="Meiryo UI" panose="020B0604030504040204" pitchFamily="50" charset="-128"/>
+                <a:ea typeface="Meiryo UI" panose="020B0604030504040204" pitchFamily="50" charset="-128"/>
+              </a:rPr>
+              <a:t>　</a:t>
+            </a:r>
+            <a:r>
+              <a:rPr kumimoji="1" lang="en-US" altLang="ja-JP" sz="1400" b="1" dirty="0">
+                <a:latin typeface="Meiryo UI" panose="020B0604030504040204" pitchFamily="50" charset="-128"/>
+                <a:ea typeface="Meiryo UI" panose="020B0604030504040204" pitchFamily="50" charset="-128"/>
+              </a:rPr>
+              <a:t>you</a:t>
+            </a:r>
+            <a:r>
+              <a:rPr kumimoji="1" lang="ja-JP" altLang="en-US" sz="1400" b="1" dirty="0">
+                <a:latin typeface="Meiryo UI" panose="020B0604030504040204" pitchFamily="50" charset="-128"/>
+                <a:ea typeface="Meiryo UI" panose="020B0604030504040204" pitchFamily="50" charset="-128"/>
+              </a:rPr>
+              <a:t>　</a:t>
+            </a:r>
+            <a:r>
+              <a:rPr kumimoji="1" lang="en-US" altLang="ja-JP" sz="1400" b="1" dirty="0">
+                <a:latin typeface="Meiryo UI" panose="020B0604030504040204" pitchFamily="50" charset="-128"/>
+                <a:ea typeface="Meiryo UI" panose="020B0604030504040204" pitchFamily="50" charset="-128"/>
+              </a:rPr>
+              <a:t>need.</a:t>
+            </a:r>
+            <a:endParaRPr kumimoji="1" lang="ja-JP" altLang="en-US" sz="1400" b="1" dirty="0">
+              <a:latin typeface="Meiryo UI" panose="020B0604030504040204" pitchFamily="50" charset="-128"/>
+              <a:ea typeface="Meiryo UI" panose="020B0604030504040204" pitchFamily="50" charset="-128"/>
+            </a:endParaRPr>
+          </a:p>
+        </p:txBody>
+      </p:sp>
+      <p:sp>
+        <p:nvSpPr>
+          <p:cNvPr id="21" name="テキスト ボックス 20">
+            <a:extLst>
+              <a:ext uri="{FF2B5EF4-FFF2-40B4-BE49-F238E27FC236}">
+                <a16:creationId xmlns:a16="http://schemas.microsoft.com/office/drawing/2014/main" id="{0750CFCC-C6E9-AD7E-C4CF-764533ACC717}"/>
+              </a:ext>
+            </a:extLst>
+          </p:cNvPr>
+          <p:cNvSpPr txBox="1"/>
+          <p:nvPr/>
+        </p:nvSpPr>
+        <p:spPr>
+          <a:xfrm>
+            <a:off x="4891456" y="1491443"/>
+            <a:ext cx="942887" cy="307777"/>
+          </a:xfrm>
+          <a:prstGeom prst="rect">
+            <a:avLst/>
+          </a:prstGeom>
+          <a:noFill/>
+        </p:spPr>
+        <p:txBody>
+          <a:bodyPr wrap="none" rtlCol="0">
+            <a:spAutoFit/>
+          </a:bodyPr>
+          <a:lstStyle/>
+          <a:p>
+            <a:r>
+              <a:rPr kumimoji="1" lang="ja-JP" altLang="en-US" sz="1400" b="1" dirty="0">
+                <a:latin typeface="Meiryo UI" panose="020B0604030504040204" pitchFamily="50" charset="-128"/>
+                <a:ea typeface="Meiryo UI" panose="020B0604030504040204" pitchFamily="50" charset="-128"/>
+              </a:rPr>
+              <a:t>トークン化</a:t>
+            </a:r>
+          </a:p>
+        </p:txBody>
+      </p:sp>
+      <p:sp>
+        <p:nvSpPr>
+          <p:cNvPr id="22" name="テキスト ボックス 21">
+            <a:extLst>
+              <a:ext uri="{FF2B5EF4-FFF2-40B4-BE49-F238E27FC236}">
+                <a16:creationId xmlns:a16="http://schemas.microsoft.com/office/drawing/2014/main" id="{ADAED043-606F-E135-D202-4273C50ABD3B}"/>
+              </a:ext>
+            </a:extLst>
+          </p:cNvPr>
+          <p:cNvSpPr txBox="1"/>
+          <p:nvPr/>
+        </p:nvSpPr>
+        <p:spPr>
+          <a:xfrm>
+            <a:off x="10421493" y="7194921"/>
+            <a:ext cx="1864613" cy="461665"/>
+          </a:xfrm>
+          <a:prstGeom prst="rect">
+            <a:avLst/>
+          </a:prstGeom>
+          <a:noFill/>
+        </p:spPr>
+        <p:txBody>
+          <a:bodyPr wrap="none" rtlCol="0">
+            <a:spAutoFit/>
+          </a:bodyPr>
+          <a:lstStyle/>
+          <a:p>
+            <a:r>
+              <a:rPr kumimoji="1" lang="en-US" altLang="ja-JP" sz="1200" dirty="0">
+                <a:latin typeface="Meiryo UI" panose="020B0604030504040204" pitchFamily="50" charset="-128"/>
+                <a:ea typeface="Meiryo UI" panose="020B0604030504040204" pitchFamily="50" charset="-128"/>
+              </a:rPr>
+              <a:t>GPT3.5</a:t>
+            </a:r>
+            <a:r>
+              <a:rPr kumimoji="1" lang="ja-JP" altLang="en-US" sz="1200" dirty="0">
+                <a:latin typeface="Meiryo UI" panose="020B0604030504040204" pitchFamily="50" charset="-128"/>
+                <a:ea typeface="Meiryo UI" panose="020B0604030504040204" pitchFamily="50" charset="-128"/>
+              </a:rPr>
+              <a:t>以降は</a:t>
+            </a:r>
+            <a:r>
+              <a:rPr kumimoji="1" lang="en-US" altLang="ja-JP" sz="1200" dirty="0">
+                <a:latin typeface="Meiryo UI" panose="020B0604030504040204" pitchFamily="50" charset="-128"/>
+                <a:ea typeface="Meiryo UI" panose="020B0604030504040204" pitchFamily="50" charset="-128"/>
+              </a:rPr>
+              <a:t>1536</a:t>
+            </a:r>
+            <a:r>
+              <a:rPr kumimoji="1" lang="ja-JP" altLang="en-US" sz="1200" dirty="0">
+                <a:latin typeface="Meiryo UI" panose="020B0604030504040204" pitchFamily="50" charset="-128"/>
+                <a:ea typeface="Meiryo UI" panose="020B0604030504040204" pitchFamily="50" charset="-128"/>
+              </a:rPr>
+              <a:t>次元</a:t>
+            </a:r>
+            <a:endParaRPr kumimoji="1" lang="en-US" altLang="ja-JP" sz="1200" dirty="0">
+              <a:latin typeface="Meiryo UI" panose="020B0604030504040204" pitchFamily="50" charset="-128"/>
+              <a:ea typeface="Meiryo UI" panose="020B0604030504040204" pitchFamily="50" charset="-128"/>
+            </a:endParaRPr>
+          </a:p>
+          <a:p>
+            <a:r>
+              <a:rPr lang="en-US" altLang="ja-JP" sz="1200" dirty="0">
+                <a:latin typeface="Meiryo UI" panose="020B0604030504040204" pitchFamily="50" charset="-128"/>
+                <a:ea typeface="Meiryo UI" panose="020B0604030504040204" pitchFamily="50" charset="-128"/>
+              </a:rPr>
+              <a:t>BERT</a:t>
+            </a:r>
+            <a:r>
+              <a:rPr lang="ja-JP" altLang="en-US" sz="1200" dirty="0">
+                <a:latin typeface="Meiryo UI" panose="020B0604030504040204" pitchFamily="50" charset="-128"/>
+                <a:ea typeface="Meiryo UI" panose="020B0604030504040204" pitchFamily="50" charset="-128"/>
+              </a:rPr>
+              <a:t>は</a:t>
+            </a:r>
+            <a:r>
+              <a:rPr lang="en-US" altLang="ja-JP" sz="1200" dirty="0">
+                <a:latin typeface="Meiryo UI" panose="020B0604030504040204" pitchFamily="50" charset="-128"/>
+                <a:ea typeface="Meiryo UI" panose="020B0604030504040204" pitchFamily="50" charset="-128"/>
+              </a:rPr>
+              <a:t>768</a:t>
+            </a:r>
+            <a:r>
+              <a:rPr lang="ja-JP" altLang="en-US" sz="1200" dirty="0">
+                <a:latin typeface="Meiryo UI" panose="020B0604030504040204" pitchFamily="50" charset="-128"/>
+                <a:ea typeface="Meiryo UI" panose="020B0604030504040204" pitchFamily="50" charset="-128"/>
+              </a:rPr>
+              <a:t>次元</a:t>
+            </a:r>
+            <a:endParaRPr kumimoji="1" lang="ja-JP" altLang="en-US" sz="1200" dirty="0">
+              <a:latin typeface="Meiryo UI" panose="020B0604030504040204" pitchFamily="50" charset="-128"/>
+              <a:ea typeface="Meiryo UI" panose="020B0604030504040204" pitchFamily="50" charset="-128"/>
+            </a:endParaRPr>
+          </a:p>
+        </p:txBody>
+      </p:sp>
+      <p:cxnSp>
+        <p:nvCxnSpPr>
+          <p:cNvPr id="26" name="直線矢印コネクタ 25">
+            <a:extLst>
+              <a:ext uri="{FF2B5EF4-FFF2-40B4-BE49-F238E27FC236}">
+                <a16:creationId xmlns:a16="http://schemas.microsoft.com/office/drawing/2014/main" id="{E9610A83-7832-6A4D-4F4E-731A2EEA687E}"/>
+              </a:ext>
+            </a:extLst>
+          </p:cNvPr>
+          <p:cNvCxnSpPr>
+            <a:cxnSpLocks/>
+            <a:stCxn id="18" idx="3"/>
+            <a:endCxn id="4" idx="1"/>
+          </p:cNvCxnSpPr>
+          <p:nvPr/>
+        </p:nvCxnSpPr>
+        <p:spPr>
+          <a:xfrm>
+            <a:off x="4577882" y="1772157"/>
+            <a:ext cx="1625692" cy="0"/>
+          </a:xfrm>
+          <a:prstGeom prst="straightConnector1">
+            <a:avLst/>
+          </a:prstGeom>
+          <a:ln>
+            <a:tailEnd type="triangle"/>
+          </a:ln>
+        </p:spPr>
+        <p:style>
+          <a:lnRef idx="2">
+            <a:schemeClr val="accent1"/>
+          </a:lnRef>
+          <a:fillRef idx="0">
+            <a:schemeClr val="accent1"/>
+          </a:fillRef>
+          <a:effectRef idx="1">
+            <a:schemeClr val="accent1"/>
+          </a:effectRef>
+          <a:fontRef idx="minor">
+            <a:schemeClr val="tx1"/>
+          </a:fontRef>
+        </p:style>
+      </p:cxnSp>
+      <p:cxnSp>
+        <p:nvCxnSpPr>
+          <p:cNvPr id="29" name="コネクタ: カギ線 28">
+            <a:extLst>
+              <a:ext uri="{FF2B5EF4-FFF2-40B4-BE49-F238E27FC236}">
+                <a16:creationId xmlns:a16="http://schemas.microsoft.com/office/drawing/2014/main" id="{BFC2FC0D-947D-61AF-3F01-8DB92ED719C1}"/>
+              </a:ext>
+            </a:extLst>
+          </p:cNvPr>
+          <p:cNvCxnSpPr>
+            <a:stCxn id="4" idx="3"/>
+            <a:endCxn id="14" idx="1"/>
+          </p:cNvCxnSpPr>
+          <p:nvPr/>
+        </p:nvCxnSpPr>
+        <p:spPr>
+          <a:xfrm flipH="1">
+            <a:off x="3369511" y="1772157"/>
+            <a:ext cx="7594084" cy="510527"/>
+          </a:xfrm>
+          <a:prstGeom prst="bentConnector5">
+            <a:avLst>
+              <a:gd name="adj1" fmla="val -3010"/>
+              <a:gd name="adj2" fmla="val 50000"/>
+              <a:gd name="adj3" fmla="val 103010"/>
+            </a:avLst>
+          </a:prstGeom>
+          <a:ln>
+            <a:tailEnd type="triangle"/>
+          </a:ln>
+        </p:spPr>
+        <p:style>
+          <a:lnRef idx="2">
+            <a:schemeClr val="accent1"/>
+          </a:lnRef>
+          <a:fillRef idx="0">
+            <a:schemeClr val="accent1"/>
+          </a:fillRef>
+          <a:effectRef idx="1">
+            <a:schemeClr val="accent1"/>
+          </a:effectRef>
+          <a:fontRef idx="minor">
+            <a:schemeClr val="tx1"/>
+          </a:fontRef>
+        </p:style>
+      </p:cxnSp>
       <p:pic>
         <p:nvPicPr>
-          <p:cNvPr id="5" name="コンテンツ プレースホルダー 4">
-            <a:extLst>
-              <a:ext uri="{FF2B5EF4-FFF2-40B4-BE49-F238E27FC236}">
-                <a16:creationId xmlns:a16="http://schemas.microsoft.com/office/drawing/2014/main" id="{CF921750-3203-BEFE-B733-824093A6C89D}"/>
+          <p:cNvPr id="37" name="グラフィックス 36" descr="人工知能 単色塗りつぶし">
+            <a:extLst>
+              <a:ext uri="{FF2B5EF4-FFF2-40B4-BE49-F238E27FC236}">
+                <a16:creationId xmlns:a16="http://schemas.microsoft.com/office/drawing/2014/main" id="{687C9779-CA37-24EC-E2E4-6A79CDA77C98}"/>
               </a:ext>
             </a:extLst>
           </p:cNvPr>
           <p:cNvPicPr>
-            <a:picLocks noGrp="1" noChangeAspect="1"/>
+            <a:picLocks noChangeAspect="1"/>
           </p:cNvPicPr>
-          <p:nvPr>
-            <p:ph idx="1"/>
-          </p:nvPr>
+          <p:nvPr/>
         </p:nvPicPr>
         <p:blipFill>
-          <a:blip r:embed="rId2" cstate="screen">
-            <a:extLst>
-              <a:ext uri="{28A0092B-C50C-407E-A947-70E740481C1C}">
-                <a14:useLocalDpi xmlns:a14="http://schemas.microsoft.com/office/drawing/2010/main"/>
+          <a:blip r:embed="rId2">
+            <a:extLst>
+              <a:ext uri="{96DAC541-7B7A-43D3-8B79-37D633B846F1}">
+                <asvg:svgBlip xmlns:asvg="http://schemas.microsoft.com/office/drawing/2016/SVG/main" r:embed="rId3"/>
               </a:ext>
             </a:extLst>
           </a:blip>
@@ -3963,15 +6418,1265 @@
         </p:blipFill>
         <p:spPr>
           <a:xfrm>
-            <a:off x="2054769" y="1825625"/>
-            <a:ext cx="8082462" cy="4351338"/>
+            <a:off x="868792" y="3693987"/>
+            <a:ext cx="914400" cy="914400"/>
           </a:xfrm>
+          <a:prstGeom prst="rect">
+            <a:avLst/>
+          </a:prstGeom>
         </p:spPr>
       </p:pic>
+      <p:cxnSp>
+        <p:nvCxnSpPr>
+          <p:cNvPr id="38" name="コネクタ: カギ線 37">
+            <a:extLst>
+              <a:ext uri="{FF2B5EF4-FFF2-40B4-BE49-F238E27FC236}">
+                <a16:creationId xmlns:a16="http://schemas.microsoft.com/office/drawing/2014/main" id="{7688D9DD-1A39-DDBE-63B3-F5459DC90BAF}"/>
+              </a:ext>
+            </a:extLst>
+          </p:cNvPr>
+          <p:cNvCxnSpPr>
+            <a:cxnSpLocks/>
+            <a:stCxn id="16" idx="3"/>
+            <a:endCxn id="47" idx="1"/>
+          </p:cNvCxnSpPr>
+          <p:nvPr/>
+        </p:nvCxnSpPr>
+        <p:spPr>
+          <a:xfrm flipH="1">
+            <a:off x="3328381" y="3287490"/>
+            <a:ext cx="6086763" cy="910503"/>
+          </a:xfrm>
+          <a:prstGeom prst="bentConnector5">
+            <a:avLst>
+              <a:gd name="adj1" fmla="val -3756"/>
+              <a:gd name="adj2" fmla="val 61831"/>
+              <a:gd name="adj3" fmla="val 103756"/>
+            </a:avLst>
+          </a:prstGeom>
+          <a:ln>
+            <a:tailEnd type="triangle"/>
+          </a:ln>
+        </p:spPr>
+        <p:style>
+          <a:lnRef idx="2">
+            <a:schemeClr val="accent1"/>
+          </a:lnRef>
+          <a:fillRef idx="0">
+            <a:schemeClr val="accent1"/>
+          </a:fillRef>
+          <a:effectRef idx="1">
+            <a:schemeClr val="accent1"/>
+          </a:effectRef>
+          <a:fontRef idx="minor">
+            <a:schemeClr val="tx1"/>
+          </a:fontRef>
+        </p:style>
+      </p:cxnSp>
+      <p:sp>
+        <p:nvSpPr>
+          <p:cNvPr id="42" name="テキスト ボックス 41">
+            <a:extLst>
+              <a:ext uri="{FF2B5EF4-FFF2-40B4-BE49-F238E27FC236}">
+                <a16:creationId xmlns:a16="http://schemas.microsoft.com/office/drawing/2014/main" id="{3B2BE5F5-FBFA-525A-47D8-AFA0EC378173}"/>
+              </a:ext>
+            </a:extLst>
+          </p:cNvPr>
+          <p:cNvSpPr txBox="1"/>
+          <p:nvPr/>
+        </p:nvSpPr>
+        <p:spPr>
+          <a:xfrm>
+            <a:off x="4030338" y="4595226"/>
+            <a:ext cx="5384807" cy="738664"/>
+          </a:xfrm>
+          <a:prstGeom prst="rect">
+            <a:avLst/>
+          </a:prstGeom>
+          <a:noFill/>
+        </p:spPr>
+        <p:txBody>
+          <a:bodyPr wrap="none" rtlCol="0">
+            <a:spAutoFit/>
+          </a:bodyPr>
+          <a:lstStyle/>
+          <a:p>
+            <a:r>
+              <a:rPr lang="en-US" altLang="ja-JP" sz="1400" b="1" i="0" dirty="0">
+                <a:effectLst/>
+                <a:latin typeface="Meiryo UI" panose="020B0604030504040204" pitchFamily="50" charset="-128"/>
+                <a:ea typeface="Meiryo UI" panose="020B0604030504040204" pitchFamily="50" charset="-128"/>
+              </a:rPr>
+              <a:t>[</a:t>
+            </a:r>
+            <a:r>
+              <a:rPr lang="en-US" altLang="ja-JP" sz="1400" b="1" i="0" dirty="0">
+                <a:solidFill>
+                  <a:schemeClr val="bg1">
+                    <a:lumMod val="65000"/>
+                  </a:schemeClr>
+                </a:solidFill>
+                <a:effectLst/>
+                <a:latin typeface="Meiryo UI" panose="020B0604030504040204" pitchFamily="50" charset="-128"/>
+                <a:ea typeface="Meiryo UI" panose="020B0604030504040204" pitchFamily="50" charset="-128"/>
+              </a:rPr>
+              <a:t>[2,23,86,</a:t>
+            </a:r>
+            <a:r>
+              <a:rPr lang="ja-JP" altLang="en-US" sz="1400" b="1" i="0" dirty="0">
+                <a:solidFill>
+                  <a:schemeClr val="bg1">
+                    <a:lumMod val="65000"/>
+                  </a:schemeClr>
+                </a:solidFill>
+                <a:effectLst/>
+                <a:latin typeface="Meiryo UI" panose="020B0604030504040204" pitchFamily="50" charset="-128"/>
+                <a:ea typeface="Meiryo UI" panose="020B0604030504040204" pitchFamily="50" charset="-128"/>
+              </a:rPr>
+              <a:t>・・・</a:t>
+            </a:r>
+            <a:r>
+              <a:rPr lang="en-US" altLang="ja-JP" sz="1400" b="1" i="0" dirty="0">
+                <a:solidFill>
+                  <a:schemeClr val="bg1">
+                    <a:lumMod val="65000"/>
+                  </a:schemeClr>
+                </a:solidFill>
+                <a:effectLst/>
+                <a:latin typeface="Meiryo UI" panose="020B0604030504040204" pitchFamily="50" charset="-128"/>
+                <a:ea typeface="Meiryo UI" panose="020B0604030504040204" pitchFamily="50" charset="-128"/>
+              </a:rPr>
+              <a:t>]</a:t>
+            </a:r>
+            <a:r>
+              <a:rPr lang="en-US" altLang="ja-JP" sz="1400" b="1" i="0" dirty="0">
+                <a:effectLst/>
+                <a:latin typeface="Meiryo UI" panose="020B0604030504040204" pitchFamily="50" charset="-128"/>
+                <a:ea typeface="Meiryo UI" panose="020B0604030504040204" pitchFamily="50" charset="-128"/>
+              </a:rPr>
+              <a:t>, </a:t>
+            </a:r>
+          </a:p>
+          <a:p>
+            <a:r>
+              <a:rPr lang="ja-JP" altLang="en-US" sz="1400" b="1" dirty="0">
+                <a:solidFill>
+                  <a:schemeClr val="tx1">
+                    <a:lumMod val="50000"/>
+                    <a:lumOff val="50000"/>
+                  </a:schemeClr>
+                </a:solidFill>
+                <a:latin typeface="Meiryo UI" panose="020B0604030504040204" pitchFamily="50" charset="-128"/>
+                <a:ea typeface="Meiryo UI" panose="020B0604030504040204" pitchFamily="50" charset="-128"/>
+              </a:rPr>
+              <a:t>　　　　　</a:t>
+            </a:r>
+            <a:r>
+              <a:rPr lang="en-US" altLang="ja-JP" sz="1400" b="1" i="0" dirty="0">
+                <a:solidFill>
+                  <a:schemeClr val="tx1">
+                    <a:lumMod val="50000"/>
+                    <a:lumOff val="50000"/>
+                  </a:schemeClr>
+                </a:solidFill>
+                <a:effectLst/>
+                <a:latin typeface="Meiryo UI" panose="020B0604030504040204" pitchFamily="50" charset="-128"/>
+                <a:ea typeface="Meiryo UI" panose="020B0604030504040204" pitchFamily="50" charset="-128"/>
+              </a:rPr>
+              <a:t>[5,9,10,27,</a:t>
+            </a:r>
+            <a:r>
+              <a:rPr lang="ja-JP" altLang="en-US" sz="1400" b="1" i="0" dirty="0">
+                <a:solidFill>
+                  <a:schemeClr val="tx1">
+                    <a:lumMod val="50000"/>
+                    <a:lumOff val="50000"/>
+                  </a:schemeClr>
+                </a:solidFill>
+                <a:effectLst/>
+                <a:latin typeface="Meiryo UI" panose="020B0604030504040204" pitchFamily="50" charset="-128"/>
+                <a:ea typeface="Meiryo UI" panose="020B0604030504040204" pitchFamily="50" charset="-128"/>
+              </a:rPr>
+              <a:t>・・・</a:t>
+            </a:r>
+            <a:r>
+              <a:rPr lang="en-US" altLang="ja-JP" sz="1400" b="1" i="0" dirty="0">
+                <a:solidFill>
+                  <a:schemeClr val="tx1">
+                    <a:lumMod val="50000"/>
+                    <a:lumOff val="50000"/>
+                  </a:schemeClr>
+                </a:solidFill>
+                <a:effectLst/>
+                <a:latin typeface="Meiryo UI" panose="020B0604030504040204" pitchFamily="50" charset="-128"/>
+                <a:ea typeface="Meiryo UI" panose="020B0604030504040204" pitchFamily="50" charset="-128"/>
+              </a:rPr>
+              <a:t>]</a:t>
+            </a:r>
+            <a:r>
+              <a:rPr lang="en-US" altLang="ja-JP" sz="1400" b="1" i="0" dirty="0">
+                <a:effectLst/>
+                <a:latin typeface="Meiryo UI" panose="020B0604030504040204" pitchFamily="50" charset="-128"/>
+                <a:ea typeface="Meiryo UI" panose="020B0604030504040204" pitchFamily="50" charset="-128"/>
+              </a:rPr>
+              <a:t>, </a:t>
+            </a:r>
+          </a:p>
+          <a:p>
+            <a:r>
+              <a:rPr lang="ja-JP" altLang="en-US" sz="1400" b="1" dirty="0">
+                <a:solidFill>
+                  <a:schemeClr val="tx2">
+                    <a:lumMod val="40000"/>
+                    <a:lumOff val="60000"/>
+                  </a:schemeClr>
+                </a:solidFill>
+                <a:latin typeface="Meiryo UI" panose="020B0604030504040204" pitchFamily="50" charset="-128"/>
+                <a:ea typeface="Meiryo UI" panose="020B0604030504040204" pitchFamily="50" charset="-128"/>
+              </a:rPr>
+              <a:t>　　　　　　　　　</a:t>
+            </a:r>
+            <a:r>
+              <a:rPr lang="en-US" altLang="ja-JP" sz="1400" b="1" i="0" dirty="0">
+                <a:solidFill>
+                  <a:schemeClr val="tx2">
+                    <a:lumMod val="40000"/>
+                    <a:lumOff val="60000"/>
+                  </a:schemeClr>
+                </a:solidFill>
+                <a:effectLst/>
+                <a:latin typeface="Meiryo UI" panose="020B0604030504040204" pitchFamily="50" charset="-128"/>
+                <a:ea typeface="Meiryo UI" panose="020B0604030504040204" pitchFamily="50" charset="-128"/>
+              </a:rPr>
+              <a:t>[9,</a:t>
+            </a:r>
+            <a:r>
+              <a:rPr lang="ja-JP" altLang="en-US" sz="1400" b="1" i="0" dirty="0">
+                <a:solidFill>
+                  <a:schemeClr val="tx2">
+                    <a:lumMod val="40000"/>
+                    <a:lumOff val="60000"/>
+                  </a:schemeClr>
+                </a:solidFill>
+                <a:effectLst/>
+                <a:latin typeface="Meiryo UI" panose="020B0604030504040204" pitchFamily="50" charset="-128"/>
+                <a:ea typeface="Meiryo UI" panose="020B0604030504040204" pitchFamily="50" charset="-128"/>
+              </a:rPr>
+              <a:t>・・・</a:t>
+            </a:r>
+            <a:r>
+              <a:rPr lang="en-US" altLang="ja-JP" sz="1400" b="1" i="0" dirty="0">
+                <a:solidFill>
+                  <a:schemeClr val="tx2">
+                    <a:lumMod val="40000"/>
+                    <a:lumOff val="60000"/>
+                  </a:schemeClr>
+                </a:solidFill>
+                <a:effectLst/>
+                <a:latin typeface="Meiryo UI" panose="020B0604030504040204" pitchFamily="50" charset="-128"/>
+                <a:ea typeface="Meiryo UI" panose="020B0604030504040204" pitchFamily="50" charset="-128"/>
+              </a:rPr>
+              <a:t>]</a:t>
+            </a:r>
+            <a:r>
+              <a:rPr lang="en-US" altLang="ja-JP" sz="1400" b="1" i="0" dirty="0">
+                <a:effectLst/>
+                <a:latin typeface="Meiryo UI" panose="020B0604030504040204" pitchFamily="50" charset="-128"/>
+                <a:ea typeface="Meiryo UI" panose="020B0604030504040204" pitchFamily="50" charset="-128"/>
+              </a:rPr>
+              <a:t>, </a:t>
+            </a:r>
+            <a:r>
+              <a:rPr lang="en-US" altLang="ja-JP" sz="1400" b="1" i="0" dirty="0">
+                <a:solidFill>
+                  <a:schemeClr val="accent2">
+                    <a:lumMod val="40000"/>
+                    <a:lumOff val="60000"/>
+                  </a:schemeClr>
+                </a:solidFill>
+                <a:effectLst/>
+                <a:latin typeface="Meiryo UI" panose="020B0604030504040204" pitchFamily="50" charset="-128"/>
+                <a:ea typeface="Meiryo UI" panose="020B0604030504040204" pitchFamily="50" charset="-128"/>
+              </a:rPr>
+              <a:t>[44</a:t>
+            </a:r>
+            <a:r>
+              <a:rPr lang="ja-JP" altLang="en-US" sz="1400" b="1" i="0" dirty="0">
+                <a:solidFill>
+                  <a:schemeClr val="accent2">
+                    <a:lumMod val="40000"/>
+                    <a:lumOff val="60000"/>
+                  </a:schemeClr>
+                </a:solidFill>
+                <a:effectLst/>
+                <a:latin typeface="Meiryo UI" panose="020B0604030504040204" pitchFamily="50" charset="-128"/>
+                <a:ea typeface="Meiryo UI" panose="020B0604030504040204" pitchFamily="50" charset="-128"/>
+              </a:rPr>
+              <a:t>・・・</a:t>
+            </a:r>
+            <a:r>
+              <a:rPr lang="en-US" altLang="ja-JP" sz="1400" b="1" i="0" dirty="0">
+                <a:solidFill>
+                  <a:schemeClr val="accent2">
+                    <a:lumMod val="40000"/>
+                    <a:lumOff val="60000"/>
+                  </a:schemeClr>
+                </a:solidFill>
+                <a:effectLst/>
+                <a:latin typeface="Meiryo UI" panose="020B0604030504040204" pitchFamily="50" charset="-128"/>
+                <a:ea typeface="Meiryo UI" panose="020B0604030504040204" pitchFamily="50" charset="-128"/>
+              </a:rPr>
+              <a:t>]</a:t>
+            </a:r>
+            <a:r>
+              <a:rPr lang="en-US" altLang="ja-JP" sz="1400" b="1" i="0" dirty="0">
+                <a:effectLst/>
+                <a:latin typeface="Meiryo UI" panose="020B0604030504040204" pitchFamily="50" charset="-128"/>
+                <a:ea typeface="Meiryo UI" panose="020B0604030504040204" pitchFamily="50" charset="-128"/>
+              </a:rPr>
+              <a:t>, </a:t>
+            </a:r>
+            <a:r>
+              <a:rPr lang="en-US" altLang="ja-JP" sz="1400" b="1" i="0" dirty="0">
+                <a:solidFill>
+                  <a:schemeClr val="accent3">
+                    <a:lumMod val="40000"/>
+                    <a:lumOff val="60000"/>
+                  </a:schemeClr>
+                </a:solidFill>
+                <a:effectLst/>
+                <a:latin typeface="Meiryo UI" panose="020B0604030504040204" pitchFamily="50" charset="-128"/>
+                <a:ea typeface="Meiryo UI" panose="020B0604030504040204" pitchFamily="50" charset="-128"/>
+              </a:rPr>
+              <a:t>[52</a:t>
+            </a:r>
+            <a:r>
+              <a:rPr lang="ja-JP" altLang="en-US" sz="1400" b="1" i="0" dirty="0">
+                <a:solidFill>
+                  <a:schemeClr val="accent3">
+                    <a:lumMod val="40000"/>
+                    <a:lumOff val="60000"/>
+                  </a:schemeClr>
+                </a:solidFill>
+                <a:effectLst/>
+                <a:latin typeface="Meiryo UI" panose="020B0604030504040204" pitchFamily="50" charset="-128"/>
+                <a:ea typeface="Meiryo UI" panose="020B0604030504040204" pitchFamily="50" charset="-128"/>
+              </a:rPr>
+              <a:t>・・・</a:t>
+            </a:r>
+            <a:r>
+              <a:rPr lang="en-US" altLang="ja-JP" sz="1400" b="1" i="0" dirty="0">
+                <a:solidFill>
+                  <a:schemeClr val="accent3">
+                    <a:lumMod val="40000"/>
+                    <a:lumOff val="60000"/>
+                  </a:schemeClr>
+                </a:solidFill>
+                <a:effectLst/>
+                <a:latin typeface="Meiryo UI" panose="020B0604030504040204" pitchFamily="50" charset="-128"/>
+                <a:ea typeface="Meiryo UI" panose="020B0604030504040204" pitchFamily="50" charset="-128"/>
+              </a:rPr>
+              <a:t>]</a:t>
+            </a:r>
+            <a:r>
+              <a:rPr lang="en-US" altLang="ja-JP" sz="1400" b="1" i="0" dirty="0">
+                <a:effectLst/>
+                <a:latin typeface="Meiryo UI" panose="020B0604030504040204" pitchFamily="50" charset="-128"/>
+                <a:ea typeface="Meiryo UI" panose="020B0604030504040204" pitchFamily="50" charset="-128"/>
+              </a:rPr>
+              <a:t>, </a:t>
+            </a:r>
+            <a:r>
+              <a:rPr lang="en-US" altLang="ja-JP" sz="1400" b="1" i="0" dirty="0">
+                <a:solidFill>
+                  <a:schemeClr val="accent5">
+                    <a:lumMod val="40000"/>
+                    <a:lumOff val="60000"/>
+                  </a:schemeClr>
+                </a:solidFill>
+                <a:effectLst/>
+                <a:latin typeface="Meiryo UI" panose="020B0604030504040204" pitchFamily="50" charset="-128"/>
+                <a:ea typeface="Meiryo UI" panose="020B0604030504040204" pitchFamily="50" charset="-128"/>
+              </a:rPr>
+              <a:t>[266</a:t>
+            </a:r>
+            <a:r>
+              <a:rPr lang="ja-JP" altLang="en-US" sz="1400" b="1" i="0" dirty="0">
+                <a:solidFill>
+                  <a:schemeClr val="accent5">
+                    <a:lumMod val="40000"/>
+                    <a:lumOff val="60000"/>
+                  </a:schemeClr>
+                </a:solidFill>
+                <a:effectLst/>
+                <a:latin typeface="Meiryo UI" panose="020B0604030504040204" pitchFamily="50" charset="-128"/>
+                <a:ea typeface="Meiryo UI" panose="020B0604030504040204" pitchFamily="50" charset="-128"/>
+              </a:rPr>
+              <a:t>・・・</a:t>
+            </a:r>
+            <a:r>
+              <a:rPr lang="en-US" altLang="ja-JP" sz="1400" b="1" i="0" dirty="0">
+                <a:solidFill>
+                  <a:schemeClr val="accent5">
+                    <a:lumMod val="40000"/>
+                    <a:lumOff val="60000"/>
+                  </a:schemeClr>
+                </a:solidFill>
+                <a:effectLst/>
+                <a:latin typeface="Meiryo UI" panose="020B0604030504040204" pitchFamily="50" charset="-128"/>
+                <a:ea typeface="Meiryo UI" panose="020B0604030504040204" pitchFamily="50" charset="-128"/>
+              </a:rPr>
+              <a:t>]</a:t>
+            </a:r>
+            <a:r>
+              <a:rPr lang="en-US" altLang="ja-JP" sz="1400" b="1" i="0" dirty="0">
+                <a:effectLst/>
+                <a:latin typeface="Meiryo UI" panose="020B0604030504040204" pitchFamily="50" charset="-128"/>
+                <a:ea typeface="Meiryo UI" panose="020B0604030504040204" pitchFamily="50" charset="-128"/>
+              </a:rPr>
+              <a:t>, </a:t>
+            </a:r>
+            <a:r>
+              <a:rPr lang="en-US" altLang="ja-JP" sz="1400" b="1" i="0" dirty="0">
+                <a:solidFill>
+                  <a:schemeClr val="bg1">
+                    <a:lumMod val="65000"/>
+                  </a:schemeClr>
+                </a:solidFill>
+                <a:effectLst/>
+                <a:latin typeface="Meiryo UI" panose="020B0604030504040204" pitchFamily="50" charset="-128"/>
+                <a:ea typeface="Meiryo UI" panose="020B0604030504040204" pitchFamily="50" charset="-128"/>
+              </a:rPr>
+              <a:t>[90</a:t>
+            </a:r>
+            <a:r>
+              <a:rPr lang="ja-JP" altLang="en-US" sz="1400" b="1" i="0" dirty="0">
+                <a:solidFill>
+                  <a:schemeClr val="bg1">
+                    <a:lumMod val="65000"/>
+                  </a:schemeClr>
+                </a:solidFill>
+                <a:effectLst/>
+                <a:latin typeface="Meiryo UI" panose="020B0604030504040204" pitchFamily="50" charset="-128"/>
+                <a:ea typeface="Meiryo UI" panose="020B0604030504040204" pitchFamily="50" charset="-128"/>
+              </a:rPr>
+              <a:t>・・・</a:t>
+            </a:r>
+            <a:r>
+              <a:rPr lang="en-US" altLang="ja-JP" sz="1400" b="1" i="0" dirty="0">
+                <a:solidFill>
+                  <a:schemeClr val="bg1">
+                    <a:lumMod val="65000"/>
+                  </a:schemeClr>
+                </a:solidFill>
+                <a:effectLst/>
+                <a:latin typeface="Meiryo UI" panose="020B0604030504040204" pitchFamily="50" charset="-128"/>
+                <a:ea typeface="Meiryo UI" panose="020B0604030504040204" pitchFamily="50" charset="-128"/>
+              </a:rPr>
+              <a:t>]</a:t>
+            </a:r>
+            <a:r>
+              <a:rPr lang="en-US" altLang="ja-JP" sz="1400" b="1" i="0" dirty="0">
+                <a:effectLst/>
+                <a:latin typeface="Meiryo UI" panose="020B0604030504040204" pitchFamily="50" charset="-128"/>
+                <a:ea typeface="Meiryo UI" panose="020B0604030504040204" pitchFamily="50" charset="-128"/>
+              </a:rPr>
+              <a:t>]</a:t>
+            </a:r>
+            <a:endParaRPr kumimoji="1" lang="ja-JP" altLang="en-US" sz="1400" b="1" dirty="0">
+              <a:latin typeface="Meiryo UI" panose="020B0604030504040204" pitchFamily="50" charset="-128"/>
+              <a:ea typeface="Meiryo UI" panose="020B0604030504040204" pitchFamily="50" charset="-128"/>
+            </a:endParaRPr>
+          </a:p>
+        </p:txBody>
+      </p:sp>
+      <p:sp>
+        <p:nvSpPr>
+          <p:cNvPr id="47" name="テキスト ボックス 46">
+            <a:extLst>
+              <a:ext uri="{FF2B5EF4-FFF2-40B4-BE49-F238E27FC236}">
+                <a16:creationId xmlns:a16="http://schemas.microsoft.com/office/drawing/2014/main" id="{AA3F14F7-07A9-07BD-F673-60D58439F3C9}"/>
+              </a:ext>
+            </a:extLst>
+          </p:cNvPr>
+          <p:cNvSpPr txBox="1"/>
+          <p:nvPr/>
+        </p:nvSpPr>
+        <p:spPr>
+          <a:xfrm>
+            <a:off x="3328381" y="4044104"/>
+            <a:ext cx="1895584" cy="307777"/>
+          </a:xfrm>
+          <a:prstGeom prst="rect">
+            <a:avLst/>
+          </a:prstGeom>
+          <a:solidFill>
+            <a:schemeClr val="accent5">
+              <a:lumMod val="40000"/>
+              <a:lumOff val="60000"/>
+            </a:schemeClr>
+          </a:solidFill>
+          <a:ln>
+            <a:solidFill>
+              <a:schemeClr val="tx1"/>
+            </a:solidFill>
+          </a:ln>
+        </p:spPr>
+        <p:txBody>
+          <a:bodyPr wrap="none" rtlCol="0">
+            <a:spAutoFit/>
+          </a:bodyPr>
+          <a:lstStyle/>
+          <a:p>
+            <a:r>
+              <a:rPr kumimoji="1" lang="en-US" altLang="ja-JP" sz="1400" b="1" dirty="0">
+                <a:latin typeface="Meiryo UI" panose="020B0604030504040204" pitchFamily="50" charset="-128"/>
+                <a:ea typeface="Meiryo UI" panose="020B0604030504040204" pitchFamily="50" charset="-128"/>
+              </a:rPr>
+              <a:t>GPT</a:t>
+            </a:r>
+            <a:r>
+              <a:rPr kumimoji="1" lang="ja-JP" altLang="en-US" sz="1400" b="1" dirty="0">
+                <a:latin typeface="Meiryo UI" panose="020B0604030504040204" pitchFamily="50" charset="-128"/>
+                <a:ea typeface="Meiryo UI" panose="020B0604030504040204" pitchFamily="50" charset="-128"/>
+              </a:rPr>
+              <a:t>モデル</a:t>
+            </a:r>
+            <a:r>
+              <a:rPr kumimoji="1" lang="en-US" altLang="ja-JP" sz="1400" b="1" dirty="0">
+                <a:latin typeface="Meiryo UI" panose="020B0604030504040204" pitchFamily="50" charset="-128"/>
+                <a:ea typeface="Meiryo UI" panose="020B0604030504040204" pitchFamily="50" charset="-128"/>
+              </a:rPr>
+              <a:t>/BERT</a:t>
+            </a:r>
+            <a:r>
+              <a:rPr kumimoji="1" lang="ja-JP" altLang="en-US" sz="1400" b="1" dirty="0">
+                <a:latin typeface="Meiryo UI" panose="020B0604030504040204" pitchFamily="50" charset="-128"/>
+                <a:ea typeface="Meiryo UI" panose="020B0604030504040204" pitchFamily="50" charset="-128"/>
+              </a:rPr>
+              <a:t>など</a:t>
+            </a:r>
+          </a:p>
+        </p:txBody>
+      </p:sp>
+      <p:cxnSp>
+        <p:nvCxnSpPr>
+          <p:cNvPr id="51" name="コネクタ: カギ線 50">
+            <a:extLst>
+              <a:ext uri="{FF2B5EF4-FFF2-40B4-BE49-F238E27FC236}">
+                <a16:creationId xmlns:a16="http://schemas.microsoft.com/office/drawing/2014/main" id="{AA4A1878-F838-DFD2-5296-C5F030C94F75}"/>
+              </a:ext>
+            </a:extLst>
+          </p:cNvPr>
+          <p:cNvCxnSpPr>
+            <a:cxnSpLocks/>
+            <a:stCxn id="47" idx="3"/>
+            <a:endCxn id="42" idx="1"/>
+          </p:cNvCxnSpPr>
+          <p:nvPr/>
+        </p:nvCxnSpPr>
+        <p:spPr>
+          <a:xfrm flipH="1">
+            <a:off x="4030338" y="4197993"/>
+            <a:ext cx="1193627" cy="766565"/>
+          </a:xfrm>
+          <a:prstGeom prst="bentConnector5">
+            <a:avLst>
+              <a:gd name="adj1" fmla="val -19152"/>
+              <a:gd name="adj2" fmla="val 35947"/>
+              <a:gd name="adj3" fmla="val 119152"/>
+            </a:avLst>
+          </a:prstGeom>
+          <a:ln>
+            <a:tailEnd type="triangle"/>
+          </a:ln>
+        </p:spPr>
+        <p:style>
+          <a:lnRef idx="2">
+            <a:schemeClr val="accent1"/>
+          </a:lnRef>
+          <a:fillRef idx="0">
+            <a:schemeClr val="accent1"/>
+          </a:fillRef>
+          <a:effectRef idx="1">
+            <a:schemeClr val="accent1"/>
+          </a:effectRef>
+          <a:fontRef idx="minor">
+            <a:schemeClr val="tx1"/>
+          </a:fontRef>
+        </p:style>
+      </p:cxnSp>
+      <p:sp>
+        <p:nvSpPr>
+          <p:cNvPr id="54" name="テキスト ボックス 53">
+            <a:extLst>
+              <a:ext uri="{FF2B5EF4-FFF2-40B4-BE49-F238E27FC236}">
+                <a16:creationId xmlns:a16="http://schemas.microsoft.com/office/drawing/2014/main" id="{C367315D-A920-0488-EA53-34773FD64711}"/>
+              </a:ext>
+            </a:extLst>
+          </p:cNvPr>
+          <p:cNvSpPr txBox="1"/>
+          <p:nvPr/>
+        </p:nvSpPr>
+        <p:spPr>
+          <a:xfrm>
+            <a:off x="3187186" y="5855654"/>
+            <a:ext cx="4259499" cy="307777"/>
+          </a:xfrm>
+          <a:prstGeom prst="rect">
+            <a:avLst/>
+          </a:prstGeom>
+          <a:noFill/>
+        </p:spPr>
+        <p:txBody>
+          <a:bodyPr wrap="none" rtlCol="0">
+            <a:spAutoFit/>
+          </a:bodyPr>
+          <a:lstStyle/>
+          <a:p>
+            <a:r>
+              <a:rPr lang="en-US" altLang="ja-JP" sz="1400" b="1" i="0" dirty="0">
+                <a:effectLst/>
+                <a:latin typeface="Meiryo UI" panose="020B0604030504040204" pitchFamily="50" charset="-128"/>
+                <a:ea typeface="Meiryo UI" panose="020B0604030504040204" pitchFamily="50" charset="-128"/>
+              </a:rPr>
+              <a:t>[</a:t>
+            </a:r>
+            <a:r>
+              <a:rPr lang="en-US" altLang="ja-JP" sz="1400" b="1" i="0" dirty="0">
+                <a:solidFill>
+                  <a:schemeClr val="bg1">
+                    <a:lumMod val="65000"/>
+                  </a:schemeClr>
+                </a:solidFill>
+                <a:effectLst/>
+                <a:latin typeface="Meiryo UI" panose="020B0604030504040204" pitchFamily="50" charset="-128"/>
+                <a:ea typeface="Meiryo UI" panose="020B0604030504040204" pitchFamily="50" charset="-128"/>
+              </a:rPr>
+              <a:t>101</a:t>
+            </a:r>
+            <a:r>
+              <a:rPr lang="en-US" altLang="ja-JP" sz="1400" b="1" i="0" dirty="0">
+                <a:effectLst/>
+                <a:latin typeface="Meiryo UI" panose="020B0604030504040204" pitchFamily="50" charset="-128"/>
+                <a:ea typeface="Meiryo UI" panose="020B0604030504040204" pitchFamily="50" charset="-128"/>
+              </a:rPr>
+              <a:t>, </a:t>
+            </a:r>
+            <a:r>
+              <a:rPr lang="en-US" altLang="ja-JP" sz="1400" b="1" i="0" dirty="0">
+                <a:solidFill>
+                  <a:schemeClr val="tx1">
+                    <a:lumMod val="50000"/>
+                    <a:lumOff val="50000"/>
+                  </a:schemeClr>
+                </a:solidFill>
+                <a:effectLst/>
+                <a:latin typeface="Meiryo UI" panose="020B0604030504040204" pitchFamily="50" charset="-128"/>
+                <a:ea typeface="Meiryo UI" panose="020B0604030504040204" pitchFamily="50" charset="-128"/>
+              </a:rPr>
+              <a:t>3086</a:t>
+            </a:r>
+            <a:r>
+              <a:rPr lang="en-US" altLang="ja-JP" sz="1400" b="1" i="0" dirty="0">
+                <a:effectLst/>
+                <a:latin typeface="Meiryo UI" panose="020B0604030504040204" pitchFamily="50" charset="-128"/>
+                <a:ea typeface="Meiryo UI" panose="020B0604030504040204" pitchFamily="50" charset="-128"/>
+              </a:rPr>
+              <a:t>, </a:t>
+            </a:r>
+            <a:r>
+              <a:rPr lang="en-US" altLang="ja-JP" sz="1400" b="1" i="0" dirty="0">
+                <a:solidFill>
+                  <a:schemeClr val="tx2">
+                    <a:lumMod val="40000"/>
+                    <a:lumOff val="60000"/>
+                  </a:schemeClr>
+                </a:solidFill>
+                <a:effectLst/>
+                <a:latin typeface="Meiryo UI" panose="020B0604030504040204" pitchFamily="50" charset="-128"/>
+                <a:ea typeface="Meiryo UI" panose="020B0604030504040204" pitchFamily="50" charset="-128"/>
+              </a:rPr>
+              <a:t>2003</a:t>
+            </a:r>
+            <a:r>
+              <a:rPr lang="en-US" altLang="ja-JP" sz="1400" b="1" i="0" dirty="0">
+                <a:effectLst/>
+                <a:latin typeface="Meiryo UI" panose="020B0604030504040204" pitchFamily="50" charset="-128"/>
+                <a:ea typeface="Meiryo UI" panose="020B0604030504040204" pitchFamily="50" charset="-128"/>
+              </a:rPr>
+              <a:t>, </a:t>
+            </a:r>
+            <a:r>
+              <a:rPr lang="en-US" altLang="ja-JP" sz="1400" b="1" i="0" dirty="0">
+                <a:solidFill>
+                  <a:schemeClr val="accent5">
+                    <a:lumMod val="60000"/>
+                    <a:lumOff val="40000"/>
+                  </a:schemeClr>
+                </a:solidFill>
+                <a:effectLst/>
+                <a:latin typeface="Meiryo UI" panose="020B0604030504040204" pitchFamily="50" charset="-128"/>
+                <a:ea typeface="Meiryo UI" panose="020B0604030504040204" pitchFamily="50" charset="-128"/>
+              </a:rPr>
+              <a:t>2035</a:t>
+            </a:r>
+            <a:r>
+              <a:rPr lang="en-US" altLang="ja-JP" sz="1400" b="1" i="0" dirty="0">
+                <a:effectLst/>
+                <a:latin typeface="Meiryo UI" panose="020B0604030504040204" pitchFamily="50" charset="-128"/>
+                <a:ea typeface="Meiryo UI" panose="020B0604030504040204" pitchFamily="50" charset="-128"/>
+              </a:rPr>
+              <a:t>, </a:t>
+            </a:r>
+            <a:r>
+              <a:rPr lang="en-US" altLang="ja-JP" sz="1400" b="1" i="0" dirty="0">
+                <a:solidFill>
+                  <a:schemeClr val="accent3">
+                    <a:lumMod val="40000"/>
+                    <a:lumOff val="60000"/>
+                  </a:schemeClr>
+                </a:solidFill>
+                <a:effectLst/>
+                <a:latin typeface="Meiryo UI" panose="020B0604030504040204" pitchFamily="50" charset="-128"/>
+                <a:ea typeface="Meiryo UI" panose="020B0604030504040204" pitchFamily="50" charset="-128"/>
+              </a:rPr>
+              <a:t>2017</a:t>
+            </a:r>
+            <a:r>
+              <a:rPr lang="en-US" altLang="ja-JP" sz="1400" b="1" i="0" dirty="0">
+                <a:effectLst/>
+                <a:latin typeface="Meiryo UI" panose="020B0604030504040204" pitchFamily="50" charset="-128"/>
+                <a:ea typeface="Meiryo UI" panose="020B0604030504040204" pitchFamily="50" charset="-128"/>
+              </a:rPr>
+              <a:t>, </a:t>
+            </a:r>
+            <a:r>
+              <a:rPr lang="en-US" altLang="ja-JP" sz="1400" b="1" i="0" dirty="0">
+                <a:solidFill>
+                  <a:schemeClr val="accent5">
+                    <a:lumMod val="40000"/>
+                    <a:lumOff val="60000"/>
+                  </a:schemeClr>
+                </a:solidFill>
+                <a:effectLst/>
+                <a:latin typeface="Meiryo UI" panose="020B0604030504040204" pitchFamily="50" charset="-128"/>
+                <a:ea typeface="Meiryo UI" panose="020B0604030504040204" pitchFamily="50" charset="-128"/>
+              </a:rPr>
+              <a:t>2342</a:t>
+            </a:r>
+            <a:r>
+              <a:rPr lang="en-US" altLang="ja-JP" sz="1400" b="1" i="0" dirty="0">
+                <a:effectLst/>
+                <a:latin typeface="Meiryo UI" panose="020B0604030504040204" pitchFamily="50" charset="-128"/>
+                <a:ea typeface="Meiryo UI" panose="020B0604030504040204" pitchFamily="50" charset="-128"/>
+              </a:rPr>
+              <a:t>, </a:t>
+            </a:r>
+            <a:r>
+              <a:rPr lang="en-US" altLang="ja-JP" sz="1400" b="1" i="0" dirty="0">
+                <a:solidFill>
+                  <a:schemeClr val="bg1">
+                    <a:lumMod val="65000"/>
+                  </a:schemeClr>
+                </a:solidFill>
+                <a:effectLst/>
+                <a:latin typeface="Meiryo UI" panose="020B0604030504040204" pitchFamily="50" charset="-128"/>
+                <a:ea typeface="Meiryo UI" panose="020B0604030504040204" pitchFamily="50" charset="-128"/>
+              </a:rPr>
+              <a:t>102</a:t>
+            </a:r>
+            <a:r>
+              <a:rPr lang="en-US" altLang="ja-JP" sz="1400" b="1" i="0" dirty="0">
+                <a:effectLst/>
+                <a:latin typeface="Meiryo UI" panose="020B0604030504040204" pitchFamily="50" charset="-128"/>
+                <a:ea typeface="Meiryo UI" panose="020B0604030504040204" pitchFamily="50" charset="-128"/>
+              </a:rPr>
+              <a:t>]</a:t>
+            </a:r>
+            <a:endParaRPr kumimoji="1" lang="ja-JP" altLang="en-US" sz="1400" b="1" dirty="0">
+              <a:latin typeface="Meiryo UI" panose="020B0604030504040204" pitchFamily="50" charset="-128"/>
+              <a:ea typeface="Meiryo UI" panose="020B0604030504040204" pitchFamily="50" charset="-128"/>
+            </a:endParaRPr>
+          </a:p>
+        </p:txBody>
+      </p:sp>
+      <p:sp>
+        <p:nvSpPr>
+          <p:cNvPr id="58" name="テキスト ボックス 57">
+            <a:extLst>
+              <a:ext uri="{FF2B5EF4-FFF2-40B4-BE49-F238E27FC236}">
+                <a16:creationId xmlns:a16="http://schemas.microsoft.com/office/drawing/2014/main" id="{A959F0CD-48B9-5D04-9C10-E71FF975DB01}"/>
+              </a:ext>
+            </a:extLst>
+          </p:cNvPr>
+          <p:cNvSpPr txBox="1"/>
+          <p:nvPr/>
+        </p:nvSpPr>
+        <p:spPr>
+          <a:xfrm>
+            <a:off x="7419324" y="6374414"/>
+            <a:ext cx="2053767" cy="307777"/>
+          </a:xfrm>
+          <a:prstGeom prst="rect">
+            <a:avLst/>
+          </a:prstGeom>
+          <a:noFill/>
+        </p:spPr>
+        <p:txBody>
+          <a:bodyPr wrap="none" rtlCol="0">
+            <a:spAutoFit/>
+          </a:bodyPr>
+          <a:lstStyle/>
+          <a:p>
+            <a:r>
+              <a:rPr kumimoji="1" lang="ja-JP" altLang="en-US" sz="1400" b="1" dirty="0">
+                <a:latin typeface="Meiryo UI" panose="020B0604030504040204" pitchFamily="50" charset="-128"/>
+                <a:ea typeface="Meiryo UI" panose="020B0604030504040204" pitchFamily="50" charset="-128"/>
+              </a:rPr>
+              <a:t>必要なのは教科書だけ！</a:t>
+            </a:r>
+          </a:p>
+        </p:txBody>
+      </p:sp>
+      <p:cxnSp>
+        <p:nvCxnSpPr>
+          <p:cNvPr id="59" name="コネクタ: カギ線 58">
+            <a:extLst>
+              <a:ext uri="{FF2B5EF4-FFF2-40B4-BE49-F238E27FC236}">
+                <a16:creationId xmlns:a16="http://schemas.microsoft.com/office/drawing/2014/main" id="{1E339F7D-1C79-C6E8-D4C2-2F06DFF66F9E}"/>
+              </a:ext>
+            </a:extLst>
+          </p:cNvPr>
+          <p:cNvCxnSpPr>
+            <a:cxnSpLocks/>
+            <a:stCxn id="54" idx="3"/>
+            <a:endCxn id="58" idx="1"/>
+          </p:cNvCxnSpPr>
+          <p:nvPr/>
+        </p:nvCxnSpPr>
+        <p:spPr>
+          <a:xfrm flipH="1">
+            <a:off x="7419324" y="6009543"/>
+            <a:ext cx="27361" cy="518760"/>
+          </a:xfrm>
+          <a:prstGeom prst="bentConnector5">
+            <a:avLst>
+              <a:gd name="adj1" fmla="val -835496"/>
+              <a:gd name="adj2" fmla="val 50000"/>
+              <a:gd name="adj3" fmla="val 935496"/>
+            </a:avLst>
+          </a:prstGeom>
+          <a:ln>
+            <a:tailEnd type="triangle"/>
+          </a:ln>
+        </p:spPr>
+        <p:style>
+          <a:lnRef idx="2">
+            <a:schemeClr val="accent1"/>
+          </a:lnRef>
+          <a:fillRef idx="0">
+            <a:schemeClr val="accent1"/>
+          </a:fillRef>
+          <a:effectRef idx="1">
+            <a:schemeClr val="accent1"/>
+          </a:effectRef>
+          <a:fontRef idx="minor">
+            <a:schemeClr val="tx1"/>
+          </a:fontRef>
+        </p:style>
+      </p:cxnSp>
+      <p:sp>
+        <p:nvSpPr>
+          <p:cNvPr id="63" name="テキスト ボックス 62">
+            <a:extLst>
+              <a:ext uri="{FF2B5EF4-FFF2-40B4-BE49-F238E27FC236}">
+                <a16:creationId xmlns:a16="http://schemas.microsoft.com/office/drawing/2014/main" id="{FB7B9C01-963C-AC07-2617-F4BC3AB8BD15}"/>
+              </a:ext>
+            </a:extLst>
+          </p:cNvPr>
+          <p:cNvSpPr txBox="1"/>
+          <p:nvPr/>
+        </p:nvSpPr>
+        <p:spPr>
+          <a:xfrm>
+            <a:off x="1907887" y="5785056"/>
+            <a:ext cx="776175" cy="307777"/>
+          </a:xfrm>
+          <a:prstGeom prst="rect">
+            <a:avLst/>
+          </a:prstGeom>
+          <a:noFill/>
+        </p:spPr>
+        <p:txBody>
+          <a:bodyPr wrap="none" rtlCol="0">
+            <a:spAutoFit/>
+          </a:bodyPr>
+          <a:lstStyle/>
+          <a:p>
+            <a:r>
+              <a:rPr kumimoji="1" lang="en-US" altLang="ja-JP" sz="1400" b="1" dirty="0">
+                <a:latin typeface="Meiryo UI" panose="020B0604030504040204" pitchFamily="50" charset="-128"/>
+                <a:ea typeface="Meiryo UI" panose="020B0604030504040204" pitchFamily="50" charset="-128"/>
+              </a:rPr>
+              <a:t>ID</a:t>
+            </a:r>
+            <a:r>
+              <a:rPr kumimoji="1" lang="ja-JP" altLang="en-US" sz="1400" b="1" dirty="0">
+                <a:latin typeface="Meiryo UI" panose="020B0604030504040204" pitchFamily="50" charset="-128"/>
+                <a:ea typeface="Meiryo UI" panose="020B0604030504040204" pitchFamily="50" charset="-128"/>
+              </a:rPr>
+              <a:t>出力</a:t>
+            </a:r>
+          </a:p>
+        </p:txBody>
+      </p:sp>
+      <p:sp>
+        <p:nvSpPr>
+          <p:cNvPr id="5" name="テキスト ボックス 4">
+            <a:extLst>
+              <a:ext uri="{FF2B5EF4-FFF2-40B4-BE49-F238E27FC236}">
+                <a16:creationId xmlns:a16="http://schemas.microsoft.com/office/drawing/2014/main" id="{3BD8C820-528E-2206-0BBD-65D6F115F859}"/>
+              </a:ext>
+            </a:extLst>
+          </p:cNvPr>
+          <p:cNvSpPr txBox="1"/>
+          <p:nvPr/>
+        </p:nvSpPr>
+        <p:spPr>
+          <a:xfrm>
+            <a:off x="868792" y="4527926"/>
+            <a:ext cx="771365" cy="307777"/>
+          </a:xfrm>
+          <a:prstGeom prst="rect">
+            <a:avLst/>
+          </a:prstGeom>
+          <a:noFill/>
+        </p:spPr>
+        <p:txBody>
+          <a:bodyPr wrap="none" rtlCol="0">
+            <a:spAutoFit/>
+          </a:bodyPr>
+          <a:lstStyle/>
+          <a:p>
+            <a:r>
+              <a:rPr kumimoji="1" lang="en-US" altLang="ja-JP" sz="1400" b="1" u="sng" dirty="0">
+                <a:solidFill>
+                  <a:schemeClr val="accent2">
+                    <a:lumMod val="75000"/>
+                  </a:schemeClr>
+                </a:solidFill>
+                <a:latin typeface="Meiryo UI" panose="020B0604030504040204" pitchFamily="50" charset="-128"/>
+                <a:ea typeface="Meiryo UI" panose="020B0604030504040204" pitchFamily="50" charset="-128"/>
+              </a:rPr>
+              <a:t>model</a:t>
+            </a:r>
+            <a:endParaRPr kumimoji="1" lang="ja-JP" altLang="en-US" sz="1400" b="1" u="sng" dirty="0">
+              <a:solidFill>
+                <a:schemeClr val="accent2">
+                  <a:lumMod val="75000"/>
+                </a:schemeClr>
+              </a:solidFill>
+              <a:latin typeface="Meiryo UI" panose="020B0604030504040204" pitchFamily="50" charset="-128"/>
+              <a:ea typeface="Meiryo UI" panose="020B0604030504040204" pitchFamily="50" charset="-128"/>
+            </a:endParaRPr>
+          </a:p>
+        </p:txBody>
+      </p:sp>
+      <p:sp>
+        <p:nvSpPr>
+          <p:cNvPr id="6" name="テキスト ボックス 5">
+            <a:extLst>
+              <a:ext uri="{FF2B5EF4-FFF2-40B4-BE49-F238E27FC236}">
+                <a16:creationId xmlns:a16="http://schemas.microsoft.com/office/drawing/2014/main" id="{4C783A11-CEE1-723E-B1FB-381B1FEF203F}"/>
+              </a:ext>
+            </a:extLst>
+          </p:cNvPr>
+          <p:cNvSpPr txBox="1"/>
+          <p:nvPr/>
+        </p:nvSpPr>
+        <p:spPr>
+          <a:xfrm>
+            <a:off x="868792" y="2070493"/>
+            <a:ext cx="1071127" cy="307777"/>
+          </a:xfrm>
+          <a:prstGeom prst="rect">
+            <a:avLst/>
+          </a:prstGeom>
+          <a:noFill/>
+        </p:spPr>
+        <p:txBody>
+          <a:bodyPr wrap="none" rtlCol="0">
+            <a:spAutoFit/>
+          </a:bodyPr>
+          <a:lstStyle/>
+          <a:p>
+            <a:r>
+              <a:rPr kumimoji="1" lang="en-US" altLang="ja-JP" sz="1400" b="1" u="sng" dirty="0">
+                <a:solidFill>
+                  <a:schemeClr val="accent2">
+                    <a:lumMod val="75000"/>
+                  </a:schemeClr>
+                </a:solidFill>
+                <a:latin typeface="Meiryo UI" panose="020B0604030504040204" pitchFamily="50" charset="-128"/>
+                <a:ea typeface="Meiryo UI" panose="020B0604030504040204" pitchFamily="50" charset="-128"/>
+              </a:rPr>
+              <a:t>tokenizer</a:t>
+            </a:r>
+            <a:endParaRPr kumimoji="1" lang="ja-JP" altLang="en-US" sz="1400" b="1" u="sng" dirty="0">
+              <a:solidFill>
+                <a:schemeClr val="accent2">
+                  <a:lumMod val="75000"/>
+                </a:schemeClr>
+              </a:solidFill>
+              <a:latin typeface="Meiryo UI" panose="020B0604030504040204" pitchFamily="50" charset="-128"/>
+              <a:ea typeface="Meiryo UI" panose="020B0604030504040204" pitchFamily="50" charset="-128"/>
+            </a:endParaRPr>
+          </a:p>
+        </p:txBody>
+      </p:sp>
+      <p:sp>
+        <p:nvSpPr>
+          <p:cNvPr id="19" name="テキスト ボックス 18">
+            <a:extLst>
+              <a:ext uri="{FF2B5EF4-FFF2-40B4-BE49-F238E27FC236}">
+                <a16:creationId xmlns:a16="http://schemas.microsoft.com/office/drawing/2014/main" id="{FFDC8453-C433-065E-94A0-DEECDBBCF5D0}"/>
+              </a:ext>
+            </a:extLst>
+          </p:cNvPr>
+          <p:cNvSpPr txBox="1"/>
+          <p:nvPr/>
+        </p:nvSpPr>
+        <p:spPr>
+          <a:xfrm>
+            <a:off x="868792" y="6252610"/>
+            <a:ext cx="1071127" cy="307777"/>
+          </a:xfrm>
+          <a:prstGeom prst="rect">
+            <a:avLst/>
+          </a:prstGeom>
+          <a:noFill/>
+        </p:spPr>
+        <p:txBody>
+          <a:bodyPr wrap="none" rtlCol="0">
+            <a:spAutoFit/>
+          </a:bodyPr>
+          <a:lstStyle/>
+          <a:p>
+            <a:r>
+              <a:rPr kumimoji="1" lang="en-US" altLang="ja-JP" sz="1400" b="1" u="sng" dirty="0">
+                <a:solidFill>
+                  <a:schemeClr val="accent2">
+                    <a:lumMod val="75000"/>
+                  </a:schemeClr>
+                </a:solidFill>
+                <a:latin typeface="Meiryo UI" panose="020B0604030504040204" pitchFamily="50" charset="-128"/>
+                <a:ea typeface="Meiryo UI" panose="020B0604030504040204" pitchFamily="50" charset="-128"/>
+              </a:rPr>
+              <a:t>tokenizer</a:t>
+            </a:r>
+            <a:endParaRPr kumimoji="1" lang="ja-JP" altLang="en-US" sz="1400" b="1" u="sng" dirty="0">
+              <a:solidFill>
+                <a:schemeClr val="accent2">
+                  <a:lumMod val="75000"/>
+                </a:schemeClr>
+              </a:solidFill>
+              <a:latin typeface="Meiryo UI" panose="020B0604030504040204" pitchFamily="50" charset="-128"/>
+              <a:ea typeface="Meiryo UI" panose="020B0604030504040204" pitchFamily="50" charset="-128"/>
+            </a:endParaRPr>
+          </a:p>
+        </p:txBody>
+      </p:sp>
+      <p:sp>
+        <p:nvSpPr>
+          <p:cNvPr id="27" name="矢印: 下 26">
+            <a:extLst>
+              <a:ext uri="{FF2B5EF4-FFF2-40B4-BE49-F238E27FC236}">
+                <a16:creationId xmlns:a16="http://schemas.microsoft.com/office/drawing/2014/main" id="{EF7F6008-CA50-4ED9-5D5B-B6F77B33B1F6}"/>
+              </a:ext>
+            </a:extLst>
+          </p:cNvPr>
+          <p:cNvSpPr/>
+          <p:nvPr/>
+        </p:nvSpPr>
+        <p:spPr>
+          <a:xfrm>
+            <a:off x="5248596" y="2488911"/>
+            <a:ext cx="1374011" cy="356637"/>
+          </a:xfrm>
+          <a:prstGeom prst="downArrow">
+            <a:avLst/>
+          </a:prstGeom>
+        </p:spPr>
+        <p:style>
+          <a:lnRef idx="2">
+            <a:schemeClr val="accent1">
+              <a:shade val="50000"/>
+            </a:schemeClr>
+          </a:lnRef>
+          <a:fillRef idx="1">
+            <a:schemeClr val="accent1"/>
+          </a:fillRef>
+          <a:effectRef idx="0">
+            <a:schemeClr val="accent1"/>
+          </a:effectRef>
+          <a:fontRef idx="minor">
+            <a:schemeClr val="lt1"/>
+          </a:fontRef>
+        </p:style>
+        <p:txBody>
+          <a:bodyPr rtlCol="0" anchor="ctr"/>
+          <a:lstStyle/>
+          <a:p>
+            <a:pPr algn="ctr"/>
+            <a:endParaRPr kumimoji="1" lang="ja-JP" altLang="en-US"/>
+          </a:p>
+        </p:txBody>
+      </p:sp>
+      <p:sp>
+        <p:nvSpPr>
+          <p:cNvPr id="28" name="矢印: 下 27">
+            <a:extLst>
+              <a:ext uri="{FF2B5EF4-FFF2-40B4-BE49-F238E27FC236}">
+                <a16:creationId xmlns:a16="http://schemas.microsoft.com/office/drawing/2014/main" id="{297AC61B-288B-5F54-7AF0-6E593BB64FBD}"/>
+              </a:ext>
+            </a:extLst>
+          </p:cNvPr>
+          <p:cNvSpPr/>
+          <p:nvPr/>
+        </p:nvSpPr>
+        <p:spPr>
+          <a:xfrm>
+            <a:off x="5248596" y="5428419"/>
+            <a:ext cx="1374011" cy="356637"/>
+          </a:xfrm>
+          <a:prstGeom prst="downArrow">
+            <a:avLst/>
+          </a:prstGeom>
+        </p:spPr>
+        <p:style>
+          <a:lnRef idx="2">
+            <a:schemeClr val="accent1">
+              <a:shade val="50000"/>
+            </a:schemeClr>
+          </a:lnRef>
+          <a:fillRef idx="1">
+            <a:schemeClr val="accent1"/>
+          </a:fillRef>
+          <a:effectRef idx="0">
+            <a:schemeClr val="accent1"/>
+          </a:effectRef>
+          <a:fontRef idx="minor">
+            <a:schemeClr val="lt1"/>
+          </a:fontRef>
+        </p:style>
+        <p:txBody>
+          <a:bodyPr rtlCol="0" anchor="ctr"/>
+          <a:lstStyle/>
+          <a:p>
+            <a:pPr algn="ctr"/>
+            <a:endParaRPr kumimoji="1" lang="ja-JP" altLang="en-US"/>
+          </a:p>
+        </p:txBody>
+      </p:sp>
     </p:spTree>
     <p:extLst>
       <p:ext uri="{BB962C8B-B14F-4D97-AF65-F5344CB8AC3E}">
-        <p14:creationId xmlns:p14="http://schemas.microsoft.com/office/powerpoint/2010/main" val="1033193766"/>
+        <p14:creationId xmlns:p14="http://schemas.microsoft.com/office/powerpoint/2010/main" val="1169760922"/>
+      </p:ext>
+    </p:extLst>
+  </p:cSld>
+  <p:clrMapOvr>
+    <a:masterClrMapping/>
+  </p:clrMapOvr>
+</p:sld>
+</file>
+
+<file path=ppt/slides/slide13.xml><?xml version="1.0" encoding="utf-8"?>
+<p:sld xmlns:a="http://schemas.openxmlformats.org/drawingml/2006/main" xmlns:r="http://schemas.openxmlformats.org/officeDocument/2006/relationships" xmlns:p="http://schemas.openxmlformats.org/presentationml/2006/main">
+  <p:cSld>
+    <p:spTree>
+      <p:nvGrpSpPr>
+        <p:cNvPr id="1" name=""/>
+        <p:cNvGrpSpPr/>
+        <p:nvPr/>
+      </p:nvGrpSpPr>
+      <p:grpSpPr>
+        <a:xfrm>
+          <a:off x="0" y="0"/>
+          <a:ext cx="0" cy="0"/>
+          <a:chOff x="0" y="0"/>
+          <a:chExt cx="0" cy="0"/>
+        </a:xfrm>
+      </p:grpSpPr>
+      <p:sp>
+        <p:nvSpPr>
+          <p:cNvPr id="2" name="タイトル 1">
+            <a:extLst>
+              <a:ext uri="{FF2B5EF4-FFF2-40B4-BE49-F238E27FC236}">
+                <a16:creationId xmlns:a16="http://schemas.microsoft.com/office/drawing/2014/main" id="{CE904FBF-1DB4-091E-F7F9-0CB502C546C6}"/>
+              </a:ext>
+            </a:extLst>
+          </p:cNvPr>
+          <p:cNvSpPr>
+            <a:spLocks noGrp="1"/>
+          </p:cNvSpPr>
+          <p:nvPr>
+            <p:ph type="title"/>
+          </p:nvPr>
+        </p:nvSpPr>
+        <p:spPr/>
+        <p:txBody>
+          <a:bodyPr/>
+          <a:lstStyle/>
+          <a:p>
+            <a:r>
+              <a:rPr lang="en-US" altLang="ja-JP" b="1" dirty="0">
+                <a:effectLst/>
+                <a:latin typeface="Meiryo UI" panose="020B0604030504040204" pitchFamily="50" charset="-128"/>
+              </a:rPr>
+              <a:t>Transformers</a:t>
+            </a:r>
+            <a:r>
+              <a:rPr lang="ja-JP" altLang="en-US" b="1" dirty="0">
+                <a:effectLst/>
+                <a:latin typeface="Meiryo UI" panose="020B0604030504040204" pitchFamily="50" charset="-128"/>
+              </a:rPr>
+              <a:t>ライブラリの基礎</a:t>
+            </a:r>
+            <a:endParaRPr kumimoji="1" lang="ja-JP" altLang="en-US" dirty="0"/>
+          </a:p>
+        </p:txBody>
+      </p:sp>
+      <p:sp>
+        <p:nvSpPr>
+          <p:cNvPr id="3" name="コンテンツ プレースホルダー 2">
+            <a:extLst>
+              <a:ext uri="{FF2B5EF4-FFF2-40B4-BE49-F238E27FC236}">
+                <a16:creationId xmlns:a16="http://schemas.microsoft.com/office/drawing/2014/main" id="{9B5389DB-3BEA-2654-6147-F2E094E80009}"/>
+              </a:ext>
+            </a:extLst>
+          </p:cNvPr>
+          <p:cNvSpPr>
+            <a:spLocks noGrp="1"/>
+          </p:cNvSpPr>
+          <p:nvPr>
+            <p:ph idx="1"/>
+          </p:nvPr>
+        </p:nvSpPr>
+        <p:spPr/>
+        <p:txBody>
+          <a:bodyPr/>
+          <a:lstStyle/>
+          <a:p>
+            <a:endParaRPr kumimoji="1" lang="ja-JP" altLang="en-US"/>
+          </a:p>
+        </p:txBody>
+      </p:sp>
+    </p:spTree>
+    <p:extLst>
+      <p:ext uri="{BB962C8B-B14F-4D97-AF65-F5344CB8AC3E}">
+        <p14:creationId xmlns:p14="http://schemas.microsoft.com/office/powerpoint/2010/main" val="1103775789"/>
       </p:ext>
     </p:extLst>
   </p:cSld>
@@ -4270,7 +7975,7 @@
           <a:p>
             <a:r>
               <a:rPr lang="ja-JP" altLang="en-US" dirty="0"/>
-              <a:t>愛媛県今治市出身の名古屋在住</a:t>
+              <a:t>愛媛県今治市出身の名古屋市在住</a:t>
             </a:r>
             <a:endParaRPr lang="en-US" altLang="ja-JP" dirty="0"/>
           </a:p>
@@ -4304,7 +8009,7 @@
           <p:nvPr/>
         </p:nvPicPr>
         <p:blipFill>
-          <a:blip r:embed="rId2" cstate="screen">
+          <a:blip r:embed="rId2" cstate="email">
             <a:extLst>
               <a:ext uri="{28A0092B-C50C-407E-A947-70E740481C1C}">
                 <a14:useLocalDpi xmlns:a14="http://schemas.microsoft.com/office/drawing/2010/main"/>
@@ -4340,7 +8045,7 @@
           <p:nvPr/>
         </p:nvPicPr>
         <p:blipFill rotWithShape="1">
-          <a:blip r:embed="rId3" cstate="screen">
+          <a:blip r:embed="rId3" cstate="email">
             <a:extLst>
               <a:ext uri="{28A0092B-C50C-407E-A947-70E740481C1C}">
                 <a14:useLocalDpi xmlns:a14="http://schemas.microsoft.com/office/drawing/2010/main"/>
@@ -4395,7 +8100,7 @@
             <p:nvPr/>
           </p:nvPicPr>
           <p:blipFill>
-            <a:blip r:embed="rId4">
+            <a:blip r:embed="rId4" cstate="email">
               <a:clrChange>
                 <a:clrFrom>
                   <a:srgbClr val="000000">
@@ -4408,6 +8113,11 @@
                   </a:srgbClr>
                 </a:clrTo>
               </a:clrChange>
+              <a:extLst>
+                <a:ext uri="{28A0092B-C50C-407E-A947-70E740481C1C}">
+                  <a14:useLocalDpi xmlns:a14="http://schemas.microsoft.com/office/drawing/2010/main"/>
+                </a:ext>
+              </a:extLst>
             </a:blip>
             <a:stretch>
               <a:fillRect/>
@@ -4438,7 +8148,7 @@
             <p:nvPr/>
           </p:nvPicPr>
           <p:blipFill>
-            <a:blip r:embed="rId5" cstate="screen">
+            <a:blip r:embed="rId5" cstate="email">
               <a:extLst>
                 <a:ext uri="{28A0092B-C50C-407E-A947-70E740481C1C}">
                   <a14:useLocalDpi xmlns:a14="http://schemas.microsoft.com/office/drawing/2010/main"/>
@@ -4474,7 +8184,7 @@
             <p:nvPr/>
           </p:nvPicPr>
           <p:blipFill>
-            <a:blip r:embed="rId6" cstate="screen">
+            <a:blip r:embed="rId6" cstate="email">
               <a:extLst>
                 <a:ext uri="{28A0092B-C50C-407E-A947-70E740481C1C}">
                   <a14:useLocalDpi xmlns:a14="http://schemas.microsoft.com/office/drawing/2010/main"/>
@@ -4510,7 +8220,7 @@
             <p:nvPr/>
           </p:nvPicPr>
           <p:blipFill>
-            <a:blip r:embed="rId7" cstate="screen">
+            <a:blip r:embed="rId7" cstate="email">
               <a:extLst>
                 <a:ext uri="{28A0092B-C50C-407E-A947-70E740481C1C}">
                   <a14:useLocalDpi xmlns:a14="http://schemas.microsoft.com/office/drawing/2010/main"/>
@@ -4546,7 +8256,7 @@
             <p:nvPr/>
           </p:nvPicPr>
           <p:blipFill>
-            <a:blip r:embed="rId8">
+            <a:blip r:embed="rId8" cstate="email">
               <a:clrChange>
                 <a:clrFrom>
                   <a:srgbClr val="000000">
@@ -4559,6 +8269,11 @@
                   </a:srgbClr>
                 </a:clrTo>
               </a:clrChange>
+              <a:extLst>
+                <a:ext uri="{28A0092B-C50C-407E-A947-70E740481C1C}">
+                  <a14:useLocalDpi xmlns:a14="http://schemas.microsoft.com/office/drawing/2010/main"/>
+                </a:ext>
+              </a:extLst>
             </a:blip>
             <a:stretch>
               <a:fillRect/>
@@ -4589,7 +8304,7 @@
             <p:nvPr/>
           </p:nvPicPr>
           <p:blipFill>
-            <a:blip r:embed="rId9">
+            <a:blip r:embed="rId9" cstate="email">
               <a:clrChange>
                 <a:clrFrom>
                   <a:srgbClr val="FFFFFF"/>
@@ -4600,6 +8315,11 @@
                   </a:srgbClr>
                 </a:clrTo>
               </a:clrChange>
+              <a:extLst>
+                <a:ext uri="{28A0092B-C50C-407E-A947-70E740481C1C}">
+                  <a14:useLocalDpi xmlns:a14="http://schemas.microsoft.com/office/drawing/2010/main"/>
+                </a:ext>
+              </a:extLst>
             </a:blip>
             <a:stretch>
               <a:fillRect/>
@@ -4630,7 +8350,7 @@
             <p:nvPr/>
           </p:nvPicPr>
           <p:blipFill>
-            <a:blip r:embed="rId10">
+            <a:blip r:embed="rId10" cstate="email">
               <a:clrChange>
                 <a:clrFrom>
                   <a:srgbClr val="FFFFFF"/>
@@ -4641,6 +8361,11 @@
                   </a:srgbClr>
                 </a:clrTo>
               </a:clrChange>
+              <a:extLst>
+                <a:ext uri="{28A0092B-C50C-407E-A947-70E740481C1C}">
+                  <a14:useLocalDpi xmlns:a14="http://schemas.microsoft.com/office/drawing/2010/main"/>
+                </a:ext>
+              </a:extLst>
             </a:blip>
             <a:stretch>
               <a:fillRect/>
@@ -4738,15 +8463,42 @@
           </a:bodyPr>
           <a:lstStyle/>
           <a:p>
-            <a:r>
-              <a:rPr kumimoji="1" lang="en-US" altLang="ja-JP" dirty="0" err="1"/>
+            <a:pPr marL="0" indent="0">
+              <a:buNone/>
+            </a:pPr>
+            <a:r>
+              <a:rPr kumimoji="1" lang="en-US" altLang="ja-JP" b="1" dirty="0" err="1">
+                <a:effectLst>
+                  <a:outerShdw blurRad="38100" dist="38100" dir="2700000" algn="tl">
+                    <a:srgbClr val="000000">
+                      <a:alpha val="43137"/>
+                    </a:srgbClr>
+                  </a:outerShdw>
+                </a:effectLst>
+              </a:rPr>
               <a:t>HuggingFace</a:t>
             </a:r>
             <a:r>
-              <a:rPr kumimoji="1" lang="ja-JP" altLang="en-US" dirty="0"/>
+              <a:rPr kumimoji="1" lang="ja-JP" altLang="en-US" b="1" dirty="0">
+                <a:effectLst>
+                  <a:outerShdw blurRad="38100" dist="38100" dir="2700000" algn="tl">
+                    <a:srgbClr val="000000">
+                      <a:alpha val="43137"/>
+                    </a:srgbClr>
+                  </a:outerShdw>
+                </a:effectLst>
+              </a:rPr>
               <a:t>を使う仲間作り</a:t>
             </a:r>
-            <a:endParaRPr kumimoji="1" lang="en-US" altLang="ja-JP" dirty="0"/>
+            <a:endParaRPr kumimoji="1" lang="en-US" altLang="ja-JP" b="1" dirty="0">
+              <a:effectLst>
+                <a:outerShdw blurRad="38100" dist="38100" dir="2700000" algn="tl">
+                  <a:srgbClr val="000000">
+                    <a:alpha val="43137"/>
+                  </a:srgbClr>
+                </a:outerShdw>
+              </a:effectLst>
+            </a:endParaRPr>
           </a:p>
           <a:p>
             <a:endParaRPr lang="en-US" altLang="ja-JP" dirty="0"/>
@@ -4932,7 +8684,13 @@
           <p:nvPr/>
         </p:nvPicPr>
         <p:blipFill>
-          <a:blip r:embed="rId3"/>
+          <a:blip r:embed="rId3" cstate="email">
+            <a:extLst>
+              <a:ext uri="{28A0092B-C50C-407E-A947-70E740481C1C}">
+                <a14:useLocalDpi xmlns:a14="http://schemas.microsoft.com/office/drawing/2010/main"/>
+              </a:ext>
+            </a:extLst>
+          </a:blip>
           <a:stretch>
             <a:fillRect/>
           </a:stretch>
@@ -5052,11 +8810,23 @@
             </a:r>
             <a:r>
               <a:rPr kumimoji="1" lang="ja-JP" altLang="en-US" dirty="0"/>
-              <a:t>機構の理解をしたくて買った→の本の大半が</a:t>
+              <a:t>機構の理解をしたくて買った本の大半が</a:t>
             </a:r>
             <a:r>
               <a:rPr kumimoji="1" lang="en-US" altLang="ja-JP" dirty="0"/>
-              <a:t>Transformers</a:t>
+              <a:t>Transformer</a:t>
+            </a:r>
+            <a:r>
+              <a:rPr kumimoji="1" lang="en-US" altLang="ja-JP" b="1" dirty="0">
+                <a:effectLst>
+                  <a:outerShdw blurRad="38100" dist="38100" dir="2700000" algn="tl">
+                    <a:srgbClr val="000000">
+                      <a:alpha val="43137"/>
+                    </a:srgbClr>
+                  </a:outerShdw>
+                </a:effectLst>
+              </a:rPr>
+              <a:t>s</a:t>
             </a:r>
             <a:r>
               <a:rPr lang="ja-JP" altLang="en-US" dirty="0"/>
@@ -5201,7 +8971,7 @@
           <p:nvPr/>
         </p:nvPicPr>
         <p:blipFill>
-          <a:blip r:embed="rId2" cstate="screen">
+          <a:blip r:embed="rId2" cstate="email">
             <a:extLst>
               <a:ext uri="{28A0092B-C50C-407E-A947-70E740481C1C}">
                 <a14:useLocalDpi xmlns:a14="http://schemas.microsoft.com/office/drawing/2010/main"/>
@@ -5317,7 +9087,7 @@
           <p:nvPr/>
         </p:nvPicPr>
         <p:blipFill>
-          <a:blip r:embed="rId2" cstate="screen">
+          <a:blip r:embed="rId2" cstate="email">
             <a:extLst>
               <a:ext uri="{28A0092B-C50C-407E-A947-70E740481C1C}">
                 <a14:useLocalDpi xmlns:a14="http://schemas.microsoft.com/office/drawing/2010/main"/>
@@ -5778,7 +9548,7 @@
           <p:nvPr/>
         </p:nvPicPr>
         <p:blipFill>
-          <a:blip r:embed="rId2" cstate="screen">
+          <a:blip r:embed="rId2" cstate="email">
             <a:extLst>
               <a:ext uri="{28A0092B-C50C-407E-A947-70E740481C1C}">
                 <a14:useLocalDpi xmlns:a14="http://schemas.microsoft.com/office/drawing/2010/main"/>
@@ -5814,7 +9584,7 @@
           <p:nvPr/>
         </p:nvPicPr>
         <p:blipFill rotWithShape="1">
-          <a:blip r:embed="rId3" cstate="screen">
+          <a:blip r:embed="rId3" cstate="email">
             <a:extLst>
               <a:ext uri="{28A0092B-C50C-407E-A947-70E740481C1C}">
                 <a14:useLocalDpi xmlns:a14="http://schemas.microsoft.com/office/drawing/2010/main"/>
@@ -5834,7 +9604,9 @@
           </a:prstGeom>
           <a:ln w="38100">
             <a:solidFill>
-              <a:srgbClr val="FF0000"/>
+              <a:schemeClr val="accent2">
+                <a:lumMod val="75000"/>
+              </a:schemeClr>
             </a:solidFill>
           </a:ln>
         </p:spPr>
@@ -5854,7 +9626,7 @@
           <p:nvPr/>
         </p:nvPicPr>
         <p:blipFill rotWithShape="1">
-          <a:blip r:embed="rId4" cstate="screen">
+          <a:blip r:embed="rId4" cstate="email">
             <a:extLst>
               <a:ext uri="{28A0092B-C50C-407E-A947-70E740481C1C}">
                 <a14:useLocalDpi xmlns:a14="http://schemas.microsoft.com/office/drawing/2010/main"/>
@@ -5874,7 +9646,9 @@
           </a:prstGeom>
           <a:ln w="38100">
             <a:solidFill>
-              <a:srgbClr val="FF0000"/>
+              <a:schemeClr val="accent2">
+                <a:lumMod val="75000"/>
+              </a:schemeClr>
             </a:solidFill>
           </a:ln>
         </p:spPr>
@@ -5894,7 +9668,7 @@
           <p:nvPr/>
         </p:nvPicPr>
         <p:blipFill>
-          <a:blip r:embed="rId5" cstate="screen">
+          <a:blip r:embed="rId5" cstate="email">
             <a:extLst>
               <a:ext uri="{28A0092B-C50C-407E-A947-70E740481C1C}">
                 <a14:useLocalDpi xmlns:a14="http://schemas.microsoft.com/office/drawing/2010/main"/>
@@ -5953,7 +9727,9 @@
           <a:noFill/>
           <a:ln w="57150">
             <a:solidFill>
-              <a:srgbClr val="FF0000"/>
+              <a:schemeClr val="accent2">
+                <a:lumMod val="75000"/>
+              </a:schemeClr>
             </a:solidFill>
           </a:ln>
         </p:spPr>
@@ -6008,7 +9784,9 @@
           <a:noFill/>
           <a:ln w="57150">
             <a:solidFill>
-              <a:srgbClr val="FF0000"/>
+              <a:schemeClr val="accent2">
+                <a:lumMod val="75000"/>
+              </a:schemeClr>
             </a:solidFill>
           </a:ln>
         </p:spPr>
@@ -6124,7 +9902,9 @@
           <a:noFill/>
           <a:ln>
             <a:solidFill>
-              <a:srgbClr val="FF0000"/>
+              <a:schemeClr val="accent2">
+                <a:lumMod val="75000"/>
+              </a:schemeClr>
             </a:solidFill>
           </a:ln>
         </p:spPr>
@@ -6260,7 +10040,9 @@
           <a:noFill/>
           <a:ln>
             <a:solidFill>
-              <a:srgbClr val="FF0000"/>
+              <a:schemeClr val="accent2">
+                <a:lumMod val="75000"/>
+              </a:schemeClr>
             </a:solidFill>
           </a:ln>
         </p:spPr>
@@ -6327,7 +10109,7 @@
           <p:cNvPr id="2" name="タイトル 1">
             <a:extLst>
               <a:ext uri="{FF2B5EF4-FFF2-40B4-BE49-F238E27FC236}">
-                <a16:creationId xmlns:a16="http://schemas.microsoft.com/office/drawing/2014/main" id="{CE904FBF-1DB4-091E-F7F9-0CB502C546C6}"/>
+                <a16:creationId xmlns:a16="http://schemas.microsoft.com/office/drawing/2014/main" id="{7F7B738D-81FE-6D76-03B5-BE14B433F20D}"/>
               </a:ext>
             </a:extLst>
           </p:cNvPr>
@@ -6343,53 +10125,49 @@
           <a:bodyPr/>
           <a:lstStyle/>
           <a:p>
-            <a:r>
-              <a:rPr lang="en-US" altLang="ja-JP" b="1" dirty="0">
-                <a:effectLst/>
-                <a:latin typeface="Meiryo UI" panose="020B0604030504040204" pitchFamily="50" charset="-128"/>
-              </a:rPr>
-              <a:t>Transformers</a:t>
-            </a:r>
-            <a:r>
-              <a:rPr lang="ja-JP" altLang="en-US" b="1" dirty="0">
-                <a:effectLst/>
-                <a:latin typeface="Meiryo UI" panose="020B0604030504040204" pitchFamily="50" charset="-128"/>
-              </a:rPr>
-              <a:t>ライブラリの基礎</a:t>
-            </a:r>
-            <a:endParaRPr kumimoji="1" lang="ja-JP" altLang="en-US" dirty="0"/>
-          </a:p>
-        </p:txBody>
-      </p:sp>
-      <p:sp>
-        <p:nvSpPr>
-          <p:cNvPr id="3" name="コンテンツ プレースホルダー 2">
-            <a:extLst>
-              <a:ext uri="{FF2B5EF4-FFF2-40B4-BE49-F238E27FC236}">
-                <a16:creationId xmlns:a16="http://schemas.microsoft.com/office/drawing/2014/main" id="{9B5389DB-3BEA-2654-6147-F2E094E80009}"/>
-              </a:ext>
-            </a:extLst>
-          </p:cNvPr>
-          <p:cNvSpPr>
-            <a:spLocks noGrp="1"/>
-          </p:cNvSpPr>
+            <a:endParaRPr kumimoji="1" lang="ja-JP" altLang="en-US"/>
+          </a:p>
+        </p:txBody>
+      </p:sp>
+      <p:pic>
+        <p:nvPicPr>
+          <p:cNvPr id="5" name="コンテンツ プレースホルダー 4">
+            <a:extLst>
+              <a:ext uri="{FF2B5EF4-FFF2-40B4-BE49-F238E27FC236}">
+                <a16:creationId xmlns:a16="http://schemas.microsoft.com/office/drawing/2014/main" id="{9D556FAF-C780-E0A9-F47E-6CD58D660FF2}"/>
+              </a:ext>
+            </a:extLst>
+          </p:cNvPr>
+          <p:cNvPicPr>
+            <a:picLocks noGrp="1" noChangeAspect="1"/>
+          </p:cNvPicPr>
           <p:nvPr>
             <p:ph idx="1"/>
           </p:nvPr>
-        </p:nvSpPr>
-        <p:spPr/>
-        <p:txBody>
-          <a:bodyPr/>
-          <a:lstStyle/>
-          <a:p>
-            <a:endParaRPr kumimoji="1" lang="ja-JP" altLang="en-US"/>
-          </a:p>
-        </p:txBody>
-      </p:sp>
+        </p:nvPicPr>
+        <p:blipFill>
+          <a:blip r:embed="rId2" cstate="email">
+            <a:extLst>
+              <a:ext uri="{28A0092B-C50C-407E-A947-70E740481C1C}">
+                <a14:useLocalDpi xmlns:a14="http://schemas.microsoft.com/office/drawing/2010/main"/>
+              </a:ext>
+            </a:extLst>
+          </a:blip>
+          <a:stretch>
+            <a:fillRect/>
+          </a:stretch>
+        </p:blipFill>
+        <p:spPr>
+          <a:xfrm>
+            <a:off x="3449310" y="1825625"/>
+            <a:ext cx="5293379" cy="4351338"/>
+          </a:xfrm>
+        </p:spPr>
+      </p:pic>
     </p:spTree>
     <p:extLst>
       <p:ext uri="{BB962C8B-B14F-4D97-AF65-F5344CB8AC3E}">
-        <p14:creationId xmlns:p14="http://schemas.microsoft.com/office/powerpoint/2010/main" val="1103775789"/>
+        <p14:creationId xmlns:p14="http://schemas.microsoft.com/office/powerpoint/2010/main" val="1308905210"/>
       </p:ext>
     </p:extLst>
   </p:cSld>
@@ -6418,31 +10196,149 @@
       </p:grpSpPr>
       <p:sp>
         <p:nvSpPr>
-          <p:cNvPr id="15" name="正方形/長方形 14">
-            <a:extLst>
-              <a:ext uri="{FF2B5EF4-FFF2-40B4-BE49-F238E27FC236}">
-                <a16:creationId xmlns:a16="http://schemas.microsoft.com/office/drawing/2014/main" id="{023D9D19-E72E-0DE1-EDB1-893DCAF70A1D}"/>
-              </a:ext>
-            </a:extLst>
-          </p:cNvPr>
-          <p:cNvSpPr/>
+          <p:cNvPr id="2" name="タイトル 1">
+            <a:extLst>
+              <a:ext uri="{FF2B5EF4-FFF2-40B4-BE49-F238E27FC236}">
+                <a16:creationId xmlns:a16="http://schemas.microsoft.com/office/drawing/2014/main" id="{CFB68E09-98DA-B97F-6224-02C529FE5B1C}"/>
+              </a:ext>
+            </a:extLst>
+          </p:cNvPr>
+          <p:cNvSpPr>
+            <a:spLocks noGrp="1"/>
+          </p:cNvSpPr>
+          <p:nvPr>
+            <p:ph type="title"/>
+          </p:nvPr>
+        </p:nvSpPr>
+        <p:spPr/>
+        <p:txBody>
+          <a:bodyPr/>
+          <a:lstStyle/>
+          <a:p>
+            <a:r>
+              <a:rPr kumimoji="1" lang="en-US" altLang="ja-JP" b="1" dirty="0"/>
+              <a:t>Hands on</a:t>
+            </a:r>
+            <a:r>
+              <a:rPr kumimoji="1" lang="ja-JP" altLang="en-US" b="1" dirty="0"/>
+              <a:t>の前に</a:t>
+            </a:r>
+            <a:r>
+              <a:rPr kumimoji="1" lang="ja-JP" altLang="en-US" sz="2400" b="1" dirty="0"/>
+              <a:t>（</a:t>
+            </a:r>
+            <a:r>
+              <a:rPr kumimoji="1" lang="en-US" altLang="ja-JP" sz="2400" b="1" dirty="0"/>
+              <a:t>Phi-1.5</a:t>
+            </a:r>
+            <a:r>
+              <a:rPr kumimoji="1" lang="ja-JP" altLang="en-US" sz="2400" b="1" dirty="0"/>
+              <a:t>）</a:t>
+            </a:r>
+            <a:endParaRPr kumimoji="1" lang="ja-JP" altLang="en-US" b="1" dirty="0"/>
+          </a:p>
+        </p:txBody>
+      </p:sp>
+      <p:pic>
+        <p:nvPicPr>
+          <p:cNvPr id="7" name="図 6">
+            <a:extLst>
+              <a:ext uri="{FF2B5EF4-FFF2-40B4-BE49-F238E27FC236}">
+                <a16:creationId xmlns:a16="http://schemas.microsoft.com/office/drawing/2014/main" id="{78BCD0E8-EDDB-ED4B-ADE5-421FFFCD3CD4}"/>
+              </a:ext>
+            </a:extLst>
+          </p:cNvPr>
+          <p:cNvPicPr>
+            <a:picLocks noChangeAspect="1"/>
+          </p:cNvPicPr>
           <p:nvPr/>
-        </p:nvSpPr>
+        </p:nvPicPr>
+        <p:blipFill>
+          <a:blip r:embed="rId2" cstate="email">
+            <a:extLst>
+              <a:ext uri="{28A0092B-C50C-407E-A947-70E740481C1C}">
+                <a14:useLocalDpi xmlns:a14="http://schemas.microsoft.com/office/drawing/2010/main"/>
+              </a:ext>
+            </a:extLst>
+          </a:blip>
+          <a:stretch>
+            <a:fillRect/>
+          </a:stretch>
+        </p:blipFill>
         <p:spPr>
           <a:xfrm>
-            <a:off x="1867686" y="5616778"/>
-            <a:ext cx="9493057" cy="1090463"/>
+            <a:off x="2341984" y="3118229"/>
+            <a:ext cx="9011816" cy="3150077"/>
           </a:xfrm>
           <a:prstGeom prst="rect">
             <a:avLst/>
           </a:prstGeom>
-          <a:solidFill>
-            <a:schemeClr val="accent2">
-              <a:lumMod val="40000"/>
-              <a:lumOff val="60000"/>
-            </a:schemeClr>
-          </a:solidFill>
-          <a:ln w="9525"/>
+        </p:spPr>
+      </p:pic>
+      <p:pic>
+        <p:nvPicPr>
+          <p:cNvPr id="9" name="図 8">
+            <a:extLst>
+              <a:ext uri="{FF2B5EF4-FFF2-40B4-BE49-F238E27FC236}">
+                <a16:creationId xmlns:a16="http://schemas.microsoft.com/office/drawing/2014/main" id="{BF7A2B1F-A5B7-5152-BDCA-1BD999A67FB8}"/>
+              </a:ext>
+            </a:extLst>
+          </p:cNvPr>
+          <p:cNvPicPr>
+            <a:picLocks noChangeAspect="1"/>
+          </p:cNvPicPr>
+          <p:nvPr/>
+        </p:nvPicPr>
+        <p:blipFill rotWithShape="1">
+          <a:blip r:embed="rId3"/>
+          <a:srcRect l="3623" t="42547" r="67539" b="51723"/>
+          <a:stretch/>
+        </p:blipFill>
+        <p:spPr>
+          <a:xfrm>
+            <a:off x="838200" y="1860078"/>
+            <a:ext cx="6941656" cy="482173"/>
+          </a:xfrm>
+          <a:prstGeom prst="rect">
+            <a:avLst/>
+          </a:prstGeom>
+          <a:ln w="38100">
+            <a:solidFill>
+              <a:schemeClr val="accent2">
+                <a:lumMod val="75000"/>
+              </a:schemeClr>
+            </a:solidFill>
+          </a:ln>
+        </p:spPr>
+      </p:pic>
+      <p:sp>
+        <p:nvSpPr>
+          <p:cNvPr id="10" name="正方形/長方形 9">
+            <a:extLst>
+              <a:ext uri="{FF2B5EF4-FFF2-40B4-BE49-F238E27FC236}">
+                <a16:creationId xmlns:a16="http://schemas.microsoft.com/office/drawing/2014/main" id="{0AE021C5-A177-1B33-EE3F-FE56E6EC5759}"/>
+              </a:ext>
+            </a:extLst>
+          </p:cNvPr>
+          <p:cNvSpPr/>
+          <p:nvPr/>
+        </p:nvSpPr>
+        <p:spPr>
+          <a:xfrm>
+            <a:off x="8836269" y="4418807"/>
+            <a:ext cx="2083777" cy="228600"/>
+          </a:xfrm>
+          <a:prstGeom prst="rect">
+            <a:avLst/>
+          </a:prstGeom>
+          <a:noFill/>
+          <a:ln w="38100">
+            <a:solidFill>
+              <a:schemeClr val="accent2">
+                <a:lumMod val="75000"/>
+              </a:schemeClr>
+            </a:solidFill>
+          </a:ln>
         </p:spPr>
         <p:style>
           <a:lnRef idx="2">
@@ -6465,10 +10361,7 @@
           <a:lstStyle/>
           <a:p>
             <a:pPr algn="ctr"/>
-            <a:endParaRPr kumimoji="1" lang="ja-JP" altLang="en-US" sz="1400" b="1" dirty="0">
-              <a:latin typeface="Meiryo UI" panose="020B0604030504040204" pitchFamily="50" charset="-128"/>
-              <a:ea typeface="Meiryo UI" panose="020B0604030504040204" pitchFamily="50" charset="-128"/>
-            </a:endParaRPr>
+            <a:endParaRPr kumimoji="1" lang="ja-JP" altLang="en-US"/>
           </a:p>
         </p:txBody>
       </p:sp>
@@ -6477,7 +10370,7 @@
           <p:cNvPr id="11" name="正方形/長方形 10">
             <a:extLst>
               <a:ext uri="{FF2B5EF4-FFF2-40B4-BE49-F238E27FC236}">
-                <a16:creationId xmlns:a16="http://schemas.microsoft.com/office/drawing/2014/main" id="{74F26ACD-5D6A-1C61-2C2B-1D197752F696}"/>
+                <a16:creationId xmlns:a16="http://schemas.microsoft.com/office/drawing/2014/main" id="{EA1D5FFB-F368-2E52-45F1-18AF3D0E035A}"/>
               </a:ext>
             </a:extLst>
           </p:cNvPr>
@@ -6486,19 +10379,20 @@
         </p:nvSpPr>
         <p:spPr>
           <a:xfrm>
-            <a:off x="1867686" y="1450731"/>
-            <a:ext cx="9493057" cy="1185668"/>
+            <a:off x="2722339" y="4437772"/>
+            <a:ext cx="2495120" cy="228600"/>
           </a:xfrm>
           <a:prstGeom prst="rect">
             <a:avLst/>
           </a:prstGeom>
-          <a:solidFill>
-            <a:schemeClr val="accent2">
-              <a:lumMod val="40000"/>
-              <a:lumOff val="60000"/>
-            </a:schemeClr>
-          </a:solidFill>
-          <a:ln w="9525"/>
+          <a:noFill/>
+          <a:ln w="38100">
+            <a:solidFill>
+              <a:schemeClr val="accent2">
+                <a:lumMod val="75000"/>
+              </a:schemeClr>
+            </a:solidFill>
+          </a:ln>
         </p:spPr>
         <p:style>
           <a:lnRef idx="2">
@@ -6521,19 +10415,16 @@
           <a:lstStyle/>
           <a:p>
             <a:pPr algn="ctr"/>
-            <a:endParaRPr kumimoji="1" lang="ja-JP" altLang="en-US" sz="1400" b="1" dirty="0">
-              <a:latin typeface="Meiryo UI" panose="020B0604030504040204" pitchFamily="50" charset="-128"/>
-              <a:ea typeface="Meiryo UI" panose="020B0604030504040204" pitchFamily="50" charset="-128"/>
-            </a:endParaRPr>
-          </a:p>
-        </p:txBody>
-      </p:sp>
-      <p:sp>
-        <p:nvSpPr>
-          <p:cNvPr id="46" name="正方形/長方形 45">
-            <a:extLst>
-              <a:ext uri="{FF2B5EF4-FFF2-40B4-BE49-F238E27FC236}">
-                <a16:creationId xmlns:a16="http://schemas.microsoft.com/office/drawing/2014/main" id="{4311BB07-AF11-DAED-50F4-741174304954}"/>
+            <a:endParaRPr kumimoji="1" lang="ja-JP" altLang="en-US"/>
+          </a:p>
+        </p:txBody>
+      </p:sp>
+      <p:sp>
+        <p:nvSpPr>
+          <p:cNvPr id="12" name="フローチャート: 手作業 11">
+            <a:extLst>
+              <a:ext uri="{FF2B5EF4-FFF2-40B4-BE49-F238E27FC236}">
+                <a16:creationId xmlns:a16="http://schemas.microsoft.com/office/drawing/2014/main" id="{72F31624-7BF9-82A4-9CD5-2AFE0E443BD0}"/>
               </a:ext>
             </a:extLst>
           </p:cNvPr>
@@ -6542,19 +10433,93 @@
         </p:nvSpPr>
         <p:spPr>
           <a:xfrm>
-            <a:off x="1867687" y="2734622"/>
-            <a:ext cx="9493057" cy="2783933"/>
+            <a:off x="4970679" y="2937372"/>
+            <a:ext cx="6383121" cy="1486176"/>
           </a:xfrm>
-          <a:prstGeom prst="rect">
+          <a:custGeom>
             <a:avLst/>
-          </a:prstGeom>
-          <a:solidFill>
-            <a:schemeClr val="accent6">
-              <a:lumMod val="20000"/>
-              <a:lumOff val="80000"/>
-            </a:schemeClr>
-          </a:solidFill>
-          <a:ln w="9525"/>
+            <a:gdLst>
+              <a:gd name="connsiteX0" fmla="*/ 0 w 10000"/>
+              <a:gd name="connsiteY0" fmla="*/ 0 h 10000"/>
+              <a:gd name="connsiteX1" fmla="*/ 10000 w 10000"/>
+              <a:gd name="connsiteY1" fmla="*/ 0 h 10000"/>
+              <a:gd name="connsiteX2" fmla="*/ 8000 w 10000"/>
+              <a:gd name="connsiteY2" fmla="*/ 10000 h 10000"/>
+              <a:gd name="connsiteX3" fmla="*/ 2000 w 10000"/>
+              <a:gd name="connsiteY3" fmla="*/ 10000 h 10000"/>
+              <a:gd name="connsiteX4" fmla="*/ 0 w 10000"/>
+              <a:gd name="connsiteY4" fmla="*/ 0 h 10000"/>
+              <a:gd name="connsiteX0" fmla="*/ 0 w 10000"/>
+              <a:gd name="connsiteY0" fmla="*/ 0 h 10000"/>
+              <a:gd name="connsiteX1" fmla="*/ 10000 w 10000"/>
+              <a:gd name="connsiteY1" fmla="*/ 0 h 10000"/>
+              <a:gd name="connsiteX2" fmla="*/ 9306 w 10000"/>
+              <a:gd name="connsiteY2" fmla="*/ 10000 h 10000"/>
+              <a:gd name="connsiteX3" fmla="*/ 2000 w 10000"/>
+              <a:gd name="connsiteY3" fmla="*/ 10000 h 10000"/>
+              <a:gd name="connsiteX4" fmla="*/ 0 w 10000"/>
+              <a:gd name="connsiteY4" fmla="*/ 0 h 10000"/>
+              <a:gd name="connsiteX0" fmla="*/ 0 w 10000"/>
+              <a:gd name="connsiteY0" fmla="*/ 0 h 10032"/>
+              <a:gd name="connsiteX1" fmla="*/ 10000 w 10000"/>
+              <a:gd name="connsiteY1" fmla="*/ 0 h 10032"/>
+              <a:gd name="connsiteX2" fmla="*/ 9306 w 10000"/>
+              <a:gd name="connsiteY2" fmla="*/ 10000 h 10032"/>
+              <a:gd name="connsiteX3" fmla="*/ 6051 w 10000"/>
+              <a:gd name="connsiteY3" fmla="*/ 10032 h 10032"/>
+              <a:gd name="connsiteX4" fmla="*/ 0 w 10000"/>
+              <a:gd name="connsiteY4" fmla="*/ 0 h 10032"/>
+            </a:gdLst>
+            <a:ahLst/>
+            <a:cxnLst>
+              <a:cxn ang="0">
+                <a:pos x="connsiteX0" y="connsiteY0"/>
+              </a:cxn>
+              <a:cxn ang="0">
+                <a:pos x="connsiteX1" y="connsiteY1"/>
+              </a:cxn>
+              <a:cxn ang="0">
+                <a:pos x="connsiteX2" y="connsiteY2"/>
+              </a:cxn>
+              <a:cxn ang="0">
+                <a:pos x="connsiteX3" y="connsiteY3"/>
+              </a:cxn>
+              <a:cxn ang="0">
+                <a:pos x="connsiteX4" y="connsiteY4"/>
+              </a:cxn>
+            </a:cxnLst>
+            <a:rect l="l" t="t" r="r" b="b"/>
+            <a:pathLst>
+              <a:path w="10000" h="10032">
+                <a:moveTo>
+                  <a:pt x="0" y="0"/>
+                </a:moveTo>
+                <a:lnTo>
+                  <a:pt x="10000" y="0"/>
+                </a:lnTo>
+                <a:cubicBezTo>
+                  <a:pt x="9769" y="3333"/>
+                  <a:pt x="9537" y="6667"/>
+                  <a:pt x="9306" y="10000"/>
+                </a:cubicBezTo>
+                <a:lnTo>
+                  <a:pt x="6051" y="10032"/>
+                </a:lnTo>
+                <a:lnTo>
+                  <a:pt x="0" y="0"/>
+                </a:lnTo>
+                <a:close/>
+              </a:path>
+            </a:pathLst>
+          </a:custGeom>
+          <a:noFill/>
+          <a:ln>
+            <a:solidFill>
+              <a:schemeClr val="accent2">
+                <a:lumMod val="75000"/>
+              </a:schemeClr>
+            </a:solidFill>
+          </a:ln>
         </p:spPr>
         <p:style>
           <a:lnRef idx="2">
@@ -6577,2383 +10542,151 @@
           <a:lstStyle/>
           <a:p>
             <a:pPr algn="ctr"/>
-            <a:endParaRPr kumimoji="1" lang="ja-JP" altLang="en-US" sz="1400" b="1" dirty="0">
-              <a:latin typeface="Meiryo UI" panose="020B0604030504040204" pitchFamily="50" charset="-128"/>
-              <a:ea typeface="Meiryo UI" panose="020B0604030504040204" pitchFamily="50" charset="-128"/>
-            </a:endParaRPr>
-          </a:p>
-        </p:txBody>
-      </p:sp>
-      <p:sp>
-        <p:nvSpPr>
-          <p:cNvPr id="2" name="タイトル 1">
-            <a:extLst>
-              <a:ext uri="{FF2B5EF4-FFF2-40B4-BE49-F238E27FC236}">
-                <a16:creationId xmlns:a16="http://schemas.microsoft.com/office/drawing/2014/main" id="{7341CB0E-875D-2339-12A7-07F66D2CBDB4}"/>
-              </a:ext>
-            </a:extLst>
-          </p:cNvPr>
-          <p:cNvSpPr>
-            <a:spLocks noGrp="1"/>
-          </p:cNvSpPr>
-          <p:nvPr>
-            <p:ph type="title"/>
-          </p:nvPr>
-        </p:nvSpPr>
-        <p:spPr/>
-        <p:txBody>
-          <a:bodyPr/>
-          <a:lstStyle/>
-          <a:p>
-            <a:r>
-              <a:rPr kumimoji="1" lang="ja-JP" altLang="en-US" b="1" dirty="0"/>
-              <a:t>前提知識（例：翻訳）</a:t>
-            </a:r>
-          </a:p>
-        </p:txBody>
-      </p:sp>
-      <p:sp>
-        <p:nvSpPr>
-          <p:cNvPr id="4" name="テキスト ボックス 3">
-            <a:extLst>
-              <a:ext uri="{FF2B5EF4-FFF2-40B4-BE49-F238E27FC236}">
-                <a16:creationId xmlns:a16="http://schemas.microsoft.com/office/drawing/2014/main" id="{618FBC87-714C-3765-8297-6980161BD1FC}"/>
-              </a:ext>
-            </a:extLst>
-          </p:cNvPr>
-          <p:cNvSpPr txBox="1"/>
+            <a:endParaRPr kumimoji="1" lang="ja-JP" altLang="en-US"/>
+          </a:p>
+        </p:txBody>
+      </p:sp>
+      <p:sp>
+        <p:nvSpPr>
+          <p:cNvPr id="13" name="フローチャート: 手作業 11">
+            <a:extLst>
+              <a:ext uri="{FF2B5EF4-FFF2-40B4-BE49-F238E27FC236}">
+                <a16:creationId xmlns:a16="http://schemas.microsoft.com/office/drawing/2014/main" id="{B216B5CD-BD27-A49B-D41D-48DE3AF4B7BE}"/>
+              </a:ext>
+            </a:extLst>
+          </p:cNvPr>
+          <p:cNvSpPr/>
           <p:nvPr/>
         </p:nvSpPr>
         <p:spPr>
           <a:xfrm>
-            <a:off x="6203574" y="1618268"/>
-            <a:ext cx="4760021" cy="307777"/>
+            <a:off x="838200" y="2343746"/>
+            <a:ext cx="6941656" cy="2094025"/>
           </a:xfrm>
-          <a:prstGeom prst="rect">
+          <a:custGeom>
             <a:avLst/>
-          </a:prstGeom>
+            <a:gdLst>
+              <a:gd name="connsiteX0" fmla="*/ 0 w 10000"/>
+              <a:gd name="connsiteY0" fmla="*/ 0 h 10000"/>
+              <a:gd name="connsiteX1" fmla="*/ 10000 w 10000"/>
+              <a:gd name="connsiteY1" fmla="*/ 0 h 10000"/>
+              <a:gd name="connsiteX2" fmla="*/ 8000 w 10000"/>
+              <a:gd name="connsiteY2" fmla="*/ 10000 h 10000"/>
+              <a:gd name="connsiteX3" fmla="*/ 2000 w 10000"/>
+              <a:gd name="connsiteY3" fmla="*/ 10000 h 10000"/>
+              <a:gd name="connsiteX4" fmla="*/ 0 w 10000"/>
+              <a:gd name="connsiteY4" fmla="*/ 0 h 10000"/>
+              <a:gd name="connsiteX0" fmla="*/ 0 w 10000"/>
+              <a:gd name="connsiteY0" fmla="*/ 0 h 10000"/>
+              <a:gd name="connsiteX1" fmla="*/ 10000 w 10000"/>
+              <a:gd name="connsiteY1" fmla="*/ 0 h 10000"/>
+              <a:gd name="connsiteX2" fmla="*/ 9306 w 10000"/>
+              <a:gd name="connsiteY2" fmla="*/ 10000 h 10000"/>
+              <a:gd name="connsiteX3" fmla="*/ 2000 w 10000"/>
+              <a:gd name="connsiteY3" fmla="*/ 10000 h 10000"/>
+              <a:gd name="connsiteX4" fmla="*/ 0 w 10000"/>
+              <a:gd name="connsiteY4" fmla="*/ 0 h 10000"/>
+              <a:gd name="connsiteX0" fmla="*/ 0 w 10000"/>
+              <a:gd name="connsiteY0" fmla="*/ 0 h 10032"/>
+              <a:gd name="connsiteX1" fmla="*/ 10000 w 10000"/>
+              <a:gd name="connsiteY1" fmla="*/ 0 h 10032"/>
+              <a:gd name="connsiteX2" fmla="*/ 9306 w 10000"/>
+              <a:gd name="connsiteY2" fmla="*/ 10000 h 10032"/>
+              <a:gd name="connsiteX3" fmla="*/ 6051 w 10000"/>
+              <a:gd name="connsiteY3" fmla="*/ 10032 h 10032"/>
+              <a:gd name="connsiteX4" fmla="*/ 0 w 10000"/>
+              <a:gd name="connsiteY4" fmla="*/ 0 h 10032"/>
+              <a:gd name="connsiteX0" fmla="*/ 0 w 10000"/>
+              <a:gd name="connsiteY0" fmla="*/ 0 h 13944"/>
+              <a:gd name="connsiteX1" fmla="*/ 10000 w 10000"/>
+              <a:gd name="connsiteY1" fmla="*/ 0 h 13944"/>
+              <a:gd name="connsiteX2" fmla="*/ 9306 w 10000"/>
+              <a:gd name="connsiteY2" fmla="*/ 10000 h 13944"/>
+              <a:gd name="connsiteX3" fmla="*/ 2696 w 10000"/>
+              <a:gd name="connsiteY3" fmla="*/ 13944 h 13944"/>
+              <a:gd name="connsiteX4" fmla="*/ 0 w 10000"/>
+              <a:gd name="connsiteY4" fmla="*/ 0 h 13944"/>
+              <a:gd name="connsiteX0" fmla="*/ 0 w 10000"/>
+              <a:gd name="connsiteY0" fmla="*/ 0 h 14029"/>
+              <a:gd name="connsiteX1" fmla="*/ 10000 w 10000"/>
+              <a:gd name="connsiteY1" fmla="*/ 0 h 14029"/>
+              <a:gd name="connsiteX2" fmla="*/ 6315 w 10000"/>
+              <a:gd name="connsiteY2" fmla="*/ 14029 h 14029"/>
+              <a:gd name="connsiteX3" fmla="*/ 2696 w 10000"/>
+              <a:gd name="connsiteY3" fmla="*/ 13944 h 14029"/>
+              <a:gd name="connsiteX4" fmla="*/ 0 w 10000"/>
+              <a:gd name="connsiteY4" fmla="*/ 0 h 14029"/>
+              <a:gd name="connsiteX0" fmla="*/ 0 w 10000"/>
+              <a:gd name="connsiteY0" fmla="*/ 0 h 14029"/>
+              <a:gd name="connsiteX1" fmla="*/ 10000 w 10000"/>
+              <a:gd name="connsiteY1" fmla="*/ 0 h 14029"/>
+              <a:gd name="connsiteX2" fmla="*/ 6315 w 10000"/>
+              <a:gd name="connsiteY2" fmla="*/ 14029 h 14029"/>
+              <a:gd name="connsiteX3" fmla="*/ 2696 w 10000"/>
+              <a:gd name="connsiteY3" fmla="*/ 13944 h 14029"/>
+              <a:gd name="connsiteX4" fmla="*/ 0 w 10000"/>
+              <a:gd name="connsiteY4" fmla="*/ 0 h 14029"/>
+              <a:gd name="connsiteX0" fmla="*/ 0 w 10000"/>
+              <a:gd name="connsiteY0" fmla="*/ 0 h 14029"/>
+              <a:gd name="connsiteX1" fmla="*/ 10000 w 10000"/>
+              <a:gd name="connsiteY1" fmla="*/ 0 h 14029"/>
+              <a:gd name="connsiteX2" fmla="*/ 6315 w 10000"/>
+              <a:gd name="connsiteY2" fmla="*/ 14029 h 14029"/>
+              <a:gd name="connsiteX3" fmla="*/ 2696 w 10000"/>
+              <a:gd name="connsiteY3" fmla="*/ 13944 h 14029"/>
+              <a:gd name="connsiteX4" fmla="*/ 0 w 10000"/>
+              <a:gd name="connsiteY4" fmla="*/ 0 h 14029"/>
+            </a:gdLst>
+            <a:ahLst/>
+            <a:cxnLst>
+              <a:cxn ang="0">
+                <a:pos x="connsiteX0" y="connsiteY0"/>
+              </a:cxn>
+              <a:cxn ang="0">
+                <a:pos x="connsiteX1" y="connsiteY1"/>
+              </a:cxn>
+              <a:cxn ang="0">
+                <a:pos x="connsiteX2" y="connsiteY2"/>
+              </a:cxn>
+              <a:cxn ang="0">
+                <a:pos x="connsiteX3" y="connsiteY3"/>
+              </a:cxn>
+              <a:cxn ang="0">
+                <a:pos x="connsiteX4" y="connsiteY4"/>
+              </a:cxn>
+            </a:cxnLst>
+            <a:rect l="l" t="t" r="r" b="b"/>
+            <a:pathLst>
+              <a:path w="10000" h="14029">
+                <a:moveTo>
+                  <a:pt x="0" y="0"/>
+                </a:moveTo>
+                <a:lnTo>
+                  <a:pt x="10000" y="0"/>
+                </a:lnTo>
+                <a:cubicBezTo>
+                  <a:pt x="6318" y="13985"/>
+                  <a:pt x="9997" y="160"/>
+                  <a:pt x="6315" y="14029"/>
+                </a:cubicBezTo>
+                <a:lnTo>
+                  <a:pt x="2696" y="13944"/>
+                </a:lnTo>
+                <a:lnTo>
+                  <a:pt x="0" y="0"/>
+                </a:lnTo>
+                <a:close/>
+              </a:path>
+            </a:pathLst>
+          </a:custGeom>
           <a:noFill/>
-        </p:spPr>
-        <p:txBody>
-          <a:bodyPr wrap="none" rtlCol="0">
-            <a:spAutoFit/>
-          </a:bodyPr>
-          <a:lstStyle/>
-          <a:p>
-            <a:r>
-              <a:rPr kumimoji="1" lang="en-US" altLang="ja-JP" sz="1400" b="1" dirty="0">
-                <a:latin typeface="Meiryo UI" panose="020B0604030504040204" pitchFamily="50" charset="-128"/>
-                <a:ea typeface="Meiryo UI" panose="020B0604030504040204" pitchFamily="50" charset="-128"/>
-              </a:rPr>
-              <a:t>“</a:t>
-            </a:r>
-            <a:r>
-              <a:rPr kumimoji="1" lang="en-US" altLang="ja-JP" sz="1400" b="1" dirty="0">
-                <a:solidFill>
-                  <a:schemeClr val="tx1">
-                    <a:lumMod val="50000"/>
-                    <a:lumOff val="50000"/>
-                  </a:schemeClr>
-                </a:solidFill>
-                <a:latin typeface="Meiryo UI" panose="020B0604030504040204" pitchFamily="50" charset="-128"/>
-                <a:ea typeface="Meiryo UI" panose="020B0604030504040204" pitchFamily="50" charset="-128"/>
-              </a:rPr>
-              <a:t>attention</a:t>
-            </a:r>
-            <a:r>
-              <a:rPr kumimoji="1" lang="en-US" altLang="ja-JP" sz="1400" b="1" dirty="0">
-                <a:latin typeface="Meiryo UI" panose="020B0604030504040204" pitchFamily="50" charset="-128"/>
-                <a:ea typeface="Meiryo UI" panose="020B0604030504040204" pitchFamily="50" charset="-128"/>
-              </a:rPr>
-              <a:t>”,    “</a:t>
-            </a:r>
-            <a:r>
-              <a:rPr kumimoji="1" lang="en-US" altLang="ja-JP" sz="1400" b="1" dirty="0">
-                <a:solidFill>
-                  <a:schemeClr val="tx2">
-                    <a:lumMod val="40000"/>
-                    <a:lumOff val="60000"/>
-                  </a:schemeClr>
-                </a:solidFill>
-                <a:latin typeface="Meiryo UI" panose="020B0604030504040204" pitchFamily="50" charset="-128"/>
-                <a:ea typeface="Meiryo UI" panose="020B0604030504040204" pitchFamily="50" charset="-128"/>
-              </a:rPr>
-              <a:t>is</a:t>
-            </a:r>
-            <a:r>
-              <a:rPr kumimoji="1" lang="en-US" altLang="ja-JP" sz="1400" b="1" dirty="0">
-                <a:latin typeface="Meiryo UI" panose="020B0604030504040204" pitchFamily="50" charset="-128"/>
-                <a:ea typeface="Meiryo UI" panose="020B0604030504040204" pitchFamily="50" charset="-128"/>
-              </a:rPr>
-              <a:t>”,    “</a:t>
-            </a:r>
-            <a:r>
-              <a:rPr kumimoji="1" lang="en-US" altLang="ja-JP" sz="1400" b="1" dirty="0">
-                <a:solidFill>
-                  <a:schemeClr val="accent5">
-                    <a:lumMod val="60000"/>
-                    <a:lumOff val="40000"/>
-                  </a:schemeClr>
-                </a:solidFill>
-                <a:latin typeface="Meiryo UI" panose="020B0604030504040204" pitchFamily="50" charset="-128"/>
-                <a:ea typeface="Meiryo UI" panose="020B0604030504040204" pitchFamily="50" charset="-128"/>
-              </a:rPr>
-              <a:t>all</a:t>
-            </a:r>
-            <a:r>
-              <a:rPr kumimoji="1" lang="en-US" altLang="ja-JP" sz="1400" b="1" dirty="0">
-                <a:latin typeface="Meiryo UI" panose="020B0604030504040204" pitchFamily="50" charset="-128"/>
-                <a:ea typeface="Meiryo UI" panose="020B0604030504040204" pitchFamily="50" charset="-128"/>
-              </a:rPr>
-              <a:t>”,    “</a:t>
-            </a:r>
-            <a:r>
-              <a:rPr kumimoji="1" lang="en-US" altLang="ja-JP" sz="1400" b="1" dirty="0">
-                <a:solidFill>
-                  <a:schemeClr val="accent3">
-                    <a:lumMod val="40000"/>
-                    <a:lumOff val="60000"/>
-                  </a:schemeClr>
-                </a:solidFill>
-                <a:latin typeface="Meiryo UI" panose="020B0604030504040204" pitchFamily="50" charset="-128"/>
-                <a:ea typeface="Meiryo UI" panose="020B0604030504040204" pitchFamily="50" charset="-128"/>
-              </a:rPr>
-              <a:t>you</a:t>
-            </a:r>
-            <a:r>
-              <a:rPr kumimoji="1" lang="en-US" altLang="ja-JP" sz="1400" b="1" dirty="0">
-                <a:latin typeface="Meiryo UI" panose="020B0604030504040204" pitchFamily="50" charset="-128"/>
-                <a:ea typeface="Meiryo UI" panose="020B0604030504040204" pitchFamily="50" charset="-128"/>
-              </a:rPr>
-              <a:t>”,    “</a:t>
-            </a:r>
-            <a:r>
-              <a:rPr kumimoji="1" lang="en-US" altLang="ja-JP" sz="1400" b="1" dirty="0">
-                <a:solidFill>
-                  <a:schemeClr val="accent5">
-                    <a:lumMod val="40000"/>
-                    <a:lumOff val="60000"/>
-                  </a:schemeClr>
-                </a:solidFill>
-                <a:latin typeface="Meiryo UI" panose="020B0604030504040204" pitchFamily="50" charset="-128"/>
-                <a:ea typeface="Meiryo UI" panose="020B0604030504040204" pitchFamily="50" charset="-128"/>
-              </a:rPr>
-              <a:t>need</a:t>
-            </a:r>
-            <a:r>
-              <a:rPr kumimoji="1" lang="en-US" altLang="ja-JP" sz="1400" b="1" dirty="0">
-                <a:latin typeface="Meiryo UI" panose="020B0604030504040204" pitchFamily="50" charset="-128"/>
-                <a:ea typeface="Meiryo UI" panose="020B0604030504040204" pitchFamily="50" charset="-128"/>
-              </a:rPr>
-              <a:t>”,    “.”</a:t>
-            </a:r>
-            <a:endParaRPr kumimoji="1" lang="ja-JP" altLang="en-US" sz="1400" b="1" dirty="0">
-              <a:latin typeface="Meiryo UI" panose="020B0604030504040204" pitchFamily="50" charset="-128"/>
-              <a:ea typeface="Meiryo UI" panose="020B0604030504040204" pitchFamily="50" charset="-128"/>
-            </a:endParaRPr>
-          </a:p>
-        </p:txBody>
-      </p:sp>
-      <p:sp>
-        <p:nvSpPr>
-          <p:cNvPr id="7" name="テキスト ボックス 6">
-            <a:extLst>
-              <a:ext uri="{FF2B5EF4-FFF2-40B4-BE49-F238E27FC236}">
-                <a16:creationId xmlns:a16="http://schemas.microsoft.com/office/drawing/2014/main" id="{91C1CCD3-B529-6EE2-F382-7CFF7A57222B}"/>
-              </a:ext>
-            </a:extLst>
-          </p:cNvPr>
-          <p:cNvSpPr txBox="1"/>
-          <p:nvPr/>
-        </p:nvSpPr>
-        <p:spPr>
-          <a:xfrm>
-            <a:off x="2377727" y="2111849"/>
-            <a:ext cx="596638" cy="307777"/>
-          </a:xfrm>
-          <a:prstGeom prst="rect">
-            <a:avLst/>
-          </a:prstGeom>
-          <a:noFill/>
-        </p:spPr>
-        <p:txBody>
-          <a:bodyPr wrap="none" rtlCol="0">
-            <a:spAutoFit/>
-          </a:bodyPr>
-          <a:lstStyle/>
-          <a:p>
-            <a:r>
-              <a:rPr lang="en-US" altLang="ja-JP" sz="1400" b="1" dirty="0">
-                <a:latin typeface="Meiryo UI" panose="020B0604030504040204" pitchFamily="50" charset="-128"/>
-                <a:ea typeface="Meiryo UI" panose="020B0604030504040204" pitchFamily="50" charset="-128"/>
-              </a:rPr>
-              <a:t>ID</a:t>
-            </a:r>
-            <a:r>
-              <a:rPr kumimoji="1" lang="ja-JP" altLang="en-US" sz="1400" b="1" dirty="0">
-                <a:latin typeface="Meiryo UI" panose="020B0604030504040204" pitchFamily="50" charset="-128"/>
-                <a:ea typeface="Meiryo UI" panose="020B0604030504040204" pitchFamily="50" charset="-128"/>
-              </a:rPr>
-              <a:t>化</a:t>
-            </a:r>
-          </a:p>
-        </p:txBody>
-      </p:sp>
-      <p:sp>
-        <p:nvSpPr>
-          <p:cNvPr id="10" name="テキスト ボックス 9">
-            <a:extLst>
-              <a:ext uri="{FF2B5EF4-FFF2-40B4-BE49-F238E27FC236}">
-                <a16:creationId xmlns:a16="http://schemas.microsoft.com/office/drawing/2014/main" id="{EBDC69E9-549A-3BD4-039A-F4BEDCB3BE2D}"/>
-              </a:ext>
-            </a:extLst>
-          </p:cNvPr>
-          <p:cNvSpPr txBox="1"/>
-          <p:nvPr/>
-        </p:nvSpPr>
-        <p:spPr>
-          <a:xfrm>
-            <a:off x="1930643" y="3139654"/>
-            <a:ext cx="1426994" cy="307777"/>
-          </a:xfrm>
-          <a:prstGeom prst="rect">
-            <a:avLst/>
-          </a:prstGeom>
-          <a:noFill/>
-        </p:spPr>
-        <p:txBody>
-          <a:bodyPr wrap="none" rtlCol="0">
-            <a:spAutoFit/>
-          </a:bodyPr>
-          <a:lstStyle/>
-          <a:p>
-            <a:r>
-              <a:rPr kumimoji="1" lang="ja-JP" altLang="en-US" sz="1400" b="1" dirty="0">
-                <a:latin typeface="Meiryo UI" panose="020B0604030504040204" pitchFamily="50" charset="-128"/>
-                <a:ea typeface="Meiryo UI" panose="020B0604030504040204" pitchFamily="50" charset="-128"/>
-              </a:rPr>
-              <a:t>位置情報の付与</a:t>
-            </a:r>
-          </a:p>
-        </p:txBody>
-      </p:sp>
-      <p:sp>
-        <p:nvSpPr>
-          <p:cNvPr id="13" name="テキスト ボックス 12">
-            <a:extLst>
-              <a:ext uri="{FF2B5EF4-FFF2-40B4-BE49-F238E27FC236}">
-                <a16:creationId xmlns:a16="http://schemas.microsoft.com/office/drawing/2014/main" id="{122B4E15-4AD4-89BB-02BD-865BA51C29E8}"/>
-              </a:ext>
-            </a:extLst>
-          </p:cNvPr>
-          <p:cNvSpPr txBox="1"/>
-          <p:nvPr/>
-        </p:nvSpPr>
-        <p:spPr>
-          <a:xfrm>
-            <a:off x="2693629" y="2815134"/>
-            <a:ext cx="853119" cy="307777"/>
-          </a:xfrm>
-          <a:prstGeom prst="rect">
-            <a:avLst/>
-          </a:prstGeom>
-          <a:noFill/>
-        </p:spPr>
-        <p:txBody>
-          <a:bodyPr wrap="none" rtlCol="0">
-            <a:spAutoFit/>
-          </a:bodyPr>
-          <a:lstStyle/>
-          <a:p>
-            <a:r>
-              <a:rPr kumimoji="1" lang="ja-JP" altLang="en-US" sz="1400" b="1" dirty="0">
-                <a:latin typeface="Meiryo UI" panose="020B0604030504040204" pitchFamily="50" charset="-128"/>
-                <a:ea typeface="Meiryo UI" panose="020B0604030504040204" pitchFamily="50" charset="-128"/>
-              </a:rPr>
-              <a:t>埋め込み</a:t>
-            </a:r>
-          </a:p>
-        </p:txBody>
-      </p:sp>
-      <p:sp>
-        <p:nvSpPr>
-          <p:cNvPr id="14" name="テキスト ボックス 13">
-            <a:extLst>
-              <a:ext uri="{FF2B5EF4-FFF2-40B4-BE49-F238E27FC236}">
-                <a16:creationId xmlns:a16="http://schemas.microsoft.com/office/drawing/2014/main" id="{87FE4F63-2BBA-EEB0-03C5-CBEE0D1616F0}"/>
-              </a:ext>
-            </a:extLst>
-          </p:cNvPr>
-          <p:cNvSpPr txBox="1"/>
-          <p:nvPr/>
-        </p:nvSpPr>
-        <p:spPr>
-          <a:xfrm>
-            <a:off x="3369511" y="2128795"/>
-            <a:ext cx="4259499" cy="307777"/>
-          </a:xfrm>
-          <a:prstGeom prst="rect">
-            <a:avLst/>
-          </a:prstGeom>
-          <a:noFill/>
-        </p:spPr>
-        <p:txBody>
-          <a:bodyPr wrap="none" rtlCol="0">
-            <a:spAutoFit/>
-          </a:bodyPr>
-          <a:lstStyle/>
-          <a:p>
-            <a:r>
-              <a:rPr lang="en-US" altLang="ja-JP" sz="1400" b="1" i="0" dirty="0">
-                <a:effectLst/>
-                <a:latin typeface="Meiryo UI" panose="020B0604030504040204" pitchFamily="50" charset="-128"/>
-                <a:ea typeface="Meiryo UI" panose="020B0604030504040204" pitchFamily="50" charset="-128"/>
-              </a:rPr>
-              <a:t>[</a:t>
-            </a:r>
-            <a:r>
-              <a:rPr lang="en-US" altLang="ja-JP" sz="1400" b="1" i="0" dirty="0">
-                <a:solidFill>
-                  <a:schemeClr val="bg1">
-                    <a:lumMod val="65000"/>
-                  </a:schemeClr>
-                </a:solidFill>
-                <a:effectLst/>
-                <a:latin typeface="Meiryo UI" panose="020B0604030504040204" pitchFamily="50" charset="-128"/>
-                <a:ea typeface="Meiryo UI" panose="020B0604030504040204" pitchFamily="50" charset="-128"/>
-              </a:rPr>
-              <a:t>101</a:t>
-            </a:r>
-            <a:r>
-              <a:rPr lang="en-US" altLang="ja-JP" sz="1400" b="1" i="0" dirty="0">
-                <a:effectLst/>
-                <a:latin typeface="Meiryo UI" panose="020B0604030504040204" pitchFamily="50" charset="-128"/>
-                <a:ea typeface="Meiryo UI" panose="020B0604030504040204" pitchFamily="50" charset="-128"/>
-              </a:rPr>
-              <a:t>, </a:t>
-            </a:r>
-            <a:r>
-              <a:rPr lang="en-US" altLang="ja-JP" sz="1400" b="1" i="0" dirty="0">
-                <a:solidFill>
-                  <a:schemeClr val="tx1">
-                    <a:lumMod val="50000"/>
-                    <a:lumOff val="50000"/>
-                  </a:schemeClr>
-                </a:solidFill>
-                <a:effectLst/>
-                <a:latin typeface="Meiryo UI" panose="020B0604030504040204" pitchFamily="50" charset="-128"/>
-                <a:ea typeface="Meiryo UI" panose="020B0604030504040204" pitchFamily="50" charset="-128"/>
-              </a:rPr>
-              <a:t>3086</a:t>
-            </a:r>
-            <a:r>
-              <a:rPr lang="en-US" altLang="ja-JP" sz="1400" b="1" i="0" dirty="0">
-                <a:effectLst/>
-                <a:latin typeface="Meiryo UI" panose="020B0604030504040204" pitchFamily="50" charset="-128"/>
-                <a:ea typeface="Meiryo UI" panose="020B0604030504040204" pitchFamily="50" charset="-128"/>
-              </a:rPr>
-              <a:t>, </a:t>
-            </a:r>
-            <a:r>
-              <a:rPr lang="en-US" altLang="ja-JP" sz="1400" b="1" i="0" dirty="0">
-                <a:solidFill>
-                  <a:schemeClr val="tx2">
-                    <a:lumMod val="40000"/>
-                    <a:lumOff val="60000"/>
-                  </a:schemeClr>
-                </a:solidFill>
-                <a:effectLst/>
-                <a:latin typeface="Meiryo UI" panose="020B0604030504040204" pitchFamily="50" charset="-128"/>
-                <a:ea typeface="Meiryo UI" panose="020B0604030504040204" pitchFamily="50" charset="-128"/>
-              </a:rPr>
-              <a:t>2003</a:t>
-            </a:r>
-            <a:r>
-              <a:rPr lang="en-US" altLang="ja-JP" sz="1400" b="1" i="0" dirty="0">
-                <a:effectLst/>
-                <a:latin typeface="Meiryo UI" panose="020B0604030504040204" pitchFamily="50" charset="-128"/>
-                <a:ea typeface="Meiryo UI" panose="020B0604030504040204" pitchFamily="50" charset="-128"/>
-              </a:rPr>
-              <a:t>, </a:t>
-            </a:r>
-            <a:r>
-              <a:rPr lang="en-US" altLang="ja-JP" sz="1400" b="1" i="0" dirty="0">
-                <a:solidFill>
-                  <a:schemeClr val="accent5">
-                    <a:lumMod val="60000"/>
-                    <a:lumOff val="40000"/>
-                  </a:schemeClr>
-                </a:solidFill>
-                <a:effectLst/>
-                <a:latin typeface="Meiryo UI" panose="020B0604030504040204" pitchFamily="50" charset="-128"/>
-                <a:ea typeface="Meiryo UI" panose="020B0604030504040204" pitchFamily="50" charset="-128"/>
-              </a:rPr>
-              <a:t>2035</a:t>
-            </a:r>
-            <a:r>
-              <a:rPr lang="en-US" altLang="ja-JP" sz="1400" b="1" i="0" dirty="0">
-                <a:effectLst/>
-                <a:latin typeface="Meiryo UI" panose="020B0604030504040204" pitchFamily="50" charset="-128"/>
-                <a:ea typeface="Meiryo UI" panose="020B0604030504040204" pitchFamily="50" charset="-128"/>
-              </a:rPr>
-              <a:t>, </a:t>
-            </a:r>
-            <a:r>
-              <a:rPr lang="en-US" altLang="ja-JP" sz="1400" b="1" i="0" dirty="0">
-                <a:solidFill>
-                  <a:schemeClr val="accent3">
-                    <a:lumMod val="40000"/>
-                    <a:lumOff val="60000"/>
-                  </a:schemeClr>
-                </a:solidFill>
-                <a:effectLst/>
-                <a:latin typeface="Meiryo UI" panose="020B0604030504040204" pitchFamily="50" charset="-128"/>
-                <a:ea typeface="Meiryo UI" panose="020B0604030504040204" pitchFamily="50" charset="-128"/>
-              </a:rPr>
-              <a:t>2017</a:t>
-            </a:r>
-            <a:r>
-              <a:rPr lang="en-US" altLang="ja-JP" sz="1400" b="1" i="0" dirty="0">
-                <a:effectLst/>
-                <a:latin typeface="Meiryo UI" panose="020B0604030504040204" pitchFamily="50" charset="-128"/>
-                <a:ea typeface="Meiryo UI" panose="020B0604030504040204" pitchFamily="50" charset="-128"/>
-              </a:rPr>
-              <a:t>, </a:t>
-            </a:r>
-            <a:r>
-              <a:rPr lang="en-US" altLang="ja-JP" sz="1400" b="1" i="0" dirty="0">
-                <a:solidFill>
-                  <a:schemeClr val="accent5">
-                    <a:lumMod val="40000"/>
-                    <a:lumOff val="60000"/>
-                  </a:schemeClr>
-                </a:solidFill>
-                <a:effectLst/>
-                <a:latin typeface="Meiryo UI" panose="020B0604030504040204" pitchFamily="50" charset="-128"/>
-                <a:ea typeface="Meiryo UI" panose="020B0604030504040204" pitchFamily="50" charset="-128"/>
-              </a:rPr>
-              <a:t>2342</a:t>
-            </a:r>
-            <a:r>
-              <a:rPr lang="en-US" altLang="ja-JP" sz="1400" b="1" i="0" dirty="0">
-                <a:effectLst/>
-                <a:latin typeface="Meiryo UI" panose="020B0604030504040204" pitchFamily="50" charset="-128"/>
-                <a:ea typeface="Meiryo UI" panose="020B0604030504040204" pitchFamily="50" charset="-128"/>
-              </a:rPr>
-              <a:t>, </a:t>
-            </a:r>
-            <a:r>
-              <a:rPr lang="en-US" altLang="ja-JP" sz="1400" b="1" i="0" dirty="0">
-                <a:solidFill>
-                  <a:schemeClr val="bg1">
-                    <a:lumMod val="65000"/>
-                  </a:schemeClr>
-                </a:solidFill>
-                <a:effectLst/>
-                <a:latin typeface="Meiryo UI" panose="020B0604030504040204" pitchFamily="50" charset="-128"/>
-                <a:ea typeface="Meiryo UI" panose="020B0604030504040204" pitchFamily="50" charset="-128"/>
-              </a:rPr>
-              <a:t>102</a:t>
-            </a:r>
-            <a:r>
-              <a:rPr lang="en-US" altLang="ja-JP" sz="1400" b="1" i="0" dirty="0">
-                <a:effectLst/>
-                <a:latin typeface="Meiryo UI" panose="020B0604030504040204" pitchFamily="50" charset="-128"/>
-                <a:ea typeface="Meiryo UI" panose="020B0604030504040204" pitchFamily="50" charset="-128"/>
-              </a:rPr>
-              <a:t>]</a:t>
-            </a:r>
-            <a:endParaRPr kumimoji="1" lang="ja-JP" altLang="en-US" sz="1400" b="1" dirty="0">
-              <a:latin typeface="Meiryo UI" panose="020B0604030504040204" pitchFamily="50" charset="-128"/>
-              <a:ea typeface="Meiryo UI" panose="020B0604030504040204" pitchFamily="50" charset="-128"/>
-            </a:endParaRPr>
-          </a:p>
-        </p:txBody>
-      </p:sp>
-      <p:sp>
-        <p:nvSpPr>
-          <p:cNvPr id="16" name="テキスト ボックス 15">
-            <a:extLst>
-              <a:ext uri="{FF2B5EF4-FFF2-40B4-BE49-F238E27FC236}">
-                <a16:creationId xmlns:a16="http://schemas.microsoft.com/office/drawing/2014/main" id="{6DFE5389-0C3F-9E02-9B38-FBF759F81C18}"/>
-              </a:ext>
-            </a:extLst>
-          </p:cNvPr>
-          <p:cNvSpPr txBox="1"/>
-          <p:nvPr/>
-        </p:nvSpPr>
-        <p:spPr>
-          <a:xfrm>
-            <a:off x="4030337" y="2918158"/>
-            <a:ext cx="5384807" cy="738664"/>
-          </a:xfrm>
-          <a:prstGeom prst="rect">
-            <a:avLst/>
-          </a:prstGeom>
-          <a:noFill/>
-        </p:spPr>
-        <p:txBody>
-          <a:bodyPr wrap="none" rtlCol="0">
-            <a:spAutoFit/>
-          </a:bodyPr>
-          <a:lstStyle/>
-          <a:p>
-            <a:r>
-              <a:rPr lang="en-US" altLang="ja-JP" sz="1400" b="1" i="0" dirty="0">
-                <a:effectLst/>
-                <a:latin typeface="Meiryo UI" panose="020B0604030504040204" pitchFamily="50" charset="-128"/>
-                <a:ea typeface="Meiryo UI" panose="020B0604030504040204" pitchFamily="50" charset="-128"/>
-              </a:rPr>
-              <a:t>[</a:t>
-            </a:r>
-            <a:r>
-              <a:rPr lang="en-US" altLang="ja-JP" sz="1400" b="1" i="0" dirty="0">
-                <a:solidFill>
-                  <a:schemeClr val="bg1">
-                    <a:lumMod val="65000"/>
-                  </a:schemeClr>
-                </a:solidFill>
-                <a:effectLst/>
-                <a:latin typeface="Meiryo UI" panose="020B0604030504040204" pitchFamily="50" charset="-128"/>
-                <a:ea typeface="Meiryo UI" panose="020B0604030504040204" pitchFamily="50" charset="-128"/>
-              </a:rPr>
-              <a:t>[2,23,86,</a:t>
-            </a:r>
-            <a:r>
-              <a:rPr lang="ja-JP" altLang="en-US" sz="1400" b="1" i="0" dirty="0">
-                <a:solidFill>
-                  <a:schemeClr val="bg1">
-                    <a:lumMod val="65000"/>
-                  </a:schemeClr>
-                </a:solidFill>
-                <a:effectLst/>
-                <a:latin typeface="Meiryo UI" panose="020B0604030504040204" pitchFamily="50" charset="-128"/>
-                <a:ea typeface="Meiryo UI" panose="020B0604030504040204" pitchFamily="50" charset="-128"/>
-              </a:rPr>
-              <a:t>・・・</a:t>
-            </a:r>
-            <a:r>
-              <a:rPr lang="en-US" altLang="ja-JP" sz="1400" b="1" i="0" dirty="0">
-                <a:solidFill>
-                  <a:schemeClr val="bg1">
-                    <a:lumMod val="65000"/>
-                  </a:schemeClr>
-                </a:solidFill>
-                <a:effectLst/>
-                <a:latin typeface="Meiryo UI" panose="020B0604030504040204" pitchFamily="50" charset="-128"/>
-                <a:ea typeface="Meiryo UI" panose="020B0604030504040204" pitchFamily="50" charset="-128"/>
-              </a:rPr>
-              <a:t>]</a:t>
-            </a:r>
-            <a:r>
-              <a:rPr lang="en-US" altLang="ja-JP" sz="1400" b="1" i="0" dirty="0">
-                <a:effectLst/>
-                <a:latin typeface="Meiryo UI" panose="020B0604030504040204" pitchFamily="50" charset="-128"/>
-                <a:ea typeface="Meiryo UI" panose="020B0604030504040204" pitchFamily="50" charset="-128"/>
-              </a:rPr>
-              <a:t>, </a:t>
-            </a:r>
-          </a:p>
-          <a:p>
-            <a:r>
-              <a:rPr lang="ja-JP" altLang="en-US" sz="1400" b="1" dirty="0">
-                <a:solidFill>
-                  <a:schemeClr val="tx1">
-                    <a:lumMod val="50000"/>
-                    <a:lumOff val="50000"/>
-                  </a:schemeClr>
-                </a:solidFill>
-                <a:latin typeface="Meiryo UI" panose="020B0604030504040204" pitchFamily="50" charset="-128"/>
-                <a:ea typeface="Meiryo UI" panose="020B0604030504040204" pitchFamily="50" charset="-128"/>
-              </a:rPr>
-              <a:t>　　　　　</a:t>
-            </a:r>
-            <a:r>
-              <a:rPr lang="en-US" altLang="ja-JP" sz="1400" b="1" i="0" dirty="0">
-                <a:solidFill>
-                  <a:schemeClr val="tx1">
-                    <a:lumMod val="50000"/>
-                    <a:lumOff val="50000"/>
-                  </a:schemeClr>
-                </a:solidFill>
-                <a:effectLst/>
-                <a:latin typeface="Meiryo UI" panose="020B0604030504040204" pitchFamily="50" charset="-128"/>
-                <a:ea typeface="Meiryo UI" panose="020B0604030504040204" pitchFamily="50" charset="-128"/>
-              </a:rPr>
-              <a:t>[5,9,10,27,</a:t>
-            </a:r>
-            <a:r>
-              <a:rPr lang="ja-JP" altLang="en-US" sz="1400" b="1" i="0" dirty="0">
-                <a:solidFill>
-                  <a:schemeClr val="tx1">
-                    <a:lumMod val="50000"/>
-                    <a:lumOff val="50000"/>
-                  </a:schemeClr>
-                </a:solidFill>
-                <a:effectLst/>
-                <a:latin typeface="Meiryo UI" panose="020B0604030504040204" pitchFamily="50" charset="-128"/>
-                <a:ea typeface="Meiryo UI" panose="020B0604030504040204" pitchFamily="50" charset="-128"/>
-              </a:rPr>
-              <a:t>・・・</a:t>
-            </a:r>
-            <a:r>
-              <a:rPr lang="en-US" altLang="ja-JP" sz="1400" b="1" i="0" dirty="0">
-                <a:solidFill>
-                  <a:schemeClr val="tx1">
-                    <a:lumMod val="50000"/>
-                    <a:lumOff val="50000"/>
-                  </a:schemeClr>
-                </a:solidFill>
-                <a:effectLst/>
-                <a:latin typeface="Meiryo UI" panose="020B0604030504040204" pitchFamily="50" charset="-128"/>
-                <a:ea typeface="Meiryo UI" panose="020B0604030504040204" pitchFamily="50" charset="-128"/>
-              </a:rPr>
-              <a:t>]</a:t>
-            </a:r>
-            <a:r>
-              <a:rPr lang="en-US" altLang="ja-JP" sz="1400" b="1" i="0" dirty="0">
-                <a:effectLst/>
-                <a:latin typeface="Meiryo UI" panose="020B0604030504040204" pitchFamily="50" charset="-128"/>
-                <a:ea typeface="Meiryo UI" panose="020B0604030504040204" pitchFamily="50" charset="-128"/>
-              </a:rPr>
-              <a:t>, </a:t>
-            </a:r>
-          </a:p>
-          <a:p>
-            <a:r>
-              <a:rPr lang="ja-JP" altLang="en-US" sz="1400" b="1" dirty="0">
-                <a:solidFill>
-                  <a:schemeClr val="tx2">
-                    <a:lumMod val="40000"/>
-                    <a:lumOff val="60000"/>
-                  </a:schemeClr>
-                </a:solidFill>
-                <a:latin typeface="Meiryo UI" panose="020B0604030504040204" pitchFamily="50" charset="-128"/>
-                <a:ea typeface="Meiryo UI" panose="020B0604030504040204" pitchFamily="50" charset="-128"/>
-              </a:rPr>
-              <a:t>　　　　　　　　　</a:t>
-            </a:r>
-            <a:r>
-              <a:rPr lang="en-US" altLang="ja-JP" sz="1400" b="1" i="0" dirty="0">
-                <a:solidFill>
-                  <a:schemeClr val="tx2">
-                    <a:lumMod val="40000"/>
-                    <a:lumOff val="60000"/>
-                  </a:schemeClr>
-                </a:solidFill>
-                <a:effectLst/>
-                <a:latin typeface="Meiryo UI" panose="020B0604030504040204" pitchFamily="50" charset="-128"/>
-                <a:ea typeface="Meiryo UI" panose="020B0604030504040204" pitchFamily="50" charset="-128"/>
-              </a:rPr>
-              <a:t>[9,</a:t>
-            </a:r>
-            <a:r>
-              <a:rPr lang="ja-JP" altLang="en-US" sz="1400" b="1" i="0" dirty="0">
-                <a:solidFill>
-                  <a:schemeClr val="tx2">
-                    <a:lumMod val="40000"/>
-                    <a:lumOff val="60000"/>
-                  </a:schemeClr>
-                </a:solidFill>
-                <a:effectLst/>
-                <a:latin typeface="Meiryo UI" panose="020B0604030504040204" pitchFamily="50" charset="-128"/>
-                <a:ea typeface="Meiryo UI" panose="020B0604030504040204" pitchFamily="50" charset="-128"/>
-              </a:rPr>
-              <a:t>・・・</a:t>
-            </a:r>
-            <a:r>
-              <a:rPr lang="en-US" altLang="ja-JP" sz="1400" b="1" i="0" dirty="0">
-                <a:solidFill>
-                  <a:schemeClr val="tx2">
-                    <a:lumMod val="40000"/>
-                    <a:lumOff val="60000"/>
-                  </a:schemeClr>
-                </a:solidFill>
-                <a:effectLst/>
-                <a:latin typeface="Meiryo UI" panose="020B0604030504040204" pitchFamily="50" charset="-128"/>
-                <a:ea typeface="Meiryo UI" panose="020B0604030504040204" pitchFamily="50" charset="-128"/>
-              </a:rPr>
-              <a:t>]</a:t>
-            </a:r>
-            <a:r>
-              <a:rPr lang="en-US" altLang="ja-JP" sz="1400" b="1" i="0" dirty="0">
-                <a:effectLst/>
-                <a:latin typeface="Meiryo UI" panose="020B0604030504040204" pitchFamily="50" charset="-128"/>
-                <a:ea typeface="Meiryo UI" panose="020B0604030504040204" pitchFamily="50" charset="-128"/>
-              </a:rPr>
-              <a:t>, </a:t>
-            </a:r>
-            <a:r>
-              <a:rPr lang="en-US" altLang="ja-JP" sz="1400" b="1" i="0" dirty="0">
-                <a:solidFill>
-                  <a:schemeClr val="accent2">
-                    <a:lumMod val="40000"/>
-                    <a:lumOff val="60000"/>
-                  </a:schemeClr>
-                </a:solidFill>
-                <a:effectLst/>
-                <a:latin typeface="Meiryo UI" panose="020B0604030504040204" pitchFamily="50" charset="-128"/>
-                <a:ea typeface="Meiryo UI" panose="020B0604030504040204" pitchFamily="50" charset="-128"/>
-              </a:rPr>
-              <a:t>[44</a:t>
-            </a:r>
-            <a:r>
-              <a:rPr lang="ja-JP" altLang="en-US" sz="1400" b="1" i="0" dirty="0">
-                <a:solidFill>
-                  <a:schemeClr val="accent2">
-                    <a:lumMod val="40000"/>
-                    <a:lumOff val="60000"/>
-                  </a:schemeClr>
-                </a:solidFill>
-                <a:effectLst/>
-                <a:latin typeface="Meiryo UI" panose="020B0604030504040204" pitchFamily="50" charset="-128"/>
-                <a:ea typeface="Meiryo UI" panose="020B0604030504040204" pitchFamily="50" charset="-128"/>
-              </a:rPr>
-              <a:t>・・・</a:t>
-            </a:r>
-            <a:r>
-              <a:rPr lang="en-US" altLang="ja-JP" sz="1400" b="1" i="0" dirty="0">
-                <a:solidFill>
-                  <a:schemeClr val="accent2">
-                    <a:lumMod val="40000"/>
-                    <a:lumOff val="60000"/>
-                  </a:schemeClr>
-                </a:solidFill>
-                <a:effectLst/>
-                <a:latin typeface="Meiryo UI" panose="020B0604030504040204" pitchFamily="50" charset="-128"/>
-                <a:ea typeface="Meiryo UI" panose="020B0604030504040204" pitchFamily="50" charset="-128"/>
-              </a:rPr>
-              <a:t>]</a:t>
-            </a:r>
-            <a:r>
-              <a:rPr lang="en-US" altLang="ja-JP" sz="1400" b="1" i="0" dirty="0">
-                <a:effectLst/>
-                <a:latin typeface="Meiryo UI" panose="020B0604030504040204" pitchFamily="50" charset="-128"/>
-                <a:ea typeface="Meiryo UI" panose="020B0604030504040204" pitchFamily="50" charset="-128"/>
-              </a:rPr>
-              <a:t>, </a:t>
-            </a:r>
-            <a:r>
-              <a:rPr lang="en-US" altLang="ja-JP" sz="1400" b="1" i="0" dirty="0">
-                <a:solidFill>
-                  <a:schemeClr val="accent3">
-                    <a:lumMod val="40000"/>
-                    <a:lumOff val="60000"/>
-                  </a:schemeClr>
-                </a:solidFill>
-                <a:effectLst/>
-                <a:latin typeface="Meiryo UI" panose="020B0604030504040204" pitchFamily="50" charset="-128"/>
-                <a:ea typeface="Meiryo UI" panose="020B0604030504040204" pitchFamily="50" charset="-128"/>
-              </a:rPr>
-              <a:t>[52</a:t>
-            </a:r>
-            <a:r>
-              <a:rPr lang="ja-JP" altLang="en-US" sz="1400" b="1" i="0" dirty="0">
-                <a:solidFill>
-                  <a:schemeClr val="accent3">
-                    <a:lumMod val="40000"/>
-                    <a:lumOff val="60000"/>
-                  </a:schemeClr>
-                </a:solidFill>
-                <a:effectLst/>
-                <a:latin typeface="Meiryo UI" panose="020B0604030504040204" pitchFamily="50" charset="-128"/>
-                <a:ea typeface="Meiryo UI" panose="020B0604030504040204" pitchFamily="50" charset="-128"/>
-              </a:rPr>
-              <a:t>・・・</a:t>
-            </a:r>
-            <a:r>
-              <a:rPr lang="en-US" altLang="ja-JP" sz="1400" b="1" i="0" dirty="0">
-                <a:solidFill>
-                  <a:schemeClr val="accent3">
-                    <a:lumMod val="40000"/>
-                    <a:lumOff val="60000"/>
-                  </a:schemeClr>
-                </a:solidFill>
-                <a:effectLst/>
-                <a:latin typeface="Meiryo UI" panose="020B0604030504040204" pitchFamily="50" charset="-128"/>
-                <a:ea typeface="Meiryo UI" panose="020B0604030504040204" pitchFamily="50" charset="-128"/>
-              </a:rPr>
-              <a:t>]</a:t>
-            </a:r>
-            <a:r>
-              <a:rPr lang="en-US" altLang="ja-JP" sz="1400" b="1" i="0" dirty="0">
-                <a:effectLst/>
-                <a:latin typeface="Meiryo UI" panose="020B0604030504040204" pitchFamily="50" charset="-128"/>
-                <a:ea typeface="Meiryo UI" panose="020B0604030504040204" pitchFamily="50" charset="-128"/>
-              </a:rPr>
-              <a:t>, </a:t>
-            </a:r>
-            <a:r>
-              <a:rPr lang="en-US" altLang="ja-JP" sz="1400" b="1" i="0" dirty="0">
-                <a:solidFill>
-                  <a:schemeClr val="accent5">
-                    <a:lumMod val="40000"/>
-                    <a:lumOff val="60000"/>
-                  </a:schemeClr>
-                </a:solidFill>
-                <a:effectLst/>
-                <a:latin typeface="Meiryo UI" panose="020B0604030504040204" pitchFamily="50" charset="-128"/>
-                <a:ea typeface="Meiryo UI" panose="020B0604030504040204" pitchFamily="50" charset="-128"/>
-              </a:rPr>
-              <a:t>[266</a:t>
-            </a:r>
-            <a:r>
-              <a:rPr lang="ja-JP" altLang="en-US" sz="1400" b="1" i="0" dirty="0">
-                <a:solidFill>
-                  <a:schemeClr val="accent5">
-                    <a:lumMod val="40000"/>
-                    <a:lumOff val="60000"/>
-                  </a:schemeClr>
-                </a:solidFill>
-                <a:effectLst/>
-                <a:latin typeface="Meiryo UI" panose="020B0604030504040204" pitchFamily="50" charset="-128"/>
-                <a:ea typeface="Meiryo UI" panose="020B0604030504040204" pitchFamily="50" charset="-128"/>
-              </a:rPr>
-              <a:t>・・・</a:t>
-            </a:r>
-            <a:r>
-              <a:rPr lang="en-US" altLang="ja-JP" sz="1400" b="1" i="0" dirty="0">
-                <a:solidFill>
-                  <a:schemeClr val="accent5">
-                    <a:lumMod val="40000"/>
-                    <a:lumOff val="60000"/>
-                  </a:schemeClr>
-                </a:solidFill>
-                <a:effectLst/>
-                <a:latin typeface="Meiryo UI" panose="020B0604030504040204" pitchFamily="50" charset="-128"/>
-                <a:ea typeface="Meiryo UI" panose="020B0604030504040204" pitchFamily="50" charset="-128"/>
-              </a:rPr>
-              <a:t>]</a:t>
-            </a:r>
-            <a:r>
-              <a:rPr lang="en-US" altLang="ja-JP" sz="1400" b="1" i="0" dirty="0">
-                <a:effectLst/>
-                <a:latin typeface="Meiryo UI" panose="020B0604030504040204" pitchFamily="50" charset="-128"/>
-                <a:ea typeface="Meiryo UI" panose="020B0604030504040204" pitchFamily="50" charset="-128"/>
-              </a:rPr>
-              <a:t>, </a:t>
-            </a:r>
-            <a:r>
-              <a:rPr lang="en-US" altLang="ja-JP" sz="1400" b="1" i="0" dirty="0">
-                <a:solidFill>
-                  <a:schemeClr val="bg1">
-                    <a:lumMod val="65000"/>
-                  </a:schemeClr>
-                </a:solidFill>
-                <a:effectLst/>
-                <a:latin typeface="Meiryo UI" panose="020B0604030504040204" pitchFamily="50" charset="-128"/>
-                <a:ea typeface="Meiryo UI" panose="020B0604030504040204" pitchFamily="50" charset="-128"/>
-              </a:rPr>
-              <a:t>[90</a:t>
-            </a:r>
-            <a:r>
-              <a:rPr lang="ja-JP" altLang="en-US" sz="1400" b="1" i="0" dirty="0">
-                <a:solidFill>
-                  <a:schemeClr val="bg1">
-                    <a:lumMod val="65000"/>
-                  </a:schemeClr>
-                </a:solidFill>
-                <a:effectLst/>
-                <a:latin typeface="Meiryo UI" panose="020B0604030504040204" pitchFamily="50" charset="-128"/>
-                <a:ea typeface="Meiryo UI" panose="020B0604030504040204" pitchFamily="50" charset="-128"/>
-              </a:rPr>
-              <a:t>・・・</a:t>
-            </a:r>
-            <a:r>
-              <a:rPr lang="en-US" altLang="ja-JP" sz="1400" b="1" i="0" dirty="0">
-                <a:solidFill>
-                  <a:schemeClr val="bg1">
-                    <a:lumMod val="65000"/>
-                  </a:schemeClr>
-                </a:solidFill>
-                <a:effectLst/>
-                <a:latin typeface="Meiryo UI" panose="020B0604030504040204" pitchFamily="50" charset="-128"/>
-                <a:ea typeface="Meiryo UI" panose="020B0604030504040204" pitchFamily="50" charset="-128"/>
-              </a:rPr>
-              <a:t>]</a:t>
-            </a:r>
-            <a:r>
-              <a:rPr lang="en-US" altLang="ja-JP" sz="1400" b="1" i="0" dirty="0">
-                <a:effectLst/>
-                <a:latin typeface="Meiryo UI" panose="020B0604030504040204" pitchFamily="50" charset="-128"/>
-                <a:ea typeface="Meiryo UI" panose="020B0604030504040204" pitchFamily="50" charset="-128"/>
-              </a:rPr>
-              <a:t>]</a:t>
-            </a:r>
-            <a:endParaRPr kumimoji="1" lang="ja-JP" altLang="en-US" sz="1400" b="1" dirty="0">
-              <a:latin typeface="Meiryo UI" panose="020B0604030504040204" pitchFamily="50" charset="-128"/>
-              <a:ea typeface="Meiryo UI" panose="020B0604030504040204" pitchFamily="50" charset="-128"/>
-            </a:endParaRPr>
-          </a:p>
-        </p:txBody>
-      </p:sp>
-      <p:sp>
-        <p:nvSpPr>
-          <p:cNvPr id="17" name="テキスト ボックス 16">
-            <a:extLst>
-              <a:ext uri="{FF2B5EF4-FFF2-40B4-BE49-F238E27FC236}">
-                <a16:creationId xmlns:a16="http://schemas.microsoft.com/office/drawing/2014/main" id="{795CDB25-F5EC-5DD3-6222-06DF0CED02DB}"/>
-              </a:ext>
-            </a:extLst>
-          </p:cNvPr>
-          <p:cNvSpPr txBox="1"/>
-          <p:nvPr/>
-        </p:nvSpPr>
-        <p:spPr>
-          <a:xfrm>
-            <a:off x="9464340" y="4350443"/>
-            <a:ext cx="1914305" cy="230832"/>
-          </a:xfrm>
-          <a:prstGeom prst="rect">
-            <a:avLst/>
-          </a:prstGeom>
-          <a:noFill/>
-        </p:spPr>
-        <p:txBody>
-          <a:bodyPr wrap="square" rtlCol="0">
-            <a:spAutoFit/>
-          </a:bodyPr>
-          <a:lstStyle/>
-          <a:p>
-            <a:r>
-              <a:rPr lang="ja-JP" altLang="en-US" sz="900" b="1" dirty="0">
-                <a:latin typeface="Meiryo UI" panose="020B0604030504040204" pitchFamily="50" charset="-128"/>
-                <a:ea typeface="Meiryo UI" panose="020B0604030504040204" pitchFamily="50" charset="-128"/>
-              </a:rPr>
-              <a:t>値は適当です💦</a:t>
-            </a:r>
-            <a:endParaRPr kumimoji="1" lang="ja-JP" altLang="en-US" sz="900" b="1" dirty="0">
-              <a:latin typeface="Meiryo UI" panose="020B0604030504040204" pitchFamily="50" charset="-128"/>
-              <a:ea typeface="Meiryo UI" panose="020B0604030504040204" pitchFamily="50" charset="-128"/>
-            </a:endParaRPr>
-          </a:p>
-        </p:txBody>
-      </p:sp>
-      <p:sp>
-        <p:nvSpPr>
-          <p:cNvPr id="18" name="テキスト ボックス 17">
-            <a:extLst>
-              <a:ext uri="{FF2B5EF4-FFF2-40B4-BE49-F238E27FC236}">
-                <a16:creationId xmlns:a16="http://schemas.microsoft.com/office/drawing/2014/main" id="{CE7A67BB-9767-37F2-5630-5A3C6F6C8220}"/>
-              </a:ext>
-            </a:extLst>
-          </p:cNvPr>
-          <p:cNvSpPr txBox="1"/>
-          <p:nvPr/>
-        </p:nvSpPr>
-        <p:spPr>
-          <a:xfrm>
-            <a:off x="1883426" y="1618268"/>
-            <a:ext cx="2718501" cy="307777"/>
-          </a:xfrm>
-          <a:prstGeom prst="rect">
-            <a:avLst/>
-          </a:prstGeom>
-          <a:noFill/>
-        </p:spPr>
-        <p:txBody>
-          <a:bodyPr wrap="none" rtlCol="0">
-            <a:spAutoFit/>
-          </a:bodyPr>
-          <a:lstStyle/>
-          <a:p>
-            <a:r>
-              <a:rPr kumimoji="1" lang="en-US" altLang="ja-JP" sz="1400" b="1" dirty="0">
-                <a:latin typeface="Meiryo UI" panose="020B0604030504040204" pitchFamily="50" charset="-128"/>
-                <a:ea typeface="Meiryo UI" panose="020B0604030504040204" pitchFamily="50" charset="-128"/>
-              </a:rPr>
-              <a:t>attention is</a:t>
-            </a:r>
-            <a:r>
-              <a:rPr kumimoji="1" lang="ja-JP" altLang="en-US" sz="1400" b="1" dirty="0">
-                <a:latin typeface="Meiryo UI" panose="020B0604030504040204" pitchFamily="50" charset="-128"/>
-                <a:ea typeface="Meiryo UI" panose="020B0604030504040204" pitchFamily="50" charset="-128"/>
-              </a:rPr>
-              <a:t>　</a:t>
-            </a:r>
-            <a:r>
-              <a:rPr kumimoji="1" lang="en-US" altLang="ja-JP" sz="1400" b="1" dirty="0">
-                <a:latin typeface="Meiryo UI" panose="020B0604030504040204" pitchFamily="50" charset="-128"/>
-                <a:ea typeface="Meiryo UI" panose="020B0604030504040204" pitchFamily="50" charset="-128"/>
-              </a:rPr>
-              <a:t>all</a:t>
-            </a:r>
-            <a:r>
-              <a:rPr kumimoji="1" lang="ja-JP" altLang="en-US" sz="1400" b="1" dirty="0">
-                <a:latin typeface="Meiryo UI" panose="020B0604030504040204" pitchFamily="50" charset="-128"/>
-                <a:ea typeface="Meiryo UI" panose="020B0604030504040204" pitchFamily="50" charset="-128"/>
-              </a:rPr>
-              <a:t>　</a:t>
-            </a:r>
-            <a:r>
-              <a:rPr kumimoji="1" lang="en-US" altLang="ja-JP" sz="1400" b="1" dirty="0">
-                <a:latin typeface="Meiryo UI" panose="020B0604030504040204" pitchFamily="50" charset="-128"/>
-                <a:ea typeface="Meiryo UI" panose="020B0604030504040204" pitchFamily="50" charset="-128"/>
-              </a:rPr>
-              <a:t>you</a:t>
-            </a:r>
-            <a:r>
-              <a:rPr kumimoji="1" lang="ja-JP" altLang="en-US" sz="1400" b="1" dirty="0">
-                <a:latin typeface="Meiryo UI" panose="020B0604030504040204" pitchFamily="50" charset="-128"/>
-                <a:ea typeface="Meiryo UI" panose="020B0604030504040204" pitchFamily="50" charset="-128"/>
-              </a:rPr>
-              <a:t>　</a:t>
-            </a:r>
-            <a:r>
-              <a:rPr kumimoji="1" lang="en-US" altLang="ja-JP" sz="1400" b="1" dirty="0">
-                <a:latin typeface="Meiryo UI" panose="020B0604030504040204" pitchFamily="50" charset="-128"/>
-                <a:ea typeface="Meiryo UI" panose="020B0604030504040204" pitchFamily="50" charset="-128"/>
-              </a:rPr>
-              <a:t>need.</a:t>
-            </a:r>
-            <a:endParaRPr kumimoji="1" lang="ja-JP" altLang="en-US" sz="1400" b="1" dirty="0">
-              <a:latin typeface="Meiryo UI" panose="020B0604030504040204" pitchFamily="50" charset="-128"/>
-              <a:ea typeface="Meiryo UI" panose="020B0604030504040204" pitchFamily="50" charset="-128"/>
-            </a:endParaRPr>
-          </a:p>
-        </p:txBody>
-      </p:sp>
-      <p:sp>
-        <p:nvSpPr>
-          <p:cNvPr id="21" name="テキスト ボックス 20">
-            <a:extLst>
-              <a:ext uri="{FF2B5EF4-FFF2-40B4-BE49-F238E27FC236}">
-                <a16:creationId xmlns:a16="http://schemas.microsoft.com/office/drawing/2014/main" id="{0750CFCC-C6E9-AD7E-C4CF-764533ACC717}"/>
-              </a:ext>
-            </a:extLst>
-          </p:cNvPr>
-          <p:cNvSpPr txBox="1"/>
-          <p:nvPr/>
-        </p:nvSpPr>
-        <p:spPr>
-          <a:xfrm>
-            <a:off x="4891456" y="1491443"/>
-            <a:ext cx="942887" cy="307777"/>
-          </a:xfrm>
-          <a:prstGeom prst="rect">
-            <a:avLst/>
-          </a:prstGeom>
-          <a:noFill/>
-        </p:spPr>
-        <p:txBody>
-          <a:bodyPr wrap="none" rtlCol="0">
-            <a:spAutoFit/>
-          </a:bodyPr>
-          <a:lstStyle/>
-          <a:p>
-            <a:r>
-              <a:rPr kumimoji="1" lang="ja-JP" altLang="en-US" sz="1400" b="1" dirty="0">
-                <a:latin typeface="Meiryo UI" panose="020B0604030504040204" pitchFamily="50" charset="-128"/>
-                <a:ea typeface="Meiryo UI" panose="020B0604030504040204" pitchFamily="50" charset="-128"/>
-              </a:rPr>
-              <a:t>トークン化</a:t>
-            </a:r>
-          </a:p>
-        </p:txBody>
-      </p:sp>
-      <p:sp>
-        <p:nvSpPr>
-          <p:cNvPr id="22" name="テキスト ボックス 21">
-            <a:extLst>
-              <a:ext uri="{FF2B5EF4-FFF2-40B4-BE49-F238E27FC236}">
-                <a16:creationId xmlns:a16="http://schemas.microsoft.com/office/drawing/2014/main" id="{ADAED043-606F-E135-D202-4273C50ABD3B}"/>
-              </a:ext>
-            </a:extLst>
-          </p:cNvPr>
-          <p:cNvSpPr txBox="1"/>
-          <p:nvPr/>
-        </p:nvSpPr>
-        <p:spPr>
-          <a:xfrm>
-            <a:off x="10421493" y="7194921"/>
-            <a:ext cx="1864613" cy="461665"/>
-          </a:xfrm>
-          <a:prstGeom prst="rect">
-            <a:avLst/>
-          </a:prstGeom>
-          <a:noFill/>
-        </p:spPr>
-        <p:txBody>
-          <a:bodyPr wrap="none" rtlCol="0">
-            <a:spAutoFit/>
-          </a:bodyPr>
-          <a:lstStyle/>
-          <a:p>
-            <a:r>
-              <a:rPr kumimoji="1" lang="en-US" altLang="ja-JP" sz="1200" dirty="0">
-                <a:latin typeface="Meiryo UI" panose="020B0604030504040204" pitchFamily="50" charset="-128"/>
-                <a:ea typeface="Meiryo UI" panose="020B0604030504040204" pitchFamily="50" charset="-128"/>
-              </a:rPr>
-              <a:t>GPT3.5</a:t>
-            </a:r>
-            <a:r>
-              <a:rPr kumimoji="1" lang="ja-JP" altLang="en-US" sz="1200" dirty="0">
-                <a:latin typeface="Meiryo UI" panose="020B0604030504040204" pitchFamily="50" charset="-128"/>
-                <a:ea typeface="Meiryo UI" panose="020B0604030504040204" pitchFamily="50" charset="-128"/>
-              </a:rPr>
-              <a:t>以降は</a:t>
-            </a:r>
-            <a:r>
-              <a:rPr kumimoji="1" lang="en-US" altLang="ja-JP" sz="1200" dirty="0">
-                <a:latin typeface="Meiryo UI" panose="020B0604030504040204" pitchFamily="50" charset="-128"/>
-                <a:ea typeface="Meiryo UI" panose="020B0604030504040204" pitchFamily="50" charset="-128"/>
-              </a:rPr>
-              <a:t>1536</a:t>
-            </a:r>
-            <a:r>
-              <a:rPr kumimoji="1" lang="ja-JP" altLang="en-US" sz="1200" dirty="0">
-                <a:latin typeface="Meiryo UI" panose="020B0604030504040204" pitchFamily="50" charset="-128"/>
-                <a:ea typeface="Meiryo UI" panose="020B0604030504040204" pitchFamily="50" charset="-128"/>
-              </a:rPr>
-              <a:t>次元</a:t>
-            </a:r>
-            <a:endParaRPr kumimoji="1" lang="en-US" altLang="ja-JP" sz="1200" dirty="0">
-              <a:latin typeface="Meiryo UI" panose="020B0604030504040204" pitchFamily="50" charset="-128"/>
-              <a:ea typeface="Meiryo UI" panose="020B0604030504040204" pitchFamily="50" charset="-128"/>
-            </a:endParaRPr>
-          </a:p>
-          <a:p>
-            <a:r>
-              <a:rPr lang="en-US" altLang="ja-JP" sz="1200" dirty="0">
-                <a:latin typeface="Meiryo UI" panose="020B0604030504040204" pitchFamily="50" charset="-128"/>
-                <a:ea typeface="Meiryo UI" panose="020B0604030504040204" pitchFamily="50" charset="-128"/>
-              </a:rPr>
-              <a:t>BERT</a:t>
-            </a:r>
-            <a:r>
-              <a:rPr lang="ja-JP" altLang="en-US" sz="1200" dirty="0">
-                <a:latin typeface="Meiryo UI" panose="020B0604030504040204" pitchFamily="50" charset="-128"/>
-                <a:ea typeface="Meiryo UI" panose="020B0604030504040204" pitchFamily="50" charset="-128"/>
-              </a:rPr>
-              <a:t>は</a:t>
-            </a:r>
-            <a:r>
-              <a:rPr lang="en-US" altLang="ja-JP" sz="1200" dirty="0">
-                <a:latin typeface="Meiryo UI" panose="020B0604030504040204" pitchFamily="50" charset="-128"/>
-                <a:ea typeface="Meiryo UI" panose="020B0604030504040204" pitchFamily="50" charset="-128"/>
-              </a:rPr>
-              <a:t>768</a:t>
-            </a:r>
-            <a:r>
-              <a:rPr lang="ja-JP" altLang="en-US" sz="1200" dirty="0">
-                <a:latin typeface="Meiryo UI" panose="020B0604030504040204" pitchFamily="50" charset="-128"/>
-                <a:ea typeface="Meiryo UI" panose="020B0604030504040204" pitchFamily="50" charset="-128"/>
-              </a:rPr>
-              <a:t>次元</a:t>
-            </a:r>
-            <a:endParaRPr kumimoji="1" lang="ja-JP" altLang="en-US" sz="1200" dirty="0">
-              <a:latin typeface="Meiryo UI" panose="020B0604030504040204" pitchFamily="50" charset="-128"/>
-              <a:ea typeface="Meiryo UI" panose="020B0604030504040204" pitchFamily="50" charset="-128"/>
-            </a:endParaRPr>
-          </a:p>
-        </p:txBody>
-      </p:sp>
-      <p:cxnSp>
-        <p:nvCxnSpPr>
-          <p:cNvPr id="26" name="直線矢印コネクタ 25">
-            <a:extLst>
-              <a:ext uri="{FF2B5EF4-FFF2-40B4-BE49-F238E27FC236}">
-                <a16:creationId xmlns:a16="http://schemas.microsoft.com/office/drawing/2014/main" id="{E9610A83-7832-6A4D-4F4E-731A2EEA687E}"/>
-              </a:ext>
-            </a:extLst>
-          </p:cNvPr>
-          <p:cNvCxnSpPr>
-            <a:cxnSpLocks/>
-            <a:stCxn id="18" idx="3"/>
-            <a:endCxn id="4" idx="1"/>
-          </p:cNvCxnSpPr>
-          <p:nvPr/>
-        </p:nvCxnSpPr>
-        <p:spPr>
-          <a:xfrm>
-            <a:off x="4601927" y="1772157"/>
-            <a:ext cx="1601647" cy="0"/>
-          </a:xfrm>
-          <a:prstGeom prst="straightConnector1">
-            <a:avLst/>
-          </a:prstGeom>
-          <a:ln>
-            <a:tailEnd type="triangle"/>
-          </a:ln>
-        </p:spPr>
-        <p:style>
-          <a:lnRef idx="2">
-            <a:schemeClr val="accent1"/>
-          </a:lnRef>
-          <a:fillRef idx="0">
-            <a:schemeClr val="accent1"/>
-          </a:fillRef>
-          <a:effectRef idx="1">
-            <a:schemeClr val="accent1"/>
-          </a:effectRef>
-          <a:fontRef idx="minor">
-            <a:schemeClr val="tx1"/>
-          </a:fontRef>
-        </p:style>
-      </p:cxnSp>
-      <p:cxnSp>
-        <p:nvCxnSpPr>
-          <p:cNvPr id="29" name="コネクタ: カギ線 28">
-            <a:extLst>
-              <a:ext uri="{FF2B5EF4-FFF2-40B4-BE49-F238E27FC236}">
-                <a16:creationId xmlns:a16="http://schemas.microsoft.com/office/drawing/2014/main" id="{BFC2FC0D-947D-61AF-3F01-8DB92ED719C1}"/>
-              </a:ext>
-            </a:extLst>
-          </p:cNvPr>
-          <p:cNvCxnSpPr>
-            <a:stCxn id="4" idx="3"/>
-            <a:endCxn id="14" idx="1"/>
-          </p:cNvCxnSpPr>
-          <p:nvPr/>
-        </p:nvCxnSpPr>
-        <p:spPr>
-          <a:xfrm flipH="1">
-            <a:off x="3369511" y="1772157"/>
-            <a:ext cx="7594084" cy="510527"/>
-          </a:xfrm>
-          <a:prstGeom prst="bentConnector5">
-            <a:avLst>
-              <a:gd name="adj1" fmla="val -3010"/>
-              <a:gd name="adj2" fmla="val 50000"/>
-              <a:gd name="adj3" fmla="val 103010"/>
-            </a:avLst>
-          </a:prstGeom>
-          <a:ln>
-            <a:tailEnd type="triangle"/>
-          </a:ln>
-        </p:spPr>
-        <p:style>
-          <a:lnRef idx="2">
-            <a:schemeClr val="accent1"/>
-          </a:lnRef>
-          <a:fillRef idx="0">
-            <a:schemeClr val="accent1"/>
-          </a:fillRef>
-          <a:effectRef idx="1">
-            <a:schemeClr val="accent1"/>
-          </a:effectRef>
-          <a:fontRef idx="minor">
-            <a:schemeClr val="tx1"/>
-          </a:fontRef>
-        </p:style>
-      </p:cxnSp>
-      <p:pic>
-        <p:nvPicPr>
-          <p:cNvPr id="37" name="グラフィックス 36" descr="人工知能 単色塗りつぶし">
-            <a:extLst>
-              <a:ext uri="{FF2B5EF4-FFF2-40B4-BE49-F238E27FC236}">
-                <a16:creationId xmlns:a16="http://schemas.microsoft.com/office/drawing/2014/main" id="{687C9779-CA37-24EC-E2E4-6A79CDA77C98}"/>
-              </a:ext>
-            </a:extLst>
-          </p:cNvPr>
-          <p:cNvPicPr>
-            <a:picLocks noChangeAspect="1"/>
-          </p:cNvPicPr>
-          <p:nvPr/>
-        </p:nvPicPr>
-        <p:blipFill>
-          <a:blip r:embed="rId2">
-            <a:extLst>
-              <a:ext uri="{96DAC541-7B7A-43D3-8B79-37D633B846F1}">
-                <asvg:svgBlip xmlns:asvg="http://schemas.microsoft.com/office/drawing/2016/SVG/main" r:embed="rId3"/>
-              </a:ext>
-            </a:extLst>
-          </a:blip>
-          <a:stretch>
-            <a:fillRect/>
-          </a:stretch>
-        </p:blipFill>
-        <p:spPr>
-          <a:xfrm>
-            <a:off x="868792" y="3693987"/>
-            <a:ext cx="914400" cy="914400"/>
-          </a:xfrm>
-          <a:prstGeom prst="rect">
-            <a:avLst/>
-          </a:prstGeom>
-        </p:spPr>
-      </p:pic>
-      <p:cxnSp>
-        <p:nvCxnSpPr>
-          <p:cNvPr id="38" name="コネクタ: カギ線 37">
-            <a:extLst>
-              <a:ext uri="{FF2B5EF4-FFF2-40B4-BE49-F238E27FC236}">
-                <a16:creationId xmlns:a16="http://schemas.microsoft.com/office/drawing/2014/main" id="{7688D9DD-1A39-DDBE-63B3-F5459DC90BAF}"/>
-              </a:ext>
-            </a:extLst>
-          </p:cNvPr>
-          <p:cNvCxnSpPr>
-            <a:cxnSpLocks/>
-            <a:stCxn id="16" idx="3"/>
-            <a:endCxn id="47" idx="1"/>
-          </p:cNvCxnSpPr>
-          <p:nvPr/>
-        </p:nvCxnSpPr>
-        <p:spPr>
-          <a:xfrm flipH="1">
-            <a:off x="3328381" y="3287490"/>
-            <a:ext cx="6086763" cy="910503"/>
-          </a:xfrm>
-          <a:prstGeom prst="bentConnector5">
-            <a:avLst>
-              <a:gd name="adj1" fmla="val -3756"/>
-              <a:gd name="adj2" fmla="val 61831"/>
-              <a:gd name="adj3" fmla="val 103756"/>
-            </a:avLst>
-          </a:prstGeom>
-          <a:ln>
-            <a:tailEnd type="triangle"/>
-          </a:ln>
-        </p:spPr>
-        <p:style>
-          <a:lnRef idx="2">
-            <a:schemeClr val="accent1"/>
-          </a:lnRef>
-          <a:fillRef idx="0">
-            <a:schemeClr val="accent1"/>
-          </a:fillRef>
-          <a:effectRef idx="1">
-            <a:schemeClr val="accent1"/>
-          </a:effectRef>
-          <a:fontRef idx="minor">
-            <a:schemeClr val="tx1"/>
-          </a:fontRef>
-        </p:style>
-      </p:cxnSp>
-      <p:sp>
-        <p:nvSpPr>
-          <p:cNvPr id="42" name="テキスト ボックス 41">
-            <a:extLst>
-              <a:ext uri="{FF2B5EF4-FFF2-40B4-BE49-F238E27FC236}">
-                <a16:creationId xmlns:a16="http://schemas.microsoft.com/office/drawing/2014/main" id="{3B2BE5F5-FBFA-525A-47D8-AFA0EC378173}"/>
-              </a:ext>
-            </a:extLst>
-          </p:cNvPr>
-          <p:cNvSpPr txBox="1"/>
-          <p:nvPr/>
-        </p:nvSpPr>
-        <p:spPr>
-          <a:xfrm>
-            <a:off x="4030338" y="4595226"/>
-            <a:ext cx="5384807" cy="738664"/>
-          </a:xfrm>
-          <a:prstGeom prst="rect">
-            <a:avLst/>
-          </a:prstGeom>
-          <a:noFill/>
-        </p:spPr>
-        <p:txBody>
-          <a:bodyPr wrap="none" rtlCol="0">
-            <a:spAutoFit/>
-          </a:bodyPr>
-          <a:lstStyle/>
-          <a:p>
-            <a:r>
-              <a:rPr lang="en-US" altLang="ja-JP" sz="1400" b="1" i="0" dirty="0">
-                <a:effectLst/>
-                <a:latin typeface="Meiryo UI" panose="020B0604030504040204" pitchFamily="50" charset="-128"/>
-                <a:ea typeface="Meiryo UI" panose="020B0604030504040204" pitchFamily="50" charset="-128"/>
-              </a:rPr>
-              <a:t>[</a:t>
-            </a:r>
-            <a:r>
-              <a:rPr lang="en-US" altLang="ja-JP" sz="1400" b="1" i="0" dirty="0">
-                <a:solidFill>
-                  <a:schemeClr val="bg1">
-                    <a:lumMod val="65000"/>
-                  </a:schemeClr>
-                </a:solidFill>
-                <a:effectLst/>
-                <a:latin typeface="Meiryo UI" panose="020B0604030504040204" pitchFamily="50" charset="-128"/>
-                <a:ea typeface="Meiryo UI" panose="020B0604030504040204" pitchFamily="50" charset="-128"/>
-              </a:rPr>
-              <a:t>[2,23,86,</a:t>
-            </a:r>
-            <a:r>
-              <a:rPr lang="ja-JP" altLang="en-US" sz="1400" b="1" i="0" dirty="0">
-                <a:solidFill>
-                  <a:schemeClr val="bg1">
-                    <a:lumMod val="65000"/>
-                  </a:schemeClr>
-                </a:solidFill>
-                <a:effectLst/>
-                <a:latin typeface="Meiryo UI" panose="020B0604030504040204" pitchFamily="50" charset="-128"/>
-                <a:ea typeface="Meiryo UI" panose="020B0604030504040204" pitchFamily="50" charset="-128"/>
-              </a:rPr>
-              <a:t>・・・</a:t>
-            </a:r>
-            <a:r>
-              <a:rPr lang="en-US" altLang="ja-JP" sz="1400" b="1" i="0" dirty="0">
-                <a:solidFill>
-                  <a:schemeClr val="bg1">
-                    <a:lumMod val="65000"/>
-                  </a:schemeClr>
-                </a:solidFill>
-                <a:effectLst/>
-                <a:latin typeface="Meiryo UI" panose="020B0604030504040204" pitchFamily="50" charset="-128"/>
-                <a:ea typeface="Meiryo UI" panose="020B0604030504040204" pitchFamily="50" charset="-128"/>
-              </a:rPr>
-              <a:t>]</a:t>
-            </a:r>
-            <a:r>
-              <a:rPr lang="en-US" altLang="ja-JP" sz="1400" b="1" i="0" dirty="0">
-                <a:effectLst/>
-                <a:latin typeface="Meiryo UI" panose="020B0604030504040204" pitchFamily="50" charset="-128"/>
-                <a:ea typeface="Meiryo UI" panose="020B0604030504040204" pitchFamily="50" charset="-128"/>
-              </a:rPr>
-              <a:t>, </a:t>
-            </a:r>
-          </a:p>
-          <a:p>
-            <a:r>
-              <a:rPr lang="ja-JP" altLang="en-US" sz="1400" b="1" dirty="0">
-                <a:solidFill>
-                  <a:schemeClr val="tx1">
-                    <a:lumMod val="50000"/>
-                    <a:lumOff val="50000"/>
-                  </a:schemeClr>
-                </a:solidFill>
-                <a:latin typeface="Meiryo UI" panose="020B0604030504040204" pitchFamily="50" charset="-128"/>
-                <a:ea typeface="Meiryo UI" panose="020B0604030504040204" pitchFamily="50" charset="-128"/>
-              </a:rPr>
-              <a:t>　　　　　</a:t>
-            </a:r>
-            <a:r>
-              <a:rPr lang="en-US" altLang="ja-JP" sz="1400" b="1" i="0" dirty="0">
-                <a:solidFill>
-                  <a:schemeClr val="tx1">
-                    <a:lumMod val="50000"/>
-                    <a:lumOff val="50000"/>
-                  </a:schemeClr>
-                </a:solidFill>
-                <a:effectLst/>
-                <a:latin typeface="Meiryo UI" panose="020B0604030504040204" pitchFamily="50" charset="-128"/>
-                <a:ea typeface="Meiryo UI" panose="020B0604030504040204" pitchFamily="50" charset="-128"/>
-              </a:rPr>
-              <a:t>[5,9,10,27,</a:t>
-            </a:r>
-            <a:r>
-              <a:rPr lang="ja-JP" altLang="en-US" sz="1400" b="1" i="0" dirty="0">
-                <a:solidFill>
-                  <a:schemeClr val="tx1">
-                    <a:lumMod val="50000"/>
-                    <a:lumOff val="50000"/>
-                  </a:schemeClr>
-                </a:solidFill>
-                <a:effectLst/>
-                <a:latin typeface="Meiryo UI" panose="020B0604030504040204" pitchFamily="50" charset="-128"/>
-                <a:ea typeface="Meiryo UI" panose="020B0604030504040204" pitchFamily="50" charset="-128"/>
-              </a:rPr>
-              <a:t>・・・</a:t>
-            </a:r>
-            <a:r>
-              <a:rPr lang="en-US" altLang="ja-JP" sz="1400" b="1" i="0" dirty="0">
-                <a:solidFill>
-                  <a:schemeClr val="tx1">
-                    <a:lumMod val="50000"/>
-                    <a:lumOff val="50000"/>
-                  </a:schemeClr>
-                </a:solidFill>
-                <a:effectLst/>
-                <a:latin typeface="Meiryo UI" panose="020B0604030504040204" pitchFamily="50" charset="-128"/>
-                <a:ea typeface="Meiryo UI" panose="020B0604030504040204" pitchFamily="50" charset="-128"/>
-              </a:rPr>
-              <a:t>]</a:t>
-            </a:r>
-            <a:r>
-              <a:rPr lang="en-US" altLang="ja-JP" sz="1400" b="1" i="0" dirty="0">
-                <a:effectLst/>
-                <a:latin typeface="Meiryo UI" panose="020B0604030504040204" pitchFamily="50" charset="-128"/>
-                <a:ea typeface="Meiryo UI" panose="020B0604030504040204" pitchFamily="50" charset="-128"/>
-              </a:rPr>
-              <a:t>, </a:t>
-            </a:r>
-          </a:p>
-          <a:p>
-            <a:r>
-              <a:rPr lang="ja-JP" altLang="en-US" sz="1400" b="1" dirty="0">
-                <a:solidFill>
-                  <a:schemeClr val="tx2">
-                    <a:lumMod val="40000"/>
-                    <a:lumOff val="60000"/>
-                  </a:schemeClr>
-                </a:solidFill>
-                <a:latin typeface="Meiryo UI" panose="020B0604030504040204" pitchFamily="50" charset="-128"/>
-                <a:ea typeface="Meiryo UI" panose="020B0604030504040204" pitchFamily="50" charset="-128"/>
-              </a:rPr>
-              <a:t>　　　　　　　　　</a:t>
-            </a:r>
-            <a:r>
-              <a:rPr lang="en-US" altLang="ja-JP" sz="1400" b="1" i="0" dirty="0">
-                <a:solidFill>
-                  <a:schemeClr val="tx2">
-                    <a:lumMod val="40000"/>
-                    <a:lumOff val="60000"/>
-                  </a:schemeClr>
-                </a:solidFill>
-                <a:effectLst/>
-                <a:latin typeface="Meiryo UI" panose="020B0604030504040204" pitchFamily="50" charset="-128"/>
-                <a:ea typeface="Meiryo UI" panose="020B0604030504040204" pitchFamily="50" charset="-128"/>
-              </a:rPr>
-              <a:t>[9,</a:t>
-            </a:r>
-            <a:r>
-              <a:rPr lang="ja-JP" altLang="en-US" sz="1400" b="1" i="0" dirty="0">
-                <a:solidFill>
-                  <a:schemeClr val="tx2">
-                    <a:lumMod val="40000"/>
-                    <a:lumOff val="60000"/>
-                  </a:schemeClr>
-                </a:solidFill>
-                <a:effectLst/>
-                <a:latin typeface="Meiryo UI" panose="020B0604030504040204" pitchFamily="50" charset="-128"/>
-                <a:ea typeface="Meiryo UI" panose="020B0604030504040204" pitchFamily="50" charset="-128"/>
-              </a:rPr>
-              <a:t>・・・</a:t>
-            </a:r>
-            <a:r>
-              <a:rPr lang="en-US" altLang="ja-JP" sz="1400" b="1" i="0" dirty="0">
-                <a:solidFill>
-                  <a:schemeClr val="tx2">
-                    <a:lumMod val="40000"/>
-                    <a:lumOff val="60000"/>
-                  </a:schemeClr>
-                </a:solidFill>
-                <a:effectLst/>
-                <a:latin typeface="Meiryo UI" panose="020B0604030504040204" pitchFamily="50" charset="-128"/>
-                <a:ea typeface="Meiryo UI" panose="020B0604030504040204" pitchFamily="50" charset="-128"/>
-              </a:rPr>
-              <a:t>]</a:t>
-            </a:r>
-            <a:r>
-              <a:rPr lang="en-US" altLang="ja-JP" sz="1400" b="1" i="0" dirty="0">
-                <a:effectLst/>
-                <a:latin typeface="Meiryo UI" panose="020B0604030504040204" pitchFamily="50" charset="-128"/>
-                <a:ea typeface="Meiryo UI" panose="020B0604030504040204" pitchFamily="50" charset="-128"/>
-              </a:rPr>
-              <a:t>, </a:t>
-            </a:r>
-            <a:r>
-              <a:rPr lang="en-US" altLang="ja-JP" sz="1400" b="1" i="0" dirty="0">
-                <a:solidFill>
-                  <a:schemeClr val="accent2">
-                    <a:lumMod val="40000"/>
-                    <a:lumOff val="60000"/>
-                  </a:schemeClr>
-                </a:solidFill>
-                <a:effectLst/>
-                <a:latin typeface="Meiryo UI" panose="020B0604030504040204" pitchFamily="50" charset="-128"/>
-                <a:ea typeface="Meiryo UI" panose="020B0604030504040204" pitchFamily="50" charset="-128"/>
-              </a:rPr>
-              <a:t>[44</a:t>
-            </a:r>
-            <a:r>
-              <a:rPr lang="ja-JP" altLang="en-US" sz="1400" b="1" i="0" dirty="0">
-                <a:solidFill>
-                  <a:schemeClr val="accent2">
-                    <a:lumMod val="40000"/>
-                    <a:lumOff val="60000"/>
-                  </a:schemeClr>
-                </a:solidFill>
-                <a:effectLst/>
-                <a:latin typeface="Meiryo UI" panose="020B0604030504040204" pitchFamily="50" charset="-128"/>
-                <a:ea typeface="Meiryo UI" panose="020B0604030504040204" pitchFamily="50" charset="-128"/>
-              </a:rPr>
-              <a:t>・・・</a:t>
-            </a:r>
-            <a:r>
-              <a:rPr lang="en-US" altLang="ja-JP" sz="1400" b="1" i="0" dirty="0">
-                <a:solidFill>
-                  <a:schemeClr val="accent2">
-                    <a:lumMod val="40000"/>
-                    <a:lumOff val="60000"/>
-                  </a:schemeClr>
-                </a:solidFill>
-                <a:effectLst/>
-                <a:latin typeface="Meiryo UI" panose="020B0604030504040204" pitchFamily="50" charset="-128"/>
-                <a:ea typeface="Meiryo UI" panose="020B0604030504040204" pitchFamily="50" charset="-128"/>
-              </a:rPr>
-              <a:t>]</a:t>
-            </a:r>
-            <a:r>
-              <a:rPr lang="en-US" altLang="ja-JP" sz="1400" b="1" i="0" dirty="0">
-                <a:effectLst/>
-                <a:latin typeface="Meiryo UI" panose="020B0604030504040204" pitchFamily="50" charset="-128"/>
-                <a:ea typeface="Meiryo UI" panose="020B0604030504040204" pitchFamily="50" charset="-128"/>
-              </a:rPr>
-              <a:t>, </a:t>
-            </a:r>
-            <a:r>
-              <a:rPr lang="en-US" altLang="ja-JP" sz="1400" b="1" i="0" dirty="0">
-                <a:solidFill>
-                  <a:schemeClr val="accent3">
-                    <a:lumMod val="40000"/>
-                    <a:lumOff val="60000"/>
-                  </a:schemeClr>
-                </a:solidFill>
-                <a:effectLst/>
-                <a:latin typeface="Meiryo UI" panose="020B0604030504040204" pitchFamily="50" charset="-128"/>
-                <a:ea typeface="Meiryo UI" panose="020B0604030504040204" pitchFamily="50" charset="-128"/>
-              </a:rPr>
-              <a:t>[52</a:t>
-            </a:r>
-            <a:r>
-              <a:rPr lang="ja-JP" altLang="en-US" sz="1400" b="1" i="0" dirty="0">
-                <a:solidFill>
-                  <a:schemeClr val="accent3">
-                    <a:lumMod val="40000"/>
-                    <a:lumOff val="60000"/>
-                  </a:schemeClr>
-                </a:solidFill>
-                <a:effectLst/>
-                <a:latin typeface="Meiryo UI" panose="020B0604030504040204" pitchFamily="50" charset="-128"/>
-                <a:ea typeface="Meiryo UI" panose="020B0604030504040204" pitchFamily="50" charset="-128"/>
-              </a:rPr>
-              <a:t>・・・</a:t>
-            </a:r>
-            <a:r>
-              <a:rPr lang="en-US" altLang="ja-JP" sz="1400" b="1" i="0" dirty="0">
-                <a:solidFill>
-                  <a:schemeClr val="accent3">
-                    <a:lumMod val="40000"/>
-                    <a:lumOff val="60000"/>
-                  </a:schemeClr>
-                </a:solidFill>
-                <a:effectLst/>
-                <a:latin typeface="Meiryo UI" panose="020B0604030504040204" pitchFamily="50" charset="-128"/>
-                <a:ea typeface="Meiryo UI" panose="020B0604030504040204" pitchFamily="50" charset="-128"/>
-              </a:rPr>
-              <a:t>]</a:t>
-            </a:r>
-            <a:r>
-              <a:rPr lang="en-US" altLang="ja-JP" sz="1400" b="1" i="0" dirty="0">
-                <a:effectLst/>
-                <a:latin typeface="Meiryo UI" panose="020B0604030504040204" pitchFamily="50" charset="-128"/>
-                <a:ea typeface="Meiryo UI" panose="020B0604030504040204" pitchFamily="50" charset="-128"/>
-              </a:rPr>
-              <a:t>, </a:t>
-            </a:r>
-            <a:r>
-              <a:rPr lang="en-US" altLang="ja-JP" sz="1400" b="1" i="0" dirty="0">
-                <a:solidFill>
-                  <a:schemeClr val="accent5">
-                    <a:lumMod val="40000"/>
-                    <a:lumOff val="60000"/>
-                  </a:schemeClr>
-                </a:solidFill>
-                <a:effectLst/>
-                <a:latin typeface="Meiryo UI" panose="020B0604030504040204" pitchFamily="50" charset="-128"/>
-                <a:ea typeface="Meiryo UI" panose="020B0604030504040204" pitchFamily="50" charset="-128"/>
-              </a:rPr>
-              <a:t>[266</a:t>
-            </a:r>
-            <a:r>
-              <a:rPr lang="ja-JP" altLang="en-US" sz="1400" b="1" i="0" dirty="0">
-                <a:solidFill>
-                  <a:schemeClr val="accent5">
-                    <a:lumMod val="40000"/>
-                    <a:lumOff val="60000"/>
-                  </a:schemeClr>
-                </a:solidFill>
-                <a:effectLst/>
-                <a:latin typeface="Meiryo UI" panose="020B0604030504040204" pitchFamily="50" charset="-128"/>
-                <a:ea typeface="Meiryo UI" panose="020B0604030504040204" pitchFamily="50" charset="-128"/>
-              </a:rPr>
-              <a:t>・・・</a:t>
-            </a:r>
-            <a:r>
-              <a:rPr lang="en-US" altLang="ja-JP" sz="1400" b="1" i="0" dirty="0">
-                <a:solidFill>
-                  <a:schemeClr val="accent5">
-                    <a:lumMod val="40000"/>
-                    <a:lumOff val="60000"/>
-                  </a:schemeClr>
-                </a:solidFill>
-                <a:effectLst/>
-                <a:latin typeface="Meiryo UI" panose="020B0604030504040204" pitchFamily="50" charset="-128"/>
-                <a:ea typeface="Meiryo UI" panose="020B0604030504040204" pitchFamily="50" charset="-128"/>
-              </a:rPr>
-              <a:t>]</a:t>
-            </a:r>
-            <a:r>
-              <a:rPr lang="en-US" altLang="ja-JP" sz="1400" b="1" i="0" dirty="0">
-                <a:effectLst/>
-                <a:latin typeface="Meiryo UI" panose="020B0604030504040204" pitchFamily="50" charset="-128"/>
-                <a:ea typeface="Meiryo UI" panose="020B0604030504040204" pitchFamily="50" charset="-128"/>
-              </a:rPr>
-              <a:t>, </a:t>
-            </a:r>
-            <a:r>
-              <a:rPr lang="en-US" altLang="ja-JP" sz="1400" b="1" i="0" dirty="0">
-                <a:solidFill>
-                  <a:schemeClr val="bg1">
-                    <a:lumMod val="65000"/>
-                  </a:schemeClr>
-                </a:solidFill>
-                <a:effectLst/>
-                <a:latin typeface="Meiryo UI" panose="020B0604030504040204" pitchFamily="50" charset="-128"/>
-                <a:ea typeface="Meiryo UI" panose="020B0604030504040204" pitchFamily="50" charset="-128"/>
-              </a:rPr>
-              <a:t>[90</a:t>
-            </a:r>
-            <a:r>
-              <a:rPr lang="ja-JP" altLang="en-US" sz="1400" b="1" i="0" dirty="0">
-                <a:solidFill>
-                  <a:schemeClr val="bg1">
-                    <a:lumMod val="65000"/>
-                  </a:schemeClr>
-                </a:solidFill>
-                <a:effectLst/>
-                <a:latin typeface="Meiryo UI" panose="020B0604030504040204" pitchFamily="50" charset="-128"/>
-                <a:ea typeface="Meiryo UI" panose="020B0604030504040204" pitchFamily="50" charset="-128"/>
-              </a:rPr>
-              <a:t>・・・</a:t>
-            </a:r>
-            <a:r>
-              <a:rPr lang="en-US" altLang="ja-JP" sz="1400" b="1" i="0" dirty="0">
-                <a:solidFill>
-                  <a:schemeClr val="bg1">
-                    <a:lumMod val="65000"/>
-                  </a:schemeClr>
-                </a:solidFill>
-                <a:effectLst/>
-                <a:latin typeface="Meiryo UI" panose="020B0604030504040204" pitchFamily="50" charset="-128"/>
-                <a:ea typeface="Meiryo UI" panose="020B0604030504040204" pitchFamily="50" charset="-128"/>
-              </a:rPr>
-              <a:t>]</a:t>
-            </a:r>
-            <a:r>
-              <a:rPr lang="en-US" altLang="ja-JP" sz="1400" b="1" i="0" dirty="0">
-                <a:effectLst/>
-                <a:latin typeface="Meiryo UI" panose="020B0604030504040204" pitchFamily="50" charset="-128"/>
-                <a:ea typeface="Meiryo UI" panose="020B0604030504040204" pitchFamily="50" charset="-128"/>
-              </a:rPr>
-              <a:t>]</a:t>
-            </a:r>
-            <a:endParaRPr kumimoji="1" lang="ja-JP" altLang="en-US" sz="1400" b="1" dirty="0">
-              <a:latin typeface="Meiryo UI" panose="020B0604030504040204" pitchFamily="50" charset="-128"/>
-              <a:ea typeface="Meiryo UI" panose="020B0604030504040204" pitchFamily="50" charset="-128"/>
-            </a:endParaRPr>
-          </a:p>
-        </p:txBody>
-      </p:sp>
-      <p:sp>
-        <p:nvSpPr>
-          <p:cNvPr id="47" name="テキスト ボックス 46">
-            <a:extLst>
-              <a:ext uri="{FF2B5EF4-FFF2-40B4-BE49-F238E27FC236}">
-                <a16:creationId xmlns:a16="http://schemas.microsoft.com/office/drawing/2014/main" id="{AA3F14F7-07A9-07BD-F673-60D58439F3C9}"/>
-              </a:ext>
-            </a:extLst>
-          </p:cNvPr>
-          <p:cNvSpPr txBox="1"/>
-          <p:nvPr/>
-        </p:nvSpPr>
-        <p:spPr>
-          <a:xfrm>
-            <a:off x="3328381" y="4044104"/>
-            <a:ext cx="1895584" cy="307777"/>
-          </a:xfrm>
-          <a:prstGeom prst="rect">
-            <a:avLst/>
-          </a:prstGeom>
-          <a:solidFill>
-            <a:schemeClr val="accent5">
-              <a:lumMod val="40000"/>
-              <a:lumOff val="60000"/>
-            </a:schemeClr>
-          </a:solidFill>
           <a:ln>
             <a:solidFill>
-              <a:schemeClr val="tx1"/>
+              <a:schemeClr val="accent2">
+                <a:lumMod val="75000"/>
+              </a:schemeClr>
             </a:solidFill>
           </a:ln>
-        </p:spPr>
-        <p:txBody>
-          <a:bodyPr wrap="none" rtlCol="0">
-            <a:spAutoFit/>
-          </a:bodyPr>
-          <a:lstStyle/>
-          <a:p>
-            <a:r>
-              <a:rPr kumimoji="1" lang="en-US" altLang="ja-JP" sz="1400" b="1" dirty="0">
-                <a:latin typeface="Meiryo UI" panose="020B0604030504040204" pitchFamily="50" charset="-128"/>
-                <a:ea typeface="Meiryo UI" panose="020B0604030504040204" pitchFamily="50" charset="-128"/>
-              </a:rPr>
-              <a:t>GPT</a:t>
-            </a:r>
-            <a:r>
-              <a:rPr kumimoji="1" lang="ja-JP" altLang="en-US" sz="1400" b="1" dirty="0">
-                <a:latin typeface="Meiryo UI" panose="020B0604030504040204" pitchFamily="50" charset="-128"/>
-                <a:ea typeface="Meiryo UI" panose="020B0604030504040204" pitchFamily="50" charset="-128"/>
-              </a:rPr>
-              <a:t>モデル</a:t>
-            </a:r>
-            <a:r>
-              <a:rPr kumimoji="1" lang="en-US" altLang="ja-JP" sz="1400" b="1" dirty="0">
-                <a:latin typeface="Meiryo UI" panose="020B0604030504040204" pitchFamily="50" charset="-128"/>
-                <a:ea typeface="Meiryo UI" panose="020B0604030504040204" pitchFamily="50" charset="-128"/>
-              </a:rPr>
-              <a:t>/BERT</a:t>
-            </a:r>
-            <a:r>
-              <a:rPr kumimoji="1" lang="ja-JP" altLang="en-US" sz="1400" b="1" dirty="0">
-                <a:latin typeface="Meiryo UI" panose="020B0604030504040204" pitchFamily="50" charset="-128"/>
-                <a:ea typeface="Meiryo UI" panose="020B0604030504040204" pitchFamily="50" charset="-128"/>
-              </a:rPr>
-              <a:t>など</a:t>
-            </a:r>
-          </a:p>
-        </p:txBody>
-      </p:sp>
-      <p:cxnSp>
-        <p:nvCxnSpPr>
-          <p:cNvPr id="51" name="コネクタ: カギ線 50">
-            <a:extLst>
-              <a:ext uri="{FF2B5EF4-FFF2-40B4-BE49-F238E27FC236}">
-                <a16:creationId xmlns:a16="http://schemas.microsoft.com/office/drawing/2014/main" id="{AA4A1878-F838-DFD2-5296-C5F030C94F75}"/>
-              </a:ext>
-            </a:extLst>
-          </p:cNvPr>
-          <p:cNvCxnSpPr>
-            <a:cxnSpLocks/>
-            <a:stCxn id="47" idx="3"/>
-            <a:endCxn id="42" idx="1"/>
-          </p:cNvCxnSpPr>
-          <p:nvPr/>
-        </p:nvCxnSpPr>
-        <p:spPr>
-          <a:xfrm flipH="1">
-            <a:off x="4030338" y="4197993"/>
-            <a:ext cx="1193627" cy="766565"/>
-          </a:xfrm>
-          <a:prstGeom prst="bentConnector5">
-            <a:avLst>
-              <a:gd name="adj1" fmla="val -19152"/>
-              <a:gd name="adj2" fmla="val 35947"/>
-              <a:gd name="adj3" fmla="val 119152"/>
-            </a:avLst>
-          </a:prstGeom>
-          <a:ln>
-            <a:tailEnd type="triangle"/>
-          </a:ln>
-        </p:spPr>
-        <p:style>
-          <a:lnRef idx="2">
-            <a:schemeClr val="accent1"/>
-          </a:lnRef>
-          <a:fillRef idx="0">
-            <a:schemeClr val="accent1"/>
-          </a:fillRef>
-          <a:effectRef idx="1">
-            <a:schemeClr val="accent1"/>
-          </a:effectRef>
-          <a:fontRef idx="minor">
-            <a:schemeClr val="tx1"/>
-          </a:fontRef>
-        </p:style>
-      </p:cxnSp>
-      <p:sp>
-        <p:nvSpPr>
-          <p:cNvPr id="54" name="テキスト ボックス 53">
-            <a:extLst>
-              <a:ext uri="{FF2B5EF4-FFF2-40B4-BE49-F238E27FC236}">
-                <a16:creationId xmlns:a16="http://schemas.microsoft.com/office/drawing/2014/main" id="{C367315D-A920-0488-EA53-34773FD64711}"/>
-              </a:ext>
-            </a:extLst>
-          </p:cNvPr>
-          <p:cNvSpPr txBox="1"/>
-          <p:nvPr/>
-        </p:nvSpPr>
-        <p:spPr>
-          <a:xfrm>
-            <a:off x="3187186" y="5855654"/>
-            <a:ext cx="4259499" cy="307777"/>
-          </a:xfrm>
-          <a:prstGeom prst="rect">
-            <a:avLst/>
-          </a:prstGeom>
-          <a:noFill/>
-        </p:spPr>
-        <p:txBody>
-          <a:bodyPr wrap="none" rtlCol="0">
-            <a:spAutoFit/>
-          </a:bodyPr>
-          <a:lstStyle/>
-          <a:p>
-            <a:r>
-              <a:rPr lang="en-US" altLang="ja-JP" sz="1400" b="1" i="0" dirty="0">
-                <a:effectLst/>
-                <a:latin typeface="Meiryo UI" panose="020B0604030504040204" pitchFamily="50" charset="-128"/>
-                <a:ea typeface="Meiryo UI" panose="020B0604030504040204" pitchFamily="50" charset="-128"/>
-              </a:rPr>
-              <a:t>[</a:t>
-            </a:r>
-            <a:r>
-              <a:rPr lang="en-US" altLang="ja-JP" sz="1400" b="1" i="0" dirty="0">
-                <a:solidFill>
-                  <a:schemeClr val="bg1">
-                    <a:lumMod val="65000"/>
-                  </a:schemeClr>
-                </a:solidFill>
-                <a:effectLst/>
-                <a:latin typeface="Meiryo UI" panose="020B0604030504040204" pitchFamily="50" charset="-128"/>
-                <a:ea typeface="Meiryo UI" panose="020B0604030504040204" pitchFamily="50" charset="-128"/>
-              </a:rPr>
-              <a:t>101</a:t>
-            </a:r>
-            <a:r>
-              <a:rPr lang="en-US" altLang="ja-JP" sz="1400" b="1" i="0" dirty="0">
-                <a:effectLst/>
-                <a:latin typeface="Meiryo UI" panose="020B0604030504040204" pitchFamily="50" charset="-128"/>
-                <a:ea typeface="Meiryo UI" panose="020B0604030504040204" pitchFamily="50" charset="-128"/>
-              </a:rPr>
-              <a:t>, </a:t>
-            </a:r>
-            <a:r>
-              <a:rPr lang="en-US" altLang="ja-JP" sz="1400" b="1" i="0" dirty="0">
-                <a:solidFill>
-                  <a:schemeClr val="tx1">
-                    <a:lumMod val="50000"/>
-                    <a:lumOff val="50000"/>
-                  </a:schemeClr>
-                </a:solidFill>
-                <a:effectLst/>
-                <a:latin typeface="Meiryo UI" panose="020B0604030504040204" pitchFamily="50" charset="-128"/>
-                <a:ea typeface="Meiryo UI" panose="020B0604030504040204" pitchFamily="50" charset="-128"/>
-              </a:rPr>
-              <a:t>3086</a:t>
-            </a:r>
-            <a:r>
-              <a:rPr lang="en-US" altLang="ja-JP" sz="1400" b="1" i="0" dirty="0">
-                <a:effectLst/>
-                <a:latin typeface="Meiryo UI" panose="020B0604030504040204" pitchFamily="50" charset="-128"/>
-                <a:ea typeface="Meiryo UI" panose="020B0604030504040204" pitchFamily="50" charset="-128"/>
-              </a:rPr>
-              <a:t>, </a:t>
-            </a:r>
-            <a:r>
-              <a:rPr lang="en-US" altLang="ja-JP" sz="1400" b="1" i="0" dirty="0">
-                <a:solidFill>
-                  <a:schemeClr val="tx2">
-                    <a:lumMod val="40000"/>
-                    <a:lumOff val="60000"/>
-                  </a:schemeClr>
-                </a:solidFill>
-                <a:effectLst/>
-                <a:latin typeface="Meiryo UI" panose="020B0604030504040204" pitchFamily="50" charset="-128"/>
-                <a:ea typeface="Meiryo UI" panose="020B0604030504040204" pitchFamily="50" charset="-128"/>
-              </a:rPr>
-              <a:t>2003</a:t>
-            </a:r>
-            <a:r>
-              <a:rPr lang="en-US" altLang="ja-JP" sz="1400" b="1" i="0" dirty="0">
-                <a:effectLst/>
-                <a:latin typeface="Meiryo UI" panose="020B0604030504040204" pitchFamily="50" charset="-128"/>
-                <a:ea typeface="Meiryo UI" panose="020B0604030504040204" pitchFamily="50" charset="-128"/>
-              </a:rPr>
-              <a:t>, </a:t>
-            </a:r>
-            <a:r>
-              <a:rPr lang="en-US" altLang="ja-JP" sz="1400" b="1" i="0" dirty="0">
-                <a:solidFill>
-                  <a:schemeClr val="accent5">
-                    <a:lumMod val="60000"/>
-                    <a:lumOff val="40000"/>
-                  </a:schemeClr>
-                </a:solidFill>
-                <a:effectLst/>
-                <a:latin typeface="Meiryo UI" panose="020B0604030504040204" pitchFamily="50" charset="-128"/>
-                <a:ea typeface="Meiryo UI" panose="020B0604030504040204" pitchFamily="50" charset="-128"/>
-              </a:rPr>
-              <a:t>2035</a:t>
-            </a:r>
-            <a:r>
-              <a:rPr lang="en-US" altLang="ja-JP" sz="1400" b="1" i="0" dirty="0">
-                <a:effectLst/>
-                <a:latin typeface="Meiryo UI" panose="020B0604030504040204" pitchFamily="50" charset="-128"/>
-                <a:ea typeface="Meiryo UI" panose="020B0604030504040204" pitchFamily="50" charset="-128"/>
-              </a:rPr>
-              <a:t>, </a:t>
-            </a:r>
-            <a:r>
-              <a:rPr lang="en-US" altLang="ja-JP" sz="1400" b="1" i="0" dirty="0">
-                <a:solidFill>
-                  <a:schemeClr val="accent3">
-                    <a:lumMod val="40000"/>
-                    <a:lumOff val="60000"/>
-                  </a:schemeClr>
-                </a:solidFill>
-                <a:effectLst/>
-                <a:latin typeface="Meiryo UI" panose="020B0604030504040204" pitchFamily="50" charset="-128"/>
-                <a:ea typeface="Meiryo UI" panose="020B0604030504040204" pitchFamily="50" charset="-128"/>
-              </a:rPr>
-              <a:t>2017</a:t>
-            </a:r>
-            <a:r>
-              <a:rPr lang="en-US" altLang="ja-JP" sz="1400" b="1" i="0" dirty="0">
-                <a:effectLst/>
-                <a:latin typeface="Meiryo UI" panose="020B0604030504040204" pitchFamily="50" charset="-128"/>
-                <a:ea typeface="Meiryo UI" panose="020B0604030504040204" pitchFamily="50" charset="-128"/>
-              </a:rPr>
-              <a:t>, </a:t>
-            </a:r>
-            <a:r>
-              <a:rPr lang="en-US" altLang="ja-JP" sz="1400" b="1" i="0" dirty="0">
-                <a:solidFill>
-                  <a:schemeClr val="accent5">
-                    <a:lumMod val="40000"/>
-                    <a:lumOff val="60000"/>
-                  </a:schemeClr>
-                </a:solidFill>
-                <a:effectLst/>
-                <a:latin typeface="Meiryo UI" panose="020B0604030504040204" pitchFamily="50" charset="-128"/>
-                <a:ea typeface="Meiryo UI" panose="020B0604030504040204" pitchFamily="50" charset="-128"/>
-              </a:rPr>
-              <a:t>2342</a:t>
-            </a:r>
-            <a:r>
-              <a:rPr lang="en-US" altLang="ja-JP" sz="1400" b="1" i="0" dirty="0">
-                <a:effectLst/>
-                <a:latin typeface="Meiryo UI" panose="020B0604030504040204" pitchFamily="50" charset="-128"/>
-                <a:ea typeface="Meiryo UI" panose="020B0604030504040204" pitchFamily="50" charset="-128"/>
-              </a:rPr>
-              <a:t>, </a:t>
-            </a:r>
-            <a:r>
-              <a:rPr lang="en-US" altLang="ja-JP" sz="1400" b="1" i="0" dirty="0">
-                <a:solidFill>
-                  <a:schemeClr val="bg1">
-                    <a:lumMod val="65000"/>
-                  </a:schemeClr>
-                </a:solidFill>
-                <a:effectLst/>
-                <a:latin typeface="Meiryo UI" panose="020B0604030504040204" pitchFamily="50" charset="-128"/>
-                <a:ea typeface="Meiryo UI" panose="020B0604030504040204" pitchFamily="50" charset="-128"/>
-              </a:rPr>
-              <a:t>102</a:t>
-            </a:r>
-            <a:r>
-              <a:rPr lang="en-US" altLang="ja-JP" sz="1400" b="1" i="0" dirty="0">
-                <a:effectLst/>
-                <a:latin typeface="Meiryo UI" panose="020B0604030504040204" pitchFamily="50" charset="-128"/>
-                <a:ea typeface="Meiryo UI" panose="020B0604030504040204" pitchFamily="50" charset="-128"/>
-              </a:rPr>
-              <a:t>]</a:t>
-            </a:r>
-            <a:endParaRPr kumimoji="1" lang="ja-JP" altLang="en-US" sz="1400" b="1" dirty="0">
-              <a:latin typeface="Meiryo UI" panose="020B0604030504040204" pitchFamily="50" charset="-128"/>
-              <a:ea typeface="Meiryo UI" panose="020B0604030504040204" pitchFamily="50" charset="-128"/>
-            </a:endParaRPr>
-          </a:p>
-        </p:txBody>
-      </p:sp>
-      <p:sp>
-        <p:nvSpPr>
-          <p:cNvPr id="58" name="テキスト ボックス 57">
-            <a:extLst>
-              <a:ext uri="{FF2B5EF4-FFF2-40B4-BE49-F238E27FC236}">
-                <a16:creationId xmlns:a16="http://schemas.microsoft.com/office/drawing/2014/main" id="{A959F0CD-48B9-5D04-9C10-E71FF975DB01}"/>
-              </a:ext>
-            </a:extLst>
-          </p:cNvPr>
-          <p:cNvSpPr txBox="1"/>
-          <p:nvPr/>
-        </p:nvSpPr>
-        <p:spPr>
-          <a:xfrm>
-            <a:off x="7419324" y="6374414"/>
-            <a:ext cx="2342308" cy="307777"/>
-          </a:xfrm>
-          <a:prstGeom prst="rect">
-            <a:avLst/>
-          </a:prstGeom>
-          <a:noFill/>
-        </p:spPr>
-        <p:txBody>
-          <a:bodyPr wrap="none" rtlCol="0">
-            <a:spAutoFit/>
-          </a:bodyPr>
-          <a:lstStyle/>
-          <a:p>
-            <a:r>
-              <a:rPr kumimoji="1" lang="ja-JP" altLang="en-US" sz="1400" b="1" dirty="0">
-                <a:latin typeface="Meiryo UI" panose="020B0604030504040204" pitchFamily="50" charset="-128"/>
-                <a:ea typeface="Meiryo UI" panose="020B0604030504040204" pitchFamily="50" charset="-128"/>
-              </a:rPr>
-              <a:t>必要なのはアテンションだけ！</a:t>
-            </a:r>
-          </a:p>
-        </p:txBody>
-      </p:sp>
-      <p:cxnSp>
-        <p:nvCxnSpPr>
-          <p:cNvPr id="59" name="コネクタ: カギ線 58">
-            <a:extLst>
-              <a:ext uri="{FF2B5EF4-FFF2-40B4-BE49-F238E27FC236}">
-                <a16:creationId xmlns:a16="http://schemas.microsoft.com/office/drawing/2014/main" id="{1E339F7D-1C79-C6E8-D4C2-2F06DFF66F9E}"/>
-              </a:ext>
-            </a:extLst>
-          </p:cNvPr>
-          <p:cNvCxnSpPr>
-            <a:cxnSpLocks/>
-            <a:stCxn id="54" idx="3"/>
-            <a:endCxn id="58" idx="1"/>
-          </p:cNvCxnSpPr>
-          <p:nvPr/>
-        </p:nvCxnSpPr>
-        <p:spPr>
-          <a:xfrm flipH="1">
-            <a:off x="7419324" y="6009543"/>
-            <a:ext cx="27361" cy="518760"/>
-          </a:xfrm>
-          <a:prstGeom prst="bentConnector5">
-            <a:avLst>
-              <a:gd name="adj1" fmla="val -835496"/>
-              <a:gd name="adj2" fmla="val 50000"/>
-              <a:gd name="adj3" fmla="val 935496"/>
-            </a:avLst>
-          </a:prstGeom>
-          <a:ln>
-            <a:tailEnd type="triangle"/>
-          </a:ln>
-        </p:spPr>
-        <p:style>
-          <a:lnRef idx="2">
-            <a:schemeClr val="accent1"/>
-          </a:lnRef>
-          <a:fillRef idx="0">
-            <a:schemeClr val="accent1"/>
-          </a:fillRef>
-          <a:effectRef idx="1">
-            <a:schemeClr val="accent1"/>
-          </a:effectRef>
-          <a:fontRef idx="minor">
-            <a:schemeClr val="tx1"/>
-          </a:fontRef>
-        </p:style>
-      </p:cxnSp>
-      <p:sp>
-        <p:nvSpPr>
-          <p:cNvPr id="63" name="テキスト ボックス 62">
-            <a:extLst>
-              <a:ext uri="{FF2B5EF4-FFF2-40B4-BE49-F238E27FC236}">
-                <a16:creationId xmlns:a16="http://schemas.microsoft.com/office/drawing/2014/main" id="{FB7B9C01-963C-AC07-2617-F4BC3AB8BD15}"/>
-              </a:ext>
-            </a:extLst>
-          </p:cNvPr>
-          <p:cNvSpPr txBox="1"/>
-          <p:nvPr/>
-        </p:nvSpPr>
-        <p:spPr>
-          <a:xfrm>
-            <a:off x="1907887" y="5785056"/>
-            <a:ext cx="776175" cy="307777"/>
-          </a:xfrm>
-          <a:prstGeom prst="rect">
-            <a:avLst/>
-          </a:prstGeom>
-          <a:noFill/>
-        </p:spPr>
-        <p:txBody>
-          <a:bodyPr wrap="none" rtlCol="0">
-            <a:spAutoFit/>
-          </a:bodyPr>
-          <a:lstStyle/>
-          <a:p>
-            <a:r>
-              <a:rPr kumimoji="1" lang="en-US" altLang="ja-JP" sz="1400" b="1" dirty="0">
-                <a:latin typeface="Meiryo UI" panose="020B0604030504040204" pitchFamily="50" charset="-128"/>
-                <a:ea typeface="Meiryo UI" panose="020B0604030504040204" pitchFamily="50" charset="-128"/>
-              </a:rPr>
-              <a:t>ID</a:t>
-            </a:r>
-            <a:r>
-              <a:rPr kumimoji="1" lang="ja-JP" altLang="en-US" sz="1400" b="1" dirty="0">
-                <a:latin typeface="Meiryo UI" panose="020B0604030504040204" pitchFamily="50" charset="-128"/>
-                <a:ea typeface="Meiryo UI" panose="020B0604030504040204" pitchFamily="50" charset="-128"/>
-              </a:rPr>
-              <a:t>出力</a:t>
-            </a:r>
-          </a:p>
-        </p:txBody>
-      </p:sp>
-      <p:sp>
-        <p:nvSpPr>
-          <p:cNvPr id="5" name="テキスト ボックス 4">
-            <a:extLst>
-              <a:ext uri="{FF2B5EF4-FFF2-40B4-BE49-F238E27FC236}">
-                <a16:creationId xmlns:a16="http://schemas.microsoft.com/office/drawing/2014/main" id="{3BD8C820-528E-2206-0BBD-65D6F115F859}"/>
-              </a:ext>
-            </a:extLst>
-          </p:cNvPr>
-          <p:cNvSpPr txBox="1"/>
-          <p:nvPr/>
-        </p:nvSpPr>
-        <p:spPr>
-          <a:xfrm>
-            <a:off x="868792" y="4527926"/>
-            <a:ext cx="771365" cy="307777"/>
-          </a:xfrm>
-          <a:prstGeom prst="rect">
-            <a:avLst/>
-          </a:prstGeom>
-          <a:noFill/>
-        </p:spPr>
-        <p:txBody>
-          <a:bodyPr wrap="none" rtlCol="0">
-            <a:spAutoFit/>
-          </a:bodyPr>
-          <a:lstStyle/>
-          <a:p>
-            <a:r>
-              <a:rPr kumimoji="1" lang="en-US" altLang="ja-JP" sz="1400" b="1" u="sng" dirty="0">
-                <a:solidFill>
-                  <a:schemeClr val="accent2">
-                    <a:lumMod val="75000"/>
-                  </a:schemeClr>
-                </a:solidFill>
-                <a:latin typeface="Meiryo UI" panose="020B0604030504040204" pitchFamily="50" charset="-128"/>
-                <a:ea typeface="Meiryo UI" panose="020B0604030504040204" pitchFamily="50" charset="-128"/>
-              </a:rPr>
-              <a:t>model</a:t>
-            </a:r>
-            <a:endParaRPr kumimoji="1" lang="ja-JP" altLang="en-US" sz="1400" b="1" u="sng" dirty="0">
-              <a:solidFill>
-                <a:schemeClr val="accent2">
-                  <a:lumMod val="75000"/>
-                </a:schemeClr>
-              </a:solidFill>
-              <a:latin typeface="Meiryo UI" panose="020B0604030504040204" pitchFamily="50" charset="-128"/>
-              <a:ea typeface="Meiryo UI" panose="020B0604030504040204" pitchFamily="50" charset="-128"/>
-            </a:endParaRPr>
-          </a:p>
-        </p:txBody>
-      </p:sp>
-      <p:sp>
-        <p:nvSpPr>
-          <p:cNvPr id="6" name="テキスト ボックス 5">
-            <a:extLst>
-              <a:ext uri="{FF2B5EF4-FFF2-40B4-BE49-F238E27FC236}">
-                <a16:creationId xmlns:a16="http://schemas.microsoft.com/office/drawing/2014/main" id="{4C783A11-CEE1-723E-B1FB-381B1FEF203F}"/>
-              </a:ext>
-            </a:extLst>
-          </p:cNvPr>
-          <p:cNvSpPr txBox="1"/>
-          <p:nvPr/>
-        </p:nvSpPr>
-        <p:spPr>
-          <a:xfrm>
-            <a:off x="868792" y="2070493"/>
-            <a:ext cx="1071127" cy="307777"/>
-          </a:xfrm>
-          <a:prstGeom prst="rect">
-            <a:avLst/>
-          </a:prstGeom>
-          <a:noFill/>
-        </p:spPr>
-        <p:txBody>
-          <a:bodyPr wrap="none" rtlCol="0">
-            <a:spAutoFit/>
-          </a:bodyPr>
-          <a:lstStyle/>
-          <a:p>
-            <a:r>
-              <a:rPr kumimoji="1" lang="en-US" altLang="ja-JP" sz="1400" b="1" u="sng" dirty="0">
-                <a:solidFill>
-                  <a:schemeClr val="accent2">
-                    <a:lumMod val="75000"/>
-                  </a:schemeClr>
-                </a:solidFill>
-                <a:latin typeface="Meiryo UI" panose="020B0604030504040204" pitchFamily="50" charset="-128"/>
-                <a:ea typeface="Meiryo UI" panose="020B0604030504040204" pitchFamily="50" charset="-128"/>
-              </a:rPr>
-              <a:t>tokenizer</a:t>
-            </a:r>
-            <a:endParaRPr kumimoji="1" lang="ja-JP" altLang="en-US" sz="1400" b="1" u="sng" dirty="0">
-              <a:solidFill>
-                <a:schemeClr val="accent2">
-                  <a:lumMod val="75000"/>
-                </a:schemeClr>
-              </a:solidFill>
-              <a:latin typeface="Meiryo UI" panose="020B0604030504040204" pitchFamily="50" charset="-128"/>
-              <a:ea typeface="Meiryo UI" panose="020B0604030504040204" pitchFamily="50" charset="-128"/>
-            </a:endParaRPr>
-          </a:p>
-        </p:txBody>
-      </p:sp>
-      <p:sp>
-        <p:nvSpPr>
-          <p:cNvPr id="19" name="テキスト ボックス 18">
-            <a:extLst>
-              <a:ext uri="{FF2B5EF4-FFF2-40B4-BE49-F238E27FC236}">
-                <a16:creationId xmlns:a16="http://schemas.microsoft.com/office/drawing/2014/main" id="{FFDC8453-C433-065E-94A0-DEECDBBCF5D0}"/>
-              </a:ext>
-            </a:extLst>
-          </p:cNvPr>
-          <p:cNvSpPr txBox="1"/>
-          <p:nvPr/>
-        </p:nvSpPr>
-        <p:spPr>
-          <a:xfrm>
-            <a:off x="868792" y="6252610"/>
-            <a:ext cx="1071127" cy="307777"/>
-          </a:xfrm>
-          <a:prstGeom prst="rect">
-            <a:avLst/>
-          </a:prstGeom>
-          <a:noFill/>
-        </p:spPr>
-        <p:txBody>
-          <a:bodyPr wrap="none" rtlCol="0">
-            <a:spAutoFit/>
-          </a:bodyPr>
-          <a:lstStyle/>
-          <a:p>
-            <a:r>
-              <a:rPr kumimoji="1" lang="en-US" altLang="ja-JP" sz="1400" b="1" u="sng" dirty="0">
-                <a:solidFill>
-                  <a:schemeClr val="accent2">
-                    <a:lumMod val="75000"/>
-                  </a:schemeClr>
-                </a:solidFill>
-                <a:latin typeface="Meiryo UI" panose="020B0604030504040204" pitchFamily="50" charset="-128"/>
-                <a:ea typeface="Meiryo UI" panose="020B0604030504040204" pitchFamily="50" charset="-128"/>
-              </a:rPr>
-              <a:t>tokenizer</a:t>
-            </a:r>
-            <a:endParaRPr kumimoji="1" lang="ja-JP" altLang="en-US" sz="1400" b="1" u="sng" dirty="0">
-              <a:solidFill>
-                <a:schemeClr val="accent2">
-                  <a:lumMod val="75000"/>
-                </a:schemeClr>
-              </a:solidFill>
-              <a:latin typeface="Meiryo UI" panose="020B0604030504040204" pitchFamily="50" charset="-128"/>
-              <a:ea typeface="Meiryo UI" panose="020B0604030504040204" pitchFamily="50" charset="-128"/>
-            </a:endParaRPr>
-          </a:p>
-        </p:txBody>
-      </p:sp>
-      <p:sp>
-        <p:nvSpPr>
-          <p:cNvPr id="27" name="矢印: 下 26">
-            <a:extLst>
-              <a:ext uri="{FF2B5EF4-FFF2-40B4-BE49-F238E27FC236}">
-                <a16:creationId xmlns:a16="http://schemas.microsoft.com/office/drawing/2014/main" id="{EF7F6008-CA50-4ED9-5D5B-B6F77B33B1F6}"/>
-              </a:ext>
-            </a:extLst>
-          </p:cNvPr>
-          <p:cNvSpPr/>
-          <p:nvPr/>
-        </p:nvSpPr>
-        <p:spPr>
-          <a:xfrm>
-            <a:off x="5248596" y="2488911"/>
-            <a:ext cx="1374011" cy="356637"/>
-          </a:xfrm>
-          <a:prstGeom prst="downArrow">
-            <a:avLst/>
-          </a:prstGeom>
         </p:spPr>
         <p:style>
           <a:lnRef idx="2">
@@ -8982,10 +10715,10 @@
       </p:sp>
       <p:sp>
         <p:nvSpPr>
-          <p:cNvPr id="28" name="矢印: 下 27">
-            <a:extLst>
-              <a:ext uri="{FF2B5EF4-FFF2-40B4-BE49-F238E27FC236}">
-                <a16:creationId xmlns:a16="http://schemas.microsoft.com/office/drawing/2014/main" id="{297AC61B-288B-5F54-7AF0-6E593BB64FBD}"/>
+          <p:cNvPr id="14" name="正方形/長方形 13">
+            <a:extLst>
+              <a:ext uri="{FF2B5EF4-FFF2-40B4-BE49-F238E27FC236}">
+                <a16:creationId xmlns:a16="http://schemas.microsoft.com/office/drawing/2014/main" id="{A15DA005-97F6-EBAF-15D9-294290B249D1}"/>
               </a:ext>
             </a:extLst>
           </p:cNvPr>
@@ -8994,12 +10727,20 @@
         </p:nvSpPr>
         <p:spPr>
           <a:xfrm>
-            <a:off x="5248596" y="5428419"/>
-            <a:ext cx="1374011" cy="356637"/>
+            <a:off x="2582638" y="4847228"/>
+            <a:ext cx="4224561" cy="1421077"/>
           </a:xfrm>
-          <a:prstGeom prst="downArrow">
+          <a:prstGeom prst="rect">
             <a:avLst/>
           </a:prstGeom>
+          <a:noFill/>
+          <a:ln w="38100">
+            <a:solidFill>
+              <a:schemeClr val="accent2">
+                <a:lumMod val="75000"/>
+              </a:schemeClr>
+            </a:solidFill>
+          </a:ln>
         </p:spPr>
         <p:style>
           <a:lnRef idx="2">
@@ -9026,10 +10767,88 @@
           </a:p>
         </p:txBody>
       </p:sp>
+      <p:pic>
+        <p:nvPicPr>
+          <p:cNvPr id="8" name="図 7">
+            <a:extLst>
+              <a:ext uri="{FF2B5EF4-FFF2-40B4-BE49-F238E27FC236}">
+                <a16:creationId xmlns:a16="http://schemas.microsoft.com/office/drawing/2014/main" id="{A90753E1-C1BD-769E-87BD-4FBEC6DDE340}"/>
+              </a:ext>
+            </a:extLst>
+          </p:cNvPr>
+          <p:cNvPicPr>
+            <a:picLocks noChangeAspect="1"/>
+          </p:cNvPicPr>
+          <p:nvPr/>
+        </p:nvPicPr>
+        <p:blipFill rotWithShape="1">
+          <a:blip r:embed="rId3"/>
+          <a:srcRect l="71266" t="43437" r="5064" b="52220"/>
+          <a:stretch/>
+        </p:blipFill>
+        <p:spPr>
+          <a:xfrm>
+            <a:off x="4970679" y="2501119"/>
+            <a:ext cx="6383121" cy="409358"/>
+          </a:xfrm>
+          <a:prstGeom prst="rect">
+            <a:avLst/>
+          </a:prstGeom>
+          <a:ln w="38100">
+            <a:solidFill>
+              <a:schemeClr val="accent2">
+                <a:lumMod val="75000"/>
+              </a:schemeClr>
+            </a:solidFill>
+          </a:ln>
+        </p:spPr>
+      </p:pic>
+      <p:sp>
+        <p:nvSpPr>
+          <p:cNvPr id="15" name="テキスト ボックス 14">
+            <a:extLst>
+              <a:ext uri="{FF2B5EF4-FFF2-40B4-BE49-F238E27FC236}">
+                <a16:creationId xmlns:a16="http://schemas.microsoft.com/office/drawing/2014/main" id="{7606D056-1433-02A9-7CA6-88BE0C0055DA}"/>
+              </a:ext>
+            </a:extLst>
+          </p:cNvPr>
+          <p:cNvSpPr txBox="1"/>
+          <p:nvPr/>
+        </p:nvSpPr>
+        <p:spPr>
+          <a:xfrm>
+            <a:off x="2187642" y="6449161"/>
+            <a:ext cx="4932569" cy="369332"/>
+          </a:xfrm>
+          <a:prstGeom prst="rect">
+            <a:avLst/>
+          </a:prstGeom>
+          <a:noFill/>
+        </p:spPr>
+        <p:txBody>
+          <a:bodyPr wrap="none" rtlCol="0">
+            <a:spAutoFit/>
+          </a:bodyPr>
+          <a:lstStyle/>
+          <a:p>
+            <a:r>
+              <a:rPr kumimoji="1" lang="en-US" altLang="ja-JP" dirty="0">
+                <a:latin typeface="Meiryo UI" panose="020B0604030504040204" pitchFamily="50" charset="-128"/>
+                <a:ea typeface="Meiryo UI" panose="020B0604030504040204" pitchFamily="50" charset="-128"/>
+              </a:rPr>
+              <a:t>https://huggingface.co/microsoft/phi-1_5</a:t>
+            </a:r>
+            <a:endParaRPr kumimoji="1" lang="ja-JP" altLang="en-US" dirty="0">
+              <a:latin typeface="Meiryo UI" panose="020B0604030504040204" pitchFamily="50" charset="-128"/>
+              <a:ea typeface="Meiryo UI" panose="020B0604030504040204" pitchFamily="50" charset="-128"/>
+            </a:endParaRPr>
+          </a:p>
+        </p:txBody>
+      </p:sp>
     </p:spTree>
     <p:extLst>
       <p:ext uri="{BB962C8B-B14F-4D97-AF65-F5344CB8AC3E}">
-        <p14:creationId xmlns:p14="http://schemas.microsoft.com/office/powerpoint/2010/main" val="1169760922"/>
+        <p14:creationId xmlns:p14="http://schemas.microsoft.com/office/powerpoint/2010/main" val="1033193766"/>
       </p:ext>
     </p:extLst>
   </p:cSld>

--- a/huggingface 発表資料.pptx
+++ b/huggingface 発表資料.pptx
@@ -6,7 +6,7 @@
     <p:sldMasterId id="2147483660" r:id="rId2"/>
   </p:sldMasterIdLst>
   <p:notesMasterIdLst>
-    <p:notesMasterId r:id="rId18"/>
+    <p:notesMasterId r:id="rId19"/>
   </p:notesMasterIdLst>
   <p:sldIdLst>
     <p:sldId id="256" r:id="rId3"/>
@@ -20,10 +20,11 @@
     <p:sldId id="267" r:id="rId11"/>
     <p:sldId id="261" r:id="rId12"/>
     <p:sldId id="269" r:id="rId13"/>
-    <p:sldId id="260" r:id="rId14"/>
-    <p:sldId id="271" r:id="rId15"/>
-    <p:sldId id="272" r:id="rId16"/>
-    <p:sldId id="268" r:id="rId17"/>
+    <p:sldId id="275" r:id="rId14"/>
+    <p:sldId id="260" r:id="rId15"/>
+    <p:sldId id="271" r:id="rId16"/>
+    <p:sldId id="272" r:id="rId17"/>
+    <p:sldId id="268" r:id="rId18"/>
   </p:sldIdLst>
   <p:sldSz cx="12192000" cy="6858000"/>
   <p:notesSz cx="6858000" cy="9144000"/>
@@ -215,7 +216,7 @@
           <a:p>
             <a:fld id="{0F6FE6BF-8118-024B-9766-ED4AD7D6B4B0}" type="datetimeFigureOut">
               <a:rPr kumimoji="1" lang="ja-JP" altLang="en-US" smtClean="0"/>
-              <a:t>2024/7/8</a:t>
+              <a:t>2024/7/9</a:t>
             </a:fld>
             <a:endParaRPr kumimoji="1" lang="ja-JP" altLang="en-US"/>
           </a:p>
@@ -843,7 +844,7 @@
           <a:p>
             <a:fld id="{B8C65C57-92FB-BC43-A324-D710D72DFC87}" type="datetimeFigureOut">
               <a:rPr kumimoji="1" lang="ja-JP" altLang="en-US" smtClean="0"/>
-              <a:t>2024/7/8</a:t>
+              <a:t>2024/7/9</a:t>
             </a:fld>
             <a:endParaRPr kumimoji="1" lang="ja-JP" altLang="en-US"/>
           </a:p>
@@ -1113,7 +1114,7 @@
           <a:p>
             <a:fld id="{B8C65C57-92FB-BC43-A324-D710D72DFC87}" type="datetimeFigureOut">
               <a:rPr kumimoji="1" lang="ja-JP" altLang="en-US" smtClean="0"/>
-              <a:t>2024/7/8</a:t>
+              <a:t>2024/7/9</a:t>
             </a:fld>
             <a:endParaRPr kumimoji="1" lang="ja-JP" altLang="en-US"/>
           </a:p>
@@ -1383,7 +1384,7 @@
           <a:p>
             <a:fld id="{B8C65C57-92FB-BC43-A324-D710D72DFC87}" type="datetimeFigureOut">
               <a:rPr kumimoji="1" lang="ja-JP" altLang="en-US" smtClean="0"/>
-              <a:t>2024/7/8</a:t>
+              <a:t>2024/7/9</a:t>
             </a:fld>
             <a:endParaRPr kumimoji="1" lang="ja-JP" altLang="en-US"/>
           </a:p>
@@ -1619,7 +1620,7 @@
           <a:p>
             <a:fld id="{38CF457C-A655-4B46-9667-899D8A188CFD}" type="datetimeFigureOut">
               <a:rPr kumimoji="1" lang="ja-JP" altLang="en-US" smtClean="0"/>
-              <a:t>2024/7/8</a:t>
+              <a:t>2024/7/9</a:t>
             </a:fld>
             <a:endParaRPr kumimoji="1" lang="ja-JP" altLang="en-US"/>
           </a:p>
@@ -1849,7 +1850,7 @@
           <a:p>
             <a:fld id="{38CF457C-A655-4B46-9667-899D8A188CFD}" type="datetimeFigureOut">
               <a:rPr kumimoji="1" lang="ja-JP" altLang="en-US" smtClean="0"/>
-              <a:t>2024/7/8</a:t>
+              <a:t>2024/7/9</a:t>
             </a:fld>
             <a:endParaRPr kumimoji="1" lang="ja-JP" altLang="en-US"/>
           </a:p>
@@ -2124,7 +2125,7 @@
           <a:p>
             <a:fld id="{38CF457C-A655-4B46-9667-899D8A188CFD}" type="datetimeFigureOut">
               <a:rPr kumimoji="1" lang="ja-JP" altLang="en-US" smtClean="0"/>
-              <a:t>2024/7/8</a:t>
+              <a:t>2024/7/9</a:t>
             </a:fld>
             <a:endParaRPr kumimoji="1" lang="ja-JP" altLang="en-US"/>
           </a:p>
@@ -2453,7 +2454,7 @@
           <a:p>
             <a:fld id="{38CF457C-A655-4B46-9667-899D8A188CFD}" type="datetimeFigureOut">
               <a:rPr kumimoji="1" lang="ja-JP" altLang="en-US" smtClean="0"/>
-              <a:t>2024/7/8</a:t>
+              <a:t>2024/7/9</a:t>
             </a:fld>
             <a:endParaRPr kumimoji="1" lang="ja-JP" altLang="en-US"/>
           </a:p>
@@ -2929,7 +2930,7 @@
           <a:p>
             <a:fld id="{38CF457C-A655-4B46-9667-899D8A188CFD}" type="datetimeFigureOut">
               <a:rPr kumimoji="1" lang="ja-JP" altLang="en-US" smtClean="0"/>
-              <a:t>2024/7/8</a:t>
+              <a:t>2024/7/9</a:t>
             </a:fld>
             <a:endParaRPr kumimoji="1" lang="ja-JP" altLang="en-US"/>
           </a:p>
@@ -3070,7 +3071,7 @@
           <a:p>
             <a:fld id="{38CF457C-A655-4B46-9667-899D8A188CFD}" type="datetimeFigureOut">
               <a:rPr kumimoji="1" lang="ja-JP" altLang="en-US" smtClean="0"/>
-              <a:t>2024/7/8</a:t>
+              <a:t>2024/7/9</a:t>
             </a:fld>
             <a:endParaRPr kumimoji="1" lang="ja-JP" altLang="en-US"/>
           </a:p>
@@ -3183,7 +3184,7 @@
           <a:p>
             <a:fld id="{38CF457C-A655-4B46-9667-899D8A188CFD}" type="datetimeFigureOut">
               <a:rPr kumimoji="1" lang="ja-JP" altLang="en-US" smtClean="0"/>
-              <a:t>2024/7/8</a:t>
+              <a:t>2024/7/9</a:t>
             </a:fld>
             <a:endParaRPr kumimoji="1" lang="ja-JP" altLang="en-US"/>
           </a:p>
@@ -3526,7 +3527,7 @@
           <a:p>
             <a:fld id="{38CF457C-A655-4B46-9667-899D8A188CFD}" type="datetimeFigureOut">
               <a:rPr kumimoji="1" lang="ja-JP" altLang="en-US" smtClean="0"/>
-              <a:t>2024/7/8</a:t>
+              <a:t>2024/7/9</a:t>
             </a:fld>
             <a:endParaRPr kumimoji="1" lang="ja-JP" altLang="en-US"/>
           </a:p>
@@ -3780,7 +3781,7 @@
           <a:p>
             <a:fld id="{B8C65C57-92FB-BC43-A324-D710D72DFC87}" type="datetimeFigureOut">
               <a:rPr kumimoji="1" lang="ja-JP" altLang="en-US" smtClean="0"/>
-              <a:t>2024/7/8</a:t>
+              <a:t>2024/7/9</a:t>
             </a:fld>
             <a:endParaRPr kumimoji="1" lang="ja-JP" altLang="en-US"/>
           </a:p>
@@ -4084,7 +4085,7 @@
           <a:p>
             <a:fld id="{38CF457C-A655-4B46-9667-899D8A188CFD}" type="datetimeFigureOut">
               <a:rPr kumimoji="1" lang="ja-JP" altLang="en-US" smtClean="0"/>
-              <a:t>2024/7/8</a:t>
+              <a:t>2024/7/9</a:t>
             </a:fld>
             <a:endParaRPr kumimoji="1" lang="ja-JP" altLang="en-US"/>
           </a:p>
@@ -4314,7 +4315,7 @@
           <a:p>
             <a:fld id="{38CF457C-A655-4B46-9667-899D8A188CFD}" type="datetimeFigureOut">
               <a:rPr kumimoji="1" lang="ja-JP" altLang="en-US" smtClean="0"/>
-              <a:t>2024/7/8</a:t>
+              <a:t>2024/7/9</a:t>
             </a:fld>
             <a:endParaRPr kumimoji="1" lang="ja-JP" altLang="en-US"/>
           </a:p>
@@ -4554,7 +4555,7 @@
           <a:p>
             <a:fld id="{38CF457C-A655-4B46-9667-899D8A188CFD}" type="datetimeFigureOut">
               <a:rPr kumimoji="1" lang="ja-JP" altLang="en-US" smtClean="0"/>
-              <a:t>2024/7/8</a:t>
+              <a:t>2024/7/9</a:t>
             </a:fld>
             <a:endParaRPr kumimoji="1" lang="ja-JP" altLang="en-US"/>
           </a:p>
@@ -4843,7 +4844,7 @@
           <a:p>
             <a:fld id="{B8C65C57-92FB-BC43-A324-D710D72DFC87}" type="datetimeFigureOut">
               <a:rPr kumimoji="1" lang="ja-JP" altLang="en-US" smtClean="0"/>
-              <a:t>2024/7/8</a:t>
+              <a:t>2024/7/9</a:t>
             </a:fld>
             <a:endParaRPr kumimoji="1" lang="ja-JP" altLang="en-US"/>
           </a:p>
@@ -5210,7 +5211,7 @@
           <a:p>
             <a:fld id="{B8C65C57-92FB-BC43-A324-D710D72DFC87}" type="datetimeFigureOut">
               <a:rPr kumimoji="1" lang="ja-JP" altLang="en-US" smtClean="0"/>
-              <a:t>2024/7/8</a:t>
+              <a:t>2024/7/9</a:t>
             </a:fld>
             <a:endParaRPr kumimoji="1" lang="ja-JP" altLang="en-US"/>
           </a:p>
@@ -5725,7 +5726,7 @@
           <a:p>
             <a:fld id="{B8C65C57-92FB-BC43-A324-D710D72DFC87}" type="datetimeFigureOut">
               <a:rPr kumimoji="1" lang="ja-JP" altLang="en-US" smtClean="0"/>
-              <a:t>2024/7/8</a:t>
+              <a:t>2024/7/9</a:t>
             </a:fld>
             <a:endParaRPr kumimoji="1" lang="ja-JP" altLang="en-US"/>
           </a:p>
@@ -5898,7 +5899,7 @@
           <a:p>
             <a:fld id="{B8C65C57-92FB-BC43-A324-D710D72DFC87}" type="datetimeFigureOut">
               <a:rPr kumimoji="1" lang="ja-JP" altLang="en-US" smtClean="0"/>
-              <a:t>2024/7/8</a:t>
+              <a:t>2024/7/9</a:t>
             </a:fld>
             <a:endParaRPr kumimoji="1" lang="ja-JP" altLang="en-US"/>
           </a:p>
@@ -6369,7 +6370,7 @@
           <a:p>
             <a:fld id="{B8C65C57-92FB-BC43-A324-D710D72DFC87}" type="datetimeFigureOut">
               <a:rPr kumimoji="1" lang="ja-JP" altLang="en-US" smtClean="0"/>
-              <a:t>2024/7/8</a:t>
+              <a:t>2024/7/9</a:t>
             </a:fld>
             <a:endParaRPr kumimoji="1" lang="ja-JP" altLang="en-US"/>
           </a:p>
@@ -6690,7 +6691,7 @@
           <a:p>
             <a:fld id="{B8C65C57-92FB-BC43-A324-D710D72DFC87}" type="datetimeFigureOut">
               <a:rPr kumimoji="1" lang="ja-JP" altLang="en-US" smtClean="0"/>
-              <a:t>2024/7/8</a:t>
+              <a:t>2024/7/9</a:t>
             </a:fld>
             <a:endParaRPr kumimoji="1" lang="ja-JP" altLang="en-US"/>
           </a:p>
@@ -9553,7 +9554,7 @@
           <a:p>
             <a:fld id="{38CF457C-A655-4B46-9667-899D8A188CFD}" type="datetimeFigureOut">
               <a:rPr kumimoji="1" lang="ja-JP" altLang="en-US" smtClean="0"/>
-              <a:t>2024/7/8</a:t>
+              <a:t>2024/7/9</a:t>
             </a:fld>
             <a:endParaRPr kumimoji="1" lang="ja-JP" altLang="en-US"/>
           </a:p>
@@ -10038,52 +10039,6 @@
           </a:p>
         </p:txBody>
       </p:sp>
-      <p:pic>
-        <p:nvPicPr>
-          <p:cNvPr id="4098" name="Picture 2">
-            <a:extLst>
-              <a:ext uri="{FF2B5EF4-FFF2-40B4-BE49-F238E27FC236}">
-                <a16:creationId xmlns:a16="http://schemas.microsoft.com/office/drawing/2014/main" id="{366D34A5-0F2F-AE10-35DD-69C0579D5B87}"/>
-              </a:ext>
-            </a:extLst>
-          </p:cNvPr>
-          <p:cNvPicPr>
-            <a:picLocks noChangeAspect="1" noChangeArrowheads="1"/>
-          </p:cNvPicPr>
-          <p:nvPr/>
-        </p:nvPicPr>
-        <p:blipFill>
-          <a:blip r:embed="rId2" cstate="email">
-            <a:extLst>
-              <a:ext uri="{28A0092B-C50C-407E-A947-70E740481C1C}">
-                <a14:useLocalDpi xmlns:a14="http://schemas.microsoft.com/office/drawing/2010/main"/>
-              </a:ext>
-            </a:extLst>
-          </a:blip>
-          <a:stretch>
-            <a:fillRect/>
-          </a:stretch>
-        </p:blipFill>
-        <p:spPr bwMode="auto">
-          <a:xfrm>
-            <a:off x="764988" y="1239983"/>
-            <a:ext cx="3368969" cy="4378033"/>
-          </a:xfrm>
-          <a:prstGeom prst="rect">
-            <a:avLst/>
-          </a:prstGeom>
-          <a:noFill/>
-          <a:extLst>
-            <a:ext uri="{909E8E84-426E-40DD-AFC4-6F175D3DCCD1}">
-              <a14:hiddenFill xmlns:a14="http://schemas.microsoft.com/office/drawing/2010/main">
-                <a:solidFill>
-                  <a:srgbClr val="FFFFFF"/>
-                </a:solidFill>
-              </a14:hiddenFill>
-            </a:ext>
-          </a:extLst>
-        </p:spPr>
-      </p:pic>
       <p:sp>
         <p:nvSpPr>
           <p:cNvPr id="4109" name="Freeform: Shape 4104">
@@ -10462,17 +10417,17 @@
                 <a:latin typeface="Meiryo UI" panose="020B0604030504040204" pitchFamily="34" charset="-128"/>
                 <a:ea typeface="Meiryo UI" panose="020B0604030504040204" pitchFamily="34" charset="-128"/>
               </a:rPr>
-              <a:t>この資料は</a:t>
-            </a:r>
-            <a:r>
-              <a:rPr kumimoji="1" lang="en-US" altLang="ja-JP" sz="1700">
+              <a:t>この資料は下記</a:t>
+            </a:r>
+            <a:r>
+              <a:rPr kumimoji="1" lang="en-US" altLang="ja-JP" sz="1700" dirty="0">
                 <a:solidFill>
                   <a:srgbClr val="FFFFFF"/>
                 </a:solidFill>
                 <a:latin typeface="Meiryo UI" panose="020B0604030504040204" pitchFamily="34" charset="-128"/>
                 <a:ea typeface="Meiryo UI" panose="020B0604030504040204" pitchFamily="34" charset="-128"/>
               </a:rPr>
-              <a:t>Apache 2.0</a:t>
+              <a:t>GitHub</a:t>
             </a:r>
             <a:r>
               <a:rPr kumimoji="1" lang="ja-JP" altLang="en-US" sz="1700">
@@ -10482,29 +10437,19 @@
                 <a:latin typeface="Meiryo UI" panose="020B0604030504040204" pitchFamily="34" charset="-128"/>
                 <a:ea typeface="Meiryo UI" panose="020B0604030504040204" pitchFamily="34" charset="-128"/>
               </a:rPr>
-              <a:t>ライセンスの下記</a:t>
-            </a:r>
-            <a:r>
-              <a:rPr kumimoji="1" lang="en-US" altLang="ja-JP" sz="1700">
+              <a:t>の一部を</a:t>
+            </a:r>
+            <a:r>
+              <a:rPr lang="ja-JP" altLang="en-US" sz="1700">
                 <a:solidFill>
                   <a:srgbClr val="FFFFFF"/>
                 </a:solidFill>
                 <a:latin typeface="Meiryo UI" panose="020B0604030504040204" pitchFamily="34" charset="-128"/>
                 <a:ea typeface="Meiryo UI" panose="020B0604030504040204" pitchFamily="34" charset="-128"/>
               </a:rPr>
-              <a:t>GitHub</a:t>
-            </a:r>
-            <a:r>
-              <a:rPr kumimoji="1" lang="ja-JP" altLang="en-US" sz="1700">
-                <a:solidFill>
-                  <a:srgbClr val="FFFFFF"/>
-                </a:solidFill>
-                <a:latin typeface="Meiryo UI" panose="020B0604030504040204" pitchFamily="34" charset="-128"/>
-                <a:ea typeface="Meiryo UI" panose="020B0604030504040204" pitchFamily="34" charset="-128"/>
-              </a:rPr>
-              <a:t>の一部を</a:t>
-            </a:r>
-            <a:endParaRPr kumimoji="1" lang="en-US" altLang="ja-JP" sz="1700">
+              <a:t>再利用、改変して作っています。</a:t>
+            </a:r>
+            <a:endParaRPr lang="en-US" altLang="ja-JP" sz="1700" dirty="0">
               <a:solidFill>
                 <a:srgbClr val="FFFFFF"/>
               </a:solidFill>
@@ -10515,37 +10460,17 @@
           <a:p>
             <a:pPr algn="l"/>
             <a:r>
-              <a:rPr lang="ja-JP" altLang="en-US" sz="1700">
+              <a:rPr kumimoji="1" lang="en-US" altLang="ja-JP" sz="1700" dirty="0">
                 <a:solidFill>
                   <a:srgbClr val="FFFFFF"/>
                 </a:solidFill>
                 <a:latin typeface="Meiryo UI" panose="020B0604030504040204" pitchFamily="34" charset="-128"/>
                 <a:ea typeface="Meiryo UI" panose="020B0604030504040204" pitchFamily="34" charset="-128"/>
-              </a:rPr>
-              <a:t>再利用、改変して作っています。</a:t>
-            </a:r>
-            <a:endParaRPr lang="en-US" altLang="ja-JP" sz="1700">
-              <a:solidFill>
-                <a:srgbClr val="FFFFFF"/>
-              </a:solidFill>
-              <a:latin typeface="Meiryo UI" panose="020B0604030504040204" pitchFamily="34" charset="-128"/>
-              <a:ea typeface="Meiryo UI" panose="020B0604030504040204" pitchFamily="34" charset="-128"/>
-            </a:endParaRPr>
-          </a:p>
-          <a:p>
-            <a:pPr algn="l"/>
-            <a:r>
-              <a:rPr kumimoji="1" lang="en-US" altLang="ja-JP" sz="1700">
-                <a:solidFill>
-                  <a:srgbClr val="FFFFFF"/>
-                </a:solidFill>
-                <a:latin typeface="Meiryo UI" panose="020B0604030504040204" pitchFamily="34" charset="-128"/>
-                <a:ea typeface="Meiryo UI" panose="020B0604030504040204" pitchFamily="34" charset="-128"/>
-                <a:hlinkClick r:id="rId3"/>
+                <a:hlinkClick r:id="rId2"/>
               </a:rPr>
               <a:t>https://github.com/nlp-with-transformers/notebooks</a:t>
             </a:r>
-            <a:endParaRPr kumimoji="1" lang="en-US" altLang="ja-JP" sz="1700">
+            <a:endParaRPr kumimoji="1" lang="en-US" altLang="ja-JP" sz="1700" dirty="0">
               <a:solidFill>
                 <a:srgbClr val="FFFFFF"/>
               </a:solidFill>
@@ -10948,6 +10873,76 @@
           </a:p>
         </p:txBody>
       </p:sp>
+      <p:pic>
+        <p:nvPicPr>
+          <p:cNvPr id="5" name="グラフィックス 4">
+            <a:extLst>
+              <a:ext uri="{FF2B5EF4-FFF2-40B4-BE49-F238E27FC236}">
+                <a16:creationId xmlns:a16="http://schemas.microsoft.com/office/drawing/2014/main" id="{75BA5494-963A-FB91-2E88-96BE5365C33B}"/>
+              </a:ext>
+            </a:extLst>
+          </p:cNvPr>
+          <p:cNvPicPr>
+            <a:picLocks noChangeAspect="1"/>
+          </p:cNvPicPr>
+          <p:nvPr/>
+        </p:nvPicPr>
+        <p:blipFill rotWithShape="1">
+          <a:blip r:embed="rId3">
+            <a:extLst>
+              <a:ext uri="{96DAC541-7B7A-43D3-8B79-37D633B846F1}">
+                <asvg:svgBlip xmlns:asvg="http://schemas.microsoft.com/office/drawing/2016/SVG/main" r:embed="rId4"/>
+              </a:ext>
+            </a:extLst>
+          </a:blip>
+          <a:srcRect r="71680"/>
+          <a:stretch/>
+        </p:blipFill>
+        <p:spPr>
+          <a:xfrm>
+            <a:off x="376047" y="1541417"/>
+            <a:ext cx="4048199" cy="3801292"/>
+          </a:xfrm>
+          <a:prstGeom prst="rect">
+            <a:avLst/>
+          </a:prstGeom>
+        </p:spPr>
+      </p:pic>
+      <p:pic>
+        <p:nvPicPr>
+          <p:cNvPr id="7" name="グラフィックス 6">
+            <a:extLst>
+              <a:ext uri="{FF2B5EF4-FFF2-40B4-BE49-F238E27FC236}">
+                <a16:creationId xmlns:a16="http://schemas.microsoft.com/office/drawing/2014/main" id="{2028B176-749A-1F31-573F-844C8C056676}"/>
+              </a:ext>
+            </a:extLst>
+          </p:cNvPr>
+          <p:cNvPicPr>
+            <a:picLocks noChangeAspect="1"/>
+          </p:cNvPicPr>
+          <p:nvPr/>
+        </p:nvPicPr>
+        <p:blipFill rotWithShape="1">
+          <a:blip r:embed="rId3">
+            <a:extLst>
+              <a:ext uri="{96DAC541-7B7A-43D3-8B79-37D633B846F1}">
+                <asvg:svgBlip xmlns:asvg="http://schemas.microsoft.com/office/drawing/2016/SVG/main" r:embed="rId4"/>
+              </a:ext>
+            </a:extLst>
+          </a:blip>
+          <a:srcRect l="27315" t="26304" b="23435"/>
+          <a:stretch/>
+        </p:blipFill>
+        <p:spPr>
+          <a:xfrm>
+            <a:off x="376047" y="4814809"/>
+            <a:ext cx="4660565" cy="857030"/>
+          </a:xfrm>
+          <a:prstGeom prst="rect">
+            <a:avLst/>
+          </a:prstGeom>
+        </p:spPr>
+      </p:pic>
     </p:spTree>
     <p:extLst>
       <p:ext uri="{BB962C8B-B14F-4D97-AF65-F5344CB8AC3E}">
@@ -11007,11 +11002,11 @@
               <a:t>Hands-on</a:t>
             </a:r>
             <a:r>
-              <a:rPr lang="ja-JP" altLang="en-US" b="1" dirty="0">
+              <a:rPr lang="ja-JP" altLang="en-US" b="1">
                 <a:effectLst/>
                 <a:latin typeface="Meiryo UI" panose="020B0604030504040204" pitchFamily="50" charset="-128"/>
               </a:rPr>
-              <a:t>デモ</a:t>
+              <a:t>のためのデモ</a:t>
             </a:r>
             <a:endParaRPr kumimoji="1" lang="ja-JP" altLang="en-US" dirty="0"/>
           </a:p>
@@ -11036,27 +11031,38 @@
         <p:spPr/>
         <p:txBody>
           <a:bodyPr>
-            <a:normAutofit fontScale="92500" lnSpcReduction="10000"/>
+            <a:normAutofit/>
           </a:bodyPr>
           <a:lstStyle/>
           <a:p>
             <a:r>
               <a:rPr kumimoji="1" lang="ja-JP" altLang="en-US" dirty="0"/>
-              <a:t>結局、使ってみた方が理解が早い！ｗ</a:t>
-            </a:r>
+              <a:t>結局、使ってみた方が理解が早い</a:t>
+            </a:r>
+            <a:r>
+              <a:rPr kumimoji="1" lang="ja-JP" altLang="en-US"/>
+              <a:t>！ｗ</a:t>
+            </a:r>
+            <a:endParaRPr kumimoji="1" lang="en-US" altLang="ja-JP" dirty="0"/>
+          </a:p>
+          <a:p>
             <a:endParaRPr lang="en-US" altLang="ja-JP" dirty="0"/>
           </a:p>
           <a:p>
+            <a:r>
+              <a:rPr lang="ja-JP" altLang="en-US"/>
+              <a:t>「</a:t>
+            </a:r>
             <a:r>
               <a:rPr lang="en-US" altLang="ja-JP" dirty="0"/>
               <a:t>Textbooks Are All You Need</a:t>
             </a:r>
             <a:r>
-              <a:rPr lang="ja-JP" altLang="en-US" dirty="0"/>
-              <a:t>の論文の</a:t>
-            </a:r>
-            <a:r>
-              <a:rPr lang="en-US" altLang="ja-JP" dirty="0"/>
+              <a:rPr lang="ja-JP" altLang="en-US"/>
+              <a:t>」の論文で有名になった</a:t>
+            </a:r>
+            <a:r>
+              <a:rPr lang="en-US" altLang="ja-JP" sz="3600" b="1" dirty="0"/>
               <a:t>Phi-1.5</a:t>
             </a:r>
             <a:r>
@@ -11069,7 +11075,11 @@
             </a:r>
             <a:r>
               <a:rPr lang="ja-JP" altLang="en-US" dirty="0"/>
-              <a:t>）を使ってみよう</a:t>
+              <a:t>）</a:t>
+            </a:r>
+            <a:r>
+              <a:rPr lang="ja-JP" altLang="en-US"/>
+              <a:t>を使ってみよう￼￼￼￼￼￼</a:t>
             </a:r>
             <a:endParaRPr lang="en-US" altLang="ja-JP" dirty="0"/>
           </a:p>
@@ -11077,9 +11087,10 @@
             <a:endParaRPr lang="en-US" altLang="ja-JP" dirty="0"/>
           </a:p>
           <a:p>
-            <a:endParaRPr lang="en-US" altLang="ja-JP" dirty="0"/>
-          </a:p>
-          <a:p>
+            <a:r>
+              <a:rPr lang="ja-JP" altLang="en-US"/>
+              <a:t>論文はこちら</a:t>
+            </a:r>
             <a:endParaRPr lang="en-US" altLang="ja-JP" dirty="0"/>
           </a:p>
           <a:p>
@@ -11087,45 +11098,25 @@
               <a:buNone/>
             </a:pPr>
             <a:r>
-              <a:rPr lang="en-US" altLang="ja-JP" dirty="0"/>
-              <a:t>※</a:t>
-            </a:r>
-            <a:r>
-              <a:rPr lang="ja-JP" altLang="en-US" dirty="0"/>
-              <a:t>ア</a:t>
-            </a:r>
-            <a:r>
-              <a:rPr kumimoji="1" lang="ja-JP" altLang="en-US" dirty="0"/>
-              <a:t>ップロードするときは</a:t>
-            </a:r>
-            <a:r>
-              <a:rPr kumimoji="1" lang="en-US" altLang="ja-JP" dirty="0" err="1"/>
-              <a:t>huggingface</a:t>
-            </a:r>
-            <a:r>
-              <a:rPr kumimoji="1" lang="en-US" altLang="ja-JP" dirty="0"/>
-              <a:t>-cli login</a:t>
-            </a:r>
-            <a:r>
-              <a:rPr kumimoji="1" lang="ja-JP" altLang="en-US" dirty="0"/>
-              <a:t>が必要</a:t>
-            </a:r>
-            <a:endParaRPr kumimoji="1" lang="en-US" altLang="ja-JP" dirty="0"/>
-          </a:p>
-          <a:p>
-            <a:endParaRPr kumimoji="1" lang="en-US" altLang="ja-JP" dirty="0">
-              <a:hlinkClick r:id="rId2"/>
-            </a:endParaRPr>
-          </a:p>
-          <a:p>
-            <a:endParaRPr kumimoji="1" lang="en-US" altLang="ja-JP" dirty="0">
-              <a:hlinkClick r:id="rId2"/>
-            </a:endParaRPr>
-          </a:p>
-          <a:p>
+              <a:rPr kumimoji="1" lang="ja-JP" altLang="en-US">
+                <a:solidFill>
+                  <a:srgbClr val="467886"/>
+                </a:solidFill>
+              </a:rPr>
+              <a:t>　</a:t>
+            </a:r>
             <a:r>
               <a:rPr kumimoji="1" lang="en-US" altLang="ja-JP" dirty="0">
-                <a:hlinkClick r:id="rId2"/>
+                <a:solidFill>
+                  <a:srgbClr val="467886"/>
+                </a:solidFill>
+                <a:hlinkClick r:id="rId2">
+                  <a:extLst>
+                    <a:ext uri="{A12FA001-AC4F-418D-AE19-62706E023703}">
+                      <ahyp:hlinkClr xmlns:ahyp="http://schemas.microsoft.com/office/drawing/2018/hyperlinkcolor" val="tx"/>
+                    </a:ext>
+                  </a:extLst>
+                </a:hlinkClick>
               </a:rPr>
               <a:t>https://arxiv.org/abs/2309.05463</a:t>
             </a:r>
@@ -11241,11 +11232,11 @@
           <a:lstStyle/>
           <a:p>
             <a:r>
-              <a:rPr kumimoji="1" lang="en-US" altLang="ja-JP" dirty="0"/>
+              <a:rPr kumimoji="1" lang="en-US" altLang="ja-JP" b="1" dirty="0"/>
               <a:t>LLM</a:t>
             </a:r>
             <a:r>
-              <a:rPr kumimoji="1" lang="ja-JP" altLang="en-US" dirty="0"/>
+              <a:rPr kumimoji="1" lang="ja-JP" altLang="en-US" b="1" dirty="0"/>
               <a:t>の処理をイメージする</a:t>
             </a:r>
           </a:p>
@@ -12233,7 +12224,7 @@
           <p:cNvPr id="2" name="タイトル 1">
             <a:extLst>
               <a:ext uri="{FF2B5EF4-FFF2-40B4-BE49-F238E27FC236}">
-                <a16:creationId xmlns:a16="http://schemas.microsoft.com/office/drawing/2014/main" id="{CE904FBF-1DB4-091E-F7F9-0CB502C546C6}"/>
+                <a16:creationId xmlns:a16="http://schemas.microsoft.com/office/drawing/2014/main" id="{7AD0CC42-514B-F65E-CAB8-534584EA03DD}"/>
               </a:ext>
             </a:extLst>
           </p:cNvPr>
@@ -12250,20 +12241,13 @@
           <a:lstStyle/>
           <a:p>
             <a:r>
-              <a:rPr lang="en-US" altLang="ja-JP" b="1" dirty="0" err="1">
-                <a:effectLst/>
-                <a:latin typeface="Meiryo UI" panose="020B0604030504040204" pitchFamily="50" charset="-128"/>
-              </a:rPr>
-              <a:t>UseCase</a:t>
-            </a:r>
-            <a:r>
-              <a:rPr lang="ja-JP" altLang="en-US" b="1">
-                <a:effectLst/>
-                <a:latin typeface="Meiryo UI" panose="020B0604030504040204" pitchFamily="50" charset="-128"/>
-              </a:rPr>
-              <a:t>を考えてみた</a:t>
-            </a:r>
-            <a:endParaRPr kumimoji="1" lang="ja-JP" altLang="en-US" dirty="0"/>
+              <a:rPr kumimoji="1" lang="en-US" altLang="ja-JP" dirty="0" err="1"/>
+              <a:t>GoogleColab</a:t>
+            </a:r>
+            <a:r>
+              <a:rPr kumimoji="1" lang="ja-JP" altLang="en-US"/>
+              <a:t>ファイル</a:t>
+            </a:r>
           </a:p>
         </p:txBody>
       </p:sp>
@@ -12272,7 +12256,7 @@
           <p:cNvPr id="3" name="コンテンツ プレースホルダー 2">
             <a:extLst>
               <a:ext uri="{FF2B5EF4-FFF2-40B4-BE49-F238E27FC236}">
-                <a16:creationId xmlns:a16="http://schemas.microsoft.com/office/drawing/2014/main" id="{9B5389DB-3BEA-2654-6147-F2E094E80009}"/>
+                <a16:creationId xmlns:a16="http://schemas.microsoft.com/office/drawing/2014/main" id="{F652DB2B-C4E0-74DF-26B3-7EBF89F105AD}"/>
               </a:ext>
             </a:extLst>
           </p:cNvPr>
@@ -12289,69 +12273,82 @@
           <a:lstStyle/>
           <a:p>
             <a:r>
-              <a:rPr kumimoji="1" lang="ja-JP" altLang="en-US"/>
-              <a:t>スタンドアロン</a:t>
-            </a:r>
-            <a:r>
-              <a:rPr kumimoji="1" lang="en-US" altLang="ja-JP" dirty="0"/>
-              <a:t>PC</a:t>
-            </a:r>
-            <a:r>
-              <a:rPr kumimoji="1" lang="ja-JP" altLang="en-US"/>
-              <a:t>のソフトの出力がおかしい時に、ログを見てどういう状況にあるのか表示できるんじゃない？？</a:t>
-            </a:r>
+              <a:rPr lang="en-US" altLang="ja-JP" dirty="0"/>
+              <a:t>Google </a:t>
+            </a:r>
+            <a:r>
+              <a:rPr lang="en-US" altLang="ja-JP" dirty="0" err="1"/>
+              <a:t>Colabratory</a:t>
+            </a:r>
+            <a:r>
+              <a:rPr lang="ja-JP" altLang="en-US"/>
+              <a:t>のファイルを用意しました。</a:t>
+            </a:r>
+            <a:endParaRPr lang="en-US" altLang="ja-JP" dirty="0"/>
+          </a:p>
+          <a:p>
             <a:endParaRPr kumimoji="1" lang="en-US" altLang="ja-JP" dirty="0"/>
           </a:p>
           <a:p>
+            <a:r>
+              <a:rPr lang="ja-JP" altLang="en-US"/>
+              <a:t>リンクはこちら</a:t>
+            </a:r>
             <a:endParaRPr lang="en-US" altLang="ja-JP" dirty="0"/>
           </a:p>
           <a:p>
-            <a:r>
-              <a:rPr kumimoji="1" lang="ja-JP" altLang="en-US"/>
-              <a:t>業界の専門用語や、スポーツ用語を学習させて、要約とか、壁うちに使えるといいよね</a:t>
-            </a:r>
             <a:endParaRPr kumimoji="1" lang="en-US" altLang="ja-JP" dirty="0"/>
           </a:p>
           <a:p>
-            <a:endParaRPr lang="en-US" altLang="ja-JP" dirty="0"/>
-          </a:p>
-          <a:p>
-            <a:r>
-              <a:rPr kumimoji="1" lang="en-US" altLang="ja-JP" dirty="0"/>
-              <a:t>ChatGPT</a:t>
-            </a:r>
-            <a:r>
-              <a:rPr kumimoji="1" lang="ja-JP" altLang="en-US"/>
-              <a:t>に聞いてもわからない言葉</a:t>
-            </a:r>
-            <a:endParaRPr kumimoji="1" lang="en-US" altLang="ja-JP"/>
-          </a:p>
-          <a:p>
-            <a:pPr marL="0" indent="0">
-              <a:buNone/>
-            </a:pPr>
-            <a:r>
-              <a:rPr kumimoji="1" lang="ja-JP" altLang="en-US"/>
-              <a:t>視差呼称、はつり、デレッキ、うま、逃げ、刺す、まくる、三味線、フルガス、</a:t>
-            </a:r>
-            <a:r>
-              <a:rPr kumimoji="1" lang="en-US" altLang="ja-JP" dirty="0" err="1"/>
-              <a:t>etc</a:t>
-            </a:r>
-            <a:endParaRPr kumimoji="1" lang="en-US" altLang="ja-JP" dirty="0"/>
-          </a:p>
-          <a:p>
-            <a:endParaRPr lang="en-US" altLang="ja-JP" dirty="0"/>
-          </a:p>
-          <a:p>
+            <a:r>
+              <a:rPr lang="ja-JP" altLang="en-US"/>
+              <a:t>＊＊＊＊＊＊＊＊＊</a:t>
+            </a:r>
             <a:endParaRPr kumimoji="1" lang="ja-JP" altLang="en-US"/>
+          </a:p>
+        </p:txBody>
+      </p:sp>
+      <p:sp>
+        <p:nvSpPr>
+          <p:cNvPr id="4" name="テキスト ボックス 3">
+            <a:extLst>
+              <a:ext uri="{FF2B5EF4-FFF2-40B4-BE49-F238E27FC236}">
+                <a16:creationId xmlns:a16="http://schemas.microsoft.com/office/drawing/2014/main" id="{11DD4208-618C-96F6-C02D-820377899D8C}"/>
+              </a:ext>
+            </a:extLst>
+          </p:cNvPr>
+          <p:cNvSpPr txBox="1"/>
+          <p:nvPr/>
+        </p:nvSpPr>
+        <p:spPr>
+          <a:xfrm rot="1436325">
+            <a:off x="4672615" y="3727048"/>
+            <a:ext cx="4698722" cy="1446550"/>
+          </a:xfrm>
+          <a:prstGeom prst="rect">
+            <a:avLst/>
+          </a:prstGeom>
+          <a:solidFill>
+            <a:schemeClr val="bg1"/>
+          </a:solidFill>
+        </p:spPr>
+        <p:txBody>
+          <a:bodyPr wrap="none" rtlCol="0">
+            <a:spAutoFit/>
+          </a:bodyPr>
+          <a:lstStyle/>
+          <a:p>
+            <a:r>
+              <a:rPr kumimoji="1" lang="ja-JP" altLang="en-US" sz="8800"/>
+              <a:t>リンク未</a:t>
+            </a:r>
           </a:p>
         </p:txBody>
       </p:sp>
     </p:spTree>
     <p:extLst>
       <p:ext uri="{BB962C8B-B14F-4D97-AF65-F5344CB8AC3E}">
-        <p14:creationId xmlns:p14="http://schemas.microsoft.com/office/powerpoint/2010/main" val="1103775789"/>
+        <p14:creationId xmlns:p14="http://schemas.microsoft.com/office/powerpoint/2010/main" val="1184806543"/>
       </p:ext>
     </p:extLst>
   </p:cSld>
@@ -12404,14 +12401,14 @@
                 <a:effectLst/>
                 <a:latin typeface="Meiryo UI" panose="020B0604030504040204" pitchFamily="50" charset="-128"/>
               </a:rPr>
-              <a:t>HuggingFace</a:t>
+              <a:t>UseCase</a:t>
             </a:r>
             <a:r>
               <a:rPr lang="ja-JP" altLang="en-US" b="1">
                 <a:effectLst/>
                 <a:latin typeface="Meiryo UI" panose="020B0604030504040204" pitchFamily="50" charset="-128"/>
               </a:rPr>
-              <a:t>勉強会まとめ</a:t>
+              <a:t>を考えてみた</a:t>
             </a:r>
             <a:endParaRPr kumimoji="1" lang="ja-JP" altLang="en-US" dirty="0"/>
           </a:p>
@@ -12440,68 +12437,68 @@
           <a:p>
             <a:r>
               <a:rPr kumimoji="1" lang="ja-JP" altLang="en-US"/>
-              <a:t>なんやら便利そう</a:t>
+              <a:t>スタンドアロン</a:t>
+            </a:r>
+            <a:r>
+              <a:rPr kumimoji="1" lang="en-US" altLang="ja-JP" dirty="0"/>
+              <a:t>PC</a:t>
+            </a:r>
+            <a:r>
+              <a:rPr kumimoji="1" lang="ja-JP" altLang="en-US"/>
+              <a:t>のソフトの出力がおかしい時に、ログを見てどういう状況にあるのか表示できるんじゃない？？</a:t>
             </a:r>
             <a:endParaRPr kumimoji="1" lang="en-US" altLang="ja-JP" dirty="0"/>
           </a:p>
           <a:p>
-            <a:r>
-              <a:rPr lang="ja-JP" altLang="en-US"/>
-              <a:t>日本語テキストが少ない</a:t>
-            </a:r>
             <a:endParaRPr lang="en-US" altLang="ja-JP" dirty="0"/>
           </a:p>
           <a:p>
             <a:r>
-              <a:rPr lang="ja-JP" altLang="en-US"/>
-              <a:t>ハードルが高く見えるけど、案外そうでもなさそう？</a:t>
-            </a:r>
+              <a:rPr kumimoji="1" lang="ja-JP" altLang="en-US"/>
+              <a:t>業界の専門用語や、スポーツ用語を学習させて、要約とか、壁うちに使えるといいよね</a:t>
+            </a:r>
+            <a:endParaRPr kumimoji="1" lang="en-US" altLang="ja-JP" dirty="0"/>
+          </a:p>
+          <a:p>
             <a:endParaRPr lang="en-US" altLang="ja-JP" dirty="0"/>
           </a:p>
           <a:p>
             <a:r>
-              <a:rPr lang="ja-JP" altLang="en-US"/>
-              <a:t>みんながいれば乗り越えられそう</a:t>
-            </a:r>
+              <a:rPr kumimoji="1" lang="en-US" altLang="ja-JP" dirty="0"/>
+              <a:t>ChatGPT</a:t>
+            </a:r>
+            <a:r>
+              <a:rPr kumimoji="1" lang="ja-JP" altLang="en-US"/>
+              <a:t>に聞いてもわからない言葉</a:t>
+            </a:r>
+            <a:endParaRPr kumimoji="1" lang="en-US" altLang="ja-JP"/>
+          </a:p>
+          <a:p>
+            <a:pPr marL="0" indent="0">
+              <a:buNone/>
+            </a:pPr>
+            <a:r>
+              <a:rPr kumimoji="1" lang="ja-JP" altLang="en-US"/>
+              <a:t>視差呼称、はつり、デレッキ、うま、逃げ、刺す、まくる、三味線、フルガス、</a:t>
+            </a:r>
+            <a:r>
+              <a:rPr kumimoji="1" lang="en-US" altLang="ja-JP" dirty="0" err="1"/>
+              <a:t>etc</a:t>
+            </a:r>
+            <a:endParaRPr kumimoji="1" lang="en-US" altLang="ja-JP" dirty="0"/>
+          </a:p>
+          <a:p>
             <a:endParaRPr lang="en-US" altLang="ja-JP" dirty="0"/>
           </a:p>
           <a:p>
-            <a:endParaRPr lang="en-US" altLang="ja-JP" dirty="0"/>
-          </a:p>
-          <a:p>
-            <a:r>
-              <a:rPr lang="ja-JP" altLang="en-US"/>
-              <a:t>個人的には</a:t>
-            </a:r>
-            <a:r>
-              <a:rPr lang="en-US" altLang="ja-JP" dirty="0"/>
-              <a:t>finetune</a:t>
-            </a:r>
-            <a:r>
-              <a:rPr lang="ja-JP" altLang="en-US"/>
-              <a:t>したりするのに便利そう。</a:t>
-            </a:r>
-            <a:endParaRPr lang="en-US" altLang="ja-JP" dirty="0"/>
-          </a:p>
-          <a:p>
-            <a:r>
-              <a:rPr lang="ja-JP" altLang="en-US"/>
-              <a:t>ローカルモデルの時代が来たら・・・すごいんじゃね？</a:t>
-            </a:r>
-            <a:endParaRPr lang="en-US" altLang="ja-JP" dirty="0"/>
-          </a:p>
-          <a:p>
-            <a:endParaRPr lang="en-US" altLang="ja-JP" dirty="0"/>
-          </a:p>
-          <a:p>
-            <a:endParaRPr lang="en-US" altLang="ja-JP" dirty="0"/>
+            <a:endParaRPr kumimoji="1" lang="ja-JP" altLang="en-US"/>
           </a:p>
         </p:txBody>
       </p:sp>
     </p:spTree>
     <p:extLst>
       <p:ext uri="{BB962C8B-B14F-4D97-AF65-F5344CB8AC3E}">
-        <p14:creationId xmlns:p14="http://schemas.microsoft.com/office/powerpoint/2010/main" val="1720880781"/>
+        <p14:creationId xmlns:p14="http://schemas.microsoft.com/office/powerpoint/2010/main" val="1103775789"/>
       </p:ext>
     </p:extLst>
   </p:cSld>
@@ -12533,6 +12530,156 @@
           <p:cNvPr id="2" name="タイトル 1">
             <a:extLst>
               <a:ext uri="{FF2B5EF4-FFF2-40B4-BE49-F238E27FC236}">
+                <a16:creationId xmlns:a16="http://schemas.microsoft.com/office/drawing/2014/main" id="{CE904FBF-1DB4-091E-F7F9-0CB502C546C6}"/>
+              </a:ext>
+            </a:extLst>
+          </p:cNvPr>
+          <p:cNvSpPr>
+            <a:spLocks noGrp="1"/>
+          </p:cNvSpPr>
+          <p:nvPr>
+            <p:ph type="title"/>
+          </p:nvPr>
+        </p:nvSpPr>
+        <p:spPr/>
+        <p:txBody>
+          <a:bodyPr/>
+          <a:lstStyle/>
+          <a:p>
+            <a:r>
+              <a:rPr lang="en-US" altLang="ja-JP" b="1" dirty="0" err="1">
+                <a:effectLst/>
+                <a:latin typeface="Meiryo UI" panose="020B0604030504040204" pitchFamily="50" charset="-128"/>
+              </a:rPr>
+              <a:t>HuggingFace</a:t>
+            </a:r>
+            <a:r>
+              <a:rPr lang="ja-JP" altLang="en-US" b="1">
+                <a:effectLst/>
+                <a:latin typeface="Meiryo UI" panose="020B0604030504040204" pitchFamily="50" charset="-128"/>
+              </a:rPr>
+              <a:t>勉強会まとめ</a:t>
+            </a:r>
+            <a:endParaRPr kumimoji="1" lang="ja-JP" altLang="en-US" dirty="0"/>
+          </a:p>
+        </p:txBody>
+      </p:sp>
+      <p:sp>
+        <p:nvSpPr>
+          <p:cNvPr id="3" name="コンテンツ プレースホルダー 2">
+            <a:extLst>
+              <a:ext uri="{FF2B5EF4-FFF2-40B4-BE49-F238E27FC236}">
+                <a16:creationId xmlns:a16="http://schemas.microsoft.com/office/drawing/2014/main" id="{9B5389DB-3BEA-2654-6147-F2E094E80009}"/>
+              </a:ext>
+            </a:extLst>
+          </p:cNvPr>
+          <p:cNvSpPr>
+            <a:spLocks noGrp="1"/>
+          </p:cNvSpPr>
+          <p:nvPr>
+            <p:ph idx="1"/>
+          </p:nvPr>
+        </p:nvSpPr>
+        <p:spPr/>
+        <p:txBody>
+          <a:bodyPr/>
+          <a:lstStyle/>
+          <a:p>
+            <a:r>
+              <a:rPr kumimoji="1" lang="ja-JP" altLang="en-US"/>
+              <a:t>なんやら便利そう</a:t>
+            </a:r>
+            <a:endParaRPr kumimoji="1" lang="en-US" altLang="ja-JP" dirty="0"/>
+          </a:p>
+          <a:p>
+            <a:r>
+              <a:rPr lang="ja-JP" altLang="en-US"/>
+              <a:t>日本語テキストが少ない</a:t>
+            </a:r>
+            <a:endParaRPr lang="en-US" altLang="ja-JP" dirty="0"/>
+          </a:p>
+          <a:p>
+            <a:r>
+              <a:rPr lang="ja-JP" altLang="en-US"/>
+              <a:t>ハードルが高く見えるけど、案外そうでもなさそう？</a:t>
+            </a:r>
+            <a:endParaRPr lang="en-US" altLang="ja-JP" dirty="0"/>
+          </a:p>
+          <a:p>
+            <a:r>
+              <a:rPr lang="ja-JP" altLang="en-US"/>
+              <a:t>みんながいれば乗り越えられそう</a:t>
+            </a:r>
+            <a:endParaRPr lang="en-US" altLang="ja-JP" dirty="0"/>
+          </a:p>
+          <a:p>
+            <a:endParaRPr lang="en-US" altLang="ja-JP" dirty="0"/>
+          </a:p>
+          <a:p>
+            <a:r>
+              <a:rPr lang="ja-JP" altLang="en-US"/>
+              <a:t>個人的には</a:t>
+            </a:r>
+            <a:r>
+              <a:rPr lang="en-US" altLang="ja-JP" dirty="0"/>
+              <a:t>finetune</a:t>
+            </a:r>
+            <a:r>
+              <a:rPr lang="ja-JP" altLang="en-US"/>
+              <a:t>したりするのに便利そう。</a:t>
+            </a:r>
+            <a:endParaRPr lang="en-US" altLang="ja-JP" dirty="0"/>
+          </a:p>
+          <a:p>
+            <a:r>
+              <a:rPr lang="ja-JP" altLang="en-US"/>
+              <a:t>ローカルモデルの時代が来たら・・・すごいんじゃね？</a:t>
+            </a:r>
+            <a:endParaRPr lang="en-US" altLang="ja-JP" dirty="0"/>
+          </a:p>
+          <a:p>
+            <a:endParaRPr lang="en-US" altLang="ja-JP" dirty="0"/>
+          </a:p>
+          <a:p>
+            <a:endParaRPr lang="en-US" altLang="ja-JP" dirty="0"/>
+          </a:p>
+        </p:txBody>
+      </p:sp>
+    </p:spTree>
+    <p:extLst>
+      <p:ext uri="{BB962C8B-B14F-4D97-AF65-F5344CB8AC3E}">
+        <p14:creationId xmlns:p14="http://schemas.microsoft.com/office/powerpoint/2010/main" val="1720880781"/>
+      </p:ext>
+    </p:extLst>
+  </p:cSld>
+  <p:clrMapOvr>
+    <a:masterClrMapping/>
+  </p:clrMapOvr>
+</p:sld>
+</file>
+
+<file path=ppt/slides/slide15.xml><?xml version="1.0" encoding="utf-8"?>
+<p:sld xmlns:a="http://schemas.openxmlformats.org/drawingml/2006/main" xmlns:r="http://schemas.openxmlformats.org/officeDocument/2006/relationships" xmlns:p="http://schemas.openxmlformats.org/presentationml/2006/main">
+  <p:cSld>
+    <p:spTree>
+      <p:nvGrpSpPr>
+        <p:cNvPr id="1" name=""/>
+        <p:cNvGrpSpPr/>
+        <p:nvPr/>
+      </p:nvGrpSpPr>
+      <p:grpSpPr>
+        <a:xfrm>
+          <a:off x="0" y="0"/>
+          <a:ext cx="0" cy="0"/>
+          <a:chOff x="0" y="0"/>
+          <a:chExt cx="0" cy="0"/>
+        </a:xfrm>
+      </p:grpSpPr>
+      <p:sp>
+        <p:nvSpPr>
+          <p:cNvPr id="2" name="タイトル 1">
+            <a:extLst>
+              <a:ext uri="{FF2B5EF4-FFF2-40B4-BE49-F238E27FC236}">
                 <a16:creationId xmlns:a16="http://schemas.microsoft.com/office/drawing/2014/main" id="{CC308DA3-6772-947C-BC76-4838B7584C54}"/>
               </a:ext>
             </a:extLst>
@@ -12591,7 +12738,7 @@
 </p:sld>
 </file>
 
-<file path=ppt/slides/slide15.xml><?xml version="1.0" encoding="utf-8"?>
+<file path=ppt/slides/slide16.xml><?xml version="1.0" encoding="utf-8"?>
 <p:sld xmlns:a="http://schemas.openxmlformats.org/drawingml/2006/main" xmlns:r="http://schemas.openxmlformats.org/officeDocument/2006/relationships" xmlns:p="http://schemas.openxmlformats.org/presentationml/2006/main">
   <p:cSld>
     <p:spTree>
@@ -15401,6 +15548,43 @@
           </a:p>
         </p:txBody>
       </p:sp>
+      <p:sp>
+        <p:nvSpPr>
+          <p:cNvPr id="4" name="テキスト ボックス 3">
+            <a:extLst>
+              <a:ext uri="{FF2B5EF4-FFF2-40B4-BE49-F238E27FC236}">
+                <a16:creationId xmlns:a16="http://schemas.microsoft.com/office/drawing/2014/main" id="{4FEAB1EE-AF09-6924-5C18-FFD0A98EC330}"/>
+              </a:ext>
+            </a:extLst>
+          </p:cNvPr>
+          <p:cNvSpPr txBox="1"/>
+          <p:nvPr/>
+        </p:nvSpPr>
+        <p:spPr>
+          <a:xfrm rot="1436325">
+            <a:off x="2618125" y="2858947"/>
+            <a:ext cx="6955750" cy="1446550"/>
+          </a:xfrm>
+          <a:prstGeom prst="rect">
+            <a:avLst/>
+          </a:prstGeom>
+          <a:solidFill>
+            <a:schemeClr val="bg1"/>
+          </a:solidFill>
+        </p:spPr>
+        <p:txBody>
+          <a:bodyPr wrap="none" rtlCol="0">
+            <a:spAutoFit/>
+          </a:bodyPr>
+          <a:lstStyle/>
+          <a:p>
+            <a:r>
+              <a:rPr kumimoji="1" lang="ja-JP" altLang="en-US" sz="8800"/>
+              <a:t>目次は未修正</a:t>
+            </a:r>
+          </a:p>
+        </p:txBody>
+      </p:sp>
     </p:spTree>
     <p:extLst>
       <p:ext uri="{BB962C8B-B14F-4D97-AF65-F5344CB8AC3E}">
@@ -15487,11 +15671,11 @@
           <a:p>
             <a:r>
               <a:rPr lang="ja-JP" altLang="en-US" dirty="0"/>
-              <a:t>製造現場の効率化をの支援する</a:t>
+              <a:t>製造現場</a:t>
             </a:r>
             <a:r>
               <a:rPr lang="ja-JP" altLang="en-US"/>
-              <a:t>おしごと</a:t>
+              <a:t>の効率化の支援をするおしごと</a:t>
             </a:r>
             <a:endParaRPr lang="en-US" altLang="ja-JP" dirty="0"/>
           </a:p>
@@ -16418,7 +16602,7 @@
         </p:spPr>
         <p:txBody>
           <a:bodyPr>
-            <a:normAutofit fontScale="92500" lnSpcReduction="10000"/>
+            <a:normAutofit fontScale="92500" lnSpcReduction="20000"/>
           </a:bodyPr>
           <a:lstStyle/>
           <a:p>
@@ -16455,7 +16639,21 @@
                 <a:latin typeface="Meiryo UI" panose="020B0604030504040204" pitchFamily="34" charset="-128"/>
                 <a:ea typeface="Meiryo UI" panose="020B0604030504040204" pitchFamily="34" charset="-128"/>
               </a:rPr>
-              <a:t>理解をしたくて買った本の大半が</a:t>
+              <a:t>理解をしたくて買った</a:t>
+            </a:r>
+            <a:r>
+              <a:rPr kumimoji="1" lang="ja-JP" altLang="en-US">
+                <a:latin typeface="Meiryo UI" panose="020B0604030504040204" pitchFamily="34" charset="-128"/>
+                <a:ea typeface="Meiryo UI" panose="020B0604030504040204" pitchFamily="34" charset="-128"/>
+              </a:rPr>
+              <a:t>本の大半</a:t>
+            </a:r>
+            <a:r>
+              <a:rPr kumimoji="1" lang="ja-JP" altLang="en-US" dirty="0">
+                <a:latin typeface="Meiryo UI" panose="020B0604030504040204" pitchFamily="34" charset="-128"/>
+                <a:ea typeface="Meiryo UI" panose="020B0604030504040204" pitchFamily="34" charset="-128"/>
+              </a:rPr>
+              <a:t>が</a:t>
             </a:r>
             <a:r>
               <a:rPr kumimoji="1" lang="en-US" altLang="ja-JP" dirty="0">
@@ -16483,8 +16681,21 @@
                 <a:latin typeface="Meiryo UI" panose="020B0604030504040204" pitchFamily="34" charset="-128"/>
                 <a:ea typeface="Meiryo UI" panose="020B0604030504040204" pitchFamily="34" charset="-128"/>
               </a:rPr>
-              <a:t>の本だった。</a:t>
-            </a:r>
+              <a:t>の本</a:t>
+            </a:r>
+            <a:r>
+              <a:rPr lang="ja-JP" altLang="en-US">
+                <a:latin typeface="Meiryo UI" panose="020B0604030504040204" pitchFamily="34" charset="-128"/>
+                <a:ea typeface="Meiryo UI" panose="020B0604030504040204" pitchFamily="34" charset="-128"/>
+              </a:rPr>
+              <a:t>だった。</a:t>
+            </a:r>
+            <a:endParaRPr lang="en-US" altLang="ja-JP" dirty="0">
+              <a:latin typeface="Meiryo UI" panose="020B0604030504040204" pitchFamily="34" charset="-128"/>
+              <a:ea typeface="Meiryo UI" panose="020B0604030504040204" pitchFamily="34" charset="-128"/>
+            </a:endParaRPr>
+          </a:p>
+          <a:p>
             <a:endParaRPr lang="en-US" altLang="ja-JP" dirty="0">
               <a:latin typeface="Meiryo UI" panose="020B0604030504040204" pitchFamily="34" charset="-128"/>
               <a:ea typeface="Meiryo UI" panose="020B0604030504040204" pitchFamily="34" charset="-128"/>
@@ -16554,21 +16765,7 @@
                 <a:latin typeface="Meiryo UI" panose="020B0604030504040204" pitchFamily="34" charset="-128"/>
                 <a:ea typeface="Meiryo UI" panose="020B0604030504040204" pitchFamily="34" charset="-128"/>
               </a:rPr>
-              <a:t>何</a:t>
-            </a:r>
-            <a:r>
-              <a:rPr lang="en-US" altLang="ja-JP" b="1" dirty="0">
-                <a:effectLst>
-                  <a:outerShdw blurRad="38100" dist="38100" dir="2700000" algn="tl">
-                    <a:srgbClr val="000000">
-                      <a:alpha val="43137"/>
-                    </a:srgbClr>
-                  </a:outerShdw>
-                </a:effectLst>
-                <a:latin typeface="Meiryo UI" panose="020B0604030504040204" pitchFamily="34" charset="-128"/>
-                <a:ea typeface="Meiryo UI" panose="020B0604030504040204" pitchFamily="34" charset="-128"/>
-              </a:rPr>
-              <a:t>TB</a:t>
+              <a:t>メモリーに乗り切らない学習</a:t>
             </a:r>
             <a:r>
               <a:rPr lang="ja-JP" altLang="en-US" b="1" dirty="0">
@@ -16582,7 +16779,7 @@
                 <a:latin typeface="Meiryo UI" panose="020B0604030504040204" pitchFamily="34" charset="-128"/>
                 <a:ea typeface="Meiryo UI" panose="020B0604030504040204" pitchFamily="34" charset="-128"/>
               </a:rPr>
-              <a:t>もの学習データ</a:t>
+              <a:t>データ</a:t>
             </a:r>
             <a:r>
               <a:rPr lang="ja-JP" altLang="en-US" b="1">
@@ -16617,7 +16814,9 @@
             </a:endParaRPr>
           </a:p>
           <a:p>
-            <a:pPr lvl="1"/>
+            <a:pPr marL="457200" lvl="1" indent="0">
+              <a:buNone/>
+            </a:pPr>
             <a:r>
               <a:rPr lang="ja-JP" altLang="en-US" dirty="0">
                 <a:latin typeface="Meiryo UI" panose="020B0604030504040204" pitchFamily="34" charset="-128"/>
@@ -16652,7 +16851,9 @@
             </a:endParaRPr>
           </a:p>
           <a:p>
-            <a:pPr lvl="1"/>
+            <a:pPr marL="457200" lvl="1" indent="0">
+              <a:buNone/>
+            </a:pPr>
             <a:r>
               <a:rPr lang="ja-JP" altLang="en-US" dirty="0">
                 <a:latin typeface="Meiryo UI" panose="020B0604030504040204" pitchFamily="34" charset="-128"/>
@@ -17969,31 +18170,6 @@
           <a:chExt cx="0" cy="0"/>
         </a:xfrm>
       </p:grpSpPr>
-      <p:sp>
-        <p:nvSpPr>
-          <p:cNvPr id="2" name="タイトル 1">
-            <a:extLst>
-              <a:ext uri="{FF2B5EF4-FFF2-40B4-BE49-F238E27FC236}">
-                <a16:creationId xmlns:a16="http://schemas.microsoft.com/office/drawing/2014/main" id="{7F7B738D-81FE-6D76-03B5-BE14B433F20D}"/>
-              </a:ext>
-            </a:extLst>
-          </p:cNvPr>
-          <p:cNvSpPr>
-            <a:spLocks noGrp="1"/>
-          </p:cNvSpPr>
-          <p:nvPr>
-            <p:ph type="title"/>
-          </p:nvPr>
-        </p:nvSpPr>
-        <p:spPr/>
-        <p:txBody>
-          <a:bodyPr/>
-          <a:lstStyle/>
-          <a:p>
-            <a:endParaRPr kumimoji="1" lang="ja-JP" altLang="en-US"/>
-          </a:p>
-        </p:txBody>
-      </p:sp>
       <p:pic>
         <p:nvPicPr>
           <p:cNvPr id="5" name="コンテンツ プレースホルダー 4">
@@ -18024,11 +18200,243 @@
         </p:blipFill>
         <p:spPr>
           <a:xfrm>
-            <a:off x="3449310" y="1825625"/>
-            <a:ext cx="5293379" cy="4351338"/>
+            <a:off x="1875099" y="681037"/>
+            <a:ext cx="7361497" cy="6051401"/>
           </a:xfrm>
         </p:spPr>
       </p:pic>
+      <p:sp>
+        <p:nvSpPr>
+          <p:cNvPr id="3" name="テキスト ボックス 2">
+            <a:extLst>
+              <a:ext uri="{FF2B5EF4-FFF2-40B4-BE49-F238E27FC236}">
+                <a16:creationId xmlns:a16="http://schemas.microsoft.com/office/drawing/2014/main" id="{EC9614DC-63E3-3888-4A74-8FD25C251FE0}"/>
+              </a:ext>
+            </a:extLst>
+          </p:cNvPr>
+          <p:cNvSpPr txBox="1"/>
+          <p:nvPr/>
+        </p:nvSpPr>
+        <p:spPr>
+          <a:xfrm>
+            <a:off x="8417770" y="1211753"/>
+            <a:ext cx="580608" cy="523220"/>
+          </a:xfrm>
+          <a:prstGeom prst="rect">
+            <a:avLst/>
+          </a:prstGeom>
+          <a:noFill/>
+        </p:spPr>
+        <p:txBody>
+          <a:bodyPr wrap="none" rtlCol="0">
+            <a:spAutoFit/>
+          </a:bodyPr>
+          <a:lstStyle/>
+          <a:p>
+            <a:r>
+              <a:rPr kumimoji="1" lang="en-US" altLang="ja-JP" sz="2800" dirty="0">
+                <a:solidFill>
+                  <a:schemeClr val="bg1"/>
+                </a:solidFill>
+                <a:latin typeface="Hiragino Kaku Gothic StdN W8" panose="020B0800000000000000" pitchFamily="34" charset="-128"/>
+                <a:ea typeface="Hiragino Kaku Gothic StdN W8" panose="020B0800000000000000" pitchFamily="34" charset="-128"/>
+              </a:rPr>
+              <a:t>B’</a:t>
+            </a:r>
+            <a:endParaRPr kumimoji="1" lang="ja-JP" altLang="en-US" sz="2800">
+              <a:solidFill>
+                <a:schemeClr val="bg1"/>
+              </a:solidFill>
+              <a:latin typeface="Hiragino Kaku Gothic StdN W8" panose="020B0800000000000000" pitchFamily="34" charset="-128"/>
+              <a:ea typeface="Hiragino Kaku Gothic StdN W8" panose="020B0800000000000000" pitchFamily="34" charset="-128"/>
+            </a:endParaRPr>
+          </a:p>
+        </p:txBody>
+      </p:sp>
+      <p:sp>
+        <p:nvSpPr>
+          <p:cNvPr id="4" name="正方形/長方形 3">
+            <a:extLst>
+              <a:ext uri="{FF2B5EF4-FFF2-40B4-BE49-F238E27FC236}">
+                <a16:creationId xmlns:a16="http://schemas.microsoft.com/office/drawing/2014/main" id="{C48A42A3-6095-B3F0-E9CB-B1845EF62881}"/>
+              </a:ext>
+            </a:extLst>
+          </p:cNvPr>
+          <p:cNvSpPr/>
+          <p:nvPr/>
+        </p:nvSpPr>
+        <p:spPr>
+          <a:xfrm>
+            <a:off x="6967969" y="763930"/>
+            <a:ext cx="2202925" cy="5879938"/>
+          </a:xfrm>
+          <a:custGeom>
+            <a:avLst/>
+            <a:gdLst>
+              <a:gd name="connsiteX0" fmla="*/ 0 w 2164456"/>
+              <a:gd name="connsiteY0" fmla="*/ 0 h 5504744"/>
+              <a:gd name="connsiteX1" fmla="*/ 2164456 w 2164456"/>
+              <a:gd name="connsiteY1" fmla="*/ 0 h 5504744"/>
+              <a:gd name="connsiteX2" fmla="*/ 2164456 w 2164456"/>
+              <a:gd name="connsiteY2" fmla="*/ 5504744 h 5504744"/>
+              <a:gd name="connsiteX3" fmla="*/ 0 w 2164456"/>
+              <a:gd name="connsiteY3" fmla="*/ 5504744 h 5504744"/>
+              <a:gd name="connsiteX4" fmla="*/ 0 w 2164456"/>
+              <a:gd name="connsiteY4" fmla="*/ 0 h 5504744"/>
+              <a:gd name="connsiteX0" fmla="*/ 0 w 2187605"/>
+              <a:gd name="connsiteY0" fmla="*/ 370390 h 5875134"/>
+              <a:gd name="connsiteX1" fmla="*/ 2187605 w 2187605"/>
+              <a:gd name="connsiteY1" fmla="*/ 0 h 5875134"/>
+              <a:gd name="connsiteX2" fmla="*/ 2164456 w 2187605"/>
+              <a:gd name="connsiteY2" fmla="*/ 5875134 h 5875134"/>
+              <a:gd name="connsiteX3" fmla="*/ 0 w 2187605"/>
+              <a:gd name="connsiteY3" fmla="*/ 5875134 h 5875134"/>
+              <a:gd name="connsiteX4" fmla="*/ 0 w 2187605"/>
+              <a:gd name="connsiteY4" fmla="*/ 370390 h 5875134"/>
+              <a:gd name="connsiteX0" fmla="*/ 0 w 2187605"/>
+              <a:gd name="connsiteY0" fmla="*/ 370390 h 5875134"/>
+              <a:gd name="connsiteX1" fmla="*/ 1666745 w 2187605"/>
+              <a:gd name="connsiteY1" fmla="*/ 87793 h 5875134"/>
+              <a:gd name="connsiteX2" fmla="*/ 2187605 w 2187605"/>
+              <a:gd name="connsiteY2" fmla="*/ 0 h 5875134"/>
+              <a:gd name="connsiteX3" fmla="*/ 2164456 w 2187605"/>
+              <a:gd name="connsiteY3" fmla="*/ 5875134 h 5875134"/>
+              <a:gd name="connsiteX4" fmla="*/ 0 w 2187605"/>
+              <a:gd name="connsiteY4" fmla="*/ 5875134 h 5875134"/>
+              <a:gd name="connsiteX5" fmla="*/ 0 w 2187605"/>
+              <a:gd name="connsiteY5" fmla="*/ 370390 h 5875134"/>
+              <a:gd name="connsiteX0" fmla="*/ 0 w 2187605"/>
+              <a:gd name="connsiteY0" fmla="*/ 375194 h 5879938"/>
+              <a:gd name="connsiteX1" fmla="*/ 1666745 w 2187605"/>
+              <a:gd name="connsiteY1" fmla="*/ 0 h 5879938"/>
+              <a:gd name="connsiteX2" fmla="*/ 2187605 w 2187605"/>
+              <a:gd name="connsiteY2" fmla="*/ 4804 h 5879938"/>
+              <a:gd name="connsiteX3" fmla="*/ 2164456 w 2187605"/>
+              <a:gd name="connsiteY3" fmla="*/ 5879938 h 5879938"/>
+              <a:gd name="connsiteX4" fmla="*/ 0 w 2187605"/>
+              <a:gd name="connsiteY4" fmla="*/ 5879938 h 5879938"/>
+              <a:gd name="connsiteX5" fmla="*/ 0 w 2187605"/>
+              <a:gd name="connsiteY5" fmla="*/ 375194 h 5879938"/>
+              <a:gd name="connsiteX0" fmla="*/ 0 w 2187605"/>
+              <a:gd name="connsiteY0" fmla="*/ 375194 h 5879938"/>
+              <a:gd name="connsiteX1" fmla="*/ 1261631 w 2187605"/>
+              <a:gd name="connsiteY1" fmla="*/ 104171 h 5879938"/>
+              <a:gd name="connsiteX2" fmla="*/ 1666745 w 2187605"/>
+              <a:gd name="connsiteY2" fmla="*/ 0 h 5879938"/>
+              <a:gd name="connsiteX3" fmla="*/ 2187605 w 2187605"/>
+              <a:gd name="connsiteY3" fmla="*/ 4804 h 5879938"/>
+              <a:gd name="connsiteX4" fmla="*/ 2164456 w 2187605"/>
+              <a:gd name="connsiteY4" fmla="*/ 5879938 h 5879938"/>
+              <a:gd name="connsiteX5" fmla="*/ 0 w 2187605"/>
+              <a:gd name="connsiteY5" fmla="*/ 5879938 h 5879938"/>
+              <a:gd name="connsiteX6" fmla="*/ 0 w 2187605"/>
+              <a:gd name="connsiteY6" fmla="*/ 375194 h 5879938"/>
+              <a:gd name="connsiteX0" fmla="*/ 0 w 2187605"/>
+              <a:gd name="connsiteY0" fmla="*/ 375194 h 5879938"/>
+              <a:gd name="connsiteX1" fmla="*/ 1666745 w 2187605"/>
+              <a:gd name="connsiteY1" fmla="*/ 358814 h 5879938"/>
+              <a:gd name="connsiteX2" fmla="*/ 1666745 w 2187605"/>
+              <a:gd name="connsiteY2" fmla="*/ 0 h 5879938"/>
+              <a:gd name="connsiteX3" fmla="*/ 2187605 w 2187605"/>
+              <a:gd name="connsiteY3" fmla="*/ 4804 h 5879938"/>
+              <a:gd name="connsiteX4" fmla="*/ 2164456 w 2187605"/>
+              <a:gd name="connsiteY4" fmla="*/ 5879938 h 5879938"/>
+              <a:gd name="connsiteX5" fmla="*/ 0 w 2187605"/>
+              <a:gd name="connsiteY5" fmla="*/ 5879938 h 5879938"/>
+              <a:gd name="connsiteX6" fmla="*/ 0 w 2187605"/>
+              <a:gd name="connsiteY6" fmla="*/ 375194 h 5879938"/>
+            </a:gdLst>
+            <a:ahLst/>
+            <a:cxnLst>
+              <a:cxn ang="0">
+                <a:pos x="connsiteX0" y="connsiteY0"/>
+              </a:cxn>
+              <a:cxn ang="0">
+                <a:pos x="connsiteX1" y="connsiteY1"/>
+              </a:cxn>
+              <a:cxn ang="0">
+                <a:pos x="connsiteX2" y="connsiteY2"/>
+              </a:cxn>
+              <a:cxn ang="0">
+                <a:pos x="connsiteX3" y="connsiteY3"/>
+              </a:cxn>
+              <a:cxn ang="0">
+                <a:pos x="connsiteX4" y="connsiteY4"/>
+              </a:cxn>
+              <a:cxn ang="0">
+                <a:pos x="connsiteX5" y="connsiteY5"/>
+              </a:cxn>
+              <a:cxn ang="0">
+                <a:pos x="connsiteX6" y="connsiteY6"/>
+              </a:cxn>
+            </a:cxnLst>
+            <a:rect l="l" t="t" r="r" b="b"/>
+            <a:pathLst>
+              <a:path w="2187605" h="5879938">
+                <a:moveTo>
+                  <a:pt x="0" y="375194"/>
+                </a:moveTo>
+                <a:lnTo>
+                  <a:pt x="1666745" y="358814"/>
+                </a:lnTo>
+                <a:lnTo>
+                  <a:pt x="1666745" y="0"/>
+                </a:lnTo>
+                <a:lnTo>
+                  <a:pt x="2187605" y="4804"/>
+                </a:lnTo>
+                <a:cubicBezTo>
+                  <a:pt x="2179889" y="1963182"/>
+                  <a:pt x="2172172" y="3921560"/>
+                  <a:pt x="2164456" y="5879938"/>
+                </a:cubicBezTo>
+                <a:lnTo>
+                  <a:pt x="0" y="5879938"/>
+                </a:lnTo>
+                <a:lnTo>
+                  <a:pt x="0" y="375194"/>
+                </a:lnTo>
+                <a:close/>
+              </a:path>
+            </a:pathLst>
+          </a:custGeom>
+          <a:noFill/>
+          <a:ln w="57150">
+            <a:solidFill>
+              <a:schemeClr val="accent2">
+                <a:lumMod val="75000"/>
+              </a:schemeClr>
+            </a:solidFill>
+          </a:ln>
+        </p:spPr>
+        <p:style>
+          <a:lnRef idx="2">
+            <a:schemeClr val="accent1">
+              <a:shade val="50000"/>
+            </a:schemeClr>
+          </a:lnRef>
+          <a:fillRef idx="1">
+            <a:schemeClr val="accent1"/>
+          </a:fillRef>
+          <a:effectRef idx="0">
+            <a:schemeClr val="accent1"/>
+          </a:effectRef>
+          <a:fontRef idx="minor">
+            <a:schemeClr val="lt1"/>
+          </a:fontRef>
+        </p:style>
+        <p:txBody>
+          <a:bodyPr rtlCol="0" anchor="ctr"/>
+          <a:lstStyle/>
+          <a:p>
+            <a:pPr algn="ctr"/>
+            <a:endParaRPr kumimoji="1" lang="ja-JP" altLang="en-US" dirty="0">
+              <a:latin typeface="Meiryo UI" panose="020B0604030504040204" pitchFamily="50" charset="-128"/>
+              <a:ea typeface="Meiryo UI" panose="020B0604030504040204" pitchFamily="50" charset="-128"/>
+            </a:endParaRPr>
+          </a:p>
+        </p:txBody>
+      </p:sp>
     </p:spTree>
     <p:extLst>
       <p:ext uri="{BB962C8B-B14F-4D97-AF65-F5344CB8AC3E}">

--- a/huggingface 発表資料.pptx
+++ b/huggingface 発表資料.pptx
@@ -6,7 +6,7 @@
     <p:sldMasterId id="2147483660" r:id="rId2"/>
   </p:sldMasterIdLst>
   <p:notesMasterIdLst>
-    <p:notesMasterId r:id="rId19"/>
+    <p:notesMasterId r:id="rId20"/>
   </p:notesMasterIdLst>
   <p:sldIdLst>
     <p:sldId id="256" r:id="rId3"/>
@@ -24,7 +24,8 @@
     <p:sldId id="260" r:id="rId15"/>
     <p:sldId id="271" r:id="rId16"/>
     <p:sldId id="272" r:id="rId17"/>
-    <p:sldId id="268" r:id="rId18"/>
+    <p:sldId id="276" r:id="rId18"/>
+    <p:sldId id="268" r:id="rId19"/>
   </p:sldIdLst>
   <p:sldSz cx="12192000" cy="6858000"/>
   <p:notesSz cx="6858000" cy="9144000"/>
@@ -12739,6 +12740,261 @@
 </file>
 
 <file path=ppt/slides/slide16.xml><?xml version="1.0" encoding="utf-8"?>
+<p:sld xmlns:a="http://schemas.openxmlformats.org/drawingml/2006/main" xmlns:r="http://schemas.openxmlformats.org/officeDocument/2006/relationships" xmlns:p="http://schemas.openxmlformats.org/presentationml/2006/main">
+  <p:cSld>
+    <p:spTree>
+      <p:nvGrpSpPr>
+        <p:cNvPr id="1" name=""/>
+        <p:cNvGrpSpPr/>
+        <p:nvPr/>
+      </p:nvGrpSpPr>
+      <p:grpSpPr>
+        <a:xfrm>
+          <a:off x="0" y="0"/>
+          <a:ext cx="0" cy="0"/>
+          <a:chOff x="0" y="0"/>
+          <a:chExt cx="0" cy="0"/>
+        </a:xfrm>
+      </p:grpSpPr>
+      <p:sp>
+        <p:nvSpPr>
+          <p:cNvPr id="2" name="タイトル 1">
+            <a:extLst>
+              <a:ext uri="{FF2B5EF4-FFF2-40B4-BE49-F238E27FC236}">
+                <a16:creationId xmlns:a16="http://schemas.microsoft.com/office/drawing/2014/main" id="{F458557E-FF60-2860-CD86-B468EF8D5FEA}"/>
+              </a:ext>
+            </a:extLst>
+          </p:cNvPr>
+          <p:cNvSpPr>
+            <a:spLocks noGrp="1"/>
+          </p:cNvSpPr>
+          <p:nvPr>
+            <p:ph type="title"/>
+          </p:nvPr>
+        </p:nvSpPr>
+        <p:spPr/>
+        <p:txBody>
+          <a:bodyPr/>
+          <a:lstStyle/>
+          <a:p>
+            <a:endParaRPr kumimoji="1" lang="ja-JP" altLang="en-US"/>
+          </a:p>
+        </p:txBody>
+      </p:sp>
+      <p:pic>
+        <p:nvPicPr>
+          <p:cNvPr id="5" name="コンテンツ プレースホルダー 4">
+            <a:extLst>
+              <a:ext uri="{FF2B5EF4-FFF2-40B4-BE49-F238E27FC236}">
+                <a16:creationId xmlns:a16="http://schemas.microsoft.com/office/drawing/2014/main" id="{5DD94EB4-0D15-DD3C-592A-4D658675385B}"/>
+              </a:ext>
+            </a:extLst>
+          </p:cNvPr>
+          <p:cNvPicPr>
+            <a:picLocks noGrp="1" noChangeAspect="1"/>
+          </p:cNvPicPr>
+          <p:nvPr>
+            <p:ph idx="1"/>
+          </p:nvPr>
+        </p:nvPicPr>
+        <p:blipFill>
+          <a:blip r:embed="rId2"/>
+          <a:stretch>
+            <a:fillRect/>
+          </a:stretch>
+        </p:blipFill>
+        <p:spPr>
+          <a:xfrm>
+            <a:off x="3993588" y="6048614"/>
+            <a:ext cx="6146800" cy="203200"/>
+          </a:xfrm>
+          <a:ln>
+            <a:solidFill>
+              <a:schemeClr val="accent1"/>
+            </a:solidFill>
+          </a:ln>
+        </p:spPr>
+      </p:pic>
+      <p:pic>
+        <p:nvPicPr>
+          <p:cNvPr id="7" name="図 6" descr="テキスト&#10;&#10;自動的に生成された説明">
+            <a:extLst>
+              <a:ext uri="{FF2B5EF4-FFF2-40B4-BE49-F238E27FC236}">
+                <a16:creationId xmlns:a16="http://schemas.microsoft.com/office/drawing/2014/main" id="{2D9428CF-7237-5B5A-D325-A2126B9E17FA}"/>
+              </a:ext>
+            </a:extLst>
+          </p:cNvPr>
+          <p:cNvPicPr>
+            <a:picLocks noChangeAspect="1"/>
+          </p:cNvPicPr>
+          <p:nvPr/>
+        </p:nvPicPr>
+        <p:blipFill>
+          <a:blip r:embed="rId3"/>
+          <a:stretch>
+            <a:fillRect/>
+          </a:stretch>
+        </p:blipFill>
+        <p:spPr>
+          <a:xfrm>
+            <a:off x="838200" y="1343654"/>
+            <a:ext cx="7772400" cy="1134169"/>
+          </a:xfrm>
+          <a:prstGeom prst="rect">
+            <a:avLst/>
+          </a:prstGeom>
+        </p:spPr>
+      </p:pic>
+      <p:pic>
+        <p:nvPicPr>
+          <p:cNvPr id="9" name="図 8" descr="グラフィカル ユーザー インターフェイス, テキスト, アプリケーション, メール&#10;&#10;自動的に生成された説明">
+            <a:extLst>
+              <a:ext uri="{FF2B5EF4-FFF2-40B4-BE49-F238E27FC236}">
+                <a16:creationId xmlns:a16="http://schemas.microsoft.com/office/drawing/2014/main" id="{CEFE8A65-F9D3-EA6F-D90E-038FF7B2ED29}"/>
+              </a:ext>
+            </a:extLst>
+          </p:cNvPr>
+          <p:cNvPicPr>
+            <a:picLocks noChangeAspect="1"/>
+          </p:cNvPicPr>
+          <p:nvPr/>
+        </p:nvPicPr>
+        <p:blipFill>
+          <a:blip r:embed="rId4"/>
+          <a:stretch>
+            <a:fillRect/>
+          </a:stretch>
+        </p:blipFill>
+        <p:spPr>
+          <a:xfrm>
+            <a:off x="6562846" y="2384686"/>
+            <a:ext cx="3577542" cy="1972909"/>
+          </a:xfrm>
+          <a:prstGeom prst="rect">
+            <a:avLst/>
+          </a:prstGeom>
+          <a:ln>
+            <a:solidFill>
+              <a:schemeClr val="accent1"/>
+            </a:solidFill>
+          </a:ln>
+        </p:spPr>
+      </p:pic>
+      <p:sp>
+        <p:nvSpPr>
+          <p:cNvPr id="13" name="テキスト ボックス 12">
+            <a:extLst>
+              <a:ext uri="{FF2B5EF4-FFF2-40B4-BE49-F238E27FC236}">
+                <a16:creationId xmlns:a16="http://schemas.microsoft.com/office/drawing/2014/main" id="{DE48C8ED-60F1-3945-F31A-BE3FA432DB91}"/>
+              </a:ext>
+            </a:extLst>
+          </p:cNvPr>
+          <p:cNvSpPr txBox="1"/>
+          <p:nvPr/>
+        </p:nvSpPr>
+        <p:spPr>
+          <a:xfrm>
+            <a:off x="484369" y="4270442"/>
+            <a:ext cx="5889262" cy="2031325"/>
+          </a:xfrm>
+          <a:prstGeom prst="rect">
+            <a:avLst/>
+          </a:prstGeom>
+          <a:noFill/>
+        </p:spPr>
+        <p:txBody>
+          <a:bodyPr wrap="square">
+            <a:spAutoFit/>
+          </a:bodyPr>
+          <a:lstStyle/>
+          <a:p>
+            <a:r>
+              <a:rPr lang="ja-JP" altLang="en-US"/>
+              <a:t>時々認証が必要</a:t>
+            </a:r>
+            <a:endParaRPr lang="en-US" altLang="ja-JP" dirty="0"/>
+          </a:p>
+          <a:p>
+            <a:pPr marL="285750" indent="-285750">
+              <a:buFont typeface="Arial" panose="020B0604020202020204" pitchFamily="34" charset="0"/>
+              <a:buChar char="•"/>
+            </a:pPr>
+            <a:r>
+              <a:rPr lang="en-US" altLang="ja-JP" dirty="0"/>
+              <a:t>Notebook</a:t>
+            </a:r>
+            <a:r>
+              <a:rPr lang="ja-JP" altLang="en-US"/>
+              <a:t>形式</a:t>
+            </a:r>
+            <a:endParaRPr lang="en-US" altLang="ja-JP" dirty="0"/>
+          </a:p>
+          <a:p>
+            <a:r>
+              <a:rPr lang="en-US" altLang="ja-JP" dirty="0"/>
+              <a:t>from </a:t>
+            </a:r>
+            <a:r>
+              <a:rPr lang="en-US" altLang="ja-JP" dirty="0" err="1"/>
+              <a:t>huggingface_hub</a:t>
+            </a:r>
+            <a:r>
+              <a:rPr lang="en-US" altLang="ja-JP" dirty="0"/>
+              <a:t> import </a:t>
+            </a:r>
+            <a:r>
+              <a:rPr lang="en-US" altLang="ja-JP" dirty="0" err="1"/>
+              <a:t>notebook_login</a:t>
+            </a:r>
+            <a:endParaRPr lang="en-US" altLang="ja-JP" dirty="0"/>
+          </a:p>
+          <a:p>
+            <a:r>
+              <a:rPr lang="ja-JP" altLang="en-US"/>
+              <a:t>notebook_login()</a:t>
+            </a:r>
+          </a:p>
+          <a:p>
+            <a:endParaRPr lang="en-US" altLang="ja-JP" dirty="0"/>
+          </a:p>
+          <a:p>
+            <a:pPr marL="285750" indent="-285750">
+              <a:buFont typeface="Arial" panose="020B0604020202020204" pitchFamily="34" charset="0"/>
+              <a:buChar char="•"/>
+            </a:pPr>
+            <a:r>
+              <a:rPr lang="ja-JP" altLang="en-US"/>
+              <a:t>コマンドライン</a:t>
+            </a:r>
+            <a:endParaRPr lang="en-US" altLang="ja-JP" dirty="0"/>
+          </a:p>
+          <a:p>
+            <a:r>
+              <a:rPr lang="en-US" altLang="ja-JP" dirty="0" err="1"/>
+              <a:t>huggingface</a:t>
+            </a:r>
+            <a:r>
+              <a:rPr lang="en-US" altLang="ja-JP" dirty="0"/>
+              <a:t>-cli login</a:t>
+            </a:r>
+            <a:endParaRPr lang="ja-JP" altLang="en-US"/>
+          </a:p>
+        </p:txBody>
+      </p:sp>
+    </p:spTree>
+    <p:extLst>
+      <p:ext uri="{BB962C8B-B14F-4D97-AF65-F5344CB8AC3E}">
+        <p14:creationId xmlns:p14="http://schemas.microsoft.com/office/powerpoint/2010/main" val="2253416344"/>
+      </p:ext>
+    </p:extLst>
+  </p:cSld>
+  <p:clrMapOvr>
+    <a:masterClrMapping/>
+  </p:clrMapOvr>
+</p:sld>
+</file>
+
+<file path=ppt/slides/slide17.xml><?xml version="1.0" encoding="utf-8"?>
 <p:sld xmlns:a="http://schemas.openxmlformats.org/drawingml/2006/main" xmlns:r="http://schemas.openxmlformats.org/officeDocument/2006/relationships" xmlns:p="http://schemas.openxmlformats.org/presentationml/2006/main">
   <p:cSld>
     <p:spTree>

--- a/huggingface 発表資料.pptx
+++ b/huggingface 発表資料.pptx
@@ -217,7 +217,7 @@
           <a:p>
             <a:fld id="{0F6FE6BF-8118-024B-9766-ED4AD7D6B4B0}" type="datetimeFigureOut">
               <a:rPr kumimoji="1" lang="ja-JP" altLang="en-US" smtClean="0"/>
-              <a:t>2024/7/9</a:t>
+              <a:t>2024/7/11</a:t>
             </a:fld>
             <a:endParaRPr kumimoji="1" lang="ja-JP" altLang="en-US"/>
           </a:p>
@@ -845,7 +845,7 @@
           <a:p>
             <a:fld id="{B8C65C57-92FB-BC43-A324-D710D72DFC87}" type="datetimeFigureOut">
               <a:rPr kumimoji="1" lang="ja-JP" altLang="en-US" smtClean="0"/>
-              <a:t>2024/7/9</a:t>
+              <a:t>2024/7/11</a:t>
             </a:fld>
             <a:endParaRPr kumimoji="1" lang="ja-JP" altLang="en-US"/>
           </a:p>
@@ -1115,7 +1115,7 @@
           <a:p>
             <a:fld id="{B8C65C57-92FB-BC43-A324-D710D72DFC87}" type="datetimeFigureOut">
               <a:rPr kumimoji="1" lang="ja-JP" altLang="en-US" smtClean="0"/>
-              <a:t>2024/7/9</a:t>
+              <a:t>2024/7/11</a:t>
             </a:fld>
             <a:endParaRPr kumimoji="1" lang="ja-JP" altLang="en-US"/>
           </a:p>
@@ -1385,7 +1385,7 @@
           <a:p>
             <a:fld id="{B8C65C57-92FB-BC43-A324-D710D72DFC87}" type="datetimeFigureOut">
               <a:rPr kumimoji="1" lang="ja-JP" altLang="en-US" smtClean="0"/>
-              <a:t>2024/7/9</a:t>
+              <a:t>2024/7/11</a:t>
             </a:fld>
             <a:endParaRPr kumimoji="1" lang="ja-JP" altLang="en-US"/>
           </a:p>
@@ -1621,7 +1621,7 @@
           <a:p>
             <a:fld id="{38CF457C-A655-4B46-9667-899D8A188CFD}" type="datetimeFigureOut">
               <a:rPr kumimoji="1" lang="ja-JP" altLang="en-US" smtClean="0"/>
-              <a:t>2024/7/9</a:t>
+              <a:t>2024/7/11</a:t>
             </a:fld>
             <a:endParaRPr kumimoji="1" lang="ja-JP" altLang="en-US"/>
           </a:p>
@@ -1851,7 +1851,7 @@
           <a:p>
             <a:fld id="{38CF457C-A655-4B46-9667-899D8A188CFD}" type="datetimeFigureOut">
               <a:rPr kumimoji="1" lang="ja-JP" altLang="en-US" smtClean="0"/>
-              <a:t>2024/7/9</a:t>
+              <a:t>2024/7/11</a:t>
             </a:fld>
             <a:endParaRPr kumimoji="1" lang="ja-JP" altLang="en-US"/>
           </a:p>
@@ -2126,7 +2126,7 @@
           <a:p>
             <a:fld id="{38CF457C-A655-4B46-9667-899D8A188CFD}" type="datetimeFigureOut">
               <a:rPr kumimoji="1" lang="ja-JP" altLang="en-US" smtClean="0"/>
-              <a:t>2024/7/9</a:t>
+              <a:t>2024/7/11</a:t>
             </a:fld>
             <a:endParaRPr kumimoji="1" lang="ja-JP" altLang="en-US"/>
           </a:p>
@@ -2455,7 +2455,7 @@
           <a:p>
             <a:fld id="{38CF457C-A655-4B46-9667-899D8A188CFD}" type="datetimeFigureOut">
               <a:rPr kumimoji="1" lang="ja-JP" altLang="en-US" smtClean="0"/>
-              <a:t>2024/7/9</a:t>
+              <a:t>2024/7/11</a:t>
             </a:fld>
             <a:endParaRPr kumimoji="1" lang="ja-JP" altLang="en-US"/>
           </a:p>
@@ -2931,7 +2931,7 @@
           <a:p>
             <a:fld id="{38CF457C-A655-4B46-9667-899D8A188CFD}" type="datetimeFigureOut">
               <a:rPr kumimoji="1" lang="ja-JP" altLang="en-US" smtClean="0"/>
-              <a:t>2024/7/9</a:t>
+              <a:t>2024/7/11</a:t>
             </a:fld>
             <a:endParaRPr kumimoji="1" lang="ja-JP" altLang="en-US"/>
           </a:p>
@@ -3072,7 +3072,7 @@
           <a:p>
             <a:fld id="{38CF457C-A655-4B46-9667-899D8A188CFD}" type="datetimeFigureOut">
               <a:rPr kumimoji="1" lang="ja-JP" altLang="en-US" smtClean="0"/>
-              <a:t>2024/7/9</a:t>
+              <a:t>2024/7/11</a:t>
             </a:fld>
             <a:endParaRPr kumimoji="1" lang="ja-JP" altLang="en-US"/>
           </a:p>
@@ -3185,7 +3185,7 @@
           <a:p>
             <a:fld id="{38CF457C-A655-4B46-9667-899D8A188CFD}" type="datetimeFigureOut">
               <a:rPr kumimoji="1" lang="ja-JP" altLang="en-US" smtClean="0"/>
-              <a:t>2024/7/9</a:t>
+              <a:t>2024/7/11</a:t>
             </a:fld>
             <a:endParaRPr kumimoji="1" lang="ja-JP" altLang="en-US"/>
           </a:p>
@@ -3528,7 +3528,7 @@
           <a:p>
             <a:fld id="{38CF457C-A655-4B46-9667-899D8A188CFD}" type="datetimeFigureOut">
               <a:rPr kumimoji="1" lang="ja-JP" altLang="en-US" smtClean="0"/>
-              <a:t>2024/7/9</a:t>
+              <a:t>2024/7/11</a:t>
             </a:fld>
             <a:endParaRPr kumimoji="1" lang="ja-JP" altLang="en-US"/>
           </a:p>
@@ -3782,7 +3782,7 @@
           <a:p>
             <a:fld id="{B8C65C57-92FB-BC43-A324-D710D72DFC87}" type="datetimeFigureOut">
               <a:rPr kumimoji="1" lang="ja-JP" altLang="en-US" smtClean="0"/>
-              <a:t>2024/7/9</a:t>
+              <a:t>2024/7/11</a:t>
             </a:fld>
             <a:endParaRPr kumimoji="1" lang="ja-JP" altLang="en-US"/>
           </a:p>
@@ -4086,7 +4086,7 @@
           <a:p>
             <a:fld id="{38CF457C-A655-4B46-9667-899D8A188CFD}" type="datetimeFigureOut">
               <a:rPr kumimoji="1" lang="ja-JP" altLang="en-US" smtClean="0"/>
-              <a:t>2024/7/9</a:t>
+              <a:t>2024/7/11</a:t>
             </a:fld>
             <a:endParaRPr kumimoji="1" lang="ja-JP" altLang="en-US"/>
           </a:p>
@@ -4316,7 +4316,7 @@
           <a:p>
             <a:fld id="{38CF457C-A655-4B46-9667-899D8A188CFD}" type="datetimeFigureOut">
               <a:rPr kumimoji="1" lang="ja-JP" altLang="en-US" smtClean="0"/>
-              <a:t>2024/7/9</a:t>
+              <a:t>2024/7/11</a:t>
             </a:fld>
             <a:endParaRPr kumimoji="1" lang="ja-JP" altLang="en-US"/>
           </a:p>
@@ -4556,7 +4556,7 @@
           <a:p>
             <a:fld id="{38CF457C-A655-4B46-9667-899D8A188CFD}" type="datetimeFigureOut">
               <a:rPr kumimoji="1" lang="ja-JP" altLang="en-US" smtClean="0"/>
-              <a:t>2024/7/9</a:t>
+              <a:t>2024/7/11</a:t>
             </a:fld>
             <a:endParaRPr kumimoji="1" lang="ja-JP" altLang="en-US"/>
           </a:p>
@@ -4845,7 +4845,7 @@
           <a:p>
             <a:fld id="{B8C65C57-92FB-BC43-A324-D710D72DFC87}" type="datetimeFigureOut">
               <a:rPr kumimoji="1" lang="ja-JP" altLang="en-US" smtClean="0"/>
-              <a:t>2024/7/9</a:t>
+              <a:t>2024/7/11</a:t>
             </a:fld>
             <a:endParaRPr kumimoji="1" lang="ja-JP" altLang="en-US"/>
           </a:p>
@@ -5212,7 +5212,7 @@
           <a:p>
             <a:fld id="{B8C65C57-92FB-BC43-A324-D710D72DFC87}" type="datetimeFigureOut">
               <a:rPr kumimoji="1" lang="ja-JP" altLang="en-US" smtClean="0"/>
-              <a:t>2024/7/9</a:t>
+              <a:t>2024/7/11</a:t>
             </a:fld>
             <a:endParaRPr kumimoji="1" lang="ja-JP" altLang="en-US"/>
           </a:p>
@@ -5727,7 +5727,7 @@
           <a:p>
             <a:fld id="{B8C65C57-92FB-BC43-A324-D710D72DFC87}" type="datetimeFigureOut">
               <a:rPr kumimoji="1" lang="ja-JP" altLang="en-US" smtClean="0"/>
-              <a:t>2024/7/9</a:t>
+              <a:t>2024/7/11</a:t>
             </a:fld>
             <a:endParaRPr kumimoji="1" lang="ja-JP" altLang="en-US"/>
           </a:p>
@@ -5900,7 +5900,7 @@
           <a:p>
             <a:fld id="{B8C65C57-92FB-BC43-A324-D710D72DFC87}" type="datetimeFigureOut">
               <a:rPr kumimoji="1" lang="ja-JP" altLang="en-US" smtClean="0"/>
-              <a:t>2024/7/9</a:t>
+              <a:t>2024/7/11</a:t>
             </a:fld>
             <a:endParaRPr kumimoji="1" lang="ja-JP" altLang="en-US"/>
           </a:p>
@@ -6371,7 +6371,7 @@
           <a:p>
             <a:fld id="{B8C65C57-92FB-BC43-A324-D710D72DFC87}" type="datetimeFigureOut">
               <a:rPr kumimoji="1" lang="ja-JP" altLang="en-US" smtClean="0"/>
-              <a:t>2024/7/9</a:t>
+              <a:t>2024/7/11</a:t>
             </a:fld>
             <a:endParaRPr kumimoji="1" lang="ja-JP" altLang="en-US"/>
           </a:p>
@@ -6692,7 +6692,7 @@
           <a:p>
             <a:fld id="{B8C65C57-92FB-BC43-A324-D710D72DFC87}" type="datetimeFigureOut">
               <a:rPr kumimoji="1" lang="ja-JP" altLang="en-US" smtClean="0"/>
-              <a:t>2024/7/9</a:t>
+              <a:t>2024/7/11</a:t>
             </a:fld>
             <a:endParaRPr kumimoji="1" lang="ja-JP" altLang="en-US"/>
           </a:p>
@@ -9555,7 +9555,7 @@
           <a:p>
             <a:fld id="{38CF457C-A655-4B46-9667-899D8A188CFD}" type="datetimeFigureOut">
               <a:rPr kumimoji="1" lang="ja-JP" altLang="en-US" smtClean="0"/>
-              <a:t>2024/7/9</a:t>
+              <a:t>2024/7/11</a:t>
             </a:fld>
             <a:endParaRPr kumimoji="1" lang="ja-JP" altLang="en-US"/>
           </a:p>
@@ -10996,18 +10996,11 @@
           <a:lstStyle/>
           <a:p>
             <a:r>
-              <a:rPr lang="en-US" altLang="ja-JP" b="1" dirty="0">
-                <a:effectLst/>
-                <a:latin typeface="Meiryo UI" panose="020B0604030504040204" pitchFamily="50" charset="-128"/>
-              </a:rPr>
-              <a:t>Hands-on</a:t>
-            </a:r>
-            <a:r>
               <a:rPr lang="ja-JP" altLang="en-US" b="1">
                 <a:effectLst/>
                 <a:latin typeface="Meiryo UI" panose="020B0604030504040204" pitchFamily="50" charset="-128"/>
               </a:rPr>
-              <a:t>のためのデモ</a:t>
+              <a:t>デモンストレーション</a:t>
             </a:r>
             <a:endParaRPr kumimoji="1" lang="ja-JP" altLang="en-US" dirty="0"/>
           </a:p>
@@ -12242,13 +12235,14 @@
           <a:lstStyle/>
           <a:p>
             <a:r>
-              <a:rPr kumimoji="1" lang="en-US" altLang="ja-JP" dirty="0" err="1"/>
+              <a:rPr kumimoji="1" lang="en-US" altLang="ja-JP" b="1" dirty="0" err="1"/>
               <a:t>GoogleColab</a:t>
             </a:r>
             <a:r>
-              <a:rPr kumimoji="1" lang="ja-JP" altLang="en-US"/>
-              <a:t>ファイル</a:t>
-            </a:r>
+              <a:rPr lang="ja-JP" altLang="en-US" b="1"/>
+              <a:t>で使ってみる</a:t>
+            </a:r>
+            <a:endParaRPr kumimoji="1" lang="ja-JP" altLang="en-US" b="1"/>
           </a:p>
         </p:txBody>
       </p:sp>
@@ -12302,8 +12296,20 @@
           </a:p>
           <a:p>
             <a:r>
+              <a:rPr lang="en-US" altLang="ja-JP" dirty="0"/>
+              <a:t>Microsoft</a:t>
+            </a:r>
+            <a:r>
               <a:rPr lang="ja-JP" altLang="en-US"/>
-              <a:t>＊＊＊＊＊＊＊＊＊</a:t>
+              <a:t>の</a:t>
+            </a:r>
+            <a:r>
+              <a:rPr lang="en-US" altLang="ja-JP" dirty="0"/>
+              <a:t>Phi-1.5</a:t>
+            </a:r>
+            <a:r>
+              <a:rPr lang="ja-JP" altLang="en-US"/>
+              <a:t>を使ってみる</a:t>
             </a:r>
             <a:endParaRPr kumimoji="1" lang="ja-JP" altLang="en-US"/>
           </a:p>
@@ -12323,7 +12329,7 @@
         </p:nvSpPr>
         <p:spPr>
           <a:xfrm rot="1436325">
-            <a:off x="4672615" y="3727048"/>
+            <a:off x="6321305" y="2175339"/>
             <a:ext cx="4698722" cy="1446550"/>
           </a:xfrm>
           <a:prstGeom prst="rect">
@@ -12409,7 +12415,7 @@
                 <a:effectLst/>
                 <a:latin typeface="Meiryo UI" panose="020B0604030504040204" pitchFamily="50" charset="-128"/>
               </a:rPr>
-              <a:t>を考えてみた</a:t>
+              <a:t>を考えてみよう</a:t>
             </a:r>
             <a:endParaRPr kumimoji="1" lang="ja-JP" altLang="en-US" dirty="0"/>
           </a:p>
@@ -12431,22 +12437,27 @@
             <p:ph idx="1"/>
           </p:nvPr>
         </p:nvSpPr>
-        <p:spPr/>
+        <p:spPr>
+          <a:xfrm>
+            <a:off x="838200" y="1825625"/>
+            <a:ext cx="5943600" cy="4351338"/>
+          </a:xfrm>
+        </p:spPr>
         <p:txBody>
           <a:bodyPr/>
           <a:lstStyle/>
           <a:p>
             <a:r>
               <a:rPr kumimoji="1" lang="ja-JP" altLang="en-US"/>
-              <a:t>スタンドアロン</a:t>
+              <a:t>ローカル</a:t>
             </a:r>
             <a:r>
               <a:rPr kumimoji="1" lang="en-US" altLang="ja-JP" dirty="0"/>
-              <a:t>PC</a:t>
+              <a:t>LLM</a:t>
             </a:r>
             <a:r>
               <a:rPr kumimoji="1" lang="ja-JP" altLang="en-US"/>
-              <a:t>のソフトの出力がおかしい時に、ログを見てどういう状況にあるのか表示できるんじゃない？？</a:t>
+              <a:t>に活路があるんじゃないか？</a:t>
             </a:r>
             <a:endParaRPr kumimoji="1" lang="en-US" altLang="ja-JP" dirty="0"/>
           </a:p>
@@ -12456,43 +12467,228 @@
           <a:p>
             <a:r>
               <a:rPr kumimoji="1" lang="ja-JP" altLang="en-US"/>
-              <a:t>業界の専門用語や、スポーツ用語を学習させて、要約とか、壁うちに使えるといいよね</a:t>
+              <a:t>業界の専門用語</a:t>
             </a:r>
             <a:endParaRPr kumimoji="1" lang="en-US" altLang="ja-JP" dirty="0"/>
           </a:p>
           <a:p>
-            <a:endParaRPr lang="en-US" altLang="ja-JP" dirty="0"/>
-          </a:p>
-          <a:p>
-            <a:r>
-              <a:rPr kumimoji="1" lang="en-US" altLang="ja-JP" dirty="0"/>
-              <a:t>ChatGPT</a:t>
-            </a:r>
-            <a:r>
-              <a:rPr kumimoji="1" lang="ja-JP" altLang="en-US"/>
-              <a:t>に聞いてもわからない言葉</a:t>
-            </a:r>
-            <a:endParaRPr kumimoji="1" lang="en-US" altLang="ja-JP"/>
-          </a:p>
-          <a:p>
-            <a:pPr marL="0" indent="0">
+            <a:pPr marL="627063" indent="0">
               <a:buNone/>
             </a:pPr>
             <a:r>
+              <a:rPr kumimoji="1" lang="ja-JP" altLang="en-US" b="1"/>
+              <a:t>視差呼称</a:t>
+            </a:r>
+            <a:r>
               <a:rPr kumimoji="1" lang="ja-JP" altLang="en-US"/>
-              <a:t>視差呼称、はつり、デレッキ、うま、逃げ、刺す、まくる、三味線、フルガス、</a:t>
-            </a:r>
-            <a:r>
-              <a:rPr kumimoji="1" lang="en-US" altLang="ja-JP" dirty="0" err="1"/>
-              <a:t>etc</a:t>
+              <a:t>、はつり、デレッキ、うま</a:t>
             </a:r>
             <a:endParaRPr kumimoji="1" lang="en-US" altLang="ja-JP" dirty="0"/>
           </a:p>
           <a:p>
+            <a:pPr marL="627063" indent="0">
+              <a:buNone/>
+            </a:pPr>
+            <a:endParaRPr kumimoji="1" lang="en-US" altLang="ja-JP" dirty="0"/>
+          </a:p>
+          <a:p>
+            <a:pPr marL="627063" indent="0">
+              <a:buNone/>
+            </a:pPr>
+            <a:r>
+              <a:rPr kumimoji="1" lang="ja-JP" altLang="en-US" b="1"/>
+              <a:t>逃げ</a:t>
+            </a:r>
+            <a:r>
+              <a:rPr kumimoji="1" lang="ja-JP" altLang="en-US"/>
+              <a:t>、刺す、芋掘り、三味線・・・</a:t>
+            </a:r>
+            <a:endParaRPr kumimoji="1" lang="en-US" altLang="ja-JP" dirty="0"/>
+          </a:p>
+          <a:p>
             <a:endParaRPr lang="en-US" altLang="ja-JP" dirty="0"/>
           </a:p>
           <a:p>
             <a:endParaRPr kumimoji="1" lang="ja-JP" altLang="en-US"/>
+          </a:p>
+        </p:txBody>
+      </p:sp>
+      <p:pic>
+        <p:nvPicPr>
+          <p:cNvPr id="5" name="図 4" descr="人, 建物, 男, 立つ が含まれている画像&#10;&#10;自動的に生成された説明">
+            <a:extLst>
+              <a:ext uri="{FF2B5EF4-FFF2-40B4-BE49-F238E27FC236}">
+                <a16:creationId xmlns:a16="http://schemas.microsoft.com/office/drawing/2014/main" id="{1E7347A8-460D-A7E3-4C58-CC134051086F}"/>
+              </a:ext>
+            </a:extLst>
+          </p:cNvPr>
+          <p:cNvPicPr>
+            <a:picLocks noChangeAspect="1"/>
+          </p:cNvPicPr>
+          <p:nvPr/>
+        </p:nvPicPr>
+        <p:blipFill>
+          <a:blip r:embed="rId2" cstate="screen">
+            <a:extLst>
+              <a:ext uri="{BEBA8EAE-BF5A-486C-A8C5-ECC9F3942E4B}">
+                <a14:imgProps xmlns:a14="http://schemas.microsoft.com/office/drawing/2010/main">
+                  <a14:imgLayer r:embed="rId3">
+                    <a14:imgEffect>
+                      <a14:brightnessContrast bright="8000"/>
+                    </a14:imgEffect>
+                  </a14:imgLayer>
+                </a14:imgProps>
+              </a:ext>
+              <a:ext uri="{28A0092B-C50C-407E-A947-70E740481C1C}">
+                <a14:useLocalDpi xmlns:a14="http://schemas.microsoft.com/office/drawing/2010/main"/>
+              </a:ext>
+            </a:extLst>
+          </a:blip>
+          <a:stretch>
+            <a:fillRect/>
+          </a:stretch>
+        </p:blipFill>
+        <p:spPr>
+          <a:xfrm>
+            <a:off x="7067548" y="1584540"/>
+            <a:ext cx="2159579" cy="2159579"/>
+          </a:xfrm>
+          <a:prstGeom prst="rect">
+            <a:avLst/>
+          </a:prstGeom>
+        </p:spPr>
+      </p:pic>
+      <p:pic>
+        <p:nvPicPr>
+          <p:cNvPr id="11" name="グラフィックス 10" descr="右向き指示マーク 単色塗りつぶし">
+            <a:extLst>
+              <a:ext uri="{FF2B5EF4-FFF2-40B4-BE49-F238E27FC236}">
+                <a16:creationId xmlns:a16="http://schemas.microsoft.com/office/drawing/2014/main" id="{7360A822-A3F0-B8F3-5478-0ADE1E34E6F7}"/>
+              </a:ext>
+            </a:extLst>
+          </p:cNvPr>
+          <p:cNvPicPr>
+            <a:picLocks noChangeAspect="1"/>
+          </p:cNvPicPr>
+          <p:nvPr/>
+        </p:nvPicPr>
+        <p:blipFill>
+          <a:blip r:embed="rId4">
+            <a:extLst>
+              <a:ext uri="{96DAC541-7B7A-43D3-8B79-37D633B846F1}">
+                <asvg:svgBlip xmlns:asvg="http://schemas.microsoft.com/office/drawing/2016/SVG/main" r:embed="rId5"/>
+              </a:ext>
+            </a:extLst>
+          </a:blip>
+          <a:stretch>
+            <a:fillRect/>
+          </a:stretch>
+        </p:blipFill>
+        <p:spPr>
+          <a:xfrm rot="19499759">
+            <a:off x="7666981" y="2056753"/>
+            <a:ext cx="737226" cy="737226"/>
+          </a:xfrm>
+          <a:prstGeom prst="rect">
+            <a:avLst/>
+          </a:prstGeom>
+        </p:spPr>
+      </p:pic>
+      <p:pic>
+        <p:nvPicPr>
+          <p:cNvPr id="13" name="図 12" descr="道路を走るバイクに乗る人&#10;&#10;自動的に生成された説明">
+            <a:extLst>
+              <a:ext uri="{FF2B5EF4-FFF2-40B4-BE49-F238E27FC236}">
+                <a16:creationId xmlns:a16="http://schemas.microsoft.com/office/drawing/2014/main" id="{371C8EDC-BDC3-3677-28FB-6DBFC71D0D1C}"/>
+              </a:ext>
+            </a:extLst>
+          </p:cNvPr>
+          <p:cNvPicPr>
+            <a:picLocks noChangeAspect="1"/>
+          </p:cNvPicPr>
+          <p:nvPr/>
+        </p:nvPicPr>
+        <p:blipFill>
+          <a:blip r:embed="rId6" cstate="screen">
+            <a:extLst>
+              <a:ext uri="{BEBA8EAE-BF5A-486C-A8C5-ECC9F3942E4B}">
+                <a14:imgProps xmlns:a14="http://schemas.microsoft.com/office/drawing/2010/main">
+                  <a14:imgLayer r:embed="rId7">
+                    <a14:imgEffect>
+                      <a14:brightnessContrast bright="25000"/>
+                    </a14:imgEffect>
+                  </a14:imgLayer>
+                </a14:imgProps>
+              </a:ext>
+              <a:ext uri="{28A0092B-C50C-407E-A947-70E740481C1C}">
+                <a14:useLocalDpi xmlns:a14="http://schemas.microsoft.com/office/drawing/2010/main"/>
+              </a:ext>
+            </a:extLst>
+          </a:blip>
+          <a:stretch>
+            <a:fillRect/>
+          </a:stretch>
+        </p:blipFill>
+        <p:spPr>
+          <a:xfrm>
+            <a:off x="7067548" y="3894281"/>
+            <a:ext cx="3207758" cy="2138506"/>
+          </a:xfrm>
+          <a:prstGeom prst="rect">
+            <a:avLst/>
+          </a:prstGeom>
+        </p:spPr>
+      </p:pic>
+      <p:sp>
+        <p:nvSpPr>
+          <p:cNvPr id="15" name="テキスト ボックス 14">
+            <a:extLst>
+              <a:ext uri="{FF2B5EF4-FFF2-40B4-BE49-F238E27FC236}">
+                <a16:creationId xmlns:a16="http://schemas.microsoft.com/office/drawing/2014/main" id="{1D84EA15-1F3D-8A57-8D0B-5715E467DC6F}"/>
+              </a:ext>
+            </a:extLst>
+          </p:cNvPr>
+          <p:cNvSpPr txBox="1"/>
+          <p:nvPr/>
+        </p:nvSpPr>
+        <p:spPr>
+          <a:xfrm>
+            <a:off x="6979534" y="5990093"/>
+            <a:ext cx="3703900" cy="276999"/>
+          </a:xfrm>
+          <a:prstGeom prst="rect">
+            <a:avLst/>
+          </a:prstGeom>
+          <a:noFill/>
+        </p:spPr>
+        <p:txBody>
+          <a:bodyPr wrap="square">
+            <a:spAutoFit/>
+          </a:bodyPr>
+          <a:lstStyle/>
+          <a:p>
+            <a:r>
+              <a:rPr lang="en-US" altLang="ja-JP" sz="1200" b="0" i="1" u="none" strike="noStrike" dirty="0">
+                <a:effectLst/>
+                <a:latin typeface="Georgia, serif"/>
+              </a:rPr>
+              <a:t>©︎KINAN Racing Team / </a:t>
+            </a:r>
+            <a:r>
+              <a:rPr lang="en-US" altLang="ja-JP" sz="1200" b="0" i="1" u="none" strike="noStrike" dirty="0" err="1">
+                <a:effectLst/>
+                <a:latin typeface="Georgia, serif"/>
+              </a:rPr>
+              <a:t>Syunsuke</a:t>
+            </a:r>
+            <a:r>
+              <a:rPr lang="en-US" altLang="ja-JP" sz="1200" b="0" i="1" u="none" strike="noStrike" dirty="0">
+                <a:effectLst/>
+                <a:latin typeface="Georgia, serif"/>
+              </a:rPr>
+              <a:t> FUKUMITSU</a:t>
+            </a:r>
+            <a:endParaRPr lang="ja-JP" altLang="en-US" sz="1200"/>
           </a:p>
         </p:txBody>
       </p:sp>
@@ -12548,18 +12744,11 @@
           <a:lstStyle/>
           <a:p>
             <a:r>
-              <a:rPr lang="en-US" altLang="ja-JP" b="1" dirty="0" err="1">
-                <a:effectLst/>
-                <a:latin typeface="Meiryo UI" panose="020B0604030504040204" pitchFamily="50" charset="-128"/>
-              </a:rPr>
-              <a:t>HuggingFace</a:t>
-            </a:r>
-            <a:r>
               <a:rPr lang="ja-JP" altLang="en-US" b="1">
                 <a:effectLst/>
                 <a:latin typeface="Meiryo UI" panose="020B0604030504040204" pitchFamily="50" charset="-128"/>
               </a:rPr>
-              <a:t>勉強会まとめ</a:t>
+              <a:t>まとめ</a:t>
             </a:r>
             <a:endParaRPr kumimoji="1" lang="ja-JP" altLang="en-US" dirty="0"/>
           </a:p>
@@ -12608,34 +12797,12 @@
           </a:p>
           <a:p>
             <a:r>
-              <a:rPr lang="ja-JP" altLang="en-US"/>
-              <a:t>みんながいれば乗り越えられそう</a:t>
-            </a:r>
-            <a:endParaRPr lang="en-US" altLang="ja-JP" dirty="0"/>
-          </a:p>
-          <a:p>
-            <a:endParaRPr lang="en-US" altLang="ja-JP" dirty="0"/>
-          </a:p>
-          <a:p>
-            <a:r>
-              <a:rPr lang="ja-JP" altLang="en-US"/>
-              <a:t>個人的には</a:t>
-            </a:r>
-            <a:r>
-              <a:rPr lang="en-US" altLang="ja-JP" dirty="0"/>
-              <a:t>finetune</a:t>
-            </a:r>
-            <a:r>
-              <a:rPr lang="ja-JP" altLang="en-US"/>
-              <a:t>したりするのに便利そう。</a:t>
-            </a:r>
-            <a:endParaRPr lang="en-US" altLang="ja-JP" dirty="0"/>
-          </a:p>
-          <a:p>
-            <a:r>
-              <a:rPr lang="ja-JP" altLang="en-US"/>
-              <a:t>ローカルモデルの時代が来たら・・・すごいんじゃね？</a:t>
-            </a:r>
+              <a:rPr lang="ja-JP" altLang="en-US" b="1"/>
+              <a:t>みんなで使ってみようぜ！</a:t>
+            </a:r>
+            <a:endParaRPr lang="en-US" altLang="ja-JP" b="1" dirty="0"/>
+          </a:p>
+          <a:p>
             <a:endParaRPr lang="en-US" altLang="ja-JP" dirty="0"/>
           </a:p>
           <a:p>
@@ -15694,10 +15861,10 @@
       </p:sp>
       <p:sp>
         <p:nvSpPr>
-          <p:cNvPr id="3" name="コンテンツ プレースホルダー 2">
-            <a:extLst>
-              <a:ext uri="{FF2B5EF4-FFF2-40B4-BE49-F238E27FC236}">
-                <a16:creationId xmlns:a16="http://schemas.microsoft.com/office/drawing/2014/main" id="{97F79653-616B-17E3-FB52-28D852F03B3D}"/>
+          <p:cNvPr id="9" name="コンテンツ プレースホルダー 2">
+            <a:extLst>
+              <a:ext uri="{FF2B5EF4-FFF2-40B4-BE49-F238E27FC236}">
+                <a16:creationId xmlns:a16="http://schemas.microsoft.com/office/drawing/2014/main" id="{0683964A-0BED-07D3-5AFB-3B6CBA808047}"/>
               </a:ext>
             </a:extLst>
           </p:cNvPr>
@@ -15708,9 +15875,16 @@
             <p:ph idx="1"/>
           </p:nvPr>
         </p:nvSpPr>
-        <p:spPr/>
-        <p:txBody>
-          <a:bodyPr/>
+        <p:spPr>
+          <a:xfrm>
+            <a:off x="838200" y="1825625"/>
+            <a:ext cx="10515600" cy="4351338"/>
+          </a:xfrm>
+        </p:spPr>
+        <p:txBody>
+          <a:bodyPr>
+            <a:normAutofit fontScale="92500" lnSpcReduction="10000"/>
+          </a:bodyPr>
           <a:lstStyle/>
           <a:p>
             <a:r>
@@ -15765,79 +15939,81 @@
           </a:p>
           <a:p>
             <a:r>
+              <a:rPr lang="ja-JP" altLang="en-US" b="1">
+                <a:effectLst/>
+              </a:rPr>
+              <a:t>デモンストレーション</a:t>
+            </a:r>
+            <a:endParaRPr lang="en-US" altLang="ja-JP" b="1" dirty="0">
+              <a:effectLst/>
+            </a:endParaRPr>
+          </a:p>
+          <a:p>
+            <a:pPr lvl="1"/>
+            <a:r>
+              <a:rPr lang="en-US" altLang="ja-JP" b="1" dirty="0"/>
+              <a:t>LLM</a:t>
+            </a:r>
+            <a:r>
+              <a:rPr lang="ja-JP" altLang="en-US" b="1"/>
+              <a:t>の処理をイメージする</a:t>
+            </a:r>
+            <a:endParaRPr lang="en-US" altLang="ja-JP" b="1" dirty="0"/>
+          </a:p>
+          <a:p>
+            <a:pPr lvl="1"/>
+            <a:r>
               <a:rPr lang="en-US" altLang="ja-JP" b="1" dirty="0">
                 <a:effectLst/>
               </a:rPr>
-              <a:t>Transformers</a:t>
-            </a:r>
-            <a:r>
-              <a:rPr lang="ja-JP" altLang="en-US" b="1" dirty="0">
+              <a:t>Google </a:t>
+            </a:r>
+            <a:r>
+              <a:rPr lang="en-US" altLang="ja-JP" b="1" dirty="0" err="1">
                 <a:effectLst/>
               </a:rPr>
-              <a:t>ライブラリの基礎</a:t>
-            </a:r>
-          </a:p>
-          <a:p>
-            <a:r>
-              <a:rPr lang="en-US" altLang="ja-JP" b="1" dirty="0">
+              <a:t>Colab</a:t>
+            </a:r>
+            <a:r>
+              <a:rPr lang="ja-JP" altLang="en-US" b="1">
                 <a:effectLst/>
               </a:rPr>
-              <a:t>Hands-on</a:t>
-            </a:r>
-            <a:r>
-              <a:rPr lang="ja-JP" altLang="en-US" b="1" dirty="0">
+              <a:t>で使ってみる</a:t>
+            </a:r>
+            <a:endParaRPr lang="ja-JP" altLang="en-US" b="1" dirty="0">
+              <a:effectLst/>
+            </a:endParaRPr>
+          </a:p>
+          <a:p>
+            <a:r>
+              <a:rPr lang="en-US" altLang="ja-JP" b="1" dirty="0" err="1">
                 <a:effectLst/>
               </a:rPr>
-              <a:t>デモ</a:t>
-            </a:r>
-          </a:p>
-          <a:p>
-            <a:r>
-              <a:rPr lang="ja-JP" altLang="en-US" b="1" dirty="0">
+              <a:t>UseCase</a:t>
+            </a:r>
+            <a:r>
+              <a:rPr lang="ja-JP" altLang="en-US" b="1">
                 <a:effectLst/>
               </a:rPr>
-              <a:t>実際の使用ケーススタディ</a:t>
-            </a:r>
+              <a:t>を考えてみよう</a:t>
+            </a:r>
+            <a:endParaRPr lang="en-US" altLang="ja-JP" b="1" dirty="0">
+              <a:effectLst/>
+            </a:endParaRPr>
+          </a:p>
+          <a:p>
+            <a:r>
+              <a:rPr lang="ja-JP" altLang="en-US" b="1">
+                <a:effectLst/>
+              </a:rPr>
+              <a:t>まとめ</a:t>
+            </a:r>
+            <a:endParaRPr lang="ja-JP" altLang="en-US" b="1" dirty="0">
+              <a:effectLst/>
+            </a:endParaRPr>
           </a:p>
           <a:p>
             <a:endParaRPr kumimoji="1" lang="ja-JP" altLang="en-US" b="1" dirty="0"/>
-          </a:p>
-        </p:txBody>
-      </p:sp>
-      <p:sp>
-        <p:nvSpPr>
-          <p:cNvPr id="4" name="テキスト ボックス 3">
-            <a:extLst>
-              <a:ext uri="{FF2B5EF4-FFF2-40B4-BE49-F238E27FC236}">
-                <a16:creationId xmlns:a16="http://schemas.microsoft.com/office/drawing/2014/main" id="{4FEAB1EE-AF09-6924-5C18-FFD0A98EC330}"/>
-              </a:ext>
-            </a:extLst>
-          </p:cNvPr>
-          <p:cNvSpPr txBox="1"/>
-          <p:nvPr/>
-        </p:nvSpPr>
-        <p:spPr>
-          <a:xfrm rot="1436325">
-            <a:off x="2618125" y="2858947"/>
-            <a:ext cx="6955750" cy="1446550"/>
-          </a:xfrm>
-          <a:prstGeom prst="rect">
-            <a:avLst/>
-          </a:prstGeom>
-          <a:solidFill>
-            <a:schemeClr val="bg1"/>
-          </a:solidFill>
-        </p:spPr>
-        <p:txBody>
-          <a:bodyPr wrap="none" rtlCol="0">
-            <a:spAutoFit/>
-          </a:bodyPr>
-          <a:lstStyle/>
-          <a:p>
-            <a:r>
-              <a:rPr kumimoji="1" lang="ja-JP" altLang="en-US" sz="8800"/>
-              <a:t>目次は未修正</a:t>
-            </a:r>
           </a:p>
         </p:txBody>
       </p:sp>
@@ -15964,8 +16140,24 @@
               <a:t>/AI</a:t>
             </a:r>
             <a:r>
-              <a:rPr lang="ja-JP" altLang="en-US" sz="2000" dirty="0"/>
-              <a:t>活用）</a:t>
+              <a:rPr lang="ja-JP" altLang="en-US" sz="2000"/>
+              <a:t>活用</a:t>
+            </a:r>
+            <a:r>
+              <a:rPr lang="en-US" altLang="ja-JP" sz="2000" dirty="0"/>
+              <a:t>/</a:t>
+            </a:r>
+            <a:r>
+              <a:rPr lang="ja-JP" altLang="en-US" sz="2000"/>
+              <a:t>ザ・</a:t>
+            </a:r>
+            <a:r>
+              <a:rPr lang="en-US" altLang="ja-JP" sz="2000" dirty="0"/>
+              <a:t>JTC</a:t>
+            </a:r>
+            <a:r>
+              <a:rPr lang="ja-JP" altLang="en-US" sz="2000"/>
+              <a:t>）</a:t>
             </a:r>
             <a:endParaRPr lang="en-US" altLang="ja-JP" dirty="0"/>
           </a:p>
@@ -16012,10 +16204,10 @@
       </p:sp>
       <p:pic>
         <p:nvPicPr>
-          <p:cNvPr id="9" name="図 8" descr="テキスト&#10;&#10;中程度の精度で自動的に生成された説明">
-            <a:extLst>
-              <a:ext uri="{FF2B5EF4-FFF2-40B4-BE49-F238E27FC236}">
-                <a16:creationId xmlns:a16="http://schemas.microsoft.com/office/drawing/2014/main" id="{3B6C5A2A-95BA-40E8-8421-17691ECA0BD1}"/>
+          <p:cNvPr id="19" name="図 18" descr="ダイアグラム&#10;&#10;自動的に生成された説明">
+            <a:extLst>
+              <a:ext uri="{FF2B5EF4-FFF2-40B4-BE49-F238E27FC236}">
+                <a16:creationId xmlns:a16="http://schemas.microsoft.com/office/drawing/2014/main" id="{7EC26165-4291-FA01-59C1-C02458EA11E2}"/>
               </a:ext>
             </a:extLst>
           </p:cNvPr>
@@ -16026,6 +16218,18 @@
         </p:nvPicPr>
         <p:blipFill>
           <a:blip r:embed="rId2" cstate="email">
+            <a:clrChange>
+              <a:clrFrom>
+                <a:srgbClr val="000000">
+                  <a:alpha val="0"/>
+                </a:srgbClr>
+              </a:clrFrom>
+              <a:clrTo>
+                <a:srgbClr val="000000">
+                  <a:alpha val="0"/>
+                </a:srgbClr>
+              </a:clrTo>
+            </a:clrChange>
             <a:extLst>
               <a:ext uri="{28A0092B-C50C-407E-A947-70E740481C1C}">
                 <a14:useLocalDpi xmlns:a14="http://schemas.microsoft.com/office/drawing/2010/main"/>
@@ -16038,8 +16242,8 @@
         </p:blipFill>
         <p:spPr>
           <a:xfrm>
-            <a:off x="8183258" y="-1184025"/>
-            <a:ext cx="1525294" cy="652445"/>
+            <a:off x="5532289" y="4155003"/>
+            <a:ext cx="1628875" cy="1628875"/>
           </a:xfrm>
           <a:prstGeom prst="rect">
             <a:avLst/>
@@ -16048,10 +16252,10 @@
       </p:pic>
       <p:pic>
         <p:nvPicPr>
-          <p:cNvPr id="11" name="図 10" descr="図形 が含まれている画像&#10;&#10;自動的に生成された説明">
-            <a:extLst>
-              <a:ext uri="{FF2B5EF4-FFF2-40B4-BE49-F238E27FC236}">
-                <a16:creationId xmlns:a16="http://schemas.microsoft.com/office/drawing/2014/main" id="{5C0789EE-64EC-51AE-901D-F0D2685AF981}"/>
+          <p:cNvPr id="17" name="図 16" descr="黒い背景に白い文字がある&#10;&#10;低い精度で自動的に生成された説明">
+            <a:extLst>
+              <a:ext uri="{FF2B5EF4-FFF2-40B4-BE49-F238E27FC236}">
+                <a16:creationId xmlns:a16="http://schemas.microsoft.com/office/drawing/2014/main" id="{90E5FCB2-6777-6BE6-D87D-4228FE5BD75A}"/>
               </a:ext>
             </a:extLst>
           </p:cNvPr>
@@ -16060,21 +16264,162 @@
           </p:cNvPicPr>
           <p:nvPr/>
         </p:nvPicPr>
-        <p:blipFill rotWithShape="1">
+        <p:blipFill>
           <a:blip r:embed="rId3" cstate="email">
+            <a:clrChange>
+              <a:clrFrom>
+                <a:srgbClr val="000000">
+                  <a:alpha val="0"/>
+                </a:srgbClr>
+              </a:clrFrom>
+              <a:clrTo>
+                <a:srgbClr val="000000">
+                  <a:alpha val="0"/>
+                </a:srgbClr>
+              </a:clrTo>
+            </a:clrChange>
             <a:extLst>
               <a:ext uri="{28A0092B-C50C-407E-A947-70E740481C1C}">
                 <a14:useLocalDpi xmlns:a14="http://schemas.microsoft.com/office/drawing/2010/main"/>
               </a:ext>
             </a:extLst>
           </a:blip>
-          <a:srcRect/>
-          <a:stretch/>
+          <a:stretch>
+            <a:fillRect/>
+          </a:stretch>
         </p:blipFill>
         <p:spPr>
           <a:xfrm>
-            <a:off x="9946989" y="-1149802"/>
-            <a:ext cx="1525294" cy="688328"/>
+            <a:off x="3919071" y="4155003"/>
+            <a:ext cx="1628875" cy="1628875"/>
+          </a:xfrm>
+          <a:prstGeom prst="rect">
+            <a:avLst/>
+          </a:prstGeom>
+        </p:spPr>
+      </p:pic>
+      <p:pic>
+        <p:nvPicPr>
+          <p:cNvPr id="31" name="図 30" descr="ダイアグラム&#10;&#10;自動的に生成された説明">
+            <a:extLst>
+              <a:ext uri="{FF2B5EF4-FFF2-40B4-BE49-F238E27FC236}">
+                <a16:creationId xmlns:a16="http://schemas.microsoft.com/office/drawing/2014/main" id="{EB0D8A36-EFBD-C4D9-B4CD-1A3A7EC05877}"/>
+              </a:ext>
+            </a:extLst>
+          </p:cNvPr>
+          <p:cNvPicPr>
+            <a:picLocks noChangeAspect="1"/>
+          </p:cNvPicPr>
+          <p:nvPr/>
+        </p:nvPicPr>
+        <p:blipFill>
+          <a:blip r:embed="rId4" cstate="email">
+            <a:clrChange>
+              <a:clrFrom>
+                <a:srgbClr val="FFFFFF"/>
+              </a:clrFrom>
+              <a:clrTo>
+                <a:srgbClr val="FFFFFF">
+                  <a:alpha val="0"/>
+                </a:srgbClr>
+              </a:clrTo>
+            </a:clrChange>
+            <a:extLst>
+              <a:ext uri="{28A0092B-C50C-407E-A947-70E740481C1C}">
+                <a14:useLocalDpi xmlns:a14="http://schemas.microsoft.com/office/drawing/2010/main"/>
+              </a:ext>
+            </a:extLst>
+          </a:blip>
+          <a:stretch>
+            <a:fillRect/>
+          </a:stretch>
+        </p:blipFill>
+        <p:spPr>
+          <a:xfrm>
+            <a:off x="2305854" y="4155003"/>
+            <a:ext cx="1628875" cy="1628875"/>
+          </a:xfrm>
+          <a:prstGeom prst="rect">
+            <a:avLst/>
+          </a:prstGeom>
+        </p:spPr>
+      </p:pic>
+      <p:pic>
+        <p:nvPicPr>
+          <p:cNvPr id="15" name="図 14" descr="ダイアグラム&#10;&#10;自動的に生成された説明">
+            <a:extLst>
+              <a:ext uri="{FF2B5EF4-FFF2-40B4-BE49-F238E27FC236}">
+                <a16:creationId xmlns:a16="http://schemas.microsoft.com/office/drawing/2014/main" id="{284ADFB0-6B82-2F78-F173-6A678A6A6E14}"/>
+              </a:ext>
+            </a:extLst>
+          </p:cNvPr>
+          <p:cNvPicPr>
+            <a:picLocks noChangeAspect="1"/>
+          </p:cNvPicPr>
+          <p:nvPr/>
+        </p:nvPicPr>
+        <p:blipFill>
+          <a:blip r:embed="rId5" cstate="email">
+            <a:clrChange>
+              <a:clrFrom>
+                <a:srgbClr val="FFFFFF"/>
+              </a:clrFrom>
+              <a:clrTo>
+                <a:srgbClr val="FFFFFF">
+                  <a:alpha val="0"/>
+                </a:srgbClr>
+              </a:clrTo>
+            </a:clrChange>
+            <a:extLst>
+              <a:ext uri="{28A0092B-C50C-407E-A947-70E740481C1C}">
+                <a14:useLocalDpi xmlns:a14="http://schemas.microsoft.com/office/drawing/2010/main"/>
+              </a:ext>
+            </a:extLst>
+          </a:blip>
+          <a:stretch>
+            <a:fillRect/>
+          </a:stretch>
+        </p:blipFill>
+        <p:spPr>
+          <a:xfrm>
+            <a:off x="692637" y="4155003"/>
+            <a:ext cx="1628875" cy="1628875"/>
+          </a:xfrm>
+          <a:prstGeom prst="rect">
+            <a:avLst/>
+          </a:prstGeom>
+        </p:spPr>
+      </p:pic>
+      <p:pic>
+        <p:nvPicPr>
+          <p:cNvPr id="6" name="図 5" descr="人, 野球, 男, 持つ が含まれている画像&#10;&#10;自動的に生成された説明">
+            <a:extLst>
+              <a:ext uri="{FF2B5EF4-FFF2-40B4-BE49-F238E27FC236}">
+                <a16:creationId xmlns:a16="http://schemas.microsoft.com/office/drawing/2014/main" id="{C06A6648-3AA0-1820-7874-0660FCB2CF3A}"/>
+              </a:ext>
+            </a:extLst>
+          </p:cNvPr>
+          <p:cNvPicPr>
+            <a:picLocks noChangeAspect="1"/>
+          </p:cNvPicPr>
+          <p:nvPr/>
+        </p:nvPicPr>
+        <p:blipFill>
+          <a:blip r:embed="rId6" cstate="screen">
+            <a:extLst>
+              <a:ext uri="{28A0092B-C50C-407E-A947-70E740481C1C}">
+                <a14:useLocalDpi xmlns:a14="http://schemas.microsoft.com/office/drawing/2010/main"/>
+              </a:ext>
+            </a:extLst>
+          </a:blip>
+          <a:stretch>
+            <a:fillRect/>
+          </a:stretch>
+        </p:blipFill>
+        <p:spPr>
+          <a:xfrm>
+            <a:off x="8514150" y="1690688"/>
+            <a:ext cx="2305613" cy="2305613"/>
           </a:xfrm>
           <a:prstGeom prst="rect">
             <a:avLst/>
@@ -16083,10 +16428,10 @@
       </p:pic>
       <p:grpSp>
         <p:nvGrpSpPr>
-          <p:cNvPr id="4" name="グループ化 3">
-            <a:extLst>
-              <a:ext uri="{FF2B5EF4-FFF2-40B4-BE49-F238E27FC236}">
-                <a16:creationId xmlns:a16="http://schemas.microsoft.com/office/drawing/2014/main" id="{0311B1F2-8C39-1D19-EAE9-9D3130EFC395}"/>
+          <p:cNvPr id="7" name="グループ化 6">
+            <a:extLst>
+              <a:ext uri="{FF2B5EF4-FFF2-40B4-BE49-F238E27FC236}">
+                <a16:creationId xmlns:a16="http://schemas.microsoft.com/office/drawing/2014/main" id="{247AE496-71C9-BCE6-267D-20B393365C4A}"/>
               </a:ext>
             </a:extLst>
           </p:cNvPr>
@@ -16095,60 +16440,12 @@
         </p:nvGrpSpPr>
         <p:grpSpPr>
           <a:xfrm>
-            <a:off x="692637" y="4155003"/>
-            <a:ext cx="10400655" cy="1628875"/>
-            <a:chOff x="692637" y="4155003"/>
-            <a:chExt cx="10400655" cy="1628875"/>
+            <a:off x="7422477" y="4137861"/>
+            <a:ext cx="3860800" cy="2180662"/>
+            <a:chOff x="7329877" y="4450378"/>
+            <a:chExt cx="3860800" cy="2180662"/>
           </a:xfrm>
         </p:grpSpPr>
-        <p:pic>
-          <p:nvPicPr>
-            <p:cNvPr id="19" name="図 18" descr="ダイアグラム&#10;&#10;自動的に生成された説明">
-              <a:extLst>
-                <a:ext uri="{FF2B5EF4-FFF2-40B4-BE49-F238E27FC236}">
-                  <a16:creationId xmlns:a16="http://schemas.microsoft.com/office/drawing/2014/main" id="{7EC26165-4291-FA01-59C1-C02458EA11E2}"/>
-                </a:ext>
-              </a:extLst>
-            </p:cNvPr>
-            <p:cNvPicPr>
-              <a:picLocks noChangeAspect="1"/>
-            </p:cNvPicPr>
-            <p:nvPr/>
-          </p:nvPicPr>
-          <p:blipFill>
-            <a:blip r:embed="rId4" cstate="email">
-              <a:clrChange>
-                <a:clrFrom>
-                  <a:srgbClr val="000000">
-                    <a:alpha val="0"/>
-                  </a:srgbClr>
-                </a:clrFrom>
-                <a:clrTo>
-                  <a:srgbClr val="000000">
-                    <a:alpha val="0"/>
-                  </a:srgbClr>
-                </a:clrTo>
-              </a:clrChange>
-              <a:extLst>
-                <a:ext uri="{28A0092B-C50C-407E-A947-70E740481C1C}">
-                  <a14:useLocalDpi xmlns:a14="http://schemas.microsoft.com/office/drawing/2010/main"/>
-                </a:ext>
-              </a:extLst>
-            </a:blip>
-            <a:stretch>
-              <a:fillRect/>
-            </a:stretch>
-          </p:blipFill>
-          <p:spPr>
-            <a:xfrm>
-              <a:off x="5532289" y="4155003"/>
-              <a:ext cx="1628875" cy="1628875"/>
-            </a:xfrm>
-            <a:prstGeom prst="rect">
-              <a:avLst/>
-            </a:prstGeom>
-          </p:spPr>
-        </p:pic>
         <p:pic>
           <p:nvPicPr>
             <p:cNvPr id="21" name="図 20" descr="ロゴ&#10;&#10;自動的に生成された説明">
@@ -16164,7 +16461,7 @@
             <p:nvPr/>
           </p:nvPicPr>
           <p:blipFill>
-            <a:blip r:embed="rId5" cstate="email">
+            <a:blip r:embed="rId7" cstate="email">
               <a:extLst>
                 <a:ext uri="{28A0092B-C50C-407E-A947-70E740481C1C}">
                   <a14:useLocalDpi xmlns:a14="http://schemas.microsoft.com/office/drawing/2010/main"/>
@@ -16200,7 +16497,7 @@
             <p:nvPr/>
           </p:nvPicPr>
           <p:blipFill>
-            <a:blip r:embed="rId6" cstate="email">
+            <a:blip r:embed="rId8" cstate="email">
               <a:extLst>
                 <a:ext uri="{28A0092B-C50C-407E-A947-70E740481C1C}">
                   <a14:useLocalDpi xmlns:a14="http://schemas.microsoft.com/office/drawing/2010/main"/>
@@ -16236,7 +16533,7 @@
             <p:nvPr/>
           </p:nvPicPr>
           <p:blipFill>
-            <a:blip r:embed="rId7" cstate="email">
+            <a:blip r:embed="rId9" cstate="email">
               <a:extLst>
                 <a:ext uri="{28A0092B-C50C-407E-A947-70E740481C1C}">
                   <a14:useLocalDpi xmlns:a14="http://schemas.microsoft.com/office/drawing/2010/main"/>
@@ -16259,181 +16556,50 @@
         </p:pic>
         <p:pic>
           <p:nvPicPr>
-            <p:cNvPr id="17" name="図 16" descr="黒い背景に白い文字がある&#10;&#10;低い精度で自動的に生成された説明">
+            <p:cNvPr id="1026" name="Picture 2">
               <a:extLst>
                 <a:ext uri="{FF2B5EF4-FFF2-40B4-BE49-F238E27FC236}">
-                  <a16:creationId xmlns:a16="http://schemas.microsoft.com/office/drawing/2014/main" id="{90E5FCB2-6777-6BE6-D87D-4228FE5BD75A}"/>
+                  <a16:creationId xmlns:a16="http://schemas.microsoft.com/office/drawing/2014/main" id="{589871DC-22A2-C54E-06FB-CFDCECE7EA51}"/>
                 </a:ext>
               </a:extLst>
             </p:cNvPr>
             <p:cNvPicPr>
-              <a:picLocks noChangeAspect="1"/>
+              <a:picLocks noChangeAspect="1" noChangeArrowheads="1"/>
             </p:cNvPicPr>
             <p:nvPr/>
           </p:nvPicPr>
-          <p:blipFill>
-            <a:blip r:embed="rId8" cstate="email">
-              <a:clrChange>
-                <a:clrFrom>
-                  <a:srgbClr val="000000">
-                    <a:alpha val="0"/>
-                  </a:srgbClr>
-                </a:clrFrom>
-                <a:clrTo>
-                  <a:srgbClr val="000000">
-                    <a:alpha val="0"/>
-                  </a:srgbClr>
-                </a:clrTo>
-              </a:clrChange>
+          <p:blipFill rotWithShape="1">
+            <a:blip r:embed="rId10" cstate="print">
               <a:extLst>
                 <a:ext uri="{28A0092B-C50C-407E-A947-70E740481C1C}">
                   <a14:useLocalDpi xmlns:a14="http://schemas.microsoft.com/office/drawing/2010/main"/>
                 </a:ext>
               </a:extLst>
             </a:blip>
-            <a:stretch>
-              <a:fillRect/>
-            </a:stretch>
+            <a:srcRect/>
+            <a:stretch/>
           </p:blipFill>
-          <p:spPr>
+          <p:spPr bwMode="auto">
             <a:xfrm>
-              <a:off x="3919071" y="4155003"/>
-              <a:ext cx="1628875" cy="1628875"/>
+              <a:off x="7329877" y="5681915"/>
+              <a:ext cx="3860800" cy="949125"/>
             </a:xfrm>
             <a:prstGeom prst="rect">
               <a:avLst/>
             </a:prstGeom>
-          </p:spPr>
-        </p:pic>
-        <p:pic>
-          <p:nvPicPr>
-            <p:cNvPr id="31" name="図 30" descr="ダイアグラム&#10;&#10;自動的に生成された説明">
-              <a:extLst>
-                <a:ext uri="{FF2B5EF4-FFF2-40B4-BE49-F238E27FC236}">
-                  <a16:creationId xmlns:a16="http://schemas.microsoft.com/office/drawing/2014/main" id="{EB0D8A36-EFBD-C4D9-B4CD-1A3A7EC05877}"/>
-                </a:ext>
-              </a:extLst>
-            </p:cNvPr>
-            <p:cNvPicPr>
-              <a:picLocks noChangeAspect="1"/>
-            </p:cNvPicPr>
-            <p:nvPr/>
-          </p:nvPicPr>
-          <p:blipFill>
-            <a:blip r:embed="rId9" cstate="email">
-              <a:clrChange>
-                <a:clrFrom>
-                  <a:srgbClr val="FFFFFF"/>
-                </a:clrFrom>
-                <a:clrTo>
-                  <a:srgbClr val="FFFFFF">
-                    <a:alpha val="0"/>
-                  </a:srgbClr>
-                </a:clrTo>
-              </a:clrChange>
-              <a:extLst>
-                <a:ext uri="{28A0092B-C50C-407E-A947-70E740481C1C}">
-                  <a14:useLocalDpi xmlns:a14="http://schemas.microsoft.com/office/drawing/2010/main"/>
-                </a:ext>
-              </a:extLst>
-            </a:blip>
-            <a:stretch>
-              <a:fillRect/>
-            </a:stretch>
-          </p:blipFill>
-          <p:spPr>
-            <a:xfrm>
-              <a:off x="2305854" y="4155003"/>
-              <a:ext cx="1628875" cy="1628875"/>
-            </a:xfrm>
-            <a:prstGeom prst="rect">
-              <a:avLst/>
-            </a:prstGeom>
-          </p:spPr>
-        </p:pic>
-        <p:pic>
-          <p:nvPicPr>
-            <p:cNvPr id="15" name="図 14" descr="ダイアグラム&#10;&#10;自動的に生成された説明">
-              <a:extLst>
-                <a:ext uri="{FF2B5EF4-FFF2-40B4-BE49-F238E27FC236}">
-                  <a16:creationId xmlns:a16="http://schemas.microsoft.com/office/drawing/2014/main" id="{284ADFB0-6B82-2F78-F173-6A678A6A6E14}"/>
-                </a:ext>
-              </a:extLst>
-            </p:cNvPr>
-            <p:cNvPicPr>
-              <a:picLocks noChangeAspect="1"/>
-            </p:cNvPicPr>
-            <p:nvPr/>
-          </p:nvPicPr>
-          <p:blipFill>
-            <a:blip r:embed="rId10" cstate="email">
-              <a:clrChange>
-                <a:clrFrom>
-                  <a:srgbClr val="FFFFFF"/>
-                </a:clrFrom>
-                <a:clrTo>
-                  <a:srgbClr val="FFFFFF">
-                    <a:alpha val="0"/>
-                  </a:srgbClr>
-                </a:clrTo>
-              </a:clrChange>
-              <a:extLst>
-                <a:ext uri="{28A0092B-C50C-407E-A947-70E740481C1C}">
-                  <a14:useLocalDpi xmlns:a14="http://schemas.microsoft.com/office/drawing/2010/main"/>
-                </a:ext>
-              </a:extLst>
-            </a:blip>
-            <a:stretch>
-              <a:fillRect/>
-            </a:stretch>
-          </p:blipFill>
-          <p:spPr>
-            <a:xfrm>
-              <a:off x="692637" y="4155003"/>
-              <a:ext cx="1628875" cy="1628875"/>
-            </a:xfrm>
-            <a:prstGeom prst="rect">
-              <a:avLst/>
-            </a:prstGeom>
+            <a:noFill/>
+            <a:extLst>
+              <a:ext uri="{909E8E84-426E-40DD-AFC4-6F175D3DCCD1}">
+                <a14:hiddenFill xmlns:a14="http://schemas.microsoft.com/office/drawing/2010/main">
+                  <a:solidFill>
+                    <a:srgbClr val="FFFFFF"/>
+                  </a:solidFill>
+                </a14:hiddenFill>
+              </a:ext>
+            </a:extLst>
           </p:spPr>
         </p:pic>
       </p:grpSp>
-      <p:pic>
-        <p:nvPicPr>
-          <p:cNvPr id="6" name="図 5" descr="人, 野球, 男, 持つ が含まれている画像&#10;&#10;自動的に生成された説明">
-            <a:extLst>
-              <a:ext uri="{FF2B5EF4-FFF2-40B4-BE49-F238E27FC236}">
-                <a16:creationId xmlns:a16="http://schemas.microsoft.com/office/drawing/2014/main" id="{C06A6648-3AA0-1820-7874-0660FCB2CF3A}"/>
-              </a:ext>
-            </a:extLst>
-          </p:cNvPr>
-          <p:cNvPicPr>
-            <a:picLocks noChangeAspect="1"/>
-          </p:cNvPicPr>
-          <p:nvPr/>
-        </p:nvPicPr>
-        <p:blipFill>
-          <a:blip r:embed="rId11" cstate="screen">
-            <a:extLst>
-              <a:ext uri="{28A0092B-C50C-407E-A947-70E740481C1C}">
-                <a14:useLocalDpi xmlns:a14="http://schemas.microsoft.com/office/drawing/2010/main"/>
-              </a:ext>
-            </a:extLst>
-          </a:blip>
-          <a:stretch>
-            <a:fillRect/>
-          </a:stretch>
-        </p:blipFill>
-        <p:spPr>
-          <a:xfrm>
-            <a:off x="8514150" y="1690688"/>
-            <a:ext cx="2305613" cy="2305613"/>
-          </a:xfrm>
-          <a:prstGeom prst="rect">
-            <a:avLst/>
-          </a:prstGeom>
-        </p:spPr>
-      </p:pic>
     </p:spTree>
     <p:extLst>
       <p:ext uri="{BB962C8B-B14F-4D97-AF65-F5344CB8AC3E}">
@@ -16895,14 +17061,51 @@
                 <a:latin typeface="Meiryo UI" panose="020B0604030504040204" pitchFamily="34" charset="-128"/>
                 <a:ea typeface="Meiryo UI" panose="020B0604030504040204" pitchFamily="34" charset="-128"/>
               </a:rPr>
-              <a:t>理解をしたくて買った</a:t>
+              <a:t>理解をしたくて</a:t>
             </a:r>
             <a:r>
               <a:rPr kumimoji="1" lang="ja-JP" altLang="en-US">
                 <a:latin typeface="Meiryo UI" panose="020B0604030504040204" pitchFamily="34" charset="-128"/>
                 <a:ea typeface="Meiryo UI" panose="020B0604030504040204" pitchFamily="34" charset="-128"/>
               </a:rPr>
-              <a:t>本の大半</a:t>
+              <a:t>買った本</a:t>
+            </a:r>
+            <a:endParaRPr kumimoji="1" lang="en-US" altLang="ja-JP" dirty="0">
+              <a:latin typeface="Meiryo UI" panose="020B0604030504040204" pitchFamily="34" charset="-128"/>
+              <a:ea typeface="Meiryo UI" panose="020B0604030504040204" pitchFamily="34" charset="-128"/>
+            </a:endParaRPr>
+          </a:p>
+          <a:p>
+            <a:pPr marL="0" indent="0">
+              <a:buNone/>
+            </a:pPr>
+            <a:r>
+              <a:rPr lang="en-US" altLang="ja-JP" dirty="0">
+                <a:latin typeface="Meiryo UI" panose="020B0604030504040204" pitchFamily="34" charset="-128"/>
+                <a:ea typeface="Meiryo UI" panose="020B0604030504040204" pitchFamily="34" charset="-128"/>
+              </a:rPr>
+              <a:t>           </a:t>
+            </a:r>
+            <a:r>
+              <a:rPr lang="ja-JP" altLang="en-US">
+                <a:latin typeface="Meiryo UI" panose="020B0604030504040204" pitchFamily="34" charset="-128"/>
+                <a:ea typeface="Meiryo UI" panose="020B0604030504040204" pitchFamily="34" charset="-128"/>
+              </a:rPr>
+              <a:t>→</a:t>
+            </a:r>
+            <a:r>
+              <a:rPr lang="en-US" altLang="ja-JP" dirty="0">
+                <a:latin typeface="Meiryo UI" panose="020B0604030504040204" pitchFamily="34" charset="-128"/>
+                <a:ea typeface="Meiryo UI" panose="020B0604030504040204" pitchFamily="34" charset="-128"/>
+              </a:rPr>
+              <a:t> </a:t>
+            </a:r>
+            <a:r>
+              <a:rPr kumimoji="1" lang="ja-JP" altLang="en-US">
+                <a:latin typeface="Meiryo UI" panose="020B0604030504040204" pitchFamily="34" charset="-128"/>
+                <a:ea typeface="Meiryo UI" panose="020B0604030504040204" pitchFamily="34" charset="-128"/>
+              </a:rPr>
+              <a:t>大半</a:t>
             </a:r>
             <a:r>
               <a:rPr kumimoji="1" lang="ja-JP" altLang="en-US" dirty="0">

--- a/huggingface 発表資料.pptx
+++ b/huggingface 発表資料.pptx
@@ -6,26 +6,27 @@
     <p:sldMasterId id="2147483660" r:id="rId2"/>
   </p:sldMasterIdLst>
   <p:notesMasterIdLst>
-    <p:notesMasterId r:id="rId20"/>
+    <p:notesMasterId r:id="rId21"/>
   </p:notesMasterIdLst>
   <p:sldIdLst>
     <p:sldId id="256" r:id="rId3"/>
     <p:sldId id="257" r:id="rId4"/>
     <p:sldId id="266" r:id="rId5"/>
     <p:sldId id="264" r:id="rId6"/>
-    <p:sldId id="274" r:id="rId7"/>
-    <p:sldId id="263" r:id="rId8"/>
-    <p:sldId id="259" r:id="rId9"/>
-    <p:sldId id="270" r:id="rId10"/>
-    <p:sldId id="267" r:id="rId11"/>
+    <p:sldId id="277" r:id="rId7"/>
+    <p:sldId id="274" r:id="rId8"/>
+    <p:sldId id="263" r:id="rId9"/>
+    <p:sldId id="259" r:id="rId10"/>
+    <p:sldId id="270" r:id="rId11"/>
     <p:sldId id="261" r:id="rId12"/>
-    <p:sldId id="269" r:id="rId13"/>
-    <p:sldId id="275" r:id="rId14"/>
-    <p:sldId id="260" r:id="rId15"/>
-    <p:sldId id="271" r:id="rId16"/>
-    <p:sldId id="272" r:id="rId17"/>
-    <p:sldId id="276" r:id="rId18"/>
-    <p:sldId id="268" r:id="rId19"/>
+    <p:sldId id="267" r:id="rId13"/>
+    <p:sldId id="269" r:id="rId14"/>
+    <p:sldId id="275" r:id="rId15"/>
+    <p:sldId id="260" r:id="rId16"/>
+    <p:sldId id="271" r:id="rId17"/>
+    <p:sldId id="272" r:id="rId18"/>
+    <p:sldId id="276" r:id="rId19"/>
+    <p:sldId id="268" r:id="rId20"/>
   </p:sldIdLst>
   <p:sldSz cx="12192000" cy="6858000"/>
   <p:notesSz cx="6858000" cy="9144000"/>
@@ -217,7 +218,7 @@
           <a:p>
             <a:fld id="{0F6FE6BF-8118-024B-9766-ED4AD7D6B4B0}" type="datetimeFigureOut">
               <a:rPr kumimoji="1" lang="ja-JP" altLang="en-US" smtClean="0"/>
-              <a:t>2024/7/11</a:t>
+              <a:t>2024/7/13</a:t>
             </a:fld>
             <a:endParaRPr kumimoji="1" lang="ja-JP" altLang="en-US"/>
           </a:p>
@@ -581,7 +582,7 @@
           <a:p>
             <a:fld id="{419B1AA1-804D-A640-95CF-0E0CB27216D0}" type="slidenum">
               <a:rPr kumimoji="1" lang="ja-JP" altLang="en-US" smtClean="0"/>
-              <a:t>9</a:t>
+              <a:t>11</a:t>
             </a:fld>
             <a:endParaRPr kumimoji="1" lang="ja-JP" altLang="en-US"/>
           </a:p>
@@ -665,7 +666,7 @@
           <a:p>
             <a:fld id="{419B1AA1-804D-A640-95CF-0E0CB27216D0}" type="slidenum">
               <a:rPr kumimoji="1" lang="ja-JP" altLang="en-US" smtClean="0"/>
-              <a:t>11</a:t>
+              <a:t>12</a:t>
             </a:fld>
             <a:endParaRPr kumimoji="1" lang="ja-JP" altLang="en-US"/>
           </a:p>
@@ -845,7 +846,7 @@
           <a:p>
             <a:fld id="{B8C65C57-92FB-BC43-A324-D710D72DFC87}" type="datetimeFigureOut">
               <a:rPr kumimoji="1" lang="ja-JP" altLang="en-US" smtClean="0"/>
-              <a:t>2024/7/11</a:t>
+              <a:t>2024/7/13</a:t>
             </a:fld>
             <a:endParaRPr kumimoji="1" lang="ja-JP" altLang="en-US"/>
           </a:p>
@@ -1115,7 +1116,7 @@
           <a:p>
             <a:fld id="{B8C65C57-92FB-BC43-A324-D710D72DFC87}" type="datetimeFigureOut">
               <a:rPr kumimoji="1" lang="ja-JP" altLang="en-US" smtClean="0"/>
-              <a:t>2024/7/11</a:t>
+              <a:t>2024/7/13</a:t>
             </a:fld>
             <a:endParaRPr kumimoji="1" lang="ja-JP" altLang="en-US"/>
           </a:p>
@@ -1385,7 +1386,7 @@
           <a:p>
             <a:fld id="{B8C65C57-92FB-BC43-A324-D710D72DFC87}" type="datetimeFigureOut">
               <a:rPr kumimoji="1" lang="ja-JP" altLang="en-US" smtClean="0"/>
-              <a:t>2024/7/11</a:t>
+              <a:t>2024/7/13</a:t>
             </a:fld>
             <a:endParaRPr kumimoji="1" lang="ja-JP" altLang="en-US"/>
           </a:p>
@@ -1621,7 +1622,7 @@
           <a:p>
             <a:fld id="{38CF457C-A655-4B46-9667-899D8A188CFD}" type="datetimeFigureOut">
               <a:rPr kumimoji="1" lang="ja-JP" altLang="en-US" smtClean="0"/>
-              <a:t>2024/7/11</a:t>
+              <a:t>2024/7/13</a:t>
             </a:fld>
             <a:endParaRPr kumimoji="1" lang="ja-JP" altLang="en-US"/>
           </a:p>
@@ -1851,7 +1852,7 @@
           <a:p>
             <a:fld id="{38CF457C-A655-4B46-9667-899D8A188CFD}" type="datetimeFigureOut">
               <a:rPr kumimoji="1" lang="ja-JP" altLang="en-US" smtClean="0"/>
-              <a:t>2024/7/11</a:t>
+              <a:t>2024/7/13</a:t>
             </a:fld>
             <a:endParaRPr kumimoji="1" lang="ja-JP" altLang="en-US"/>
           </a:p>
@@ -2126,7 +2127,7 @@
           <a:p>
             <a:fld id="{38CF457C-A655-4B46-9667-899D8A188CFD}" type="datetimeFigureOut">
               <a:rPr kumimoji="1" lang="ja-JP" altLang="en-US" smtClean="0"/>
-              <a:t>2024/7/11</a:t>
+              <a:t>2024/7/13</a:t>
             </a:fld>
             <a:endParaRPr kumimoji="1" lang="ja-JP" altLang="en-US"/>
           </a:p>
@@ -2455,7 +2456,7 @@
           <a:p>
             <a:fld id="{38CF457C-A655-4B46-9667-899D8A188CFD}" type="datetimeFigureOut">
               <a:rPr kumimoji="1" lang="ja-JP" altLang="en-US" smtClean="0"/>
-              <a:t>2024/7/11</a:t>
+              <a:t>2024/7/13</a:t>
             </a:fld>
             <a:endParaRPr kumimoji="1" lang="ja-JP" altLang="en-US"/>
           </a:p>
@@ -2931,7 +2932,7 @@
           <a:p>
             <a:fld id="{38CF457C-A655-4B46-9667-899D8A188CFD}" type="datetimeFigureOut">
               <a:rPr kumimoji="1" lang="ja-JP" altLang="en-US" smtClean="0"/>
-              <a:t>2024/7/11</a:t>
+              <a:t>2024/7/13</a:t>
             </a:fld>
             <a:endParaRPr kumimoji="1" lang="ja-JP" altLang="en-US"/>
           </a:p>
@@ -3072,7 +3073,7 @@
           <a:p>
             <a:fld id="{38CF457C-A655-4B46-9667-899D8A188CFD}" type="datetimeFigureOut">
               <a:rPr kumimoji="1" lang="ja-JP" altLang="en-US" smtClean="0"/>
-              <a:t>2024/7/11</a:t>
+              <a:t>2024/7/13</a:t>
             </a:fld>
             <a:endParaRPr kumimoji="1" lang="ja-JP" altLang="en-US"/>
           </a:p>
@@ -3185,7 +3186,7 @@
           <a:p>
             <a:fld id="{38CF457C-A655-4B46-9667-899D8A188CFD}" type="datetimeFigureOut">
               <a:rPr kumimoji="1" lang="ja-JP" altLang="en-US" smtClean="0"/>
-              <a:t>2024/7/11</a:t>
+              <a:t>2024/7/13</a:t>
             </a:fld>
             <a:endParaRPr kumimoji="1" lang="ja-JP" altLang="en-US"/>
           </a:p>
@@ -3528,7 +3529,7 @@
           <a:p>
             <a:fld id="{38CF457C-A655-4B46-9667-899D8A188CFD}" type="datetimeFigureOut">
               <a:rPr kumimoji="1" lang="ja-JP" altLang="en-US" smtClean="0"/>
-              <a:t>2024/7/11</a:t>
+              <a:t>2024/7/13</a:t>
             </a:fld>
             <a:endParaRPr kumimoji="1" lang="ja-JP" altLang="en-US"/>
           </a:p>
@@ -3782,7 +3783,7 @@
           <a:p>
             <a:fld id="{B8C65C57-92FB-BC43-A324-D710D72DFC87}" type="datetimeFigureOut">
               <a:rPr kumimoji="1" lang="ja-JP" altLang="en-US" smtClean="0"/>
-              <a:t>2024/7/11</a:t>
+              <a:t>2024/7/13</a:t>
             </a:fld>
             <a:endParaRPr kumimoji="1" lang="ja-JP" altLang="en-US"/>
           </a:p>
@@ -4086,7 +4087,7 @@
           <a:p>
             <a:fld id="{38CF457C-A655-4B46-9667-899D8A188CFD}" type="datetimeFigureOut">
               <a:rPr kumimoji="1" lang="ja-JP" altLang="en-US" smtClean="0"/>
-              <a:t>2024/7/11</a:t>
+              <a:t>2024/7/13</a:t>
             </a:fld>
             <a:endParaRPr kumimoji="1" lang="ja-JP" altLang="en-US"/>
           </a:p>
@@ -4316,7 +4317,7 @@
           <a:p>
             <a:fld id="{38CF457C-A655-4B46-9667-899D8A188CFD}" type="datetimeFigureOut">
               <a:rPr kumimoji="1" lang="ja-JP" altLang="en-US" smtClean="0"/>
-              <a:t>2024/7/11</a:t>
+              <a:t>2024/7/13</a:t>
             </a:fld>
             <a:endParaRPr kumimoji="1" lang="ja-JP" altLang="en-US"/>
           </a:p>
@@ -4556,7 +4557,7 @@
           <a:p>
             <a:fld id="{38CF457C-A655-4B46-9667-899D8A188CFD}" type="datetimeFigureOut">
               <a:rPr kumimoji="1" lang="ja-JP" altLang="en-US" smtClean="0"/>
-              <a:t>2024/7/11</a:t>
+              <a:t>2024/7/13</a:t>
             </a:fld>
             <a:endParaRPr kumimoji="1" lang="ja-JP" altLang="en-US"/>
           </a:p>
@@ -4845,7 +4846,7 @@
           <a:p>
             <a:fld id="{B8C65C57-92FB-BC43-A324-D710D72DFC87}" type="datetimeFigureOut">
               <a:rPr kumimoji="1" lang="ja-JP" altLang="en-US" smtClean="0"/>
-              <a:t>2024/7/11</a:t>
+              <a:t>2024/7/13</a:t>
             </a:fld>
             <a:endParaRPr kumimoji="1" lang="ja-JP" altLang="en-US"/>
           </a:p>
@@ -5212,7 +5213,7 @@
           <a:p>
             <a:fld id="{B8C65C57-92FB-BC43-A324-D710D72DFC87}" type="datetimeFigureOut">
               <a:rPr kumimoji="1" lang="ja-JP" altLang="en-US" smtClean="0"/>
-              <a:t>2024/7/11</a:t>
+              <a:t>2024/7/13</a:t>
             </a:fld>
             <a:endParaRPr kumimoji="1" lang="ja-JP" altLang="en-US"/>
           </a:p>
@@ -5727,7 +5728,7 @@
           <a:p>
             <a:fld id="{B8C65C57-92FB-BC43-A324-D710D72DFC87}" type="datetimeFigureOut">
               <a:rPr kumimoji="1" lang="ja-JP" altLang="en-US" smtClean="0"/>
-              <a:t>2024/7/11</a:t>
+              <a:t>2024/7/13</a:t>
             </a:fld>
             <a:endParaRPr kumimoji="1" lang="ja-JP" altLang="en-US"/>
           </a:p>
@@ -5900,7 +5901,7 @@
           <a:p>
             <a:fld id="{B8C65C57-92FB-BC43-A324-D710D72DFC87}" type="datetimeFigureOut">
               <a:rPr kumimoji="1" lang="ja-JP" altLang="en-US" smtClean="0"/>
-              <a:t>2024/7/11</a:t>
+              <a:t>2024/7/13</a:t>
             </a:fld>
             <a:endParaRPr kumimoji="1" lang="ja-JP" altLang="en-US"/>
           </a:p>
@@ -6371,7 +6372,7 @@
           <a:p>
             <a:fld id="{B8C65C57-92FB-BC43-A324-D710D72DFC87}" type="datetimeFigureOut">
               <a:rPr kumimoji="1" lang="ja-JP" altLang="en-US" smtClean="0"/>
-              <a:t>2024/7/11</a:t>
+              <a:t>2024/7/13</a:t>
             </a:fld>
             <a:endParaRPr kumimoji="1" lang="ja-JP" altLang="en-US"/>
           </a:p>
@@ -6692,7 +6693,7 @@
           <a:p>
             <a:fld id="{B8C65C57-92FB-BC43-A324-D710D72DFC87}" type="datetimeFigureOut">
               <a:rPr kumimoji="1" lang="ja-JP" altLang="en-US" smtClean="0"/>
-              <a:t>2024/7/11</a:t>
+              <a:t>2024/7/13</a:t>
             </a:fld>
             <a:endParaRPr kumimoji="1" lang="ja-JP" altLang="en-US"/>
           </a:p>
@@ -9555,7 +9556,7 @@
           <a:p>
             <a:fld id="{38CF457C-A655-4B46-9667-899D8A188CFD}" type="datetimeFigureOut">
               <a:rPr kumimoji="1" lang="ja-JP" altLang="en-US" smtClean="0"/>
-              <a:t>2024/7/11</a:t>
+              <a:t>2024/7/13</a:t>
             </a:fld>
             <a:endParaRPr kumimoji="1" lang="ja-JP" altLang="en-US"/>
           </a:p>
@@ -11025,7 +11026,7 @@
         <p:spPr/>
         <p:txBody>
           <a:bodyPr>
-            <a:normAutofit/>
+            <a:normAutofit fontScale="92500" lnSpcReduction="20000"/>
           </a:bodyPr>
           <a:lstStyle/>
           <a:p>
@@ -11056,34 +11057,12 @@
               <a:t>」の論文で有名になった</a:t>
             </a:r>
             <a:r>
-              <a:rPr lang="en-US" altLang="ja-JP" sz="3600" b="1" dirty="0"/>
-              <a:t>Phi-1.5</a:t>
-            </a:r>
-            <a:r>
-              <a:rPr lang="ja-JP" altLang="en-US" dirty="0"/>
-              <a:t>（</a:t>
-            </a:r>
-            <a:r>
               <a:rPr lang="en-US" altLang="ja-JP" dirty="0"/>
-              <a:t>Microsoft</a:t>
-            </a:r>
-            <a:r>
-              <a:rPr lang="ja-JP" altLang="en-US" dirty="0"/>
-              <a:t>）</a:t>
+              <a:t>Phi-1</a:t>
             </a:r>
             <a:r>
               <a:rPr lang="ja-JP" altLang="en-US"/>
-              <a:t>を使ってみよう￼￼￼￼￼￼</a:t>
-            </a:r>
-            <a:endParaRPr lang="en-US" altLang="ja-JP" dirty="0"/>
-          </a:p>
-          <a:p>
-            <a:endParaRPr lang="en-US" altLang="ja-JP" dirty="0"/>
-          </a:p>
-          <a:p>
-            <a:r>
-              <a:rPr lang="ja-JP" altLang="en-US"/>
-              <a:t>論文はこちら</a:t>
+              <a:t>の派生</a:t>
             </a:r>
             <a:endParaRPr lang="en-US" altLang="ja-JP" dirty="0"/>
           </a:p>
@@ -11092,31 +11071,99 @@
               <a:buNone/>
             </a:pPr>
             <a:r>
+              <a:rPr lang="ja-JP" altLang="en-US"/>
+              <a:t>　　　　　　</a:t>
+            </a:r>
+            <a:r>
+              <a:rPr lang="en-US" altLang="ja-JP" dirty="0"/>
+              <a:t> “</a:t>
+            </a:r>
+            <a:r>
+              <a:rPr lang="en-US" altLang="ja-JP" sz="3600" b="1" dirty="0"/>
+              <a:t>Phi-1.5</a:t>
+            </a:r>
+            <a:r>
+              <a:rPr lang="ja-JP" altLang="en-US" dirty="0"/>
+              <a:t>（</a:t>
+            </a:r>
+            <a:r>
+              <a:rPr lang="en-US" altLang="ja-JP" dirty="0"/>
+              <a:t>Microsoft</a:t>
+            </a:r>
+            <a:r>
+              <a:rPr lang="ja-JP" altLang="en-US"/>
+              <a:t>）</a:t>
+            </a:r>
+            <a:r>
+              <a:rPr lang="en-US" altLang="ja-JP" dirty="0"/>
+              <a:t>” </a:t>
+            </a:r>
+            <a:r>
+              <a:rPr lang="ja-JP" altLang="en-US"/>
+              <a:t>を使ってみよう￼￼￼￼￼￼</a:t>
+            </a:r>
+            <a:endParaRPr lang="en-US" altLang="ja-JP" dirty="0"/>
+          </a:p>
+          <a:p>
+            <a:endParaRPr lang="en-US" altLang="ja-JP" dirty="0"/>
+          </a:p>
+          <a:p>
+            <a:r>
+              <a:rPr lang="ja-JP" altLang="en-US">
+                <a:hlinkClick r:id="rId2"/>
+              </a:rPr>
+              <a:t>論文はこちら</a:t>
+            </a:r>
+            <a:endParaRPr lang="en-US" altLang="ja-JP" dirty="0"/>
+          </a:p>
+          <a:p>
+            <a:endParaRPr kumimoji="1" lang="en-US" altLang="ja-JP" dirty="0">
+              <a:hlinkClick r:id="rId3"/>
+            </a:endParaRPr>
+          </a:p>
+          <a:p>
+            <a:r>
+              <a:rPr kumimoji="1" lang="en-US" altLang="ja-JP" dirty="0">
+                <a:hlinkClick r:id="rId3"/>
+              </a:rPr>
+              <a:t>Huggingface</a:t>
+            </a:r>
+            <a:r>
               <a:rPr kumimoji="1" lang="ja-JP" altLang="en-US">
-                <a:solidFill>
-                  <a:srgbClr val="467886"/>
-                </a:solidFill>
-              </a:rPr>
-              <a:t>　</a:t>
+                <a:hlinkClick r:id="rId3"/>
+              </a:rPr>
+              <a:t>の</a:t>
             </a:r>
             <a:r>
               <a:rPr kumimoji="1" lang="en-US" altLang="ja-JP" dirty="0">
-                <a:solidFill>
-                  <a:srgbClr val="467886"/>
-                </a:solidFill>
-                <a:hlinkClick r:id="rId2">
-                  <a:extLst>
-                    <a:ext uri="{A12FA001-AC4F-418D-AE19-62706E023703}">
-                      <ahyp:hlinkClr xmlns:ahyp="http://schemas.microsoft.com/office/drawing/2018/hyperlinkcolor" val="tx"/>
-                    </a:ext>
-                  </a:extLst>
-                </a:hlinkClick>
-              </a:rPr>
-              <a:t>https://arxiv.org/abs/2309.05463</a:t>
+                <a:hlinkClick r:id="rId3"/>
+              </a:rPr>
+              <a:t>Phi-1.5</a:t>
+            </a:r>
+            <a:r>
+              <a:rPr kumimoji="1" lang="ja-JP" altLang="en-US">
+                <a:hlinkClick r:id="rId3"/>
+              </a:rPr>
+              <a:t>のページ</a:t>
             </a:r>
             <a:endParaRPr kumimoji="1" lang="en-US" altLang="ja-JP" dirty="0"/>
           </a:p>
           <a:p>
+            <a:pPr marL="0" indent="0">
+              <a:buNone/>
+            </a:pPr>
+            <a:r>
+              <a:rPr lang="en-US" altLang="ja-JP" dirty="0"/>
+              <a:t>  </a:t>
+            </a:r>
+          </a:p>
+          <a:p>
+            <a:r>
+              <a:rPr kumimoji="1" lang="en-US" altLang="ja-JP" dirty="0">
+                <a:hlinkClick r:id="rId4"/>
+              </a:rPr>
+              <a:t>Google Colab</a:t>
+            </a:r>
             <a:endParaRPr kumimoji="1" lang="ja-JP" altLang="en-US" dirty="0"/>
           </a:p>
         </p:txBody>
@@ -11135,6 +11182,842 @@
 </file>
 
 <file path=ppt/slides/slide11.xml><?xml version="1.0" encoding="utf-8"?>
+<p:sld xmlns:a="http://schemas.openxmlformats.org/drawingml/2006/main" xmlns:r="http://schemas.openxmlformats.org/officeDocument/2006/relationships" xmlns:p="http://schemas.openxmlformats.org/presentationml/2006/main">
+  <p:cSld>
+    <p:spTree>
+      <p:nvGrpSpPr>
+        <p:cNvPr id="1" name=""/>
+        <p:cNvGrpSpPr/>
+        <p:nvPr/>
+      </p:nvGrpSpPr>
+      <p:grpSpPr>
+        <a:xfrm>
+          <a:off x="0" y="0"/>
+          <a:ext cx="0" cy="0"/>
+          <a:chOff x="0" y="0"/>
+          <a:chExt cx="0" cy="0"/>
+        </a:xfrm>
+      </p:grpSpPr>
+      <p:sp>
+        <p:nvSpPr>
+          <p:cNvPr id="2" name="タイトル 1">
+            <a:extLst>
+              <a:ext uri="{FF2B5EF4-FFF2-40B4-BE49-F238E27FC236}">
+                <a16:creationId xmlns:a16="http://schemas.microsoft.com/office/drawing/2014/main" id="{CFB68E09-98DA-B97F-6224-02C529FE5B1C}"/>
+              </a:ext>
+            </a:extLst>
+          </p:cNvPr>
+          <p:cNvSpPr>
+            <a:spLocks noGrp="1"/>
+          </p:cNvSpPr>
+          <p:nvPr>
+            <p:ph type="title"/>
+          </p:nvPr>
+        </p:nvSpPr>
+        <p:spPr/>
+        <p:txBody>
+          <a:bodyPr/>
+          <a:lstStyle/>
+          <a:p>
+            <a:r>
+              <a:rPr kumimoji="1" lang="ja-JP" altLang="en-US" b="1"/>
+              <a:t>デモンストレーションの前に１</a:t>
+            </a:r>
+            <a:r>
+              <a:rPr kumimoji="1" lang="ja-JP" altLang="en-US" sz="2400" b="1"/>
+              <a:t>（</a:t>
+            </a:r>
+            <a:r>
+              <a:rPr kumimoji="1" lang="en-US" altLang="ja-JP" sz="2400" b="1" dirty="0"/>
+              <a:t>Phi-1.5</a:t>
+            </a:r>
+            <a:r>
+              <a:rPr kumimoji="1" lang="ja-JP" altLang="en-US" sz="2400" b="1" dirty="0"/>
+              <a:t>）</a:t>
+            </a:r>
+            <a:endParaRPr kumimoji="1" lang="ja-JP" altLang="en-US" b="1" dirty="0"/>
+          </a:p>
+        </p:txBody>
+      </p:sp>
+      <p:pic>
+        <p:nvPicPr>
+          <p:cNvPr id="7" name="図 6">
+            <a:extLst>
+              <a:ext uri="{FF2B5EF4-FFF2-40B4-BE49-F238E27FC236}">
+                <a16:creationId xmlns:a16="http://schemas.microsoft.com/office/drawing/2014/main" id="{78BCD0E8-EDDB-ED4B-ADE5-421FFFCD3CD4}"/>
+              </a:ext>
+            </a:extLst>
+          </p:cNvPr>
+          <p:cNvPicPr>
+            <a:picLocks noChangeAspect="1"/>
+          </p:cNvPicPr>
+          <p:nvPr/>
+        </p:nvPicPr>
+        <p:blipFill>
+          <a:blip r:embed="rId3" cstate="email">
+            <a:extLst>
+              <a:ext uri="{28A0092B-C50C-407E-A947-70E740481C1C}">
+                <a14:useLocalDpi xmlns:a14="http://schemas.microsoft.com/office/drawing/2010/main"/>
+              </a:ext>
+            </a:extLst>
+          </a:blip>
+          <a:stretch>
+            <a:fillRect/>
+          </a:stretch>
+        </p:blipFill>
+        <p:spPr>
+          <a:xfrm>
+            <a:off x="2357472" y="2329222"/>
+            <a:ext cx="9011816" cy="3150077"/>
+          </a:xfrm>
+          <a:prstGeom prst="rect">
+            <a:avLst/>
+          </a:prstGeom>
+        </p:spPr>
+      </p:pic>
+      <p:pic>
+        <p:nvPicPr>
+          <p:cNvPr id="9" name="図 8">
+            <a:extLst>
+              <a:ext uri="{FF2B5EF4-FFF2-40B4-BE49-F238E27FC236}">
+                <a16:creationId xmlns:a16="http://schemas.microsoft.com/office/drawing/2014/main" id="{BF7A2B1F-A5B7-5152-BDCA-1BD999A67FB8}"/>
+              </a:ext>
+            </a:extLst>
+          </p:cNvPr>
+          <p:cNvPicPr>
+            <a:picLocks noChangeAspect="1"/>
+          </p:cNvPicPr>
+          <p:nvPr/>
+        </p:nvPicPr>
+        <p:blipFill rotWithShape="1">
+          <a:blip r:embed="rId4" cstate="screen">
+            <a:extLst>
+              <a:ext uri="{28A0092B-C50C-407E-A947-70E740481C1C}">
+                <a14:useLocalDpi xmlns:a14="http://schemas.microsoft.com/office/drawing/2010/main"/>
+              </a:ext>
+            </a:extLst>
+          </a:blip>
+          <a:srcRect/>
+          <a:stretch/>
+        </p:blipFill>
+        <p:spPr>
+          <a:xfrm>
+            <a:off x="838200" y="1591059"/>
+            <a:ext cx="6941656" cy="482173"/>
+          </a:xfrm>
+          <a:prstGeom prst="rect">
+            <a:avLst/>
+          </a:prstGeom>
+          <a:ln w="38100">
+            <a:solidFill>
+              <a:schemeClr val="accent2">
+                <a:lumMod val="75000"/>
+              </a:schemeClr>
+            </a:solidFill>
+          </a:ln>
+        </p:spPr>
+      </p:pic>
+      <p:sp>
+        <p:nvSpPr>
+          <p:cNvPr id="10" name="正方形/長方形 9">
+            <a:extLst>
+              <a:ext uri="{FF2B5EF4-FFF2-40B4-BE49-F238E27FC236}">
+                <a16:creationId xmlns:a16="http://schemas.microsoft.com/office/drawing/2014/main" id="{0AE021C5-A177-1B33-EE3F-FE56E6EC5759}"/>
+              </a:ext>
+            </a:extLst>
+          </p:cNvPr>
+          <p:cNvSpPr/>
+          <p:nvPr/>
+        </p:nvSpPr>
+        <p:spPr>
+          <a:xfrm>
+            <a:off x="8851757" y="3629800"/>
+            <a:ext cx="2083777" cy="228600"/>
+          </a:xfrm>
+          <a:prstGeom prst="rect">
+            <a:avLst/>
+          </a:prstGeom>
+          <a:noFill/>
+          <a:ln w="38100">
+            <a:solidFill>
+              <a:schemeClr val="accent2">
+                <a:lumMod val="75000"/>
+              </a:schemeClr>
+            </a:solidFill>
+          </a:ln>
+        </p:spPr>
+        <p:style>
+          <a:lnRef idx="2">
+            <a:schemeClr val="accent1">
+              <a:shade val="50000"/>
+            </a:schemeClr>
+          </a:lnRef>
+          <a:fillRef idx="1">
+            <a:schemeClr val="accent1"/>
+          </a:fillRef>
+          <a:effectRef idx="0">
+            <a:schemeClr val="accent1"/>
+          </a:effectRef>
+          <a:fontRef idx="minor">
+            <a:schemeClr val="lt1"/>
+          </a:fontRef>
+        </p:style>
+        <p:txBody>
+          <a:bodyPr rtlCol="0" anchor="ctr"/>
+          <a:lstStyle/>
+          <a:p>
+            <a:pPr algn="ctr"/>
+            <a:endParaRPr kumimoji="1" lang="ja-JP" altLang="en-US"/>
+          </a:p>
+        </p:txBody>
+      </p:sp>
+      <p:sp>
+        <p:nvSpPr>
+          <p:cNvPr id="11" name="正方形/長方形 10">
+            <a:extLst>
+              <a:ext uri="{FF2B5EF4-FFF2-40B4-BE49-F238E27FC236}">
+                <a16:creationId xmlns:a16="http://schemas.microsoft.com/office/drawing/2014/main" id="{EA1D5FFB-F368-2E52-45F1-18AF3D0E035A}"/>
+              </a:ext>
+            </a:extLst>
+          </p:cNvPr>
+          <p:cNvSpPr/>
+          <p:nvPr/>
+        </p:nvSpPr>
+        <p:spPr>
+          <a:xfrm>
+            <a:off x="2737827" y="3648765"/>
+            <a:ext cx="2495120" cy="228600"/>
+          </a:xfrm>
+          <a:prstGeom prst="rect">
+            <a:avLst/>
+          </a:prstGeom>
+          <a:noFill/>
+          <a:ln w="38100">
+            <a:solidFill>
+              <a:schemeClr val="accent2">
+                <a:lumMod val="75000"/>
+              </a:schemeClr>
+            </a:solidFill>
+          </a:ln>
+        </p:spPr>
+        <p:style>
+          <a:lnRef idx="2">
+            <a:schemeClr val="accent1">
+              <a:shade val="50000"/>
+            </a:schemeClr>
+          </a:lnRef>
+          <a:fillRef idx="1">
+            <a:schemeClr val="accent1"/>
+          </a:fillRef>
+          <a:effectRef idx="0">
+            <a:schemeClr val="accent1"/>
+          </a:effectRef>
+          <a:fontRef idx="minor">
+            <a:schemeClr val="lt1"/>
+          </a:fontRef>
+        </p:style>
+        <p:txBody>
+          <a:bodyPr rtlCol="0" anchor="ctr"/>
+          <a:lstStyle/>
+          <a:p>
+            <a:pPr algn="ctr"/>
+            <a:endParaRPr kumimoji="1" lang="ja-JP" altLang="en-US" sz="2800">
+              <a:latin typeface="Meiryo UI" panose="020B0604030504040204" pitchFamily="34" charset="-128"/>
+              <a:ea typeface="Meiryo UI" panose="020B0604030504040204" pitchFamily="34" charset="-128"/>
+            </a:endParaRPr>
+          </a:p>
+        </p:txBody>
+      </p:sp>
+      <p:sp>
+        <p:nvSpPr>
+          <p:cNvPr id="12" name="フローチャート: 手作業 11">
+            <a:extLst>
+              <a:ext uri="{FF2B5EF4-FFF2-40B4-BE49-F238E27FC236}">
+                <a16:creationId xmlns:a16="http://schemas.microsoft.com/office/drawing/2014/main" id="{72F31624-7BF9-82A4-9CD5-2AFE0E443BD0}"/>
+              </a:ext>
+            </a:extLst>
+          </p:cNvPr>
+          <p:cNvSpPr/>
+          <p:nvPr/>
+        </p:nvSpPr>
+        <p:spPr>
+          <a:xfrm flipV="1">
+            <a:off x="4998387" y="3890529"/>
+            <a:ext cx="6383121" cy="1830535"/>
+          </a:xfrm>
+          <a:custGeom>
+            <a:avLst/>
+            <a:gdLst>
+              <a:gd name="connsiteX0" fmla="*/ 0 w 10000"/>
+              <a:gd name="connsiteY0" fmla="*/ 0 h 10000"/>
+              <a:gd name="connsiteX1" fmla="*/ 10000 w 10000"/>
+              <a:gd name="connsiteY1" fmla="*/ 0 h 10000"/>
+              <a:gd name="connsiteX2" fmla="*/ 8000 w 10000"/>
+              <a:gd name="connsiteY2" fmla="*/ 10000 h 10000"/>
+              <a:gd name="connsiteX3" fmla="*/ 2000 w 10000"/>
+              <a:gd name="connsiteY3" fmla="*/ 10000 h 10000"/>
+              <a:gd name="connsiteX4" fmla="*/ 0 w 10000"/>
+              <a:gd name="connsiteY4" fmla="*/ 0 h 10000"/>
+              <a:gd name="connsiteX0" fmla="*/ 0 w 10000"/>
+              <a:gd name="connsiteY0" fmla="*/ 0 h 10000"/>
+              <a:gd name="connsiteX1" fmla="*/ 10000 w 10000"/>
+              <a:gd name="connsiteY1" fmla="*/ 0 h 10000"/>
+              <a:gd name="connsiteX2" fmla="*/ 9306 w 10000"/>
+              <a:gd name="connsiteY2" fmla="*/ 10000 h 10000"/>
+              <a:gd name="connsiteX3" fmla="*/ 2000 w 10000"/>
+              <a:gd name="connsiteY3" fmla="*/ 10000 h 10000"/>
+              <a:gd name="connsiteX4" fmla="*/ 0 w 10000"/>
+              <a:gd name="connsiteY4" fmla="*/ 0 h 10000"/>
+              <a:gd name="connsiteX0" fmla="*/ 0 w 10000"/>
+              <a:gd name="connsiteY0" fmla="*/ 0 h 10032"/>
+              <a:gd name="connsiteX1" fmla="*/ 10000 w 10000"/>
+              <a:gd name="connsiteY1" fmla="*/ 0 h 10032"/>
+              <a:gd name="connsiteX2" fmla="*/ 9306 w 10000"/>
+              <a:gd name="connsiteY2" fmla="*/ 10000 h 10032"/>
+              <a:gd name="connsiteX3" fmla="*/ 6051 w 10000"/>
+              <a:gd name="connsiteY3" fmla="*/ 10032 h 10032"/>
+              <a:gd name="connsiteX4" fmla="*/ 0 w 10000"/>
+              <a:gd name="connsiteY4" fmla="*/ 0 h 10032"/>
+            </a:gdLst>
+            <a:ahLst/>
+            <a:cxnLst>
+              <a:cxn ang="0">
+                <a:pos x="connsiteX0" y="connsiteY0"/>
+              </a:cxn>
+              <a:cxn ang="0">
+                <a:pos x="connsiteX1" y="connsiteY1"/>
+              </a:cxn>
+              <a:cxn ang="0">
+                <a:pos x="connsiteX2" y="connsiteY2"/>
+              </a:cxn>
+              <a:cxn ang="0">
+                <a:pos x="connsiteX3" y="connsiteY3"/>
+              </a:cxn>
+              <a:cxn ang="0">
+                <a:pos x="connsiteX4" y="connsiteY4"/>
+              </a:cxn>
+            </a:cxnLst>
+            <a:rect l="l" t="t" r="r" b="b"/>
+            <a:pathLst>
+              <a:path w="10000" h="10032">
+                <a:moveTo>
+                  <a:pt x="0" y="0"/>
+                </a:moveTo>
+                <a:lnTo>
+                  <a:pt x="10000" y="0"/>
+                </a:lnTo>
+                <a:cubicBezTo>
+                  <a:pt x="9769" y="3333"/>
+                  <a:pt x="9537" y="6667"/>
+                  <a:pt x="9306" y="10000"/>
+                </a:cubicBezTo>
+                <a:lnTo>
+                  <a:pt x="6051" y="10032"/>
+                </a:lnTo>
+                <a:lnTo>
+                  <a:pt x="0" y="0"/>
+                </a:lnTo>
+                <a:close/>
+              </a:path>
+            </a:pathLst>
+          </a:custGeom>
+          <a:noFill/>
+          <a:ln>
+            <a:solidFill>
+              <a:schemeClr val="accent2">
+                <a:lumMod val="75000"/>
+              </a:schemeClr>
+            </a:solidFill>
+          </a:ln>
+        </p:spPr>
+        <p:style>
+          <a:lnRef idx="2">
+            <a:schemeClr val="accent1">
+              <a:shade val="50000"/>
+            </a:schemeClr>
+          </a:lnRef>
+          <a:fillRef idx="1">
+            <a:schemeClr val="accent1"/>
+          </a:fillRef>
+          <a:effectRef idx="0">
+            <a:schemeClr val="accent1"/>
+          </a:effectRef>
+          <a:fontRef idx="minor">
+            <a:schemeClr val="lt1"/>
+          </a:fontRef>
+        </p:style>
+        <p:txBody>
+          <a:bodyPr rtlCol="0" anchor="ctr"/>
+          <a:lstStyle/>
+          <a:p>
+            <a:pPr algn="ctr"/>
+            <a:endParaRPr kumimoji="1" lang="ja-JP" altLang="en-US"/>
+          </a:p>
+        </p:txBody>
+      </p:sp>
+      <p:sp>
+        <p:nvSpPr>
+          <p:cNvPr id="13" name="フローチャート: 手作業 11">
+            <a:extLst>
+              <a:ext uri="{FF2B5EF4-FFF2-40B4-BE49-F238E27FC236}">
+                <a16:creationId xmlns:a16="http://schemas.microsoft.com/office/drawing/2014/main" id="{B216B5CD-BD27-A49B-D41D-48DE3AF4B7BE}"/>
+              </a:ext>
+            </a:extLst>
+          </p:cNvPr>
+          <p:cNvSpPr/>
+          <p:nvPr/>
+        </p:nvSpPr>
+        <p:spPr>
+          <a:xfrm>
+            <a:off x="853688" y="2087456"/>
+            <a:ext cx="6941656" cy="1561308"/>
+          </a:xfrm>
+          <a:custGeom>
+            <a:avLst/>
+            <a:gdLst>
+              <a:gd name="connsiteX0" fmla="*/ 0 w 10000"/>
+              <a:gd name="connsiteY0" fmla="*/ 0 h 10000"/>
+              <a:gd name="connsiteX1" fmla="*/ 10000 w 10000"/>
+              <a:gd name="connsiteY1" fmla="*/ 0 h 10000"/>
+              <a:gd name="connsiteX2" fmla="*/ 8000 w 10000"/>
+              <a:gd name="connsiteY2" fmla="*/ 10000 h 10000"/>
+              <a:gd name="connsiteX3" fmla="*/ 2000 w 10000"/>
+              <a:gd name="connsiteY3" fmla="*/ 10000 h 10000"/>
+              <a:gd name="connsiteX4" fmla="*/ 0 w 10000"/>
+              <a:gd name="connsiteY4" fmla="*/ 0 h 10000"/>
+              <a:gd name="connsiteX0" fmla="*/ 0 w 10000"/>
+              <a:gd name="connsiteY0" fmla="*/ 0 h 10000"/>
+              <a:gd name="connsiteX1" fmla="*/ 10000 w 10000"/>
+              <a:gd name="connsiteY1" fmla="*/ 0 h 10000"/>
+              <a:gd name="connsiteX2" fmla="*/ 9306 w 10000"/>
+              <a:gd name="connsiteY2" fmla="*/ 10000 h 10000"/>
+              <a:gd name="connsiteX3" fmla="*/ 2000 w 10000"/>
+              <a:gd name="connsiteY3" fmla="*/ 10000 h 10000"/>
+              <a:gd name="connsiteX4" fmla="*/ 0 w 10000"/>
+              <a:gd name="connsiteY4" fmla="*/ 0 h 10000"/>
+              <a:gd name="connsiteX0" fmla="*/ 0 w 10000"/>
+              <a:gd name="connsiteY0" fmla="*/ 0 h 10032"/>
+              <a:gd name="connsiteX1" fmla="*/ 10000 w 10000"/>
+              <a:gd name="connsiteY1" fmla="*/ 0 h 10032"/>
+              <a:gd name="connsiteX2" fmla="*/ 9306 w 10000"/>
+              <a:gd name="connsiteY2" fmla="*/ 10000 h 10032"/>
+              <a:gd name="connsiteX3" fmla="*/ 6051 w 10000"/>
+              <a:gd name="connsiteY3" fmla="*/ 10032 h 10032"/>
+              <a:gd name="connsiteX4" fmla="*/ 0 w 10000"/>
+              <a:gd name="connsiteY4" fmla="*/ 0 h 10032"/>
+              <a:gd name="connsiteX0" fmla="*/ 0 w 10000"/>
+              <a:gd name="connsiteY0" fmla="*/ 0 h 13944"/>
+              <a:gd name="connsiteX1" fmla="*/ 10000 w 10000"/>
+              <a:gd name="connsiteY1" fmla="*/ 0 h 13944"/>
+              <a:gd name="connsiteX2" fmla="*/ 9306 w 10000"/>
+              <a:gd name="connsiteY2" fmla="*/ 10000 h 13944"/>
+              <a:gd name="connsiteX3" fmla="*/ 2696 w 10000"/>
+              <a:gd name="connsiteY3" fmla="*/ 13944 h 13944"/>
+              <a:gd name="connsiteX4" fmla="*/ 0 w 10000"/>
+              <a:gd name="connsiteY4" fmla="*/ 0 h 13944"/>
+              <a:gd name="connsiteX0" fmla="*/ 0 w 10000"/>
+              <a:gd name="connsiteY0" fmla="*/ 0 h 14029"/>
+              <a:gd name="connsiteX1" fmla="*/ 10000 w 10000"/>
+              <a:gd name="connsiteY1" fmla="*/ 0 h 14029"/>
+              <a:gd name="connsiteX2" fmla="*/ 6315 w 10000"/>
+              <a:gd name="connsiteY2" fmla="*/ 14029 h 14029"/>
+              <a:gd name="connsiteX3" fmla="*/ 2696 w 10000"/>
+              <a:gd name="connsiteY3" fmla="*/ 13944 h 14029"/>
+              <a:gd name="connsiteX4" fmla="*/ 0 w 10000"/>
+              <a:gd name="connsiteY4" fmla="*/ 0 h 14029"/>
+              <a:gd name="connsiteX0" fmla="*/ 0 w 10000"/>
+              <a:gd name="connsiteY0" fmla="*/ 0 h 14029"/>
+              <a:gd name="connsiteX1" fmla="*/ 10000 w 10000"/>
+              <a:gd name="connsiteY1" fmla="*/ 0 h 14029"/>
+              <a:gd name="connsiteX2" fmla="*/ 6315 w 10000"/>
+              <a:gd name="connsiteY2" fmla="*/ 14029 h 14029"/>
+              <a:gd name="connsiteX3" fmla="*/ 2696 w 10000"/>
+              <a:gd name="connsiteY3" fmla="*/ 13944 h 14029"/>
+              <a:gd name="connsiteX4" fmla="*/ 0 w 10000"/>
+              <a:gd name="connsiteY4" fmla="*/ 0 h 14029"/>
+              <a:gd name="connsiteX0" fmla="*/ 0 w 10000"/>
+              <a:gd name="connsiteY0" fmla="*/ 0 h 14029"/>
+              <a:gd name="connsiteX1" fmla="*/ 10000 w 10000"/>
+              <a:gd name="connsiteY1" fmla="*/ 0 h 14029"/>
+              <a:gd name="connsiteX2" fmla="*/ 6315 w 10000"/>
+              <a:gd name="connsiteY2" fmla="*/ 14029 h 14029"/>
+              <a:gd name="connsiteX3" fmla="*/ 2696 w 10000"/>
+              <a:gd name="connsiteY3" fmla="*/ 13944 h 14029"/>
+              <a:gd name="connsiteX4" fmla="*/ 0 w 10000"/>
+              <a:gd name="connsiteY4" fmla="*/ 0 h 14029"/>
+            </a:gdLst>
+            <a:ahLst/>
+            <a:cxnLst>
+              <a:cxn ang="0">
+                <a:pos x="connsiteX0" y="connsiteY0"/>
+              </a:cxn>
+              <a:cxn ang="0">
+                <a:pos x="connsiteX1" y="connsiteY1"/>
+              </a:cxn>
+              <a:cxn ang="0">
+                <a:pos x="connsiteX2" y="connsiteY2"/>
+              </a:cxn>
+              <a:cxn ang="0">
+                <a:pos x="connsiteX3" y="connsiteY3"/>
+              </a:cxn>
+              <a:cxn ang="0">
+                <a:pos x="connsiteX4" y="connsiteY4"/>
+              </a:cxn>
+            </a:cxnLst>
+            <a:rect l="l" t="t" r="r" b="b"/>
+            <a:pathLst>
+              <a:path w="10000" h="14029">
+                <a:moveTo>
+                  <a:pt x="0" y="0"/>
+                </a:moveTo>
+                <a:lnTo>
+                  <a:pt x="10000" y="0"/>
+                </a:lnTo>
+                <a:cubicBezTo>
+                  <a:pt x="6318" y="13985"/>
+                  <a:pt x="9997" y="160"/>
+                  <a:pt x="6315" y="14029"/>
+                </a:cubicBezTo>
+                <a:lnTo>
+                  <a:pt x="2696" y="13944"/>
+                </a:lnTo>
+                <a:lnTo>
+                  <a:pt x="0" y="0"/>
+                </a:lnTo>
+                <a:close/>
+              </a:path>
+            </a:pathLst>
+          </a:custGeom>
+          <a:noFill/>
+          <a:ln>
+            <a:solidFill>
+              <a:schemeClr val="accent2">
+                <a:lumMod val="75000"/>
+              </a:schemeClr>
+            </a:solidFill>
+          </a:ln>
+        </p:spPr>
+        <p:style>
+          <a:lnRef idx="2">
+            <a:schemeClr val="accent1">
+              <a:shade val="50000"/>
+            </a:schemeClr>
+          </a:lnRef>
+          <a:fillRef idx="1">
+            <a:schemeClr val="accent1"/>
+          </a:fillRef>
+          <a:effectRef idx="0">
+            <a:schemeClr val="accent1"/>
+          </a:effectRef>
+          <a:fontRef idx="minor">
+            <a:schemeClr val="lt1"/>
+          </a:fontRef>
+        </p:style>
+        <p:txBody>
+          <a:bodyPr rtlCol="0" anchor="ctr"/>
+          <a:lstStyle/>
+          <a:p>
+            <a:pPr algn="ctr"/>
+            <a:endParaRPr kumimoji="1" lang="ja-JP" altLang="en-US"/>
+          </a:p>
+        </p:txBody>
+      </p:sp>
+      <p:sp>
+        <p:nvSpPr>
+          <p:cNvPr id="14" name="正方形/長方形 13">
+            <a:extLst>
+              <a:ext uri="{FF2B5EF4-FFF2-40B4-BE49-F238E27FC236}">
+                <a16:creationId xmlns:a16="http://schemas.microsoft.com/office/drawing/2014/main" id="{A15DA005-97F6-EBAF-15D9-294290B249D1}"/>
+              </a:ext>
+            </a:extLst>
+          </p:cNvPr>
+          <p:cNvSpPr/>
+          <p:nvPr/>
+        </p:nvSpPr>
+        <p:spPr>
+          <a:xfrm>
+            <a:off x="2598126" y="4058221"/>
+            <a:ext cx="4224561" cy="1421077"/>
+          </a:xfrm>
+          <a:prstGeom prst="rect">
+            <a:avLst/>
+          </a:prstGeom>
+          <a:noFill/>
+          <a:ln w="38100">
+            <a:solidFill>
+              <a:schemeClr val="accent2">
+                <a:lumMod val="75000"/>
+              </a:schemeClr>
+            </a:solidFill>
+          </a:ln>
+        </p:spPr>
+        <p:style>
+          <a:lnRef idx="2">
+            <a:schemeClr val="accent1">
+              <a:shade val="50000"/>
+            </a:schemeClr>
+          </a:lnRef>
+          <a:fillRef idx="1">
+            <a:schemeClr val="accent1"/>
+          </a:fillRef>
+          <a:effectRef idx="0">
+            <a:schemeClr val="accent1"/>
+          </a:effectRef>
+          <a:fontRef idx="minor">
+            <a:schemeClr val="lt1"/>
+          </a:fontRef>
+        </p:style>
+        <p:txBody>
+          <a:bodyPr rtlCol="0" anchor="ctr"/>
+          <a:lstStyle/>
+          <a:p>
+            <a:pPr algn="ctr"/>
+            <a:endParaRPr kumimoji="1" lang="ja-JP" altLang="en-US"/>
+          </a:p>
+        </p:txBody>
+      </p:sp>
+      <p:pic>
+        <p:nvPicPr>
+          <p:cNvPr id="8" name="図 7">
+            <a:extLst>
+              <a:ext uri="{FF2B5EF4-FFF2-40B4-BE49-F238E27FC236}">
+                <a16:creationId xmlns:a16="http://schemas.microsoft.com/office/drawing/2014/main" id="{A90753E1-C1BD-769E-87BD-4FBEC6DDE340}"/>
+              </a:ext>
+            </a:extLst>
+          </p:cNvPr>
+          <p:cNvPicPr>
+            <a:picLocks noChangeAspect="1"/>
+          </p:cNvPicPr>
+          <p:nvPr/>
+        </p:nvPicPr>
+        <p:blipFill rotWithShape="1">
+          <a:blip r:embed="rId5" cstate="screen">
+            <a:extLst>
+              <a:ext uri="{28A0092B-C50C-407E-A947-70E740481C1C}">
+                <a14:useLocalDpi xmlns:a14="http://schemas.microsoft.com/office/drawing/2010/main"/>
+              </a:ext>
+            </a:extLst>
+          </a:blip>
+          <a:srcRect/>
+          <a:stretch/>
+        </p:blipFill>
+        <p:spPr>
+          <a:xfrm>
+            <a:off x="4998387" y="5761091"/>
+            <a:ext cx="6383121" cy="409358"/>
+          </a:xfrm>
+          <a:prstGeom prst="rect">
+            <a:avLst/>
+          </a:prstGeom>
+          <a:ln w="38100">
+            <a:solidFill>
+              <a:schemeClr val="accent2">
+                <a:lumMod val="75000"/>
+              </a:schemeClr>
+            </a:solidFill>
+          </a:ln>
+        </p:spPr>
+      </p:pic>
+      <p:sp>
+        <p:nvSpPr>
+          <p:cNvPr id="15" name="テキスト ボックス 14">
+            <a:extLst>
+              <a:ext uri="{FF2B5EF4-FFF2-40B4-BE49-F238E27FC236}">
+                <a16:creationId xmlns:a16="http://schemas.microsoft.com/office/drawing/2014/main" id="{7606D056-1433-02A9-7CA6-88BE0C0055DA}"/>
+              </a:ext>
+            </a:extLst>
+          </p:cNvPr>
+          <p:cNvSpPr txBox="1"/>
+          <p:nvPr/>
+        </p:nvSpPr>
+        <p:spPr>
+          <a:xfrm>
+            <a:off x="2187642" y="6449161"/>
+            <a:ext cx="4932569" cy="369332"/>
+          </a:xfrm>
+          <a:prstGeom prst="rect">
+            <a:avLst/>
+          </a:prstGeom>
+          <a:noFill/>
+        </p:spPr>
+        <p:txBody>
+          <a:bodyPr wrap="none" rtlCol="0">
+            <a:spAutoFit/>
+          </a:bodyPr>
+          <a:lstStyle/>
+          <a:p>
+            <a:r>
+              <a:rPr kumimoji="1" lang="en-US" altLang="ja-JP" dirty="0">
+                <a:latin typeface="Meiryo UI" panose="020B0604030504040204" pitchFamily="50" charset="-128"/>
+                <a:ea typeface="Meiryo UI" panose="020B0604030504040204" pitchFamily="50" charset="-128"/>
+              </a:rPr>
+              <a:t>https://huggingface.co/microsoft/phi-1_5</a:t>
+            </a:r>
+            <a:endParaRPr kumimoji="1" lang="ja-JP" altLang="en-US" dirty="0">
+              <a:latin typeface="Meiryo UI" panose="020B0604030504040204" pitchFamily="50" charset="-128"/>
+              <a:ea typeface="Meiryo UI" panose="020B0604030504040204" pitchFamily="50" charset="-128"/>
+            </a:endParaRPr>
+          </a:p>
+        </p:txBody>
+      </p:sp>
+      <p:sp>
+        <p:nvSpPr>
+          <p:cNvPr id="4" name="テキスト ボックス 3">
+            <a:extLst>
+              <a:ext uri="{FF2B5EF4-FFF2-40B4-BE49-F238E27FC236}">
+                <a16:creationId xmlns:a16="http://schemas.microsoft.com/office/drawing/2014/main" id="{BCF5738C-D789-D2FF-6FBB-87B31F3E8DEF}"/>
+              </a:ext>
+            </a:extLst>
+          </p:cNvPr>
+          <p:cNvSpPr txBox="1"/>
+          <p:nvPr/>
+        </p:nvSpPr>
+        <p:spPr>
+          <a:xfrm>
+            <a:off x="2465957" y="3357548"/>
+            <a:ext cx="543739" cy="523220"/>
+          </a:xfrm>
+          <a:prstGeom prst="rect">
+            <a:avLst/>
+          </a:prstGeom>
+          <a:noFill/>
+        </p:spPr>
+        <p:txBody>
+          <a:bodyPr wrap="none" rtlCol="0">
+            <a:spAutoFit/>
+          </a:bodyPr>
+          <a:lstStyle/>
+          <a:p>
+            <a:r>
+              <a:rPr kumimoji="1" lang="en-US" altLang="ja-JP" sz="2800" dirty="0">
+                <a:solidFill>
+                  <a:schemeClr val="bg1"/>
+                </a:solidFill>
+                <a:latin typeface="Hiragino Kaku Gothic StdN W8" panose="020B0800000000000000" pitchFamily="34" charset="-128"/>
+                <a:ea typeface="Hiragino Kaku Gothic StdN W8" panose="020B0800000000000000" pitchFamily="34" charset="-128"/>
+              </a:rPr>
+              <a:t>①</a:t>
+            </a:r>
+            <a:endParaRPr kumimoji="1" lang="ja-JP" altLang="en-US" sz="2800">
+              <a:solidFill>
+                <a:schemeClr val="bg1"/>
+              </a:solidFill>
+              <a:latin typeface="Hiragino Kaku Gothic StdN W8" panose="020B0800000000000000" pitchFamily="34" charset="-128"/>
+              <a:ea typeface="Hiragino Kaku Gothic StdN W8" panose="020B0800000000000000" pitchFamily="34" charset="-128"/>
+            </a:endParaRPr>
+          </a:p>
+        </p:txBody>
+      </p:sp>
+      <p:sp>
+        <p:nvSpPr>
+          <p:cNvPr id="5" name="テキスト ボックス 4">
+            <a:extLst>
+              <a:ext uri="{FF2B5EF4-FFF2-40B4-BE49-F238E27FC236}">
+                <a16:creationId xmlns:a16="http://schemas.microsoft.com/office/drawing/2014/main" id="{5CDE9520-0B16-1A53-4E07-88F697BF0722}"/>
+              </a:ext>
+            </a:extLst>
+          </p:cNvPr>
+          <p:cNvSpPr txBox="1"/>
+          <p:nvPr/>
+        </p:nvSpPr>
+        <p:spPr>
+          <a:xfrm>
+            <a:off x="8631894" y="3482490"/>
+            <a:ext cx="550151" cy="523220"/>
+          </a:xfrm>
+          <a:prstGeom prst="rect">
+            <a:avLst/>
+          </a:prstGeom>
+          <a:noFill/>
+        </p:spPr>
+        <p:txBody>
+          <a:bodyPr wrap="none" rtlCol="0">
+            <a:spAutoFit/>
+          </a:bodyPr>
+          <a:lstStyle/>
+          <a:p>
+            <a:r>
+              <a:rPr kumimoji="1" lang="en-US" altLang="ja-JP" sz="2800" b="1" dirty="0">
+                <a:solidFill>
+                  <a:schemeClr val="bg1"/>
+                </a:solidFill>
+                <a:latin typeface="Hiragino Kaku Gothic StdN W8" panose="020B0800000000000000" pitchFamily="34" charset="-128"/>
+                <a:ea typeface="Hiragino Kaku Gothic StdN W8" panose="020B0800000000000000" pitchFamily="34" charset="-128"/>
+              </a:rPr>
+              <a:t>②</a:t>
+            </a:r>
+            <a:endParaRPr kumimoji="1" lang="ja-JP" altLang="en-US" sz="2800" b="1">
+              <a:solidFill>
+                <a:schemeClr val="bg1"/>
+              </a:solidFill>
+              <a:latin typeface="Hiragino Kaku Gothic StdN W8" panose="020B0800000000000000" pitchFamily="34" charset="-128"/>
+              <a:ea typeface="Hiragino Kaku Gothic StdN W8" panose="020B0800000000000000" pitchFamily="34" charset="-128"/>
+            </a:endParaRPr>
+          </a:p>
+        </p:txBody>
+      </p:sp>
+      <p:sp>
+        <p:nvSpPr>
+          <p:cNvPr id="6" name="テキスト ボックス 5">
+            <a:extLst>
+              <a:ext uri="{FF2B5EF4-FFF2-40B4-BE49-F238E27FC236}">
+                <a16:creationId xmlns:a16="http://schemas.microsoft.com/office/drawing/2014/main" id="{6C2EACDA-5569-D5B9-E9A5-A42A5EFDD184}"/>
+              </a:ext>
+            </a:extLst>
+          </p:cNvPr>
+          <p:cNvSpPr txBox="1"/>
+          <p:nvPr/>
+        </p:nvSpPr>
+        <p:spPr>
+          <a:xfrm>
+            <a:off x="3531353" y="3945689"/>
+            <a:ext cx="550151" cy="523220"/>
+          </a:xfrm>
+          <a:prstGeom prst="rect">
+            <a:avLst/>
+          </a:prstGeom>
+          <a:noFill/>
+        </p:spPr>
+        <p:txBody>
+          <a:bodyPr wrap="none" rtlCol="0">
+            <a:spAutoFit/>
+          </a:bodyPr>
+          <a:lstStyle/>
+          <a:p>
+            <a:r>
+              <a:rPr kumimoji="1" lang="en-US" altLang="ja-JP" sz="2800" b="1" dirty="0">
+                <a:solidFill>
+                  <a:schemeClr val="bg1"/>
+                </a:solidFill>
+                <a:latin typeface="Hiragino Kaku Gothic StdN W8" panose="020B0800000000000000" pitchFamily="34" charset="-128"/>
+                <a:ea typeface="Hiragino Kaku Gothic StdN W8" panose="020B0800000000000000" pitchFamily="34" charset="-128"/>
+              </a:rPr>
+              <a:t>③</a:t>
+            </a:r>
+            <a:endParaRPr kumimoji="1" lang="ja-JP" altLang="en-US" sz="2800" b="1">
+              <a:solidFill>
+                <a:schemeClr val="bg1"/>
+              </a:solidFill>
+              <a:latin typeface="Hiragino Kaku Gothic StdN W8" panose="020B0800000000000000" pitchFamily="34" charset="-128"/>
+              <a:ea typeface="Hiragino Kaku Gothic StdN W8" panose="020B0800000000000000" pitchFamily="34" charset="-128"/>
+            </a:endParaRPr>
+          </a:p>
+        </p:txBody>
+      </p:sp>
+    </p:spTree>
+    <p:extLst>
+      <p:ext uri="{BB962C8B-B14F-4D97-AF65-F5344CB8AC3E}">
+        <p14:creationId xmlns:p14="http://schemas.microsoft.com/office/powerpoint/2010/main" val="1033193766"/>
+      </p:ext>
+    </p:extLst>
+  </p:cSld>
+  <p:clrMapOvr>
+    <a:masterClrMapping/>
+  </p:clrMapOvr>
+</p:sld>
+</file>
+
+<file path=ppt/slides/slide12.xml><?xml version="1.0" encoding="utf-8"?>
 <p:sld xmlns:a="http://schemas.openxmlformats.org/drawingml/2006/main" xmlns:r="http://schemas.openxmlformats.org/officeDocument/2006/relationships" xmlns:p="http://schemas.openxmlformats.org/presentationml/2006/main">
   <p:cSld>
     <p:spTree>
@@ -11226,11 +12109,18 @@
           <a:lstStyle/>
           <a:p>
             <a:r>
+              <a:rPr kumimoji="1" lang="ja-JP" altLang="en-US" b="1"/>
+              <a:t>デモンストレーションの前に２</a:t>
+            </a:r>
+            <a:br>
               <a:rPr kumimoji="1" lang="en-US" altLang="ja-JP" b="1" dirty="0"/>
+            </a:br>
+            <a:r>
+              <a:rPr kumimoji="1" lang="en-US" altLang="ja-JP" sz="2800" b="1" dirty="0"/>
               <a:t>LLM</a:t>
             </a:r>
             <a:r>
-              <a:rPr kumimoji="1" lang="ja-JP" altLang="en-US" b="1" dirty="0"/>
+              <a:rPr kumimoji="1" lang="ja-JP" altLang="en-US" sz="2800" b="1" dirty="0"/>
               <a:t>の処理をイメージする</a:t>
             </a:r>
           </a:p>
@@ -11285,14 +12175,14 @@
           <a:p>
             <a:pPr algn="ctr"/>
             <a:r>
-              <a:rPr kumimoji="1" lang="en-US" altLang="ja-JP" dirty="0">
+              <a:rPr kumimoji="1" lang="ja-JP" altLang="en-US">
                 <a:solidFill>
                   <a:schemeClr val="tx1"/>
                 </a:solidFill>
                 <a:latin typeface="Meiryo UI" panose="020B0604030504040204" pitchFamily="50" charset="-128"/>
                 <a:ea typeface="Meiryo UI" panose="020B0604030504040204" pitchFamily="50" charset="-128"/>
               </a:rPr>
-              <a:t>Raw text</a:t>
+              <a:t>文章</a:t>
             </a:r>
             <a:endParaRPr kumimoji="1" lang="ja-JP" altLang="en-US" dirty="0">
               <a:solidFill>
@@ -11347,11 +12237,11 @@
           <a:p>
             <a:pPr algn="ctr"/>
             <a:r>
-              <a:rPr kumimoji="1" lang="en-US" altLang="ja-JP" dirty="0">
+              <a:rPr kumimoji="1" lang="ja-JP" altLang="en-US">
                 <a:latin typeface="Meiryo UI" panose="020B0604030504040204" pitchFamily="50" charset="-128"/>
                 <a:ea typeface="Meiryo UI" panose="020B0604030504040204" pitchFamily="50" charset="-128"/>
               </a:rPr>
-              <a:t>Tokenizer</a:t>
+              <a:t>トークナイザ</a:t>
             </a:r>
             <a:endParaRPr kumimoji="1" lang="ja-JP" altLang="en-US" dirty="0">
               <a:latin typeface="Meiryo UI" panose="020B0604030504040204" pitchFamily="50" charset="-128"/>
@@ -11403,11 +12293,11 @@
           <a:p>
             <a:pPr algn="ctr"/>
             <a:r>
-              <a:rPr kumimoji="1" lang="en-US" altLang="ja-JP" dirty="0">
+              <a:rPr kumimoji="1" lang="ja-JP" altLang="en-US">
                 <a:latin typeface="Meiryo UI" panose="020B0604030504040204" pitchFamily="50" charset="-128"/>
                 <a:ea typeface="Meiryo UI" panose="020B0604030504040204" pitchFamily="50" charset="-128"/>
               </a:rPr>
-              <a:t>model</a:t>
+              <a:t>モデル</a:t>
             </a:r>
             <a:endParaRPr kumimoji="1" lang="ja-JP" altLang="en-US" dirty="0">
               <a:latin typeface="Meiryo UI" panose="020B0604030504040204" pitchFamily="50" charset="-128"/>
@@ -11459,24 +12349,11 @@
           <a:p>
             <a:pPr algn="ctr"/>
             <a:r>
-              <a:rPr kumimoji="1" lang="en-US" altLang="ja-JP" dirty="0">
+              <a:rPr kumimoji="1" lang="ja-JP" altLang="en-US">
                 <a:latin typeface="Meiryo UI" panose="020B0604030504040204" pitchFamily="50" charset="-128"/>
                 <a:ea typeface="Meiryo UI" panose="020B0604030504040204" pitchFamily="50" charset="-128"/>
               </a:rPr>
-              <a:t>Post</a:t>
-            </a:r>
-            <a:br>
-              <a:rPr kumimoji="1" lang="en-US" altLang="ja-JP" dirty="0">
-                <a:latin typeface="Meiryo UI" panose="020B0604030504040204" pitchFamily="50" charset="-128"/>
-                <a:ea typeface="Meiryo UI" panose="020B0604030504040204" pitchFamily="50" charset="-128"/>
-              </a:rPr>
-            </a:br>
-            <a:r>
-              <a:rPr kumimoji="1" lang="en-US" altLang="ja-JP" dirty="0">
-                <a:latin typeface="Meiryo UI" panose="020B0604030504040204" pitchFamily="50" charset="-128"/>
-                <a:ea typeface="Meiryo UI" panose="020B0604030504040204" pitchFamily="50" charset="-128"/>
-              </a:rPr>
-              <a:t>Processing</a:t>
+              <a:t>後処理</a:t>
             </a:r>
             <a:endParaRPr kumimoji="1" lang="ja-JP" altLang="en-US" dirty="0">
               <a:latin typeface="Meiryo UI" panose="020B0604030504040204" pitchFamily="50" charset="-128"/>
@@ -11620,14 +12497,14 @@
           <a:p>
             <a:pPr algn="ctr"/>
             <a:r>
-              <a:rPr kumimoji="1" lang="en-US" altLang="ja-JP" dirty="0">
+              <a:rPr kumimoji="1" lang="ja-JP" altLang="en-US">
                 <a:solidFill>
                   <a:schemeClr val="tx1"/>
                 </a:solidFill>
                 <a:latin typeface="Meiryo UI" panose="020B0604030504040204" pitchFamily="50" charset="-128"/>
                 <a:ea typeface="Meiryo UI" panose="020B0604030504040204" pitchFamily="50" charset="-128"/>
               </a:rPr>
-              <a:t>text</a:t>
+              <a:t>文章</a:t>
             </a:r>
             <a:endParaRPr kumimoji="1" lang="ja-JP" altLang="en-US" dirty="0">
               <a:solidFill>
@@ -11740,7 +12617,7 @@
         <p:spPr>
           <a:xfrm>
             <a:off x="6574576" y="2937796"/>
-            <a:ext cx="1624163" cy="369332"/>
+            <a:ext cx="1669047" cy="369332"/>
           </a:xfrm>
           <a:prstGeom prst="rect">
             <a:avLst/>
@@ -11758,9 +12635,16 @@
                 <a:latin typeface="Meiryo UI" panose="020B0604030504040204" pitchFamily="50" charset="-128"/>
                 <a:ea typeface="Meiryo UI" panose="020B0604030504040204" pitchFamily="50" charset="-128"/>
               </a:rPr>
-              <a:t>Logits or IDs</a:t>
-            </a:r>
-            <a:endParaRPr kumimoji="1" lang="ja-JP" altLang="en-US" dirty="0">
+              <a:t>Logits or </a:t>
+            </a:r>
+            <a:r>
+              <a:rPr lang="en-US" altLang="ja-JP" b="1" dirty="0">
+                <a:latin typeface="Meiryo UI" panose="020B0604030504040204" pitchFamily="50" charset="-128"/>
+                <a:ea typeface="Meiryo UI" panose="020B0604030504040204" pitchFamily="50" charset="-128"/>
+              </a:rPr>
+              <a:t>IDs</a:t>
+            </a:r>
+            <a:endParaRPr kumimoji="1" lang="ja-JP" altLang="en-US" b="1" dirty="0">
               <a:latin typeface="Meiryo UI" panose="020B0604030504040204" pitchFamily="50" charset="-128"/>
               <a:ea typeface="Meiryo UI" panose="020B0604030504040204" pitchFamily="50" charset="-128"/>
             </a:endParaRPr>
@@ -12196,175 +13080,6 @@
 </p:sld>
 </file>
 
-<file path=ppt/slides/slide12.xml><?xml version="1.0" encoding="utf-8"?>
-<p:sld xmlns:a="http://schemas.openxmlformats.org/drawingml/2006/main" xmlns:r="http://schemas.openxmlformats.org/officeDocument/2006/relationships" xmlns:p="http://schemas.openxmlformats.org/presentationml/2006/main">
-  <p:cSld>
-    <p:spTree>
-      <p:nvGrpSpPr>
-        <p:cNvPr id="1" name=""/>
-        <p:cNvGrpSpPr/>
-        <p:nvPr/>
-      </p:nvGrpSpPr>
-      <p:grpSpPr>
-        <a:xfrm>
-          <a:off x="0" y="0"/>
-          <a:ext cx="0" cy="0"/>
-          <a:chOff x="0" y="0"/>
-          <a:chExt cx="0" cy="0"/>
-        </a:xfrm>
-      </p:grpSpPr>
-      <p:sp>
-        <p:nvSpPr>
-          <p:cNvPr id="2" name="タイトル 1">
-            <a:extLst>
-              <a:ext uri="{FF2B5EF4-FFF2-40B4-BE49-F238E27FC236}">
-                <a16:creationId xmlns:a16="http://schemas.microsoft.com/office/drawing/2014/main" id="{7AD0CC42-514B-F65E-CAB8-534584EA03DD}"/>
-              </a:ext>
-            </a:extLst>
-          </p:cNvPr>
-          <p:cNvSpPr>
-            <a:spLocks noGrp="1"/>
-          </p:cNvSpPr>
-          <p:nvPr>
-            <p:ph type="title"/>
-          </p:nvPr>
-        </p:nvSpPr>
-        <p:spPr/>
-        <p:txBody>
-          <a:bodyPr/>
-          <a:lstStyle/>
-          <a:p>
-            <a:r>
-              <a:rPr kumimoji="1" lang="en-US" altLang="ja-JP" b="1" dirty="0" err="1"/>
-              <a:t>GoogleColab</a:t>
-            </a:r>
-            <a:r>
-              <a:rPr lang="ja-JP" altLang="en-US" b="1"/>
-              <a:t>で使ってみる</a:t>
-            </a:r>
-            <a:endParaRPr kumimoji="1" lang="ja-JP" altLang="en-US" b="1"/>
-          </a:p>
-        </p:txBody>
-      </p:sp>
-      <p:sp>
-        <p:nvSpPr>
-          <p:cNvPr id="3" name="コンテンツ プレースホルダー 2">
-            <a:extLst>
-              <a:ext uri="{FF2B5EF4-FFF2-40B4-BE49-F238E27FC236}">
-                <a16:creationId xmlns:a16="http://schemas.microsoft.com/office/drawing/2014/main" id="{F652DB2B-C4E0-74DF-26B3-7EBF89F105AD}"/>
-              </a:ext>
-            </a:extLst>
-          </p:cNvPr>
-          <p:cNvSpPr>
-            <a:spLocks noGrp="1"/>
-          </p:cNvSpPr>
-          <p:nvPr>
-            <p:ph idx="1"/>
-          </p:nvPr>
-        </p:nvSpPr>
-        <p:spPr/>
-        <p:txBody>
-          <a:bodyPr/>
-          <a:lstStyle/>
-          <a:p>
-            <a:r>
-              <a:rPr lang="en-US" altLang="ja-JP" dirty="0"/>
-              <a:t>Google </a:t>
-            </a:r>
-            <a:r>
-              <a:rPr lang="en-US" altLang="ja-JP" dirty="0" err="1"/>
-              <a:t>Colabratory</a:t>
-            </a:r>
-            <a:r>
-              <a:rPr lang="ja-JP" altLang="en-US"/>
-              <a:t>のファイルを用意しました。</a:t>
-            </a:r>
-            <a:endParaRPr lang="en-US" altLang="ja-JP" dirty="0"/>
-          </a:p>
-          <a:p>
-            <a:endParaRPr kumimoji="1" lang="en-US" altLang="ja-JP" dirty="0"/>
-          </a:p>
-          <a:p>
-            <a:r>
-              <a:rPr lang="ja-JP" altLang="en-US"/>
-              <a:t>リンクはこちら</a:t>
-            </a:r>
-            <a:endParaRPr lang="en-US" altLang="ja-JP" dirty="0"/>
-          </a:p>
-          <a:p>
-            <a:endParaRPr kumimoji="1" lang="en-US" altLang="ja-JP" dirty="0"/>
-          </a:p>
-          <a:p>
-            <a:r>
-              <a:rPr lang="en-US" altLang="ja-JP" dirty="0"/>
-              <a:t>Microsoft</a:t>
-            </a:r>
-            <a:r>
-              <a:rPr lang="ja-JP" altLang="en-US"/>
-              <a:t>の</a:t>
-            </a:r>
-            <a:r>
-              <a:rPr lang="en-US" altLang="ja-JP" dirty="0"/>
-              <a:t>Phi-1.5</a:t>
-            </a:r>
-            <a:r>
-              <a:rPr lang="ja-JP" altLang="en-US"/>
-              <a:t>を使ってみる</a:t>
-            </a:r>
-            <a:endParaRPr kumimoji="1" lang="ja-JP" altLang="en-US"/>
-          </a:p>
-        </p:txBody>
-      </p:sp>
-      <p:sp>
-        <p:nvSpPr>
-          <p:cNvPr id="4" name="テキスト ボックス 3">
-            <a:extLst>
-              <a:ext uri="{FF2B5EF4-FFF2-40B4-BE49-F238E27FC236}">
-                <a16:creationId xmlns:a16="http://schemas.microsoft.com/office/drawing/2014/main" id="{11DD4208-618C-96F6-C02D-820377899D8C}"/>
-              </a:ext>
-            </a:extLst>
-          </p:cNvPr>
-          <p:cNvSpPr txBox="1"/>
-          <p:nvPr/>
-        </p:nvSpPr>
-        <p:spPr>
-          <a:xfrm rot="1436325">
-            <a:off x="6321305" y="2175339"/>
-            <a:ext cx="4698722" cy="1446550"/>
-          </a:xfrm>
-          <a:prstGeom prst="rect">
-            <a:avLst/>
-          </a:prstGeom>
-          <a:solidFill>
-            <a:schemeClr val="bg1"/>
-          </a:solidFill>
-        </p:spPr>
-        <p:txBody>
-          <a:bodyPr wrap="none" rtlCol="0">
-            <a:spAutoFit/>
-          </a:bodyPr>
-          <a:lstStyle/>
-          <a:p>
-            <a:r>
-              <a:rPr kumimoji="1" lang="ja-JP" altLang="en-US" sz="8800"/>
-              <a:t>リンク未</a:t>
-            </a:r>
-          </a:p>
-        </p:txBody>
-      </p:sp>
-    </p:spTree>
-    <p:extLst>
-      <p:ext uri="{BB962C8B-B14F-4D97-AF65-F5344CB8AC3E}">
-        <p14:creationId xmlns:p14="http://schemas.microsoft.com/office/powerpoint/2010/main" val="1184806543"/>
-      </p:ext>
-    </p:extLst>
-  </p:cSld>
-  <p:clrMapOvr>
-    <a:masterClrMapping/>
-  </p:clrMapOvr>
-</p:sld>
-</file>
-
 <file path=ppt/slides/slide13.xml><?xml version="1.0" encoding="utf-8"?>
 <p:sld xmlns:a="http://schemas.openxmlformats.org/drawingml/2006/main" xmlns:r="http://schemas.openxmlformats.org/officeDocument/2006/relationships" xmlns:p="http://schemas.openxmlformats.org/presentationml/2006/main">
   <p:cSld>
@@ -12387,7 +13102,7 @@
           <p:cNvPr id="2" name="タイトル 1">
             <a:extLst>
               <a:ext uri="{FF2B5EF4-FFF2-40B4-BE49-F238E27FC236}">
-                <a16:creationId xmlns:a16="http://schemas.microsoft.com/office/drawing/2014/main" id="{CE904FBF-1DB4-091E-F7F9-0CB502C546C6}"/>
+                <a16:creationId xmlns:a16="http://schemas.microsoft.com/office/drawing/2014/main" id="{7AD0CC42-514B-F65E-CAB8-534584EA03DD}"/>
               </a:ext>
             </a:extLst>
           </p:cNvPr>
@@ -12404,29 +13119,30 @@
           <a:lstStyle/>
           <a:p>
             <a:r>
-              <a:rPr lang="en-US" altLang="ja-JP" b="1" dirty="0" err="1">
-                <a:effectLst/>
-                <a:latin typeface="Meiryo UI" panose="020B0604030504040204" pitchFamily="50" charset="-128"/>
-              </a:rPr>
-              <a:t>UseCase</a:t>
-            </a:r>
-            <a:r>
-              <a:rPr lang="ja-JP" altLang="en-US" b="1">
-                <a:effectLst/>
-                <a:latin typeface="Meiryo UI" panose="020B0604030504040204" pitchFamily="50" charset="-128"/>
-              </a:rPr>
-              <a:t>を考えてみよう</a:t>
-            </a:r>
-            <a:endParaRPr kumimoji="1" lang="ja-JP" altLang="en-US" dirty="0"/>
-          </a:p>
-        </p:txBody>
-      </p:sp>
-      <p:sp>
-        <p:nvSpPr>
-          <p:cNvPr id="3" name="コンテンツ プレースホルダー 2">
-            <a:extLst>
-              <a:ext uri="{FF2B5EF4-FFF2-40B4-BE49-F238E27FC236}">
-                <a16:creationId xmlns:a16="http://schemas.microsoft.com/office/drawing/2014/main" id="{9B5389DB-3BEA-2654-6147-F2E094E80009}"/>
+              <a:rPr kumimoji="1" lang="en-US" altLang="ja-JP" b="1" dirty="0" err="1"/>
+              <a:t>GoogleColab</a:t>
+            </a:r>
+            <a:r>
+              <a:rPr lang="ja-JP" altLang="en-US" b="1"/>
+              <a:t>で</a:t>
+            </a:r>
+            <a:br>
+              <a:rPr lang="en-US" altLang="ja-JP" b="1" dirty="0"/>
+            </a:br>
+            <a:r>
+              <a:rPr lang="ja-JP" altLang="en-US" b="1"/>
+              <a:t>使ってみよか！</a:t>
+            </a:r>
+            <a:endParaRPr kumimoji="1" lang="ja-JP" altLang="en-US" b="1"/>
+          </a:p>
+        </p:txBody>
+      </p:sp>
+      <p:sp>
+        <p:nvSpPr>
+          <p:cNvPr id="5" name="テキスト プレースホルダー 4">
+            <a:extLst>
+              <a:ext uri="{FF2B5EF4-FFF2-40B4-BE49-F238E27FC236}">
+                <a16:creationId xmlns:a16="http://schemas.microsoft.com/office/drawing/2014/main" id="{F67332BC-FB10-A44E-958A-984A26CD1DE6}"/>
               </a:ext>
             </a:extLst>
           </p:cNvPr>
@@ -12434,268 +13150,42 @@
             <a:spLocks noGrp="1"/>
           </p:cNvSpPr>
           <p:nvPr>
-            <p:ph idx="1"/>
+            <p:ph type="body" idx="1"/>
           </p:nvPr>
         </p:nvSpPr>
-        <p:spPr>
-          <a:xfrm>
-            <a:off x="838200" y="1825625"/>
-            <a:ext cx="5943600" cy="4351338"/>
-          </a:xfrm>
-        </p:spPr>
+        <p:spPr/>
         <p:txBody>
           <a:bodyPr/>
           <a:lstStyle/>
           <a:p>
-            <a:r>
-              <a:rPr kumimoji="1" lang="ja-JP" altLang="en-US"/>
-              <a:t>ローカル</a:t>
-            </a:r>
-            <a:r>
-              <a:rPr kumimoji="1" lang="en-US" altLang="ja-JP" dirty="0"/>
-              <a:t>LLM</a:t>
-            </a:r>
-            <a:r>
-              <a:rPr kumimoji="1" lang="ja-JP" altLang="en-US"/>
-              <a:t>に活路があるんじゃないか？</a:t>
-            </a:r>
-            <a:endParaRPr kumimoji="1" lang="en-US" altLang="ja-JP" dirty="0"/>
-          </a:p>
-          <a:p>
-            <a:endParaRPr lang="en-US" altLang="ja-JP" dirty="0"/>
-          </a:p>
-          <a:p>
-            <a:r>
-              <a:rPr kumimoji="1" lang="ja-JP" altLang="en-US"/>
-              <a:t>業界の専門用語</a:t>
-            </a:r>
-            <a:endParaRPr kumimoji="1" lang="en-US" altLang="ja-JP" dirty="0"/>
-          </a:p>
-          <a:p>
-            <a:pPr marL="627063" indent="0">
-              <a:buNone/>
-            </a:pPr>
-            <a:r>
-              <a:rPr kumimoji="1" lang="ja-JP" altLang="en-US" b="1"/>
-              <a:t>視差呼称</a:t>
-            </a:r>
-            <a:r>
-              <a:rPr kumimoji="1" lang="ja-JP" altLang="en-US"/>
-              <a:t>、はつり、デレッキ、うま</a:t>
-            </a:r>
-            <a:endParaRPr kumimoji="1" lang="en-US" altLang="ja-JP" dirty="0"/>
-          </a:p>
-          <a:p>
-            <a:pPr marL="627063" indent="0">
-              <a:buNone/>
-            </a:pPr>
-            <a:endParaRPr kumimoji="1" lang="en-US" altLang="ja-JP" dirty="0"/>
-          </a:p>
-          <a:p>
-            <a:pPr marL="627063" indent="0">
-              <a:buNone/>
-            </a:pPr>
-            <a:r>
-              <a:rPr kumimoji="1" lang="ja-JP" altLang="en-US" b="1"/>
-              <a:t>逃げ</a:t>
-            </a:r>
-            <a:r>
-              <a:rPr kumimoji="1" lang="ja-JP" altLang="en-US"/>
-              <a:t>、刺す、芋掘り、三味線・・・</a:t>
-            </a:r>
-            <a:endParaRPr kumimoji="1" lang="en-US" altLang="ja-JP" dirty="0"/>
-          </a:p>
-          <a:p>
-            <a:endParaRPr lang="en-US" altLang="ja-JP" dirty="0"/>
-          </a:p>
-          <a:p>
-            <a:endParaRPr kumimoji="1" lang="ja-JP" altLang="en-US"/>
-          </a:p>
-        </p:txBody>
-      </p:sp>
-      <p:pic>
-        <p:nvPicPr>
-          <p:cNvPr id="5" name="図 4" descr="人, 建物, 男, 立つ が含まれている画像&#10;&#10;自動的に生成された説明">
-            <a:extLst>
-              <a:ext uri="{FF2B5EF4-FFF2-40B4-BE49-F238E27FC236}">
-                <a16:creationId xmlns:a16="http://schemas.microsoft.com/office/drawing/2014/main" id="{1E7347A8-460D-A7E3-4C58-CC134051086F}"/>
-              </a:ext>
-            </a:extLst>
-          </p:cNvPr>
-          <p:cNvPicPr>
-            <a:picLocks noChangeAspect="1"/>
-          </p:cNvPicPr>
-          <p:nvPr/>
-        </p:nvPicPr>
-        <p:blipFill>
-          <a:blip r:embed="rId2" cstate="screen">
-            <a:extLst>
-              <a:ext uri="{BEBA8EAE-BF5A-486C-A8C5-ECC9F3942E4B}">
-                <a14:imgProps xmlns:a14="http://schemas.microsoft.com/office/drawing/2010/main">
-                  <a14:imgLayer r:embed="rId3">
-                    <a14:imgEffect>
-                      <a14:brightnessContrast bright="8000"/>
-                    </a14:imgEffect>
-                  </a14:imgLayer>
-                </a14:imgProps>
-              </a:ext>
-              <a:ext uri="{28A0092B-C50C-407E-A947-70E740481C1C}">
-                <a14:useLocalDpi xmlns:a14="http://schemas.microsoft.com/office/drawing/2010/main"/>
-              </a:ext>
-            </a:extLst>
-          </a:blip>
-          <a:stretch>
-            <a:fillRect/>
-          </a:stretch>
-        </p:blipFill>
-        <p:spPr>
-          <a:xfrm>
-            <a:off x="7067548" y="1584540"/>
-            <a:ext cx="2159579" cy="2159579"/>
-          </a:xfrm>
-          <a:prstGeom prst="rect">
-            <a:avLst/>
-          </a:prstGeom>
-        </p:spPr>
-      </p:pic>
-      <p:pic>
-        <p:nvPicPr>
-          <p:cNvPr id="11" name="グラフィックス 10" descr="右向き指示マーク 単色塗りつぶし">
-            <a:extLst>
-              <a:ext uri="{FF2B5EF4-FFF2-40B4-BE49-F238E27FC236}">
-                <a16:creationId xmlns:a16="http://schemas.microsoft.com/office/drawing/2014/main" id="{7360A822-A3F0-B8F3-5478-0ADE1E34E6F7}"/>
-              </a:ext>
-            </a:extLst>
-          </p:cNvPr>
-          <p:cNvPicPr>
-            <a:picLocks noChangeAspect="1"/>
-          </p:cNvPicPr>
-          <p:nvPr/>
-        </p:nvPicPr>
-        <p:blipFill>
-          <a:blip r:embed="rId4">
-            <a:extLst>
-              <a:ext uri="{96DAC541-7B7A-43D3-8B79-37D633B846F1}">
-                <asvg:svgBlip xmlns:asvg="http://schemas.microsoft.com/office/drawing/2016/SVG/main" r:embed="rId5"/>
-              </a:ext>
-            </a:extLst>
-          </a:blip>
-          <a:stretch>
-            <a:fillRect/>
-          </a:stretch>
-        </p:blipFill>
-        <p:spPr>
-          <a:xfrm rot="19499759">
-            <a:off x="7666981" y="2056753"/>
-            <a:ext cx="737226" cy="737226"/>
-          </a:xfrm>
-          <a:prstGeom prst="rect">
-            <a:avLst/>
-          </a:prstGeom>
-        </p:spPr>
-      </p:pic>
-      <p:pic>
-        <p:nvPicPr>
-          <p:cNvPr id="13" name="図 12" descr="道路を走るバイクに乗る人&#10;&#10;自動的に生成された説明">
-            <a:extLst>
-              <a:ext uri="{FF2B5EF4-FFF2-40B4-BE49-F238E27FC236}">
-                <a16:creationId xmlns:a16="http://schemas.microsoft.com/office/drawing/2014/main" id="{371C8EDC-BDC3-3677-28FB-6DBFC71D0D1C}"/>
-              </a:ext>
-            </a:extLst>
-          </p:cNvPr>
-          <p:cNvPicPr>
-            <a:picLocks noChangeAspect="1"/>
-          </p:cNvPicPr>
-          <p:nvPr/>
-        </p:nvPicPr>
-        <p:blipFill>
-          <a:blip r:embed="rId6" cstate="screen">
-            <a:extLst>
-              <a:ext uri="{BEBA8EAE-BF5A-486C-A8C5-ECC9F3942E4B}">
-                <a14:imgProps xmlns:a14="http://schemas.microsoft.com/office/drawing/2010/main">
-                  <a14:imgLayer r:embed="rId7">
-                    <a14:imgEffect>
-                      <a14:brightnessContrast bright="25000"/>
-                    </a14:imgEffect>
-                  </a14:imgLayer>
-                </a14:imgProps>
-              </a:ext>
-              <a:ext uri="{28A0092B-C50C-407E-A947-70E740481C1C}">
-                <a14:useLocalDpi xmlns:a14="http://schemas.microsoft.com/office/drawing/2010/main"/>
-              </a:ext>
-            </a:extLst>
-          </a:blip>
-          <a:stretch>
-            <a:fillRect/>
-          </a:stretch>
-        </p:blipFill>
-        <p:spPr>
-          <a:xfrm>
-            <a:off x="7067548" y="3894281"/>
-            <a:ext cx="3207758" cy="2138506"/>
-          </a:xfrm>
-          <a:prstGeom prst="rect">
-            <a:avLst/>
-          </a:prstGeom>
-        </p:spPr>
-      </p:pic>
-      <p:sp>
-        <p:nvSpPr>
-          <p:cNvPr id="15" name="テキスト ボックス 14">
-            <a:extLst>
-              <a:ext uri="{FF2B5EF4-FFF2-40B4-BE49-F238E27FC236}">
-                <a16:creationId xmlns:a16="http://schemas.microsoft.com/office/drawing/2014/main" id="{1D84EA15-1F3D-8A57-8D0B-5715E467DC6F}"/>
-              </a:ext>
-            </a:extLst>
-          </p:cNvPr>
-          <p:cNvSpPr txBox="1"/>
-          <p:nvPr/>
-        </p:nvSpPr>
-        <p:spPr>
-          <a:xfrm>
-            <a:off x="6979534" y="5990093"/>
-            <a:ext cx="3703900" cy="276999"/>
-          </a:xfrm>
-          <a:prstGeom prst="rect">
-            <a:avLst/>
-          </a:prstGeom>
-          <a:noFill/>
-        </p:spPr>
-        <p:txBody>
-          <a:bodyPr wrap="square">
-            <a:spAutoFit/>
-          </a:bodyPr>
-          <a:lstStyle/>
-          <a:p>
-            <a:r>
-              <a:rPr lang="en-US" altLang="ja-JP" sz="1200" b="0" i="1" u="none" strike="noStrike" dirty="0">
-                <a:effectLst/>
-                <a:latin typeface="Georgia, serif"/>
-              </a:rPr>
-              <a:t>©︎KINAN Racing Team / </a:t>
-            </a:r>
-            <a:r>
-              <a:rPr lang="en-US" altLang="ja-JP" sz="1200" b="0" i="1" u="none" strike="noStrike" dirty="0" err="1">
-                <a:effectLst/>
-                <a:latin typeface="Georgia, serif"/>
-              </a:rPr>
-              <a:t>Syunsuke</a:t>
-            </a:r>
-            <a:r>
-              <a:rPr lang="en-US" altLang="ja-JP" sz="1200" b="0" i="1" u="none" strike="noStrike" dirty="0">
-                <a:effectLst/>
-                <a:latin typeface="Georgia, serif"/>
-              </a:rPr>
-              <a:t> FUKUMITSU</a:t>
-            </a:r>
-            <a:endParaRPr lang="ja-JP" altLang="en-US" sz="1200"/>
+            <a:endParaRPr kumimoji="1" lang="en-US" altLang="ja-JP" dirty="0">
+              <a:hlinkClick r:id="rId2"/>
+            </a:endParaRPr>
+          </a:p>
+          <a:p>
+            <a:pPr algn="ctr"/>
+            <a:r>
+              <a:rPr kumimoji="1" lang="en-US" altLang="ja-JP" dirty="0">
+                <a:hlinkClick r:id="rId2"/>
+              </a:rPr>
+              <a:t>Google Colab</a:t>
+            </a:r>
+            <a:r>
+              <a:rPr lang="ja-JP" altLang="en-US"/>
+              <a:t>　← </a:t>
+            </a:r>
+            <a:r>
+              <a:rPr lang="en-US" altLang="ja-JP" dirty="0"/>
+              <a:t>click</a:t>
+            </a:r>
+            <a:endParaRPr lang="ja-JP" altLang="en-US"/>
           </a:p>
         </p:txBody>
       </p:sp>
     </p:spTree>
     <p:extLst>
       <p:ext uri="{BB962C8B-B14F-4D97-AF65-F5344CB8AC3E}">
-        <p14:creationId xmlns:p14="http://schemas.microsoft.com/office/powerpoint/2010/main" val="1103775789"/>
+        <p14:creationId xmlns:p14="http://schemas.microsoft.com/office/powerpoint/2010/main" val="1184806543"/>
       </p:ext>
     </p:extLst>
   </p:cSld>
@@ -12744,11 +13234,18 @@
           <a:lstStyle/>
           <a:p>
             <a:r>
+              <a:rPr lang="en-US" altLang="ja-JP" b="1" dirty="0" err="1">
+                <a:effectLst/>
+                <a:latin typeface="Meiryo UI" panose="020B0604030504040204" pitchFamily="50" charset="-128"/>
+              </a:rPr>
+              <a:t>UseCase</a:t>
+            </a:r>
+            <a:r>
               <a:rPr lang="ja-JP" altLang="en-US" b="1">
                 <a:effectLst/>
                 <a:latin typeface="Meiryo UI" panose="020B0604030504040204" pitchFamily="50" charset="-128"/>
               </a:rPr>
-              <a:t>まとめ</a:t>
+              <a:t>を考えてみよう</a:t>
             </a:r>
             <a:endParaRPr kumimoji="1" lang="ja-JP" altLang="en-US" dirty="0"/>
           </a:p>
@@ -12770,53 +13267,273 @@
             <p:ph idx="1"/>
           </p:nvPr>
         </p:nvSpPr>
-        <p:spPr/>
+        <p:spPr>
+          <a:xfrm>
+            <a:off x="838200" y="1825625"/>
+            <a:ext cx="5943600" cy="4351338"/>
+          </a:xfrm>
+        </p:spPr>
         <p:txBody>
           <a:bodyPr/>
           <a:lstStyle/>
           <a:p>
             <a:r>
               <a:rPr kumimoji="1" lang="ja-JP" altLang="en-US"/>
-              <a:t>なんやら便利そう</a:t>
+              <a:t>ローカル</a:t>
+            </a:r>
+            <a:r>
+              <a:rPr kumimoji="1" lang="en-US" altLang="ja-JP" dirty="0"/>
+              <a:t>LLM</a:t>
+            </a:r>
+            <a:r>
+              <a:rPr kumimoji="1" lang="ja-JP" altLang="en-US"/>
+              <a:t>に活路？</a:t>
             </a:r>
             <a:endParaRPr kumimoji="1" lang="en-US" altLang="ja-JP" dirty="0"/>
           </a:p>
           <a:p>
-            <a:r>
-              <a:rPr lang="ja-JP" altLang="en-US"/>
-              <a:t>日本語テキストが少ない</a:t>
-            </a:r>
+            <a:pPr lvl="1"/>
+            <a:r>
+              <a:rPr kumimoji="1" lang="ja-JP" altLang="en-US"/>
+              <a:t>社内特化？特定の目的特化？</a:t>
+            </a:r>
+            <a:endParaRPr kumimoji="1" lang="en-US" altLang="ja-JP" dirty="0"/>
+          </a:p>
+          <a:p>
             <a:endParaRPr lang="en-US" altLang="ja-JP" dirty="0"/>
           </a:p>
           <a:p>
             <a:r>
-              <a:rPr lang="ja-JP" altLang="en-US"/>
-              <a:t>ハードルが高く見えるけど、案外そうでもなさそう？</a:t>
-            </a:r>
+              <a:rPr kumimoji="1" lang="ja-JP" altLang="en-US"/>
+              <a:t>業界の専門用語</a:t>
+            </a:r>
+            <a:endParaRPr kumimoji="1" lang="en-US" altLang="ja-JP" dirty="0"/>
+          </a:p>
+          <a:p>
+            <a:pPr marL="627063" indent="0">
+              <a:buNone/>
+            </a:pPr>
+            <a:r>
+              <a:rPr kumimoji="1" lang="ja-JP" altLang="en-US" sz="2400" b="1"/>
+              <a:t>視差呼称</a:t>
+            </a:r>
+            <a:r>
+              <a:rPr kumimoji="1" lang="ja-JP" altLang="en-US" sz="2400"/>
+              <a:t>、はつり、デレッキ、うま</a:t>
+            </a:r>
+            <a:endParaRPr kumimoji="1" lang="en-US" altLang="ja-JP" sz="2400" dirty="0"/>
+          </a:p>
+          <a:p>
+            <a:pPr marL="627063" indent="0">
+              <a:buNone/>
+            </a:pPr>
+            <a:endParaRPr kumimoji="1" lang="en-US" altLang="ja-JP" sz="2400" dirty="0"/>
+          </a:p>
+          <a:p>
+            <a:pPr marL="627063" indent="0">
+              <a:buNone/>
+            </a:pPr>
+            <a:r>
+              <a:rPr kumimoji="1" lang="ja-JP" altLang="en-US" sz="2400" b="1"/>
+              <a:t>逃げ</a:t>
+            </a:r>
+            <a:r>
+              <a:rPr kumimoji="1" lang="ja-JP" altLang="en-US" sz="2400"/>
+              <a:t>、刺す、芋掘り、三味線・・・</a:t>
+            </a:r>
+            <a:endParaRPr kumimoji="1" lang="en-US" altLang="ja-JP" sz="2400" dirty="0"/>
+          </a:p>
+          <a:p>
             <a:endParaRPr lang="en-US" altLang="ja-JP" dirty="0"/>
           </a:p>
           <a:p>
-            <a:r>
-              <a:rPr lang="ja-JP" altLang="en-US" b="1"/>
-              <a:t>みんなで使ってみようぜ！</a:t>
-            </a:r>
-            <a:endParaRPr lang="en-US" altLang="ja-JP" b="1" dirty="0"/>
-          </a:p>
-          <a:p>
-            <a:endParaRPr lang="en-US" altLang="ja-JP" dirty="0"/>
-          </a:p>
-          <a:p>
-            <a:endParaRPr lang="en-US" altLang="ja-JP" dirty="0"/>
-          </a:p>
-          <a:p>
-            <a:endParaRPr lang="en-US" altLang="ja-JP" dirty="0"/>
+            <a:endParaRPr kumimoji="1" lang="ja-JP" altLang="en-US"/>
+          </a:p>
+        </p:txBody>
+      </p:sp>
+      <p:pic>
+        <p:nvPicPr>
+          <p:cNvPr id="5" name="図 4" descr="人, 建物, 男, 立つ が含まれている画像&#10;&#10;自動的に生成された説明">
+            <a:extLst>
+              <a:ext uri="{FF2B5EF4-FFF2-40B4-BE49-F238E27FC236}">
+                <a16:creationId xmlns:a16="http://schemas.microsoft.com/office/drawing/2014/main" id="{1E7347A8-460D-A7E3-4C58-CC134051086F}"/>
+              </a:ext>
+            </a:extLst>
+          </p:cNvPr>
+          <p:cNvPicPr>
+            <a:picLocks noChangeAspect="1"/>
+          </p:cNvPicPr>
+          <p:nvPr/>
+        </p:nvPicPr>
+        <p:blipFill>
+          <a:blip r:embed="rId2" cstate="screen">
+            <a:extLst>
+              <a:ext uri="{BEBA8EAE-BF5A-486C-A8C5-ECC9F3942E4B}">
+                <a14:imgProps xmlns:a14="http://schemas.microsoft.com/office/drawing/2010/main">
+                  <a14:imgLayer r:embed="rId3">
+                    <a14:imgEffect>
+                      <a14:brightnessContrast bright="8000"/>
+                    </a14:imgEffect>
+                  </a14:imgLayer>
+                </a14:imgProps>
+              </a:ext>
+              <a:ext uri="{28A0092B-C50C-407E-A947-70E740481C1C}">
+                <a14:useLocalDpi xmlns:a14="http://schemas.microsoft.com/office/drawing/2010/main"/>
+              </a:ext>
+            </a:extLst>
+          </a:blip>
+          <a:stretch>
+            <a:fillRect/>
+          </a:stretch>
+        </p:blipFill>
+        <p:spPr>
+          <a:xfrm>
+            <a:off x="7067548" y="1584540"/>
+            <a:ext cx="2159579" cy="2159579"/>
+          </a:xfrm>
+          <a:prstGeom prst="rect">
+            <a:avLst/>
+          </a:prstGeom>
+        </p:spPr>
+      </p:pic>
+      <p:pic>
+        <p:nvPicPr>
+          <p:cNvPr id="11" name="グラフィックス 10" descr="右向き指示マーク 単色塗りつぶし">
+            <a:extLst>
+              <a:ext uri="{FF2B5EF4-FFF2-40B4-BE49-F238E27FC236}">
+                <a16:creationId xmlns:a16="http://schemas.microsoft.com/office/drawing/2014/main" id="{7360A822-A3F0-B8F3-5478-0ADE1E34E6F7}"/>
+              </a:ext>
+            </a:extLst>
+          </p:cNvPr>
+          <p:cNvPicPr>
+            <a:picLocks noChangeAspect="1"/>
+          </p:cNvPicPr>
+          <p:nvPr/>
+        </p:nvPicPr>
+        <p:blipFill>
+          <a:blip r:embed="rId4">
+            <a:extLst>
+              <a:ext uri="{96DAC541-7B7A-43D3-8B79-37D633B846F1}">
+                <asvg:svgBlip xmlns:asvg="http://schemas.microsoft.com/office/drawing/2016/SVG/main" r:embed="rId5"/>
+              </a:ext>
+            </a:extLst>
+          </a:blip>
+          <a:stretch>
+            <a:fillRect/>
+          </a:stretch>
+        </p:blipFill>
+        <p:spPr>
+          <a:xfrm rot="19499759">
+            <a:off x="7666981" y="2056753"/>
+            <a:ext cx="737226" cy="737226"/>
+          </a:xfrm>
+          <a:prstGeom prst="rect">
+            <a:avLst/>
+          </a:prstGeom>
+        </p:spPr>
+      </p:pic>
+      <p:pic>
+        <p:nvPicPr>
+          <p:cNvPr id="13" name="図 12" descr="道路を走るバイクに乗る人&#10;&#10;自動的に生成された説明">
+            <a:extLst>
+              <a:ext uri="{FF2B5EF4-FFF2-40B4-BE49-F238E27FC236}">
+                <a16:creationId xmlns:a16="http://schemas.microsoft.com/office/drawing/2014/main" id="{371C8EDC-BDC3-3677-28FB-6DBFC71D0D1C}"/>
+              </a:ext>
+            </a:extLst>
+          </p:cNvPr>
+          <p:cNvPicPr>
+            <a:picLocks noChangeAspect="1"/>
+          </p:cNvPicPr>
+          <p:nvPr/>
+        </p:nvPicPr>
+        <p:blipFill>
+          <a:blip r:embed="rId6" cstate="screen">
+            <a:extLst>
+              <a:ext uri="{BEBA8EAE-BF5A-486C-A8C5-ECC9F3942E4B}">
+                <a14:imgProps xmlns:a14="http://schemas.microsoft.com/office/drawing/2010/main">
+                  <a14:imgLayer r:embed="rId7">
+                    <a14:imgEffect>
+                      <a14:brightnessContrast bright="25000"/>
+                    </a14:imgEffect>
+                  </a14:imgLayer>
+                </a14:imgProps>
+              </a:ext>
+              <a:ext uri="{28A0092B-C50C-407E-A947-70E740481C1C}">
+                <a14:useLocalDpi xmlns:a14="http://schemas.microsoft.com/office/drawing/2010/main"/>
+              </a:ext>
+            </a:extLst>
+          </a:blip>
+          <a:stretch>
+            <a:fillRect/>
+          </a:stretch>
+        </p:blipFill>
+        <p:spPr>
+          <a:xfrm>
+            <a:off x="7067548" y="3894281"/>
+            <a:ext cx="3207758" cy="2138506"/>
+          </a:xfrm>
+          <a:prstGeom prst="rect">
+            <a:avLst/>
+          </a:prstGeom>
+        </p:spPr>
+      </p:pic>
+      <p:sp>
+        <p:nvSpPr>
+          <p:cNvPr id="15" name="テキスト ボックス 14">
+            <a:extLst>
+              <a:ext uri="{FF2B5EF4-FFF2-40B4-BE49-F238E27FC236}">
+                <a16:creationId xmlns:a16="http://schemas.microsoft.com/office/drawing/2014/main" id="{1D84EA15-1F3D-8A57-8D0B-5715E467DC6F}"/>
+              </a:ext>
+            </a:extLst>
+          </p:cNvPr>
+          <p:cNvSpPr txBox="1"/>
+          <p:nvPr/>
+        </p:nvSpPr>
+        <p:spPr>
+          <a:xfrm>
+            <a:off x="6979534" y="5990093"/>
+            <a:ext cx="3703900" cy="276999"/>
+          </a:xfrm>
+          <a:prstGeom prst="rect">
+            <a:avLst/>
+          </a:prstGeom>
+          <a:noFill/>
+        </p:spPr>
+        <p:txBody>
+          <a:bodyPr wrap="square">
+            <a:spAutoFit/>
+          </a:bodyPr>
+          <a:lstStyle/>
+          <a:p>
+            <a:r>
+              <a:rPr lang="en-US" altLang="ja-JP" sz="1200" b="0" i="1" u="none" strike="noStrike" dirty="0">
+                <a:effectLst/>
+                <a:latin typeface="Georgia, serif"/>
+              </a:rPr>
+              <a:t>©︎KINAN Racing Team / </a:t>
+            </a:r>
+            <a:r>
+              <a:rPr lang="en-US" altLang="ja-JP" sz="1200" b="0" i="1" u="none" strike="noStrike" dirty="0" err="1">
+                <a:effectLst/>
+                <a:latin typeface="Georgia, serif"/>
+              </a:rPr>
+              <a:t>Syunsuke</a:t>
+            </a:r>
+            <a:r>
+              <a:rPr lang="en-US" altLang="ja-JP" sz="1200" b="0" i="1" u="none" strike="noStrike" dirty="0">
+                <a:effectLst/>
+                <a:latin typeface="Georgia, serif"/>
+              </a:rPr>
+              <a:t> FUKUMITSU</a:t>
+            </a:r>
+            <a:endParaRPr lang="ja-JP" altLang="en-US" sz="1200"/>
           </a:p>
         </p:txBody>
       </p:sp>
     </p:spTree>
     <p:extLst>
       <p:ext uri="{BB962C8B-B14F-4D97-AF65-F5344CB8AC3E}">
-        <p14:creationId xmlns:p14="http://schemas.microsoft.com/office/powerpoint/2010/main" val="1720880781"/>
+        <p14:creationId xmlns:p14="http://schemas.microsoft.com/office/powerpoint/2010/main" val="1103775789"/>
       </p:ext>
     </p:extLst>
   </p:cSld>
@@ -12848,6 +13565,127 @@
           <p:cNvPr id="2" name="タイトル 1">
             <a:extLst>
               <a:ext uri="{FF2B5EF4-FFF2-40B4-BE49-F238E27FC236}">
+                <a16:creationId xmlns:a16="http://schemas.microsoft.com/office/drawing/2014/main" id="{CE904FBF-1DB4-091E-F7F9-0CB502C546C6}"/>
+              </a:ext>
+            </a:extLst>
+          </p:cNvPr>
+          <p:cNvSpPr>
+            <a:spLocks noGrp="1"/>
+          </p:cNvSpPr>
+          <p:nvPr>
+            <p:ph type="title"/>
+          </p:nvPr>
+        </p:nvSpPr>
+        <p:spPr/>
+        <p:txBody>
+          <a:bodyPr/>
+          <a:lstStyle/>
+          <a:p>
+            <a:r>
+              <a:rPr lang="ja-JP" altLang="en-US" b="1">
+                <a:effectLst/>
+                <a:latin typeface="Meiryo UI" panose="020B0604030504040204" pitchFamily="50" charset="-128"/>
+              </a:rPr>
+              <a:t>まとめ</a:t>
+            </a:r>
+            <a:endParaRPr kumimoji="1" lang="ja-JP" altLang="en-US" dirty="0"/>
+          </a:p>
+        </p:txBody>
+      </p:sp>
+      <p:sp>
+        <p:nvSpPr>
+          <p:cNvPr id="3" name="コンテンツ プレースホルダー 2">
+            <a:extLst>
+              <a:ext uri="{FF2B5EF4-FFF2-40B4-BE49-F238E27FC236}">
+                <a16:creationId xmlns:a16="http://schemas.microsoft.com/office/drawing/2014/main" id="{9B5389DB-3BEA-2654-6147-F2E094E80009}"/>
+              </a:ext>
+            </a:extLst>
+          </p:cNvPr>
+          <p:cNvSpPr>
+            <a:spLocks noGrp="1"/>
+          </p:cNvSpPr>
+          <p:nvPr>
+            <p:ph idx="1"/>
+          </p:nvPr>
+        </p:nvSpPr>
+        <p:spPr/>
+        <p:txBody>
+          <a:bodyPr/>
+          <a:lstStyle/>
+          <a:p>
+            <a:r>
+              <a:rPr kumimoji="1" lang="ja-JP" altLang="en-US"/>
+              <a:t>なんやら便利そう</a:t>
+            </a:r>
+            <a:endParaRPr kumimoji="1" lang="en-US" altLang="ja-JP" dirty="0"/>
+          </a:p>
+          <a:p>
+            <a:r>
+              <a:rPr lang="ja-JP" altLang="en-US"/>
+              <a:t>日本語テキストが少ない</a:t>
+            </a:r>
+            <a:endParaRPr lang="en-US" altLang="ja-JP" dirty="0"/>
+          </a:p>
+          <a:p>
+            <a:r>
+              <a:rPr lang="ja-JP" altLang="en-US"/>
+              <a:t>ハードルが高く見えるけど、案外そうでもなさそう？</a:t>
+            </a:r>
+            <a:endParaRPr lang="en-US" altLang="ja-JP" dirty="0"/>
+          </a:p>
+          <a:p>
+            <a:r>
+              <a:rPr lang="ja-JP" altLang="en-US" b="1"/>
+              <a:t>みんなで使ってみようぜ！</a:t>
+            </a:r>
+            <a:endParaRPr lang="en-US" altLang="ja-JP" b="1" dirty="0"/>
+          </a:p>
+          <a:p>
+            <a:endParaRPr lang="en-US" altLang="ja-JP" dirty="0"/>
+          </a:p>
+          <a:p>
+            <a:endParaRPr lang="en-US" altLang="ja-JP" dirty="0"/>
+          </a:p>
+          <a:p>
+            <a:endParaRPr lang="en-US" altLang="ja-JP" dirty="0"/>
+          </a:p>
+        </p:txBody>
+      </p:sp>
+    </p:spTree>
+    <p:extLst>
+      <p:ext uri="{BB962C8B-B14F-4D97-AF65-F5344CB8AC3E}">
+        <p14:creationId xmlns:p14="http://schemas.microsoft.com/office/powerpoint/2010/main" val="1720880781"/>
+      </p:ext>
+    </p:extLst>
+  </p:cSld>
+  <p:clrMapOvr>
+    <a:masterClrMapping/>
+  </p:clrMapOvr>
+</p:sld>
+</file>
+
+<file path=ppt/slides/slide16.xml><?xml version="1.0" encoding="utf-8"?>
+<p:sld xmlns:a="http://schemas.openxmlformats.org/drawingml/2006/main" xmlns:r="http://schemas.openxmlformats.org/officeDocument/2006/relationships" xmlns:p="http://schemas.openxmlformats.org/presentationml/2006/main">
+  <p:cSld>
+    <p:spTree>
+      <p:nvGrpSpPr>
+        <p:cNvPr id="1" name=""/>
+        <p:cNvGrpSpPr/>
+        <p:nvPr/>
+      </p:nvGrpSpPr>
+      <p:grpSpPr>
+        <a:xfrm>
+          <a:off x="0" y="0"/>
+          <a:ext cx="0" cy="0"/>
+          <a:chOff x="0" y="0"/>
+          <a:chExt cx="0" cy="0"/>
+        </a:xfrm>
+      </p:grpSpPr>
+      <p:sp>
+        <p:nvSpPr>
+          <p:cNvPr id="2" name="タイトル 1">
+            <a:extLst>
+              <a:ext uri="{FF2B5EF4-FFF2-40B4-BE49-F238E27FC236}">
                 <a16:creationId xmlns:a16="http://schemas.microsoft.com/office/drawing/2014/main" id="{CC308DA3-6772-947C-BC76-4838B7584C54}"/>
               </a:ext>
             </a:extLst>
@@ -12906,7 +13744,7 @@
 </p:sld>
 </file>
 
-<file path=ppt/slides/slide16.xml><?xml version="1.0" encoding="utf-8"?>
+<file path=ppt/slides/slide17.xml><?xml version="1.0" encoding="utf-8"?>
 <p:sld xmlns:a="http://schemas.openxmlformats.org/drawingml/2006/main" xmlns:r="http://schemas.openxmlformats.org/officeDocument/2006/relationships" xmlns:p="http://schemas.openxmlformats.org/presentationml/2006/main">
   <p:cSld>
     <p:spTree>
@@ -13161,7 +13999,7 @@
 </p:sld>
 </file>
 
-<file path=ppt/slides/slide17.xml><?xml version="1.0" encoding="utf-8"?>
+<file path=ppt/slides/slide18.xml><?xml version="1.0" encoding="utf-8"?>
 <p:sld xmlns:a="http://schemas.openxmlformats.org/drawingml/2006/main" xmlns:r="http://schemas.openxmlformats.org/officeDocument/2006/relationships" xmlns:p="http://schemas.openxmlformats.org/presentationml/2006/main">
   <p:cSld>
     <p:spTree>
@@ -15951,12 +16789,8 @@
           <a:p>
             <a:pPr lvl="1"/>
             <a:r>
-              <a:rPr lang="en-US" altLang="ja-JP" b="1" dirty="0"/>
-              <a:t>LLM</a:t>
-            </a:r>
-            <a:r>
               <a:rPr lang="ja-JP" altLang="en-US" b="1"/>
-              <a:t>の処理をイメージする</a:t>
+              <a:t>デモンストレーションの前に</a:t>
             </a:r>
             <a:endParaRPr lang="en-US" altLang="ja-JP" b="1" dirty="0"/>
           </a:p>
@@ -16102,12 +16936,24 @@
           <a:lstStyle/>
           <a:p>
             <a:r>
+              <a:rPr lang="ja-JP" altLang="en-US"/>
+              <a:t>ザ・</a:t>
+            </a:r>
+            <a:r>
+              <a:rPr lang="en-US" altLang="ja-JP" dirty="0"/>
+              <a:t>JTC</a:t>
+            </a:r>
+            <a:r>
+              <a:rPr lang="ja-JP" altLang="en-US"/>
+              <a:t>企業で製造</a:t>
+            </a:r>
+            <a:r>
               <a:rPr lang="ja-JP" altLang="en-US" dirty="0"/>
-              <a:t>製造現場</a:t>
+              <a:t>現場</a:t>
             </a:r>
             <a:r>
               <a:rPr lang="ja-JP" altLang="en-US"/>
-              <a:t>の効率化の支援をするおしごと</a:t>
+              <a:t>の効率化の支援</a:t>
             </a:r>
             <a:endParaRPr lang="en-US" altLang="ja-JP" dirty="0"/>
           </a:p>
@@ -16953,6 +17799,124 @@
           <a:chExt cx="0" cy="0"/>
         </a:xfrm>
       </p:grpSpPr>
+      <p:pic>
+        <p:nvPicPr>
+          <p:cNvPr id="4" name="図 3" descr="人, 野球, 男, 持つ が含まれている画像&#10;&#10;自動的に生成された説明">
+            <a:extLst>
+              <a:ext uri="{FF2B5EF4-FFF2-40B4-BE49-F238E27FC236}">
+                <a16:creationId xmlns:a16="http://schemas.microsoft.com/office/drawing/2014/main" id="{997BC4C2-BCD8-87C0-9934-F2D54E4D75B8}"/>
+              </a:ext>
+            </a:extLst>
+          </p:cNvPr>
+          <p:cNvPicPr>
+            <a:picLocks noChangeAspect="1"/>
+          </p:cNvPicPr>
+          <p:nvPr/>
+        </p:nvPicPr>
+        <p:blipFill>
+          <a:blip r:embed="rId2" cstate="screen">
+            <a:extLst>
+              <a:ext uri="{28A0092B-C50C-407E-A947-70E740481C1C}">
+                <a14:useLocalDpi xmlns:a14="http://schemas.microsoft.com/office/drawing/2010/main"/>
+              </a:ext>
+            </a:extLst>
+          </a:blip>
+          <a:stretch>
+            <a:fillRect/>
+          </a:stretch>
+        </p:blipFill>
+        <p:spPr>
+          <a:xfrm>
+            <a:off x="1216932" y="1368420"/>
+            <a:ext cx="4121160" cy="4121160"/>
+          </a:xfrm>
+          <a:prstGeom prst="rect">
+            <a:avLst/>
+          </a:prstGeom>
+        </p:spPr>
+      </p:pic>
+      <p:sp>
+        <p:nvSpPr>
+          <p:cNvPr id="5" name="テキスト ボックス 4">
+            <a:extLst>
+              <a:ext uri="{FF2B5EF4-FFF2-40B4-BE49-F238E27FC236}">
+                <a16:creationId xmlns:a16="http://schemas.microsoft.com/office/drawing/2014/main" id="{9B78A1D1-BAB7-22E6-F7AD-FF11FDFC306A}"/>
+              </a:ext>
+            </a:extLst>
+          </p:cNvPr>
+          <p:cNvSpPr txBox="1"/>
+          <p:nvPr/>
+        </p:nvSpPr>
+        <p:spPr>
+          <a:xfrm>
+            <a:off x="5873662" y="2814090"/>
+            <a:ext cx="5054589" cy="1107996"/>
+          </a:xfrm>
+          <a:prstGeom prst="rect">
+            <a:avLst/>
+          </a:prstGeom>
+          <a:noFill/>
+        </p:spPr>
+        <p:txBody>
+          <a:bodyPr wrap="none" rtlCol="0">
+            <a:spAutoFit/>
+          </a:bodyPr>
+          <a:lstStyle/>
+          <a:p>
+            <a:r>
+              <a:rPr kumimoji="1" lang="ja-JP" altLang="en-US" sz="6600">
+                <a:latin typeface="Meiryo UI" panose="020B0604030504040204" pitchFamily="34" charset="-128"/>
+                <a:ea typeface="Meiryo UI" panose="020B0604030504040204" pitchFamily="34" charset="-128"/>
+              </a:rPr>
+              <a:t>←</a:t>
+            </a:r>
+            <a:r>
+              <a:rPr kumimoji="1" lang="en-US" altLang="ja-JP" sz="6600" dirty="0">
+                <a:latin typeface="Meiryo UI" panose="020B0604030504040204" pitchFamily="34" charset="-128"/>
+                <a:ea typeface="Meiryo UI" panose="020B0604030504040204" pitchFamily="34" charset="-128"/>
+              </a:rPr>
+              <a:t> </a:t>
+            </a:r>
+            <a:r>
+              <a:rPr kumimoji="1" lang="ja-JP" altLang="en-US" sz="6600">
+                <a:latin typeface="Meiryo UI" panose="020B0604030504040204" pitchFamily="34" charset="-128"/>
+                <a:ea typeface="Meiryo UI" panose="020B0604030504040204" pitchFamily="34" charset="-128"/>
+              </a:rPr>
+              <a:t>素人（えっ</a:t>
+            </a:r>
+          </a:p>
+        </p:txBody>
+      </p:sp>
+    </p:spTree>
+    <p:extLst>
+      <p:ext uri="{BB962C8B-B14F-4D97-AF65-F5344CB8AC3E}">
+        <p14:creationId xmlns:p14="http://schemas.microsoft.com/office/powerpoint/2010/main" val="1063743810"/>
+      </p:ext>
+    </p:extLst>
+  </p:cSld>
+  <p:clrMapOvr>
+    <a:masterClrMapping/>
+  </p:clrMapOvr>
+</p:sld>
+</file>
+
+<file path=ppt/slides/slide6.xml><?xml version="1.0" encoding="utf-8"?>
+<p:sld xmlns:a="http://schemas.openxmlformats.org/drawingml/2006/main" xmlns:r="http://schemas.openxmlformats.org/officeDocument/2006/relationships" xmlns:p="http://schemas.openxmlformats.org/presentationml/2006/main">
+  <p:cSld>
+    <p:spTree>
+      <p:nvGrpSpPr>
+        <p:cNvPr id="1" name=""/>
+        <p:cNvGrpSpPr/>
+        <p:nvPr/>
+      </p:nvGrpSpPr>
+      <p:grpSpPr>
+        <a:xfrm>
+          <a:off x="0" y="0"/>
+          <a:ext cx="0" cy="0"/>
+          <a:chOff x="0" y="0"/>
+          <a:chExt cx="0" cy="0"/>
+        </a:xfrm>
+      </p:grpSpPr>
       <p:sp>
         <p:nvSpPr>
           <p:cNvPr id="9" name="タイトル 1">
@@ -17441,7 +18405,7 @@
 </p:sld>
 </file>
 
-<file path=ppt/slides/slide6.xml><?xml version="1.0" encoding="utf-8"?>
+<file path=ppt/slides/slide7.xml><?xml version="1.0" encoding="utf-8"?>
 <p:sld xmlns:a="http://schemas.openxmlformats.org/drawingml/2006/main" xmlns:r="http://schemas.openxmlformats.org/officeDocument/2006/relationships" xmlns:p="http://schemas.openxmlformats.org/presentationml/2006/main">
   <p:cSld>
     <p:spTree>
@@ -17906,7 +18870,7 @@
 </p:sld>
 </file>
 
-<file path=ppt/slides/slide7.xml><?xml version="1.0" encoding="utf-8"?>
+<file path=ppt/slides/slide8.xml><?xml version="1.0" encoding="utf-8"?>
 <p:sld xmlns:a="http://schemas.openxmlformats.org/drawingml/2006/main" xmlns:r="http://schemas.openxmlformats.org/officeDocument/2006/relationships" xmlns:p="http://schemas.openxmlformats.org/presentationml/2006/main">
   <p:cSld>
     <p:spTree>
@@ -18612,7 +19576,7 @@
 </p:sld>
 </file>
 
-<file path=ppt/slides/slide8.xml><?xml version="1.0" encoding="utf-8"?>
+<file path=ppt/slides/slide9.xml><?xml version="1.0" encoding="utf-8"?>
 <p:sld xmlns:a="http://schemas.openxmlformats.org/drawingml/2006/main" xmlns:r="http://schemas.openxmlformats.org/officeDocument/2006/relationships" xmlns:p="http://schemas.openxmlformats.org/presentationml/2006/main">
   <p:cSld>
     <p:spTree>
@@ -18900,846 +19864,6 @@
     <p:extLst>
       <p:ext uri="{BB962C8B-B14F-4D97-AF65-F5344CB8AC3E}">
         <p14:creationId xmlns:p14="http://schemas.microsoft.com/office/powerpoint/2010/main" val="1308905210"/>
-      </p:ext>
-    </p:extLst>
-  </p:cSld>
-  <p:clrMapOvr>
-    <a:masterClrMapping/>
-  </p:clrMapOvr>
-</p:sld>
-</file>
-
-<file path=ppt/slides/slide9.xml><?xml version="1.0" encoding="utf-8"?>
-<p:sld xmlns:a="http://schemas.openxmlformats.org/drawingml/2006/main" xmlns:r="http://schemas.openxmlformats.org/officeDocument/2006/relationships" xmlns:p="http://schemas.openxmlformats.org/presentationml/2006/main">
-  <p:cSld>
-    <p:spTree>
-      <p:nvGrpSpPr>
-        <p:cNvPr id="1" name=""/>
-        <p:cNvGrpSpPr/>
-        <p:nvPr/>
-      </p:nvGrpSpPr>
-      <p:grpSpPr>
-        <a:xfrm>
-          <a:off x="0" y="0"/>
-          <a:ext cx="0" cy="0"/>
-          <a:chOff x="0" y="0"/>
-          <a:chExt cx="0" cy="0"/>
-        </a:xfrm>
-      </p:grpSpPr>
-      <p:sp>
-        <p:nvSpPr>
-          <p:cNvPr id="2" name="タイトル 1">
-            <a:extLst>
-              <a:ext uri="{FF2B5EF4-FFF2-40B4-BE49-F238E27FC236}">
-                <a16:creationId xmlns:a16="http://schemas.microsoft.com/office/drawing/2014/main" id="{CFB68E09-98DA-B97F-6224-02C529FE5B1C}"/>
-              </a:ext>
-            </a:extLst>
-          </p:cNvPr>
-          <p:cNvSpPr>
-            <a:spLocks noGrp="1"/>
-          </p:cNvSpPr>
-          <p:nvPr>
-            <p:ph type="title"/>
-          </p:nvPr>
-        </p:nvSpPr>
-        <p:spPr/>
-        <p:txBody>
-          <a:bodyPr/>
-          <a:lstStyle/>
-          <a:p>
-            <a:r>
-              <a:rPr kumimoji="1" lang="en-US" altLang="ja-JP" b="1" dirty="0"/>
-              <a:t>Hands on</a:t>
-            </a:r>
-            <a:r>
-              <a:rPr kumimoji="1" lang="ja-JP" altLang="en-US" b="1" dirty="0"/>
-              <a:t>の前に</a:t>
-            </a:r>
-            <a:r>
-              <a:rPr kumimoji="1" lang="ja-JP" altLang="en-US" sz="2400" b="1" dirty="0"/>
-              <a:t>（</a:t>
-            </a:r>
-            <a:r>
-              <a:rPr kumimoji="1" lang="en-US" altLang="ja-JP" sz="2400" b="1" dirty="0"/>
-              <a:t>Phi-1.5</a:t>
-            </a:r>
-            <a:r>
-              <a:rPr kumimoji="1" lang="ja-JP" altLang="en-US" sz="2400" b="1" dirty="0"/>
-              <a:t>）</a:t>
-            </a:r>
-            <a:endParaRPr kumimoji="1" lang="ja-JP" altLang="en-US" b="1" dirty="0"/>
-          </a:p>
-        </p:txBody>
-      </p:sp>
-      <p:pic>
-        <p:nvPicPr>
-          <p:cNvPr id="7" name="図 6">
-            <a:extLst>
-              <a:ext uri="{FF2B5EF4-FFF2-40B4-BE49-F238E27FC236}">
-                <a16:creationId xmlns:a16="http://schemas.microsoft.com/office/drawing/2014/main" id="{78BCD0E8-EDDB-ED4B-ADE5-421FFFCD3CD4}"/>
-              </a:ext>
-            </a:extLst>
-          </p:cNvPr>
-          <p:cNvPicPr>
-            <a:picLocks noChangeAspect="1"/>
-          </p:cNvPicPr>
-          <p:nvPr/>
-        </p:nvPicPr>
-        <p:blipFill>
-          <a:blip r:embed="rId3" cstate="email">
-            <a:extLst>
-              <a:ext uri="{28A0092B-C50C-407E-A947-70E740481C1C}">
-                <a14:useLocalDpi xmlns:a14="http://schemas.microsoft.com/office/drawing/2010/main"/>
-              </a:ext>
-            </a:extLst>
-          </a:blip>
-          <a:stretch>
-            <a:fillRect/>
-          </a:stretch>
-        </p:blipFill>
-        <p:spPr>
-          <a:xfrm>
-            <a:off x="2357472" y="2329222"/>
-            <a:ext cx="9011816" cy="3150077"/>
-          </a:xfrm>
-          <a:prstGeom prst="rect">
-            <a:avLst/>
-          </a:prstGeom>
-        </p:spPr>
-      </p:pic>
-      <p:pic>
-        <p:nvPicPr>
-          <p:cNvPr id="9" name="図 8">
-            <a:extLst>
-              <a:ext uri="{FF2B5EF4-FFF2-40B4-BE49-F238E27FC236}">
-                <a16:creationId xmlns:a16="http://schemas.microsoft.com/office/drawing/2014/main" id="{BF7A2B1F-A5B7-5152-BDCA-1BD999A67FB8}"/>
-              </a:ext>
-            </a:extLst>
-          </p:cNvPr>
-          <p:cNvPicPr>
-            <a:picLocks noChangeAspect="1"/>
-          </p:cNvPicPr>
-          <p:nvPr/>
-        </p:nvPicPr>
-        <p:blipFill rotWithShape="1">
-          <a:blip r:embed="rId4" cstate="screen">
-            <a:extLst>
-              <a:ext uri="{28A0092B-C50C-407E-A947-70E740481C1C}">
-                <a14:useLocalDpi xmlns:a14="http://schemas.microsoft.com/office/drawing/2010/main"/>
-              </a:ext>
-            </a:extLst>
-          </a:blip>
-          <a:srcRect/>
-          <a:stretch/>
-        </p:blipFill>
-        <p:spPr>
-          <a:xfrm>
-            <a:off x="838200" y="1591059"/>
-            <a:ext cx="6941656" cy="482173"/>
-          </a:xfrm>
-          <a:prstGeom prst="rect">
-            <a:avLst/>
-          </a:prstGeom>
-          <a:ln w="38100">
-            <a:solidFill>
-              <a:schemeClr val="accent2">
-                <a:lumMod val="75000"/>
-              </a:schemeClr>
-            </a:solidFill>
-          </a:ln>
-        </p:spPr>
-      </p:pic>
-      <p:sp>
-        <p:nvSpPr>
-          <p:cNvPr id="10" name="正方形/長方形 9">
-            <a:extLst>
-              <a:ext uri="{FF2B5EF4-FFF2-40B4-BE49-F238E27FC236}">
-                <a16:creationId xmlns:a16="http://schemas.microsoft.com/office/drawing/2014/main" id="{0AE021C5-A177-1B33-EE3F-FE56E6EC5759}"/>
-              </a:ext>
-            </a:extLst>
-          </p:cNvPr>
-          <p:cNvSpPr/>
-          <p:nvPr/>
-        </p:nvSpPr>
-        <p:spPr>
-          <a:xfrm>
-            <a:off x="8851757" y="3629800"/>
-            <a:ext cx="2083777" cy="228600"/>
-          </a:xfrm>
-          <a:prstGeom prst="rect">
-            <a:avLst/>
-          </a:prstGeom>
-          <a:noFill/>
-          <a:ln w="38100">
-            <a:solidFill>
-              <a:schemeClr val="accent2">
-                <a:lumMod val="75000"/>
-              </a:schemeClr>
-            </a:solidFill>
-          </a:ln>
-        </p:spPr>
-        <p:style>
-          <a:lnRef idx="2">
-            <a:schemeClr val="accent1">
-              <a:shade val="50000"/>
-            </a:schemeClr>
-          </a:lnRef>
-          <a:fillRef idx="1">
-            <a:schemeClr val="accent1"/>
-          </a:fillRef>
-          <a:effectRef idx="0">
-            <a:schemeClr val="accent1"/>
-          </a:effectRef>
-          <a:fontRef idx="minor">
-            <a:schemeClr val="lt1"/>
-          </a:fontRef>
-        </p:style>
-        <p:txBody>
-          <a:bodyPr rtlCol="0" anchor="ctr"/>
-          <a:lstStyle/>
-          <a:p>
-            <a:pPr algn="ctr"/>
-            <a:endParaRPr kumimoji="1" lang="ja-JP" altLang="en-US"/>
-          </a:p>
-        </p:txBody>
-      </p:sp>
-      <p:sp>
-        <p:nvSpPr>
-          <p:cNvPr id="11" name="正方形/長方形 10">
-            <a:extLst>
-              <a:ext uri="{FF2B5EF4-FFF2-40B4-BE49-F238E27FC236}">
-                <a16:creationId xmlns:a16="http://schemas.microsoft.com/office/drawing/2014/main" id="{EA1D5FFB-F368-2E52-45F1-18AF3D0E035A}"/>
-              </a:ext>
-            </a:extLst>
-          </p:cNvPr>
-          <p:cNvSpPr/>
-          <p:nvPr/>
-        </p:nvSpPr>
-        <p:spPr>
-          <a:xfrm>
-            <a:off x="2737827" y="3648765"/>
-            <a:ext cx="2495120" cy="228600"/>
-          </a:xfrm>
-          <a:prstGeom prst="rect">
-            <a:avLst/>
-          </a:prstGeom>
-          <a:noFill/>
-          <a:ln w="38100">
-            <a:solidFill>
-              <a:schemeClr val="accent2">
-                <a:lumMod val="75000"/>
-              </a:schemeClr>
-            </a:solidFill>
-          </a:ln>
-        </p:spPr>
-        <p:style>
-          <a:lnRef idx="2">
-            <a:schemeClr val="accent1">
-              <a:shade val="50000"/>
-            </a:schemeClr>
-          </a:lnRef>
-          <a:fillRef idx="1">
-            <a:schemeClr val="accent1"/>
-          </a:fillRef>
-          <a:effectRef idx="0">
-            <a:schemeClr val="accent1"/>
-          </a:effectRef>
-          <a:fontRef idx="minor">
-            <a:schemeClr val="lt1"/>
-          </a:fontRef>
-        </p:style>
-        <p:txBody>
-          <a:bodyPr rtlCol="0" anchor="ctr"/>
-          <a:lstStyle/>
-          <a:p>
-            <a:pPr algn="ctr"/>
-            <a:endParaRPr kumimoji="1" lang="ja-JP" altLang="en-US" sz="2800">
-              <a:latin typeface="Meiryo UI" panose="020B0604030504040204" pitchFamily="34" charset="-128"/>
-              <a:ea typeface="Meiryo UI" panose="020B0604030504040204" pitchFamily="34" charset="-128"/>
-            </a:endParaRPr>
-          </a:p>
-        </p:txBody>
-      </p:sp>
-      <p:sp>
-        <p:nvSpPr>
-          <p:cNvPr id="12" name="フローチャート: 手作業 11">
-            <a:extLst>
-              <a:ext uri="{FF2B5EF4-FFF2-40B4-BE49-F238E27FC236}">
-                <a16:creationId xmlns:a16="http://schemas.microsoft.com/office/drawing/2014/main" id="{72F31624-7BF9-82A4-9CD5-2AFE0E443BD0}"/>
-              </a:ext>
-            </a:extLst>
-          </p:cNvPr>
-          <p:cNvSpPr/>
-          <p:nvPr/>
-        </p:nvSpPr>
-        <p:spPr>
-          <a:xfrm flipV="1">
-            <a:off x="4998387" y="3890529"/>
-            <a:ext cx="6383121" cy="1830535"/>
-          </a:xfrm>
-          <a:custGeom>
-            <a:avLst/>
-            <a:gdLst>
-              <a:gd name="connsiteX0" fmla="*/ 0 w 10000"/>
-              <a:gd name="connsiteY0" fmla="*/ 0 h 10000"/>
-              <a:gd name="connsiteX1" fmla="*/ 10000 w 10000"/>
-              <a:gd name="connsiteY1" fmla="*/ 0 h 10000"/>
-              <a:gd name="connsiteX2" fmla="*/ 8000 w 10000"/>
-              <a:gd name="connsiteY2" fmla="*/ 10000 h 10000"/>
-              <a:gd name="connsiteX3" fmla="*/ 2000 w 10000"/>
-              <a:gd name="connsiteY3" fmla="*/ 10000 h 10000"/>
-              <a:gd name="connsiteX4" fmla="*/ 0 w 10000"/>
-              <a:gd name="connsiteY4" fmla="*/ 0 h 10000"/>
-              <a:gd name="connsiteX0" fmla="*/ 0 w 10000"/>
-              <a:gd name="connsiteY0" fmla="*/ 0 h 10000"/>
-              <a:gd name="connsiteX1" fmla="*/ 10000 w 10000"/>
-              <a:gd name="connsiteY1" fmla="*/ 0 h 10000"/>
-              <a:gd name="connsiteX2" fmla="*/ 9306 w 10000"/>
-              <a:gd name="connsiteY2" fmla="*/ 10000 h 10000"/>
-              <a:gd name="connsiteX3" fmla="*/ 2000 w 10000"/>
-              <a:gd name="connsiteY3" fmla="*/ 10000 h 10000"/>
-              <a:gd name="connsiteX4" fmla="*/ 0 w 10000"/>
-              <a:gd name="connsiteY4" fmla="*/ 0 h 10000"/>
-              <a:gd name="connsiteX0" fmla="*/ 0 w 10000"/>
-              <a:gd name="connsiteY0" fmla="*/ 0 h 10032"/>
-              <a:gd name="connsiteX1" fmla="*/ 10000 w 10000"/>
-              <a:gd name="connsiteY1" fmla="*/ 0 h 10032"/>
-              <a:gd name="connsiteX2" fmla="*/ 9306 w 10000"/>
-              <a:gd name="connsiteY2" fmla="*/ 10000 h 10032"/>
-              <a:gd name="connsiteX3" fmla="*/ 6051 w 10000"/>
-              <a:gd name="connsiteY3" fmla="*/ 10032 h 10032"/>
-              <a:gd name="connsiteX4" fmla="*/ 0 w 10000"/>
-              <a:gd name="connsiteY4" fmla="*/ 0 h 10032"/>
-            </a:gdLst>
-            <a:ahLst/>
-            <a:cxnLst>
-              <a:cxn ang="0">
-                <a:pos x="connsiteX0" y="connsiteY0"/>
-              </a:cxn>
-              <a:cxn ang="0">
-                <a:pos x="connsiteX1" y="connsiteY1"/>
-              </a:cxn>
-              <a:cxn ang="0">
-                <a:pos x="connsiteX2" y="connsiteY2"/>
-              </a:cxn>
-              <a:cxn ang="0">
-                <a:pos x="connsiteX3" y="connsiteY3"/>
-              </a:cxn>
-              <a:cxn ang="0">
-                <a:pos x="connsiteX4" y="connsiteY4"/>
-              </a:cxn>
-            </a:cxnLst>
-            <a:rect l="l" t="t" r="r" b="b"/>
-            <a:pathLst>
-              <a:path w="10000" h="10032">
-                <a:moveTo>
-                  <a:pt x="0" y="0"/>
-                </a:moveTo>
-                <a:lnTo>
-                  <a:pt x="10000" y="0"/>
-                </a:lnTo>
-                <a:cubicBezTo>
-                  <a:pt x="9769" y="3333"/>
-                  <a:pt x="9537" y="6667"/>
-                  <a:pt x="9306" y="10000"/>
-                </a:cubicBezTo>
-                <a:lnTo>
-                  <a:pt x="6051" y="10032"/>
-                </a:lnTo>
-                <a:lnTo>
-                  <a:pt x="0" y="0"/>
-                </a:lnTo>
-                <a:close/>
-              </a:path>
-            </a:pathLst>
-          </a:custGeom>
-          <a:noFill/>
-          <a:ln>
-            <a:solidFill>
-              <a:schemeClr val="accent2">
-                <a:lumMod val="75000"/>
-              </a:schemeClr>
-            </a:solidFill>
-          </a:ln>
-        </p:spPr>
-        <p:style>
-          <a:lnRef idx="2">
-            <a:schemeClr val="accent1">
-              <a:shade val="50000"/>
-            </a:schemeClr>
-          </a:lnRef>
-          <a:fillRef idx="1">
-            <a:schemeClr val="accent1"/>
-          </a:fillRef>
-          <a:effectRef idx="0">
-            <a:schemeClr val="accent1"/>
-          </a:effectRef>
-          <a:fontRef idx="minor">
-            <a:schemeClr val="lt1"/>
-          </a:fontRef>
-        </p:style>
-        <p:txBody>
-          <a:bodyPr rtlCol="0" anchor="ctr"/>
-          <a:lstStyle/>
-          <a:p>
-            <a:pPr algn="ctr"/>
-            <a:endParaRPr kumimoji="1" lang="ja-JP" altLang="en-US"/>
-          </a:p>
-        </p:txBody>
-      </p:sp>
-      <p:sp>
-        <p:nvSpPr>
-          <p:cNvPr id="13" name="フローチャート: 手作業 11">
-            <a:extLst>
-              <a:ext uri="{FF2B5EF4-FFF2-40B4-BE49-F238E27FC236}">
-                <a16:creationId xmlns:a16="http://schemas.microsoft.com/office/drawing/2014/main" id="{B216B5CD-BD27-A49B-D41D-48DE3AF4B7BE}"/>
-              </a:ext>
-            </a:extLst>
-          </p:cNvPr>
-          <p:cNvSpPr/>
-          <p:nvPr/>
-        </p:nvSpPr>
-        <p:spPr>
-          <a:xfrm>
-            <a:off x="853688" y="2087456"/>
-            <a:ext cx="6941656" cy="1561308"/>
-          </a:xfrm>
-          <a:custGeom>
-            <a:avLst/>
-            <a:gdLst>
-              <a:gd name="connsiteX0" fmla="*/ 0 w 10000"/>
-              <a:gd name="connsiteY0" fmla="*/ 0 h 10000"/>
-              <a:gd name="connsiteX1" fmla="*/ 10000 w 10000"/>
-              <a:gd name="connsiteY1" fmla="*/ 0 h 10000"/>
-              <a:gd name="connsiteX2" fmla="*/ 8000 w 10000"/>
-              <a:gd name="connsiteY2" fmla="*/ 10000 h 10000"/>
-              <a:gd name="connsiteX3" fmla="*/ 2000 w 10000"/>
-              <a:gd name="connsiteY3" fmla="*/ 10000 h 10000"/>
-              <a:gd name="connsiteX4" fmla="*/ 0 w 10000"/>
-              <a:gd name="connsiteY4" fmla="*/ 0 h 10000"/>
-              <a:gd name="connsiteX0" fmla="*/ 0 w 10000"/>
-              <a:gd name="connsiteY0" fmla="*/ 0 h 10000"/>
-              <a:gd name="connsiteX1" fmla="*/ 10000 w 10000"/>
-              <a:gd name="connsiteY1" fmla="*/ 0 h 10000"/>
-              <a:gd name="connsiteX2" fmla="*/ 9306 w 10000"/>
-              <a:gd name="connsiteY2" fmla="*/ 10000 h 10000"/>
-              <a:gd name="connsiteX3" fmla="*/ 2000 w 10000"/>
-              <a:gd name="connsiteY3" fmla="*/ 10000 h 10000"/>
-              <a:gd name="connsiteX4" fmla="*/ 0 w 10000"/>
-              <a:gd name="connsiteY4" fmla="*/ 0 h 10000"/>
-              <a:gd name="connsiteX0" fmla="*/ 0 w 10000"/>
-              <a:gd name="connsiteY0" fmla="*/ 0 h 10032"/>
-              <a:gd name="connsiteX1" fmla="*/ 10000 w 10000"/>
-              <a:gd name="connsiteY1" fmla="*/ 0 h 10032"/>
-              <a:gd name="connsiteX2" fmla="*/ 9306 w 10000"/>
-              <a:gd name="connsiteY2" fmla="*/ 10000 h 10032"/>
-              <a:gd name="connsiteX3" fmla="*/ 6051 w 10000"/>
-              <a:gd name="connsiteY3" fmla="*/ 10032 h 10032"/>
-              <a:gd name="connsiteX4" fmla="*/ 0 w 10000"/>
-              <a:gd name="connsiteY4" fmla="*/ 0 h 10032"/>
-              <a:gd name="connsiteX0" fmla="*/ 0 w 10000"/>
-              <a:gd name="connsiteY0" fmla="*/ 0 h 13944"/>
-              <a:gd name="connsiteX1" fmla="*/ 10000 w 10000"/>
-              <a:gd name="connsiteY1" fmla="*/ 0 h 13944"/>
-              <a:gd name="connsiteX2" fmla="*/ 9306 w 10000"/>
-              <a:gd name="connsiteY2" fmla="*/ 10000 h 13944"/>
-              <a:gd name="connsiteX3" fmla="*/ 2696 w 10000"/>
-              <a:gd name="connsiteY3" fmla="*/ 13944 h 13944"/>
-              <a:gd name="connsiteX4" fmla="*/ 0 w 10000"/>
-              <a:gd name="connsiteY4" fmla="*/ 0 h 13944"/>
-              <a:gd name="connsiteX0" fmla="*/ 0 w 10000"/>
-              <a:gd name="connsiteY0" fmla="*/ 0 h 14029"/>
-              <a:gd name="connsiteX1" fmla="*/ 10000 w 10000"/>
-              <a:gd name="connsiteY1" fmla="*/ 0 h 14029"/>
-              <a:gd name="connsiteX2" fmla="*/ 6315 w 10000"/>
-              <a:gd name="connsiteY2" fmla="*/ 14029 h 14029"/>
-              <a:gd name="connsiteX3" fmla="*/ 2696 w 10000"/>
-              <a:gd name="connsiteY3" fmla="*/ 13944 h 14029"/>
-              <a:gd name="connsiteX4" fmla="*/ 0 w 10000"/>
-              <a:gd name="connsiteY4" fmla="*/ 0 h 14029"/>
-              <a:gd name="connsiteX0" fmla="*/ 0 w 10000"/>
-              <a:gd name="connsiteY0" fmla="*/ 0 h 14029"/>
-              <a:gd name="connsiteX1" fmla="*/ 10000 w 10000"/>
-              <a:gd name="connsiteY1" fmla="*/ 0 h 14029"/>
-              <a:gd name="connsiteX2" fmla="*/ 6315 w 10000"/>
-              <a:gd name="connsiteY2" fmla="*/ 14029 h 14029"/>
-              <a:gd name="connsiteX3" fmla="*/ 2696 w 10000"/>
-              <a:gd name="connsiteY3" fmla="*/ 13944 h 14029"/>
-              <a:gd name="connsiteX4" fmla="*/ 0 w 10000"/>
-              <a:gd name="connsiteY4" fmla="*/ 0 h 14029"/>
-              <a:gd name="connsiteX0" fmla="*/ 0 w 10000"/>
-              <a:gd name="connsiteY0" fmla="*/ 0 h 14029"/>
-              <a:gd name="connsiteX1" fmla="*/ 10000 w 10000"/>
-              <a:gd name="connsiteY1" fmla="*/ 0 h 14029"/>
-              <a:gd name="connsiteX2" fmla="*/ 6315 w 10000"/>
-              <a:gd name="connsiteY2" fmla="*/ 14029 h 14029"/>
-              <a:gd name="connsiteX3" fmla="*/ 2696 w 10000"/>
-              <a:gd name="connsiteY3" fmla="*/ 13944 h 14029"/>
-              <a:gd name="connsiteX4" fmla="*/ 0 w 10000"/>
-              <a:gd name="connsiteY4" fmla="*/ 0 h 14029"/>
-            </a:gdLst>
-            <a:ahLst/>
-            <a:cxnLst>
-              <a:cxn ang="0">
-                <a:pos x="connsiteX0" y="connsiteY0"/>
-              </a:cxn>
-              <a:cxn ang="0">
-                <a:pos x="connsiteX1" y="connsiteY1"/>
-              </a:cxn>
-              <a:cxn ang="0">
-                <a:pos x="connsiteX2" y="connsiteY2"/>
-              </a:cxn>
-              <a:cxn ang="0">
-                <a:pos x="connsiteX3" y="connsiteY3"/>
-              </a:cxn>
-              <a:cxn ang="0">
-                <a:pos x="connsiteX4" y="connsiteY4"/>
-              </a:cxn>
-            </a:cxnLst>
-            <a:rect l="l" t="t" r="r" b="b"/>
-            <a:pathLst>
-              <a:path w="10000" h="14029">
-                <a:moveTo>
-                  <a:pt x="0" y="0"/>
-                </a:moveTo>
-                <a:lnTo>
-                  <a:pt x="10000" y="0"/>
-                </a:lnTo>
-                <a:cubicBezTo>
-                  <a:pt x="6318" y="13985"/>
-                  <a:pt x="9997" y="160"/>
-                  <a:pt x="6315" y="14029"/>
-                </a:cubicBezTo>
-                <a:lnTo>
-                  <a:pt x="2696" y="13944"/>
-                </a:lnTo>
-                <a:lnTo>
-                  <a:pt x="0" y="0"/>
-                </a:lnTo>
-                <a:close/>
-              </a:path>
-            </a:pathLst>
-          </a:custGeom>
-          <a:noFill/>
-          <a:ln>
-            <a:solidFill>
-              <a:schemeClr val="accent2">
-                <a:lumMod val="75000"/>
-              </a:schemeClr>
-            </a:solidFill>
-          </a:ln>
-        </p:spPr>
-        <p:style>
-          <a:lnRef idx="2">
-            <a:schemeClr val="accent1">
-              <a:shade val="50000"/>
-            </a:schemeClr>
-          </a:lnRef>
-          <a:fillRef idx="1">
-            <a:schemeClr val="accent1"/>
-          </a:fillRef>
-          <a:effectRef idx="0">
-            <a:schemeClr val="accent1"/>
-          </a:effectRef>
-          <a:fontRef idx="minor">
-            <a:schemeClr val="lt1"/>
-          </a:fontRef>
-        </p:style>
-        <p:txBody>
-          <a:bodyPr rtlCol="0" anchor="ctr"/>
-          <a:lstStyle/>
-          <a:p>
-            <a:pPr algn="ctr"/>
-            <a:endParaRPr kumimoji="1" lang="ja-JP" altLang="en-US"/>
-          </a:p>
-        </p:txBody>
-      </p:sp>
-      <p:sp>
-        <p:nvSpPr>
-          <p:cNvPr id="14" name="正方形/長方形 13">
-            <a:extLst>
-              <a:ext uri="{FF2B5EF4-FFF2-40B4-BE49-F238E27FC236}">
-                <a16:creationId xmlns:a16="http://schemas.microsoft.com/office/drawing/2014/main" id="{A15DA005-97F6-EBAF-15D9-294290B249D1}"/>
-              </a:ext>
-            </a:extLst>
-          </p:cNvPr>
-          <p:cNvSpPr/>
-          <p:nvPr/>
-        </p:nvSpPr>
-        <p:spPr>
-          <a:xfrm>
-            <a:off x="2598126" y="4058221"/>
-            <a:ext cx="4224561" cy="1421077"/>
-          </a:xfrm>
-          <a:prstGeom prst="rect">
-            <a:avLst/>
-          </a:prstGeom>
-          <a:noFill/>
-          <a:ln w="38100">
-            <a:solidFill>
-              <a:schemeClr val="accent2">
-                <a:lumMod val="75000"/>
-              </a:schemeClr>
-            </a:solidFill>
-          </a:ln>
-        </p:spPr>
-        <p:style>
-          <a:lnRef idx="2">
-            <a:schemeClr val="accent1">
-              <a:shade val="50000"/>
-            </a:schemeClr>
-          </a:lnRef>
-          <a:fillRef idx="1">
-            <a:schemeClr val="accent1"/>
-          </a:fillRef>
-          <a:effectRef idx="0">
-            <a:schemeClr val="accent1"/>
-          </a:effectRef>
-          <a:fontRef idx="minor">
-            <a:schemeClr val="lt1"/>
-          </a:fontRef>
-        </p:style>
-        <p:txBody>
-          <a:bodyPr rtlCol="0" anchor="ctr"/>
-          <a:lstStyle/>
-          <a:p>
-            <a:pPr algn="ctr"/>
-            <a:endParaRPr kumimoji="1" lang="ja-JP" altLang="en-US"/>
-          </a:p>
-        </p:txBody>
-      </p:sp>
-      <p:pic>
-        <p:nvPicPr>
-          <p:cNvPr id="8" name="図 7">
-            <a:extLst>
-              <a:ext uri="{FF2B5EF4-FFF2-40B4-BE49-F238E27FC236}">
-                <a16:creationId xmlns:a16="http://schemas.microsoft.com/office/drawing/2014/main" id="{A90753E1-C1BD-769E-87BD-4FBEC6DDE340}"/>
-              </a:ext>
-            </a:extLst>
-          </p:cNvPr>
-          <p:cNvPicPr>
-            <a:picLocks noChangeAspect="1"/>
-          </p:cNvPicPr>
-          <p:nvPr/>
-        </p:nvPicPr>
-        <p:blipFill rotWithShape="1">
-          <a:blip r:embed="rId5" cstate="screen">
-            <a:extLst>
-              <a:ext uri="{28A0092B-C50C-407E-A947-70E740481C1C}">
-                <a14:useLocalDpi xmlns:a14="http://schemas.microsoft.com/office/drawing/2010/main"/>
-              </a:ext>
-            </a:extLst>
-          </a:blip>
-          <a:srcRect/>
-          <a:stretch/>
-        </p:blipFill>
-        <p:spPr>
-          <a:xfrm>
-            <a:off x="4998387" y="5761091"/>
-            <a:ext cx="6383121" cy="409358"/>
-          </a:xfrm>
-          <a:prstGeom prst="rect">
-            <a:avLst/>
-          </a:prstGeom>
-          <a:ln w="38100">
-            <a:solidFill>
-              <a:schemeClr val="accent2">
-                <a:lumMod val="75000"/>
-              </a:schemeClr>
-            </a:solidFill>
-          </a:ln>
-        </p:spPr>
-      </p:pic>
-      <p:sp>
-        <p:nvSpPr>
-          <p:cNvPr id="15" name="テキスト ボックス 14">
-            <a:extLst>
-              <a:ext uri="{FF2B5EF4-FFF2-40B4-BE49-F238E27FC236}">
-                <a16:creationId xmlns:a16="http://schemas.microsoft.com/office/drawing/2014/main" id="{7606D056-1433-02A9-7CA6-88BE0C0055DA}"/>
-              </a:ext>
-            </a:extLst>
-          </p:cNvPr>
-          <p:cNvSpPr txBox="1"/>
-          <p:nvPr/>
-        </p:nvSpPr>
-        <p:spPr>
-          <a:xfrm>
-            <a:off x="2187642" y="6449161"/>
-            <a:ext cx="4932569" cy="369332"/>
-          </a:xfrm>
-          <a:prstGeom prst="rect">
-            <a:avLst/>
-          </a:prstGeom>
-          <a:noFill/>
-        </p:spPr>
-        <p:txBody>
-          <a:bodyPr wrap="none" rtlCol="0">
-            <a:spAutoFit/>
-          </a:bodyPr>
-          <a:lstStyle/>
-          <a:p>
-            <a:r>
-              <a:rPr kumimoji="1" lang="en-US" altLang="ja-JP" dirty="0">
-                <a:latin typeface="Meiryo UI" panose="020B0604030504040204" pitchFamily="50" charset="-128"/>
-                <a:ea typeface="Meiryo UI" panose="020B0604030504040204" pitchFamily="50" charset="-128"/>
-              </a:rPr>
-              <a:t>https://huggingface.co/microsoft/phi-1_5</a:t>
-            </a:r>
-            <a:endParaRPr kumimoji="1" lang="ja-JP" altLang="en-US" dirty="0">
-              <a:latin typeface="Meiryo UI" panose="020B0604030504040204" pitchFamily="50" charset="-128"/>
-              <a:ea typeface="Meiryo UI" panose="020B0604030504040204" pitchFamily="50" charset="-128"/>
-            </a:endParaRPr>
-          </a:p>
-        </p:txBody>
-      </p:sp>
-      <p:sp>
-        <p:nvSpPr>
-          <p:cNvPr id="4" name="テキスト ボックス 3">
-            <a:extLst>
-              <a:ext uri="{FF2B5EF4-FFF2-40B4-BE49-F238E27FC236}">
-                <a16:creationId xmlns:a16="http://schemas.microsoft.com/office/drawing/2014/main" id="{BCF5738C-D789-D2FF-6FBB-87B31F3E8DEF}"/>
-              </a:ext>
-            </a:extLst>
-          </p:cNvPr>
-          <p:cNvSpPr txBox="1"/>
-          <p:nvPr/>
-        </p:nvSpPr>
-        <p:spPr>
-          <a:xfrm>
-            <a:off x="2465957" y="3357548"/>
-            <a:ext cx="543739" cy="523220"/>
-          </a:xfrm>
-          <a:prstGeom prst="rect">
-            <a:avLst/>
-          </a:prstGeom>
-          <a:noFill/>
-        </p:spPr>
-        <p:txBody>
-          <a:bodyPr wrap="none" rtlCol="0">
-            <a:spAutoFit/>
-          </a:bodyPr>
-          <a:lstStyle/>
-          <a:p>
-            <a:r>
-              <a:rPr kumimoji="1" lang="en-US" altLang="ja-JP" sz="2800" dirty="0">
-                <a:solidFill>
-                  <a:schemeClr val="bg1"/>
-                </a:solidFill>
-                <a:latin typeface="Hiragino Kaku Gothic StdN W8" panose="020B0800000000000000" pitchFamily="34" charset="-128"/>
-                <a:ea typeface="Hiragino Kaku Gothic StdN W8" panose="020B0800000000000000" pitchFamily="34" charset="-128"/>
-              </a:rPr>
-              <a:t>①</a:t>
-            </a:r>
-            <a:endParaRPr kumimoji="1" lang="ja-JP" altLang="en-US" sz="2800">
-              <a:solidFill>
-                <a:schemeClr val="bg1"/>
-              </a:solidFill>
-              <a:latin typeface="Hiragino Kaku Gothic StdN W8" panose="020B0800000000000000" pitchFamily="34" charset="-128"/>
-              <a:ea typeface="Hiragino Kaku Gothic StdN W8" panose="020B0800000000000000" pitchFamily="34" charset="-128"/>
-            </a:endParaRPr>
-          </a:p>
-        </p:txBody>
-      </p:sp>
-      <p:sp>
-        <p:nvSpPr>
-          <p:cNvPr id="5" name="テキスト ボックス 4">
-            <a:extLst>
-              <a:ext uri="{FF2B5EF4-FFF2-40B4-BE49-F238E27FC236}">
-                <a16:creationId xmlns:a16="http://schemas.microsoft.com/office/drawing/2014/main" id="{5CDE9520-0B16-1A53-4E07-88F697BF0722}"/>
-              </a:ext>
-            </a:extLst>
-          </p:cNvPr>
-          <p:cNvSpPr txBox="1"/>
-          <p:nvPr/>
-        </p:nvSpPr>
-        <p:spPr>
-          <a:xfrm>
-            <a:off x="8631894" y="3482490"/>
-            <a:ext cx="550151" cy="523220"/>
-          </a:xfrm>
-          <a:prstGeom prst="rect">
-            <a:avLst/>
-          </a:prstGeom>
-          <a:noFill/>
-        </p:spPr>
-        <p:txBody>
-          <a:bodyPr wrap="none" rtlCol="0">
-            <a:spAutoFit/>
-          </a:bodyPr>
-          <a:lstStyle/>
-          <a:p>
-            <a:r>
-              <a:rPr kumimoji="1" lang="en-US" altLang="ja-JP" sz="2800" b="1" dirty="0">
-                <a:solidFill>
-                  <a:schemeClr val="bg1"/>
-                </a:solidFill>
-                <a:latin typeface="Hiragino Kaku Gothic StdN W8" panose="020B0800000000000000" pitchFamily="34" charset="-128"/>
-                <a:ea typeface="Hiragino Kaku Gothic StdN W8" panose="020B0800000000000000" pitchFamily="34" charset="-128"/>
-              </a:rPr>
-              <a:t>②</a:t>
-            </a:r>
-            <a:endParaRPr kumimoji="1" lang="ja-JP" altLang="en-US" sz="2800" b="1">
-              <a:solidFill>
-                <a:schemeClr val="bg1"/>
-              </a:solidFill>
-              <a:latin typeface="Hiragino Kaku Gothic StdN W8" panose="020B0800000000000000" pitchFamily="34" charset="-128"/>
-              <a:ea typeface="Hiragino Kaku Gothic StdN W8" panose="020B0800000000000000" pitchFamily="34" charset="-128"/>
-            </a:endParaRPr>
-          </a:p>
-        </p:txBody>
-      </p:sp>
-      <p:sp>
-        <p:nvSpPr>
-          <p:cNvPr id="6" name="テキスト ボックス 5">
-            <a:extLst>
-              <a:ext uri="{FF2B5EF4-FFF2-40B4-BE49-F238E27FC236}">
-                <a16:creationId xmlns:a16="http://schemas.microsoft.com/office/drawing/2014/main" id="{6C2EACDA-5569-D5B9-E9A5-A42A5EFDD184}"/>
-              </a:ext>
-            </a:extLst>
-          </p:cNvPr>
-          <p:cNvSpPr txBox="1"/>
-          <p:nvPr/>
-        </p:nvSpPr>
-        <p:spPr>
-          <a:xfrm>
-            <a:off x="3531353" y="3945689"/>
-            <a:ext cx="550151" cy="523220"/>
-          </a:xfrm>
-          <a:prstGeom prst="rect">
-            <a:avLst/>
-          </a:prstGeom>
-          <a:noFill/>
-        </p:spPr>
-        <p:txBody>
-          <a:bodyPr wrap="none" rtlCol="0">
-            <a:spAutoFit/>
-          </a:bodyPr>
-          <a:lstStyle/>
-          <a:p>
-            <a:r>
-              <a:rPr kumimoji="1" lang="en-US" altLang="ja-JP" sz="2800" b="1" dirty="0">
-                <a:solidFill>
-                  <a:schemeClr val="bg1"/>
-                </a:solidFill>
-                <a:latin typeface="Hiragino Kaku Gothic StdN W8" panose="020B0800000000000000" pitchFamily="34" charset="-128"/>
-                <a:ea typeface="Hiragino Kaku Gothic StdN W8" panose="020B0800000000000000" pitchFamily="34" charset="-128"/>
-              </a:rPr>
-              <a:t>③</a:t>
-            </a:r>
-            <a:endParaRPr kumimoji="1" lang="ja-JP" altLang="en-US" sz="2800" b="1">
-              <a:solidFill>
-                <a:schemeClr val="bg1"/>
-              </a:solidFill>
-              <a:latin typeface="Hiragino Kaku Gothic StdN W8" panose="020B0800000000000000" pitchFamily="34" charset="-128"/>
-              <a:ea typeface="Hiragino Kaku Gothic StdN W8" panose="020B0800000000000000" pitchFamily="34" charset="-128"/>
-            </a:endParaRPr>
-          </a:p>
-        </p:txBody>
-      </p:sp>
-    </p:spTree>
-    <p:extLst>
-      <p:ext uri="{BB962C8B-B14F-4D97-AF65-F5344CB8AC3E}">
-        <p14:creationId xmlns:p14="http://schemas.microsoft.com/office/powerpoint/2010/main" val="1033193766"/>
       </p:ext>
     </p:extLst>
   </p:cSld>

--- a/huggingface 発表資料.pptx
+++ b/huggingface 発表資料.pptx
@@ -13,18 +13,18 @@
     <p:sldId id="257" r:id="rId4"/>
     <p:sldId id="266" r:id="rId5"/>
     <p:sldId id="264" r:id="rId6"/>
-    <p:sldId id="277" r:id="rId7"/>
-    <p:sldId id="274" r:id="rId8"/>
-    <p:sldId id="263" r:id="rId9"/>
-    <p:sldId id="259" r:id="rId10"/>
-    <p:sldId id="270" r:id="rId11"/>
-    <p:sldId id="261" r:id="rId12"/>
-    <p:sldId id="267" r:id="rId13"/>
-    <p:sldId id="269" r:id="rId14"/>
-    <p:sldId id="275" r:id="rId15"/>
-    <p:sldId id="260" r:id="rId16"/>
-    <p:sldId id="271" r:id="rId17"/>
-    <p:sldId id="272" r:id="rId18"/>
+    <p:sldId id="274" r:id="rId7"/>
+    <p:sldId id="263" r:id="rId8"/>
+    <p:sldId id="259" r:id="rId9"/>
+    <p:sldId id="270" r:id="rId10"/>
+    <p:sldId id="261" r:id="rId11"/>
+    <p:sldId id="267" r:id="rId12"/>
+    <p:sldId id="269" r:id="rId13"/>
+    <p:sldId id="275" r:id="rId14"/>
+    <p:sldId id="260" r:id="rId15"/>
+    <p:sldId id="271" r:id="rId16"/>
+    <p:sldId id="272" r:id="rId17"/>
+    <p:sldId id="277" r:id="rId18"/>
     <p:sldId id="276" r:id="rId19"/>
     <p:sldId id="268" r:id="rId20"/>
   </p:sldIdLst>
@@ -218,7 +218,7 @@
           <a:p>
             <a:fld id="{0F6FE6BF-8118-024B-9766-ED4AD7D6B4B0}" type="datetimeFigureOut">
               <a:rPr kumimoji="1" lang="ja-JP" altLang="en-US" smtClean="0"/>
-              <a:t>2024/7/13</a:t>
+              <a:t>2024/7/14</a:t>
             </a:fld>
             <a:endParaRPr kumimoji="1" lang="ja-JP" altLang="en-US"/>
           </a:p>
@@ -582,7 +582,7 @@
           <a:p>
             <a:fld id="{419B1AA1-804D-A640-95CF-0E0CB27216D0}" type="slidenum">
               <a:rPr kumimoji="1" lang="ja-JP" altLang="en-US" smtClean="0"/>
-              <a:t>11</a:t>
+              <a:t>10</a:t>
             </a:fld>
             <a:endParaRPr kumimoji="1" lang="ja-JP" altLang="en-US"/>
           </a:p>
@@ -666,7 +666,7 @@
           <a:p>
             <a:fld id="{419B1AA1-804D-A640-95CF-0E0CB27216D0}" type="slidenum">
               <a:rPr kumimoji="1" lang="ja-JP" altLang="en-US" smtClean="0"/>
-              <a:t>12</a:t>
+              <a:t>11</a:t>
             </a:fld>
             <a:endParaRPr kumimoji="1" lang="ja-JP" altLang="en-US"/>
           </a:p>
@@ -846,7 +846,7 @@
           <a:p>
             <a:fld id="{B8C65C57-92FB-BC43-A324-D710D72DFC87}" type="datetimeFigureOut">
               <a:rPr kumimoji="1" lang="ja-JP" altLang="en-US" smtClean="0"/>
-              <a:t>2024/7/13</a:t>
+              <a:t>2024/7/14</a:t>
             </a:fld>
             <a:endParaRPr kumimoji="1" lang="ja-JP" altLang="en-US"/>
           </a:p>
@@ -1116,7 +1116,7 @@
           <a:p>
             <a:fld id="{B8C65C57-92FB-BC43-A324-D710D72DFC87}" type="datetimeFigureOut">
               <a:rPr kumimoji="1" lang="ja-JP" altLang="en-US" smtClean="0"/>
-              <a:t>2024/7/13</a:t>
+              <a:t>2024/7/14</a:t>
             </a:fld>
             <a:endParaRPr kumimoji="1" lang="ja-JP" altLang="en-US"/>
           </a:p>
@@ -1386,7 +1386,7 @@
           <a:p>
             <a:fld id="{B8C65C57-92FB-BC43-A324-D710D72DFC87}" type="datetimeFigureOut">
               <a:rPr kumimoji="1" lang="ja-JP" altLang="en-US" smtClean="0"/>
-              <a:t>2024/7/13</a:t>
+              <a:t>2024/7/14</a:t>
             </a:fld>
             <a:endParaRPr kumimoji="1" lang="ja-JP" altLang="en-US"/>
           </a:p>
@@ -1622,7 +1622,7 @@
           <a:p>
             <a:fld id="{38CF457C-A655-4B46-9667-899D8A188CFD}" type="datetimeFigureOut">
               <a:rPr kumimoji="1" lang="ja-JP" altLang="en-US" smtClean="0"/>
-              <a:t>2024/7/13</a:t>
+              <a:t>2024/7/14</a:t>
             </a:fld>
             <a:endParaRPr kumimoji="1" lang="ja-JP" altLang="en-US"/>
           </a:p>
@@ -1852,7 +1852,7 @@
           <a:p>
             <a:fld id="{38CF457C-A655-4B46-9667-899D8A188CFD}" type="datetimeFigureOut">
               <a:rPr kumimoji="1" lang="ja-JP" altLang="en-US" smtClean="0"/>
-              <a:t>2024/7/13</a:t>
+              <a:t>2024/7/14</a:t>
             </a:fld>
             <a:endParaRPr kumimoji="1" lang="ja-JP" altLang="en-US"/>
           </a:p>
@@ -2127,7 +2127,7 @@
           <a:p>
             <a:fld id="{38CF457C-A655-4B46-9667-899D8A188CFD}" type="datetimeFigureOut">
               <a:rPr kumimoji="1" lang="ja-JP" altLang="en-US" smtClean="0"/>
-              <a:t>2024/7/13</a:t>
+              <a:t>2024/7/14</a:t>
             </a:fld>
             <a:endParaRPr kumimoji="1" lang="ja-JP" altLang="en-US"/>
           </a:p>
@@ -2456,7 +2456,7 @@
           <a:p>
             <a:fld id="{38CF457C-A655-4B46-9667-899D8A188CFD}" type="datetimeFigureOut">
               <a:rPr kumimoji="1" lang="ja-JP" altLang="en-US" smtClean="0"/>
-              <a:t>2024/7/13</a:t>
+              <a:t>2024/7/14</a:t>
             </a:fld>
             <a:endParaRPr kumimoji="1" lang="ja-JP" altLang="en-US"/>
           </a:p>
@@ -2932,7 +2932,7 @@
           <a:p>
             <a:fld id="{38CF457C-A655-4B46-9667-899D8A188CFD}" type="datetimeFigureOut">
               <a:rPr kumimoji="1" lang="ja-JP" altLang="en-US" smtClean="0"/>
-              <a:t>2024/7/13</a:t>
+              <a:t>2024/7/14</a:t>
             </a:fld>
             <a:endParaRPr kumimoji="1" lang="ja-JP" altLang="en-US"/>
           </a:p>
@@ -3073,7 +3073,7 @@
           <a:p>
             <a:fld id="{38CF457C-A655-4B46-9667-899D8A188CFD}" type="datetimeFigureOut">
               <a:rPr kumimoji="1" lang="ja-JP" altLang="en-US" smtClean="0"/>
-              <a:t>2024/7/13</a:t>
+              <a:t>2024/7/14</a:t>
             </a:fld>
             <a:endParaRPr kumimoji="1" lang="ja-JP" altLang="en-US"/>
           </a:p>
@@ -3186,7 +3186,7 @@
           <a:p>
             <a:fld id="{38CF457C-A655-4B46-9667-899D8A188CFD}" type="datetimeFigureOut">
               <a:rPr kumimoji="1" lang="ja-JP" altLang="en-US" smtClean="0"/>
-              <a:t>2024/7/13</a:t>
+              <a:t>2024/7/14</a:t>
             </a:fld>
             <a:endParaRPr kumimoji="1" lang="ja-JP" altLang="en-US"/>
           </a:p>
@@ -3529,7 +3529,7 @@
           <a:p>
             <a:fld id="{38CF457C-A655-4B46-9667-899D8A188CFD}" type="datetimeFigureOut">
               <a:rPr kumimoji="1" lang="ja-JP" altLang="en-US" smtClean="0"/>
-              <a:t>2024/7/13</a:t>
+              <a:t>2024/7/14</a:t>
             </a:fld>
             <a:endParaRPr kumimoji="1" lang="ja-JP" altLang="en-US"/>
           </a:p>
@@ -3783,7 +3783,7 @@
           <a:p>
             <a:fld id="{B8C65C57-92FB-BC43-A324-D710D72DFC87}" type="datetimeFigureOut">
               <a:rPr kumimoji="1" lang="ja-JP" altLang="en-US" smtClean="0"/>
-              <a:t>2024/7/13</a:t>
+              <a:t>2024/7/14</a:t>
             </a:fld>
             <a:endParaRPr kumimoji="1" lang="ja-JP" altLang="en-US"/>
           </a:p>
@@ -4087,7 +4087,7 @@
           <a:p>
             <a:fld id="{38CF457C-A655-4B46-9667-899D8A188CFD}" type="datetimeFigureOut">
               <a:rPr kumimoji="1" lang="ja-JP" altLang="en-US" smtClean="0"/>
-              <a:t>2024/7/13</a:t>
+              <a:t>2024/7/14</a:t>
             </a:fld>
             <a:endParaRPr kumimoji="1" lang="ja-JP" altLang="en-US"/>
           </a:p>
@@ -4317,7 +4317,7 @@
           <a:p>
             <a:fld id="{38CF457C-A655-4B46-9667-899D8A188CFD}" type="datetimeFigureOut">
               <a:rPr kumimoji="1" lang="ja-JP" altLang="en-US" smtClean="0"/>
-              <a:t>2024/7/13</a:t>
+              <a:t>2024/7/14</a:t>
             </a:fld>
             <a:endParaRPr kumimoji="1" lang="ja-JP" altLang="en-US"/>
           </a:p>
@@ -4557,7 +4557,7 @@
           <a:p>
             <a:fld id="{38CF457C-A655-4B46-9667-899D8A188CFD}" type="datetimeFigureOut">
               <a:rPr kumimoji="1" lang="ja-JP" altLang="en-US" smtClean="0"/>
-              <a:t>2024/7/13</a:t>
+              <a:t>2024/7/14</a:t>
             </a:fld>
             <a:endParaRPr kumimoji="1" lang="ja-JP" altLang="en-US"/>
           </a:p>
@@ -4846,7 +4846,7 @@
           <a:p>
             <a:fld id="{B8C65C57-92FB-BC43-A324-D710D72DFC87}" type="datetimeFigureOut">
               <a:rPr kumimoji="1" lang="ja-JP" altLang="en-US" smtClean="0"/>
-              <a:t>2024/7/13</a:t>
+              <a:t>2024/7/14</a:t>
             </a:fld>
             <a:endParaRPr kumimoji="1" lang="ja-JP" altLang="en-US"/>
           </a:p>
@@ -5213,7 +5213,7 @@
           <a:p>
             <a:fld id="{B8C65C57-92FB-BC43-A324-D710D72DFC87}" type="datetimeFigureOut">
               <a:rPr kumimoji="1" lang="ja-JP" altLang="en-US" smtClean="0"/>
-              <a:t>2024/7/13</a:t>
+              <a:t>2024/7/14</a:t>
             </a:fld>
             <a:endParaRPr kumimoji="1" lang="ja-JP" altLang="en-US"/>
           </a:p>
@@ -5728,7 +5728,7 @@
           <a:p>
             <a:fld id="{B8C65C57-92FB-BC43-A324-D710D72DFC87}" type="datetimeFigureOut">
               <a:rPr kumimoji="1" lang="ja-JP" altLang="en-US" smtClean="0"/>
-              <a:t>2024/7/13</a:t>
+              <a:t>2024/7/14</a:t>
             </a:fld>
             <a:endParaRPr kumimoji="1" lang="ja-JP" altLang="en-US"/>
           </a:p>
@@ -5901,7 +5901,7 @@
           <a:p>
             <a:fld id="{B8C65C57-92FB-BC43-A324-D710D72DFC87}" type="datetimeFigureOut">
               <a:rPr kumimoji="1" lang="ja-JP" altLang="en-US" smtClean="0"/>
-              <a:t>2024/7/13</a:t>
+              <a:t>2024/7/14</a:t>
             </a:fld>
             <a:endParaRPr kumimoji="1" lang="ja-JP" altLang="en-US"/>
           </a:p>
@@ -6372,7 +6372,7 @@
           <a:p>
             <a:fld id="{B8C65C57-92FB-BC43-A324-D710D72DFC87}" type="datetimeFigureOut">
               <a:rPr kumimoji="1" lang="ja-JP" altLang="en-US" smtClean="0"/>
-              <a:t>2024/7/13</a:t>
+              <a:t>2024/7/14</a:t>
             </a:fld>
             <a:endParaRPr kumimoji="1" lang="ja-JP" altLang="en-US"/>
           </a:p>
@@ -6693,7 +6693,7 @@
           <a:p>
             <a:fld id="{B8C65C57-92FB-BC43-A324-D710D72DFC87}" type="datetimeFigureOut">
               <a:rPr kumimoji="1" lang="ja-JP" altLang="en-US" smtClean="0"/>
-              <a:t>2024/7/13</a:t>
+              <a:t>2024/7/14</a:t>
             </a:fld>
             <a:endParaRPr kumimoji="1" lang="ja-JP" altLang="en-US"/>
           </a:p>
@@ -9556,7 +9556,7 @@
           <a:p>
             <a:fld id="{38CF457C-A655-4B46-9667-899D8A188CFD}" type="datetimeFigureOut">
               <a:rPr kumimoji="1" lang="ja-JP" altLang="en-US" smtClean="0"/>
-              <a:t>2024/7/13</a:t>
+              <a:t>2024/7/14</a:t>
             </a:fld>
             <a:endParaRPr kumimoji="1" lang="ja-JP" altLang="en-US"/>
           </a:p>
@@ -10349,7 +10349,7 @@
         <p:spPr>
           <a:xfrm>
             <a:off x="5622061" y="762538"/>
-            <a:ext cx="5649349" cy="3199862"/>
+            <a:ext cx="5893180" cy="3199862"/>
           </a:xfrm>
         </p:spPr>
         <p:txBody>
@@ -10369,6 +10369,15 @@
               </a:rPr>
               <a:t>Hugging Face</a:t>
             </a:r>
+            <a:br>
+              <a:rPr kumimoji="1" lang="en-US" altLang="ja-JP" sz="6600" dirty="0">
+                <a:solidFill>
+                  <a:srgbClr val="FFFFFF"/>
+                </a:solidFill>
+                <a:latin typeface="Meiryo UI" panose="020B0604030504040204" pitchFamily="34" charset="-128"/>
+                <a:ea typeface="Meiryo UI" panose="020B0604030504040204" pitchFamily="34" charset="-128"/>
+              </a:rPr>
+            </a:br>
             <a:r>
               <a:rPr kumimoji="1" lang="ja-JP" altLang="en-US" sz="6600">
                 <a:solidFill>
@@ -10401,7 +10410,7 @@
         <p:spPr>
           <a:xfrm>
             <a:off x="5622061" y="4312561"/>
-            <a:ext cx="5649349" cy="1687815"/>
+            <a:ext cx="6193892" cy="1687815"/>
           </a:xfrm>
         </p:spPr>
         <p:txBody>
@@ -10449,7 +10458,7 @@
                 <a:latin typeface="Meiryo UI" panose="020B0604030504040204" pitchFamily="34" charset="-128"/>
                 <a:ea typeface="Meiryo UI" panose="020B0604030504040204" pitchFamily="34" charset="-128"/>
               </a:rPr>
-              <a:t>再利用、改変して作っています。</a:t>
+              <a:t>再利用して作っています。</a:t>
             </a:r>
             <a:endParaRPr lang="en-US" altLang="ja-JP" sz="1700" dirty="0">
               <a:solidFill>
@@ -10980,229 +10989,6 @@
           <p:cNvPr id="2" name="タイトル 1">
             <a:extLst>
               <a:ext uri="{FF2B5EF4-FFF2-40B4-BE49-F238E27FC236}">
-                <a16:creationId xmlns:a16="http://schemas.microsoft.com/office/drawing/2014/main" id="{8FB4265A-2A4F-9E81-BAAB-D7A5428E41B7}"/>
-              </a:ext>
-            </a:extLst>
-          </p:cNvPr>
-          <p:cNvSpPr>
-            <a:spLocks noGrp="1"/>
-          </p:cNvSpPr>
-          <p:nvPr>
-            <p:ph type="title"/>
-          </p:nvPr>
-        </p:nvSpPr>
-        <p:spPr/>
-        <p:txBody>
-          <a:bodyPr/>
-          <a:lstStyle/>
-          <a:p>
-            <a:r>
-              <a:rPr lang="ja-JP" altLang="en-US" b="1">
-                <a:effectLst/>
-                <a:latin typeface="Meiryo UI" panose="020B0604030504040204" pitchFamily="50" charset="-128"/>
-              </a:rPr>
-              <a:t>デモンストレーション</a:t>
-            </a:r>
-            <a:endParaRPr kumimoji="1" lang="ja-JP" altLang="en-US" dirty="0"/>
-          </a:p>
-        </p:txBody>
-      </p:sp>
-      <p:sp>
-        <p:nvSpPr>
-          <p:cNvPr id="3" name="コンテンツ プレースホルダー 2">
-            <a:extLst>
-              <a:ext uri="{FF2B5EF4-FFF2-40B4-BE49-F238E27FC236}">
-                <a16:creationId xmlns:a16="http://schemas.microsoft.com/office/drawing/2014/main" id="{9A8C2B64-DEED-4E40-E581-B031973A0863}"/>
-              </a:ext>
-            </a:extLst>
-          </p:cNvPr>
-          <p:cNvSpPr>
-            <a:spLocks noGrp="1"/>
-          </p:cNvSpPr>
-          <p:nvPr>
-            <p:ph idx="1"/>
-          </p:nvPr>
-        </p:nvSpPr>
-        <p:spPr/>
-        <p:txBody>
-          <a:bodyPr>
-            <a:normAutofit fontScale="92500" lnSpcReduction="20000"/>
-          </a:bodyPr>
-          <a:lstStyle/>
-          <a:p>
-            <a:r>
-              <a:rPr kumimoji="1" lang="ja-JP" altLang="en-US" dirty="0"/>
-              <a:t>結局、使ってみた方が理解が早い</a:t>
-            </a:r>
-            <a:r>
-              <a:rPr kumimoji="1" lang="ja-JP" altLang="en-US"/>
-              <a:t>！ｗ</a:t>
-            </a:r>
-            <a:endParaRPr kumimoji="1" lang="en-US" altLang="ja-JP" dirty="0"/>
-          </a:p>
-          <a:p>
-            <a:endParaRPr lang="en-US" altLang="ja-JP" dirty="0"/>
-          </a:p>
-          <a:p>
-            <a:r>
-              <a:rPr lang="ja-JP" altLang="en-US"/>
-              <a:t>「</a:t>
-            </a:r>
-            <a:r>
-              <a:rPr lang="en-US" altLang="ja-JP" dirty="0"/>
-              <a:t>Textbooks Are All You Need</a:t>
-            </a:r>
-            <a:r>
-              <a:rPr lang="ja-JP" altLang="en-US"/>
-              <a:t>」の論文で有名になった</a:t>
-            </a:r>
-            <a:r>
-              <a:rPr lang="en-US" altLang="ja-JP" dirty="0"/>
-              <a:t>Phi-1</a:t>
-            </a:r>
-            <a:r>
-              <a:rPr lang="ja-JP" altLang="en-US"/>
-              <a:t>の派生</a:t>
-            </a:r>
-            <a:endParaRPr lang="en-US" altLang="ja-JP" dirty="0"/>
-          </a:p>
-          <a:p>
-            <a:pPr marL="0" indent="0">
-              <a:buNone/>
-            </a:pPr>
-            <a:r>
-              <a:rPr lang="ja-JP" altLang="en-US"/>
-              <a:t>　　　　　　</a:t>
-            </a:r>
-            <a:r>
-              <a:rPr lang="en-US" altLang="ja-JP" dirty="0"/>
-              <a:t> “</a:t>
-            </a:r>
-            <a:r>
-              <a:rPr lang="en-US" altLang="ja-JP" sz="3600" b="1" dirty="0"/>
-              <a:t>Phi-1.5</a:t>
-            </a:r>
-            <a:r>
-              <a:rPr lang="ja-JP" altLang="en-US" dirty="0"/>
-              <a:t>（</a:t>
-            </a:r>
-            <a:r>
-              <a:rPr lang="en-US" altLang="ja-JP" dirty="0"/>
-              <a:t>Microsoft</a:t>
-            </a:r>
-            <a:r>
-              <a:rPr lang="ja-JP" altLang="en-US"/>
-              <a:t>）</a:t>
-            </a:r>
-            <a:r>
-              <a:rPr lang="en-US" altLang="ja-JP" dirty="0"/>
-              <a:t>” </a:t>
-            </a:r>
-            <a:r>
-              <a:rPr lang="ja-JP" altLang="en-US"/>
-              <a:t>を使ってみよう￼￼￼￼￼￼</a:t>
-            </a:r>
-            <a:endParaRPr lang="en-US" altLang="ja-JP" dirty="0"/>
-          </a:p>
-          <a:p>
-            <a:endParaRPr lang="en-US" altLang="ja-JP" dirty="0"/>
-          </a:p>
-          <a:p>
-            <a:r>
-              <a:rPr lang="ja-JP" altLang="en-US">
-                <a:hlinkClick r:id="rId2"/>
-              </a:rPr>
-              <a:t>論文はこちら</a:t>
-            </a:r>
-            <a:endParaRPr lang="en-US" altLang="ja-JP" dirty="0"/>
-          </a:p>
-          <a:p>
-            <a:endParaRPr kumimoji="1" lang="en-US" altLang="ja-JP" dirty="0">
-              <a:hlinkClick r:id="rId3"/>
-            </a:endParaRPr>
-          </a:p>
-          <a:p>
-            <a:r>
-              <a:rPr kumimoji="1" lang="en-US" altLang="ja-JP" dirty="0">
-                <a:hlinkClick r:id="rId3"/>
-              </a:rPr>
-              <a:t>Huggingface</a:t>
-            </a:r>
-            <a:r>
-              <a:rPr kumimoji="1" lang="ja-JP" altLang="en-US">
-                <a:hlinkClick r:id="rId3"/>
-              </a:rPr>
-              <a:t>の</a:t>
-            </a:r>
-            <a:r>
-              <a:rPr kumimoji="1" lang="en-US" altLang="ja-JP" dirty="0">
-                <a:hlinkClick r:id="rId3"/>
-              </a:rPr>
-              <a:t>Phi-1.5</a:t>
-            </a:r>
-            <a:r>
-              <a:rPr kumimoji="1" lang="ja-JP" altLang="en-US">
-                <a:hlinkClick r:id="rId3"/>
-              </a:rPr>
-              <a:t>のページ</a:t>
-            </a:r>
-            <a:endParaRPr kumimoji="1" lang="en-US" altLang="ja-JP" dirty="0"/>
-          </a:p>
-          <a:p>
-            <a:pPr marL="0" indent="0">
-              <a:buNone/>
-            </a:pPr>
-            <a:r>
-              <a:rPr lang="en-US" altLang="ja-JP" dirty="0"/>
-              <a:t>  </a:t>
-            </a:r>
-          </a:p>
-          <a:p>
-            <a:r>
-              <a:rPr kumimoji="1" lang="en-US" altLang="ja-JP" dirty="0">
-                <a:hlinkClick r:id="rId4"/>
-              </a:rPr>
-              <a:t>Google Colab</a:t>
-            </a:r>
-            <a:endParaRPr kumimoji="1" lang="ja-JP" altLang="en-US" dirty="0"/>
-          </a:p>
-        </p:txBody>
-      </p:sp>
-    </p:spTree>
-    <p:extLst>
-      <p:ext uri="{BB962C8B-B14F-4D97-AF65-F5344CB8AC3E}">
-        <p14:creationId xmlns:p14="http://schemas.microsoft.com/office/powerpoint/2010/main" val="878374170"/>
-      </p:ext>
-    </p:extLst>
-  </p:cSld>
-  <p:clrMapOvr>
-    <a:masterClrMapping/>
-  </p:clrMapOvr>
-</p:sld>
-</file>
-
-<file path=ppt/slides/slide11.xml><?xml version="1.0" encoding="utf-8"?>
-<p:sld xmlns:a="http://schemas.openxmlformats.org/drawingml/2006/main" xmlns:r="http://schemas.openxmlformats.org/officeDocument/2006/relationships" xmlns:p="http://schemas.openxmlformats.org/presentationml/2006/main">
-  <p:cSld>
-    <p:spTree>
-      <p:nvGrpSpPr>
-        <p:cNvPr id="1" name=""/>
-        <p:cNvGrpSpPr/>
-        <p:nvPr/>
-      </p:nvGrpSpPr>
-      <p:grpSpPr>
-        <a:xfrm>
-          <a:off x="0" y="0"/>
-          <a:ext cx="0" cy="0"/>
-          <a:chOff x="0" y="0"/>
-          <a:chExt cx="0" cy="0"/>
-        </a:xfrm>
-      </p:grpSpPr>
-      <p:sp>
-        <p:nvSpPr>
-          <p:cNvPr id="2" name="タイトル 1">
-            <a:extLst>
-              <a:ext uri="{FF2B5EF4-FFF2-40B4-BE49-F238E27FC236}">
                 <a16:creationId xmlns:a16="http://schemas.microsoft.com/office/drawing/2014/main" id="{CFB68E09-98DA-B97F-6224-02C529FE5B1C}"/>
               </a:ext>
             </a:extLst>
@@ -12017,7 +11803,7 @@
 </p:sld>
 </file>
 
-<file path=ppt/slides/slide12.xml><?xml version="1.0" encoding="utf-8"?>
+<file path=ppt/slides/slide11.xml><?xml version="1.0" encoding="utf-8"?>
 <p:sld xmlns:a="http://schemas.openxmlformats.org/drawingml/2006/main" xmlns:r="http://schemas.openxmlformats.org/officeDocument/2006/relationships" xmlns:p="http://schemas.openxmlformats.org/presentationml/2006/main">
   <p:cSld>
     <p:spTree>
@@ -12841,7 +12627,7 @@
         </p:nvSpPr>
         <p:spPr>
           <a:xfrm>
-            <a:off x="7604829" y="4552768"/>
+            <a:off x="7604829" y="4194054"/>
             <a:ext cx="3227294" cy="2231414"/>
           </a:xfrm>
           <a:prstGeom prst="borderCallout3">
@@ -12850,10 +12636,10 @@
               <a:gd name="adj2" fmla="val 101086"/>
               <a:gd name="adj3" fmla="val 87863"/>
               <a:gd name="adj4" fmla="val 104174"/>
-              <a:gd name="adj5" fmla="val -22443"/>
-              <a:gd name="adj6" fmla="val 104271"/>
-              <a:gd name="adj7" fmla="val -24837"/>
-              <a:gd name="adj8" fmla="val 100556"/>
+              <a:gd name="adj5" fmla="val -5982"/>
+              <a:gd name="adj6" fmla="val 104029"/>
+              <a:gd name="adj7" fmla="val -9952"/>
+              <a:gd name="adj8" fmla="val 100096"/>
             </a:avLst>
           </a:prstGeom>
           <a:solidFill>
@@ -13080,6 +12866,157 @@
 </p:sld>
 </file>
 
+<file path=ppt/slides/slide12.xml><?xml version="1.0" encoding="utf-8"?>
+<p:sld xmlns:a="http://schemas.openxmlformats.org/drawingml/2006/main" xmlns:r="http://schemas.openxmlformats.org/officeDocument/2006/relationships" xmlns:p="http://schemas.openxmlformats.org/presentationml/2006/main">
+  <p:cSld>
+    <p:spTree>
+      <p:nvGrpSpPr>
+        <p:cNvPr id="1" name=""/>
+        <p:cNvGrpSpPr/>
+        <p:nvPr/>
+      </p:nvGrpSpPr>
+      <p:grpSpPr>
+        <a:xfrm>
+          <a:off x="0" y="0"/>
+          <a:ext cx="0" cy="0"/>
+          <a:chOff x="0" y="0"/>
+          <a:chExt cx="0" cy="0"/>
+        </a:xfrm>
+      </p:grpSpPr>
+      <p:sp>
+        <p:nvSpPr>
+          <p:cNvPr id="2" name="タイトル 1">
+            <a:extLst>
+              <a:ext uri="{FF2B5EF4-FFF2-40B4-BE49-F238E27FC236}">
+                <a16:creationId xmlns:a16="http://schemas.microsoft.com/office/drawing/2014/main" id="{7AD0CC42-514B-F65E-CAB8-534584EA03DD}"/>
+              </a:ext>
+            </a:extLst>
+          </p:cNvPr>
+          <p:cNvSpPr>
+            <a:spLocks noGrp="1"/>
+          </p:cNvSpPr>
+          <p:nvPr>
+            <p:ph type="title"/>
+          </p:nvPr>
+        </p:nvSpPr>
+        <p:spPr/>
+        <p:txBody>
+          <a:bodyPr/>
+          <a:lstStyle/>
+          <a:p>
+            <a:r>
+              <a:rPr kumimoji="1" lang="en-US" altLang="ja-JP" b="1" dirty="0" err="1"/>
+              <a:t>GoogleColab</a:t>
+            </a:r>
+            <a:r>
+              <a:rPr lang="ja-JP" altLang="en-US" b="1"/>
+              <a:t>で使ってみよう！</a:t>
+            </a:r>
+            <a:endParaRPr kumimoji="1" lang="ja-JP" altLang="en-US" b="1"/>
+          </a:p>
+        </p:txBody>
+      </p:sp>
+      <p:sp>
+        <p:nvSpPr>
+          <p:cNvPr id="5" name="テキスト プレースホルダー 4">
+            <a:extLst>
+              <a:ext uri="{FF2B5EF4-FFF2-40B4-BE49-F238E27FC236}">
+                <a16:creationId xmlns:a16="http://schemas.microsoft.com/office/drawing/2014/main" id="{F67332BC-FB10-A44E-958A-984A26CD1DE6}"/>
+              </a:ext>
+            </a:extLst>
+          </p:cNvPr>
+          <p:cNvSpPr>
+            <a:spLocks noGrp="1"/>
+          </p:cNvSpPr>
+          <p:nvPr>
+            <p:ph type="body" idx="1"/>
+          </p:nvPr>
+        </p:nvSpPr>
+        <p:spPr/>
+        <p:txBody>
+          <a:bodyPr/>
+          <a:lstStyle/>
+          <a:p>
+            <a:pPr marL="2493963"/>
+            <a:endParaRPr kumimoji="1" lang="en-US" altLang="ja-JP" dirty="0">
+              <a:hlinkClick r:id="rId2"/>
+            </a:endParaRPr>
+          </a:p>
+          <a:p>
+            <a:pPr marL="2493963"/>
+            <a:r>
+              <a:rPr kumimoji="1" lang="en-US" altLang="ja-JP" dirty="0">
+                <a:hlinkClick r:id="rId2"/>
+              </a:rPr>
+              <a:t>Google Colab</a:t>
+            </a:r>
+            <a:r>
+              <a:rPr lang="ja-JP" altLang="en-US"/>
+              <a:t>　← </a:t>
+            </a:r>
+            <a:r>
+              <a:rPr lang="en-US" altLang="ja-JP" dirty="0"/>
+              <a:t>click</a:t>
+            </a:r>
+          </a:p>
+          <a:p>
+            <a:pPr marL="2493963"/>
+            <a:r>
+              <a:rPr kumimoji="1" lang="en-US" altLang="ja-JP" dirty="0">
+                <a:hlinkClick r:id="rId3"/>
+              </a:rPr>
+              <a:t>Huggingface</a:t>
+            </a:r>
+            <a:r>
+              <a:rPr kumimoji="1" lang="ja-JP" altLang="en-US">
+                <a:hlinkClick r:id="rId3"/>
+              </a:rPr>
+              <a:t>の</a:t>
+            </a:r>
+            <a:r>
+              <a:rPr kumimoji="1" lang="en-US" altLang="ja-JP" dirty="0">
+                <a:hlinkClick r:id="rId3"/>
+              </a:rPr>
+              <a:t>Phi-1.5</a:t>
+            </a:r>
+            <a:r>
+              <a:rPr kumimoji="1" lang="ja-JP" altLang="en-US">
+                <a:hlinkClick r:id="rId3"/>
+              </a:rPr>
+              <a:t>のページ</a:t>
+            </a:r>
+            <a:r>
+              <a:rPr kumimoji="1" lang="en-US" altLang="ja-JP" dirty="0"/>
+              <a:t> </a:t>
+            </a:r>
+            <a:r>
+              <a:rPr kumimoji="1" lang="ja-JP" altLang="en-US"/>
+              <a:t>←</a:t>
+            </a:r>
+            <a:r>
+              <a:rPr kumimoji="1" lang="en-US" altLang="ja-JP" dirty="0"/>
+              <a:t> click</a:t>
+            </a:r>
+          </a:p>
+          <a:p>
+            <a:pPr marL="2493963"/>
+            <a:endParaRPr lang="ja-JP" altLang="en-US"/>
+          </a:p>
+        </p:txBody>
+      </p:sp>
+    </p:spTree>
+    <p:extLst>
+      <p:ext uri="{BB962C8B-B14F-4D97-AF65-F5344CB8AC3E}">
+        <p14:creationId xmlns:p14="http://schemas.microsoft.com/office/powerpoint/2010/main" val="1184806543"/>
+      </p:ext>
+    </p:extLst>
+  </p:cSld>
+  <p:clrMapOvr>
+    <a:masterClrMapping/>
+  </p:clrMapOvr>
+</p:sld>
+</file>
+
 <file path=ppt/slides/slide13.xml><?xml version="1.0" encoding="utf-8"?>
 <p:sld xmlns:a="http://schemas.openxmlformats.org/drawingml/2006/main" xmlns:r="http://schemas.openxmlformats.org/officeDocument/2006/relationships" xmlns:p="http://schemas.openxmlformats.org/presentationml/2006/main">
   <p:cSld>
@@ -13102,7 +13039,7 @@
           <p:cNvPr id="2" name="タイトル 1">
             <a:extLst>
               <a:ext uri="{FF2B5EF4-FFF2-40B4-BE49-F238E27FC236}">
-                <a16:creationId xmlns:a16="http://schemas.microsoft.com/office/drawing/2014/main" id="{7AD0CC42-514B-F65E-CAB8-534584EA03DD}"/>
+                <a16:creationId xmlns:a16="http://schemas.microsoft.com/office/drawing/2014/main" id="{CE904FBF-1DB4-091E-F7F9-0CB502C546C6}"/>
               </a:ext>
             </a:extLst>
           </p:cNvPr>
@@ -13119,30 +13056,29 @@
           <a:lstStyle/>
           <a:p>
             <a:r>
-              <a:rPr kumimoji="1" lang="en-US" altLang="ja-JP" b="1" dirty="0" err="1"/>
-              <a:t>GoogleColab</a:t>
-            </a:r>
-            <a:r>
-              <a:rPr lang="ja-JP" altLang="en-US" b="1"/>
-              <a:t>で</a:t>
-            </a:r>
-            <a:br>
-              <a:rPr lang="en-US" altLang="ja-JP" b="1" dirty="0"/>
-            </a:br>
-            <a:r>
-              <a:rPr lang="ja-JP" altLang="en-US" b="1"/>
-              <a:t>使ってみよか！</a:t>
-            </a:r>
-            <a:endParaRPr kumimoji="1" lang="ja-JP" altLang="en-US" b="1"/>
-          </a:p>
-        </p:txBody>
-      </p:sp>
-      <p:sp>
-        <p:nvSpPr>
-          <p:cNvPr id="5" name="テキスト プレースホルダー 4">
-            <a:extLst>
-              <a:ext uri="{FF2B5EF4-FFF2-40B4-BE49-F238E27FC236}">
-                <a16:creationId xmlns:a16="http://schemas.microsoft.com/office/drawing/2014/main" id="{F67332BC-FB10-A44E-958A-984A26CD1DE6}"/>
+              <a:rPr lang="en-US" altLang="ja-JP" b="1" dirty="0" err="1">
+                <a:effectLst/>
+                <a:latin typeface="Meiryo UI" panose="020B0604030504040204" pitchFamily="50" charset="-128"/>
+              </a:rPr>
+              <a:t>UseCase</a:t>
+            </a:r>
+            <a:r>
+              <a:rPr lang="ja-JP" altLang="en-US" b="1">
+                <a:effectLst/>
+                <a:latin typeface="Meiryo UI" panose="020B0604030504040204" pitchFamily="50" charset="-128"/>
+              </a:rPr>
+              <a:t>を考えてみよう</a:t>
+            </a:r>
+            <a:endParaRPr kumimoji="1" lang="ja-JP" altLang="en-US" dirty="0"/>
+          </a:p>
+        </p:txBody>
+      </p:sp>
+      <p:sp>
+        <p:nvSpPr>
+          <p:cNvPr id="3" name="コンテンツ プレースホルダー 2">
+            <a:extLst>
+              <a:ext uri="{FF2B5EF4-FFF2-40B4-BE49-F238E27FC236}">
+                <a16:creationId xmlns:a16="http://schemas.microsoft.com/office/drawing/2014/main" id="{9B5389DB-3BEA-2654-6147-F2E094E80009}"/>
               </a:ext>
             </a:extLst>
           </p:cNvPr>
@@ -13150,42 +13086,223 @@
             <a:spLocks noGrp="1"/>
           </p:cNvSpPr>
           <p:nvPr>
-            <p:ph type="body" idx="1"/>
+            <p:ph idx="1"/>
           </p:nvPr>
         </p:nvSpPr>
-        <p:spPr/>
+        <p:spPr>
+          <a:xfrm>
+            <a:off x="838200" y="1825625"/>
+            <a:ext cx="5943600" cy="4351338"/>
+          </a:xfrm>
+        </p:spPr>
         <p:txBody>
           <a:bodyPr/>
           <a:lstStyle/>
           <a:p>
-            <a:endParaRPr kumimoji="1" lang="en-US" altLang="ja-JP" dirty="0">
-              <a:hlinkClick r:id="rId2"/>
+            <a:r>
+              <a:rPr kumimoji="1" lang="ja-JP" altLang="en-US"/>
+              <a:t>ローカル</a:t>
+            </a:r>
+            <a:r>
+              <a:rPr kumimoji="1" lang="en-US" altLang="ja-JP" dirty="0"/>
+              <a:t>LLM</a:t>
+            </a:r>
+            <a:r>
+              <a:rPr kumimoji="1" lang="ja-JP" altLang="en-US"/>
+              <a:t>に活路？</a:t>
+            </a:r>
+            <a:endParaRPr kumimoji="1" lang="en-US" altLang="ja-JP" dirty="0"/>
+          </a:p>
+          <a:p>
+            <a:pPr lvl="1"/>
+            <a:r>
+              <a:rPr kumimoji="1" lang="ja-JP" altLang="en-US"/>
+              <a:t>社内特化？特定の目的特化？</a:t>
+            </a:r>
+            <a:endParaRPr kumimoji="1" lang="en-US" altLang="ja-JP" dirty="0"/>
+          </a:p>
+          <a:p>
+            <a:endParaRPr lang="en-US" altLang="ja-JP" dirty="0"/>
+          </a:p>
+          <a:p>
+            <a:r>
+              <a:rPr lang="ja-JP" altLang="en-US"/>
+              <a:t>一般的でない</a:t>
+            </a:r>
+            <a:r>
+              <a:rPr kumimoji="1" lang="ja-JP" altLang="en-US"/>
+              <a:t>専門用語</a:t>
+            </a:r>
+            <a:endParaRPr kumimoji="1" lang="en-US" altLang="ja-JP" dirty="0"/>
+          </a:p>
+          <a:p>
+            <a:pPr marL="627063" indent="0">
+              <a:buNone/>
+            </a:pPr>
+            <a:r>
+              <a:rPr kumimoji="1" lang="ja-JP" altLang="en-US" sz="2400" b="1"/>
+              <a:t>視差呼称</a:t>
+            </a:r>
+            <a:r>
+              <a:rPr kumimoji="1" lang="ja-JP" altLang="en-US" sz="2400"/>
+              <a:t>、はつり、デレッキ、うま</a:t>
+            </a:r>
+            <a:endParaRPr kumimoji="1" lang="en-US" altLang="ja-JP" sz="2400" dirty="0"/>
+          </a:p>
+          <a:p>
+            <a:pPr marL="627063" indent="0">
+              <a:buNone/>
+            </a:pPr>
+            <a:endParaRPr kumimoji="1" lang="en-US" altLang="ja-JP" sz="2400" dirty="0"/>
+          </a:p>
+          <a:p>
+            <a:pPr marL="627063" indent="0">
+              <a:buNone/>
+            </a:pPr>
+            <a:r>
+              <a:rPr kumimoji="1" lang="ja-JP" altLang="en-US" sz="2400" b="1"/>
+              <a:t>逃げ</a:t>
+            </a:r>
+            <a:r>
+              <a:rPr kumimoji="1" lang="ja-JP" altLang="en-US" sz="2400"/>
+              <a:t>、刺す、芋掘り、三味線・・・</a:t>
+            </a:r>
+            <a:endParaRPr kumimoji="1" lang="en-US" altLang="ja-JP" sz="2400" dirty="0"/>
+          </a:p>
+          <a:p>
+            <a:endParaRPr lang="en-US" altLang="ja-JP" dirty="0"/>
+          </a:p>
+          <a:p>
+            <a:endParaRPr kumimoji="1" lang="ja-JP" altLang="en-US"/>
+          </a:p>
+        </p:txBody>
+      </p:sp>
+      <p:sp>
+        <p:nvSpPr>
+          <p:cNvPr id="4" name="テキスト ボックス 3">
+            <a:extLst>
+              <a:ext uri="{FF2B5EF4-FFF2-40B4-BE49-F238E27FC236}">
+                <a16:creationId xmlns:a16="http://schemas.microsoft.com/office/drawing/2014/main" id="{10BB83AA-4869-418C-CE18-DA1268F9A598}"/>
+              </a:ext>
+            </a:extLst>
+          </p:cNvPr>
+          <p:cNvSpPr txBox="1"/>
+          <p:nvPr/>
+        </p:nvSpPr>
+        <p:spPr>
+          <a:xfrm>
+            <a:off x="9868118" y="3355613"/>
+            <a:ext cx="1443024" cy="430887"/>
+          </a:xfrm>
+          <a:prstGeom prst="rect">
+            <a:avLst/>
+          </a:prstGeom>
+          <a:noFill/>
+        </p:spPr>
+        <p:txBody>
+          <a:bodyPr wrap="none" rtlCol="0">
+            <a:spAutoFit/>
+          </a:bodyPr>
+          <a:lstStyle/>
+          <a:p>
+            <a:r>
+              <a:rPr kumimoji="1" lang="en-US" altLang="ja-JP" sz="1100" dirty="0">
+                <a:latin typeface="Meiryo UI" panose="020B0604030504040204" pitchFamily="34" charset="-128"/>
+                <a:ea typeface="Meiryo UI" panose="020B0604030504040204" pitchFamily="34" charset="-128"/>
+              </a:rPr>
+              <a:t>Copilot</a:t>
+            </a:r>
+            <a:r>
+              <a:rPr kumimoji="1" lang="ja-JP" altLang="en-US" sz="1100">
+                <a:latin typeface="Meiryo UI" panose="020B0604030504040204" pitchFamily="34" charset="-128"/>
+                <a:ea typeface="Meiryo UI" panose="020B0604030504040204" pitchFamily="34" charset="-128"/>
+              </a:rPr>
+              <a:t>で作ったけど</a:t>
+            </a:r>
+            <a:endParaRPr kumimoji="1" lang="en-US" altLang="ja-JP" sz="1100" dirty="0">
+              <a:latin typeface="Meiryo UI" panose="020B0604030504040204" pitchFamily="34" charset="-128"/>
+              <a:ea typeface="Meiryo UI" panose="020B0604030504040204" pitchFamily="34" charset="-128"/>
             </a:endParaRPr>
           </a:p>
           <a:p>
-            <a:pPr algn="ctr"/>
-            <a:r>
-              <a:rPr kumimoji="1" lang="en-US" altLang="ja-JP" dirty="0">
-                <a:hlinkClick r:id="rId2"/>
-              </a:rPr>
-              <a:t>Google Colab</a:t>
-            </a:r>
-            <a:r>
-              <a:rPr lang="ja-JP" altLang="en-US"/>
-              <a:t>　← </a:t>
-            </a:r>
-            <a:r>
-              <a:rPr lang="en-US" altLang="ja-JP" dirty="0"/>
-              <a:t>click</a:t>
-            </a:r>
-            <a:endParaRPr lang="ja-JP" altLang="en-US"/>
-          </a:p>
-        </p:txBody>
-      </p:sp>
+            <a:r>
+              <a:rPr lang="ja-JP" altLang="en-US" sz="1100">
+                <a:latin typeface="Meiryo UI" panose="020B0604030504040204" pitchFamily="34" charset="-128"/>
+                <a:ea typeface="Meiryo UI" panose="020B0604030504040204" pitchFamily="34" charset="-128"/>
+              </a:rPr>
+              <a:t>視差呼称できず・・・汗</a:t>
+            </a:r>
+            <a:endParaRPr kumimoji="1" lang="ja-JP" altLang="en-US" sz="1100">
+              <a:latin typeface="Meiryo UI" panose="020B0604030504040204" pitchFamily="34" charset="-128"/>
+              <a:ea typeface="Meiryo UI" panose="020B0604030504040204" pitchFamily="34" charset="-128"/>
+            </a:endParaRPr>
+          </a:p>
+        </p:txBody>
+      </p:sp>
+      <p:pic>
+        <p:nvPicPr>
+          <p:cNvPr id="7" name="図 6" descr="人, 男, 携帯電話, 電話 が含まれている画像&#10;&#10;自動的に生成された説明">
+            <a:extLst>
+              <a:ext uri="{FF2B5EF4-FFF2-40B4-BE49-F238E27FC236}">
+                <a16:creationId xmlns:a16="http://schemas.microsoft.com/office/drawing/2014/main" id="{F1C09677-4F3B-16D8-674B-1F87324EF449}"/>
+              </a:ext>
+            </a:extLst>
+          </p:cNvPr>
+          <p:cNvPicPr>
+            <a:picLocks noChangeAspect="1"/>
+          </p:cNvPicPr>
+          <p:nvPr/>
+        </p:nvPicPr>
+        <p:blipFill>
+          <a:blip r:embed="rId2"/>
+          <a:stretch>
+            <a:fillRect/>
+          </a:stretch>
+        </p:blipFill>
+        <p:spPr>
+          <a:xfrm>
+            <a:off x="7066583" y="607216"/>
+            <a:ext cx="2857500" cy="3225800"/>
+          </a:xfrm>
+          <a:prstGeom prst="rect">
+            <a:avLst/>
+          </a:prstGeom>
+        </p:spPr>
+      </p:pic>
+      <p:pic>
+        <p:nvPicPr>
+          <p:cNvPr id="9" name="図 8" descr="バイクに乗って道路を自転車で走る人&#10;&#10;中程度の精度で自動的に生成された説明">
+            <a:extLst>
+              <a:ext uri="{FF2B5EF4-FFF2-40B4-BE49-F238E27FC236}">
+                <a16:creationId xmlns:a16="http://schemas.microsoft.com/office/drawing/2014/main" id="{43F4B0F6-122E-A4E1-A59E-D0DAE268B5DC}"/>
+              </a:ext>
+            </a:extLst>
+          </p:cNvPr>
+          <p:cNvPicPr>
+            <a:picLocks noChangeAspect="1"/>
+          </p:cNvPicPr>
+          <p:nvPr/>
+        </p:nvPicPr>
+        <p:blipFill>
+          <a:blip r:embed="rId3"/>
+          <a:stretch>
+            <a:fillRect/>
+          </a:stretch>
+        </p:blipFill>
+        <p:spPr>
+          <a:xfrm>
+            <a:off x="7084430" y="4001294"/>
+            <a:ext cx="3505200" cy="1917700"/>
+          </a:xfrm>
+          <a:prstGeom prst="rect">
+            <a:avLst/>
+          </a:prstGeom>
+        </p:spPr>
+      </p:pic>
     </p:spTree>
     <p:extLst>
       <p:ext uri="{BB962C8B-B14F-4D97-AF65-F5344CB8AC3E}">
-        <p14:creationId xmlns:p14="http://schemas.microsoft.com/office/powerpoint/2010/main" val="1184806543"/>
+        <p14:creationId xmlns:p14="http://schemas.microsoft.com/office/powerpoint/2010/main" val="1103775789"/>
       </p:ext>
     </p:extLst>
   </p:cSld>
@@ -13234,18 +13351,11 @@
           <a:lstStyle/>
           <a:p>
             <a:r>
-              <a:rPr lang="en-US" altLang="ja-JP" b="1" dirty="0" err="1">
-                <a:effectLst/>
-                <a:latin typeface="Meiryo UI" panose="020B0604030504040204" pitchFamily="50" charset="-128"/>
-              </a:rPr>
-              <a:t>UseCase</a:t>
-            </a:r>
-            <a:r>
               <a:rPr lang="ja-JP" altLang="en-US" b="1">
                 <a:effectLst/>
                 <a:latin typeface="Meiryo UI" panose="020B0604030504040204" pitchFamily="50" charset="-128"/>
               </a:rPr>
-              <a:t>を考えてみよう</a:t>
+              <a:t>まとめ</a:t>
             </a:r>
             <a:endParaRPr kumimoji="1" lang="ja-JP" altLang="en-US" dirty="0"/>
           </a:p>
@@ -13267,273 +13377,54 @@
             <p:ph idx="1"/>
           </p:nvPr>
         </p:nvSpPr>
-        <p:spPr>
-          <a:xfrm>
-            <a:off x="838200" y="1825625"/>
-            <a:ext cx="5943600" cy="4351338"/>
-          </a:xfrm>
-        </p:spPr>
+        <p:spPr/>
         <p:txBody>
           <a:bodyPr/>
           <a:lstStyle/>
           <a:p>
             <a:r>
               <a:rPr kumimoji="1" lang="ja-JP" altLang="en-US"/>
-              <a:t>ローカル</a:t>
-            </a:r>
-            <a:r>
-              <a:rPr kumimoji="1" lang="en-US" altLang="ja-JP" dirty="0"/>
-              <a:t>LLM</a:t>
-            </a:r>
-            <a:r>
-              <a:rPr kumimoji="1" lang="ja-JP" altLang="en-US"/>
-              <a:t>に活路？</a:t>
+              <a:t>ちょっと難しそうだけど、なんやら便利そう！</a:t>
             </a:r>
             <a:endParaRPr kumimoji="1" lang="en-US" altLang="ja-JP" dirty="0"/>
           </a:p>
           <a:p>
-            <a:pPr lvl="1"/>
-            <a:r>
-              <a:rPr kumimoji="1" lang="ja-JP" altLang="en-US"/>
-              <a:t>社内特化？特定の目的特化？</a:t>
-            </a:r>
             <a:endParaRPr kumimoji="1" lang="en-US" altLang="ja-JP" dirty="0"/>
           </a:p>
           <a:p>
+            <a:r>
+              <a:rPr lang="ja-JP" altLang="en-US"/>
+              <a:t>日本語の資料が少ないから、みんなで頑張ろうぜ！</a:t>
+            </a:r>
             <a:endParaRPr lang="en-US" altLang="ja-JP" dirty="0"/>
           </a:p>
           <a:p>
-            <a:r>
-              <a:rPr kumimoji="1" lang="ja-JP" altLang="en-US"/>
-              <a:t>業界の専門用語</a:t>
-            </a:r>
-            <a:endParaRPr kumimoji="1" lang="en-US" altLang="ja-JP" dirty="0"/>
-          </a:p>
-          <a:p>
-            <a:pPr marL="627063" indent="0">
+            <a:endParaRPr lang="en-US" altLang="ja-JP" dirty="0"/>
+          </a:p>
+          <a:p>
+            <a:pPr marL="0" indent="0">
               <a:buNone/>
             </a:pPr>
             <a:r>
-              <a:rPr kumimoji="1" lang="ja-JP" altLang="en-US" sz="2400" b="1"/>
-              <a:t>視差呼称</a:t>
-            </a:r>
-            <a:r>
-              <a:rPr kumimoji="1" lang="ja-JP" altLang="en-US" sz="2400"/>
-              <a:t>、はつり、デレッキ、うま</a:t>
-            </a:r>
-            <a:endParaRPr kumimoji="1" lang="en-US" altLang="ja-JP" sz="2400" dirty="0"/>
-          </a:p>
-          <a:p>
-            <a:pPr marL="627063" indent="0">
-              <a:buNone/>
-            </a:pPr>
-            <a:endParaRPr kumimoji="1" lang="en-US" altLang="ja-JP" sz="2400" dirty="0"/>
-          </a:p>
-          <a:p>
-            <a:pPr marL="627063" indent="0">
-              <a:buNone/>
-            </a:pPr>
-            <a:r>
-              <a:rPr kumimoji="1" lang="ja-JP" altLang="en-US" sz="2400" b="1"/>
-              <a:t>逃げ</a:t>
-            </a:r>
-            <a:r>
-              <a:rPr kumimoji="1" lang="ja-JP" altLang="en-US" sz="2400"/>
-              <a:t>、刺す、芋掘り、三味線・・・</a:t>
-            </a:r>
-            <a:endParaRPr kumimoji="1" lang="en-US" altLang="ja-JP" sz="2400" dirty="0"/>
-          </a:p>
-          <a:p>
+              <a:rPr lang="ja-JP" altLang="en-US" sz="4400" b="1"/>
+              <a:t>みんなで</a:t>
+            </a:r>
+            <a:r>
+              <a:rPr lang="en-US" altLang="ja-JP" sz="4400" b="1" dirty="0" err="1"/>
+              <a:t>HuggingFace</a:t>
+            </a:r>
+            <a:r>
+              <a:rPr lang="ja-JP" altLang="en-US" sz="4400" b="1"/>
+              <a:t>を使ってみよう！</a:t>
+            </a:r>
             <a:endParaRPr lang="en-US" altLang="ja-JP" dirty="0"/>
-          </a:p>
-          <a:p>
-            <a:endParaRPr kumimoji="1" lang="ja-JP" altLang="en-US"/>
-          </a:p>
-        </p:txBody>
-      </p:sp>
-      <p:pic>
-        <p:nvPicPr>
-          <p:cNvPr id="5" name="図 4" descr="人, 建物, 男, 立つ が含まれている画像&#10;&#10;自動的に生成された説明">
-            <a:extLst>
-              <a:ext uri="{FF2B5EF4-FFF2-40B4-BE49-F238E27FC236}">
-                <a16:creationId xmlns:a16="http://schemas.microsoft.com/office/drawing/2014/main" id="{1E7347A8-460D-A7E3-4C58-CC134051086F}"/>
-              </a:ext>
-            </a:extLst>
-          </p:cNvPr>
-          <p:cNvPicPr>
-            <a:picLocks noChangeAspect="1"/>
-          </p:cNvPicPr>
-          <p:nvPr/>
-        </p:nvPicPr>
-        <p:blipFill>
-          <a:blip r:embed="rId2" cstate="screen">
-            <a:extLst>
-              <a:ext uri="{BEBA8EAE-BF5A-486C-A8C5-ECC9F3942E4B}">
-                <a14:imgProps xmlns:a14="http://schemas.microsoft.com/office/drawing/2010/main">
-                  <a14:imgLayer r:embed="rId3">
-                    <a14:imgEffect>
-                      <a14:brightnessContrast bright="8000"/>
-                    </a14:imgEffect>
-                  </a14:imgLayer>
-                </a14:imgProps>
-              </a:ext>
-              <a:ext uri="{28A0092B-C50C-407E-A947-70E740481C1C}">
-                <a14:useLocalDpi xmlns:a14="http://schemas.microsoft.com/office/drawing/2010/main"/>
-              </a:ext>
-            </a:extLst>
-          </a:blip>
-          <a:stretch>
-            <a:fillRect/>
-          </a:stretch>
-        </p:blipFill>
-        <p:spPr>
-          <a:xfrm>
-            <a:off x="7067548" y="1584540"/>
-            <a:ext cx="2159579" cy="2159579"/>
-          </a:xfrm>
-          <a:prstGeom prst="rect">
-            <a:avLst/>
-          </a:prstGeom>
-        </p:spPr>
-      </p:pic>
-      <p:pic>
-        <p:nvPicPr>
-          <p:cNvPr id="11" name="グラフィックス 10" descr="右向き指示マーク 単色塗りつぶし">
-            <a:extLst>
-              <a:ext uri="{FF2B5EF4-FFF2-40B4-BE49-F238E27FC236}">
-                <a16:creationId xmlns:a16="http://schemas.microsoft.com/office/drawing/2014/main" id="{7360A822-A3F0-B8F3-5478-0ADE1E34E6F7}"/>
-              </a:ext>
-            </a:extLst>
-          </p:cNvPr>
-          <p:cNvPicPr>
-            <a:picLocks noChangeAspect="1"/>
-          </p:cNvPicPr>
-          <p:nvPr/>
-        </p:nvPicPr>
-        <p:blipFill>
-          <a:blip r:embed="rId4">
-            <a:extLst>
-              <a:ext uri="{96DAC541-7B7A-43D3-8B79-37D633B846F1}">
-                <asvg:svgBlip xmlns:asvg="http://schemas.microsoft.com/office/drawing/2016/SVG/main" r:embed="rId5"/>
-              </a:ext>
-            </a:extLst>
-          </a:blip>
-          <a:stretch>
-            <a:fillRect/>
-          </a:stretch>
-        </p:blipFill>
-        <p:spPr>
-          <a:xfrm rot="19499759">
-            <a:off x="7666981" y="2056753"/>
-            <a:ext cx="737226" cy="737226"/>
-          </a:xfrm>
-          <a:prstGeom prst="rect">
-            <a:avLst/>
-          </a:prstGeom>
-        </p:spPr>
-      </p:pic>
-      <p:pic>
-        <p:nvPicPr>
-          <p:cNvPr id="13" name="図 12" descr="道路を走るバイクに乗る人&#10;&#10;自動的に生成された説明">
-            <a:extLst>
-              <a:ext uri="{FF2B5EF4-FFF2-40B4-BE49-F238E27FC236}">
-                <a16:creationId xmlns:a16="http://schemas.microsoft.com/office/drawing/2014/main" id="{371C8EDC-BDC3-3677-28FB-6DBFC71D0D1C}"/>
-              </a:ext>
-            </a:extLst>
-          </p:cNvPr>
-          <p:cNvPicPr>
-            <a:picLocks noChangeAspect="1"/>
-          </p:cNvPicPr>
-          <p:nvPr/>
-        </p:nvPicPr>
-        <p:blipFill>
-          <a:blip r:embed="rId6" cstate="screen">
-            <a:extLst>
-              <a:ext uri="{BEBA8EAE-BF5A-486C-A8C5-ECC9F3942E4B}">
-                <a14:imgProps xmlns:a14="http://schemas.microsoft.com/office/drawing/2010/main">
-                  <a14:imgLayer r:embed="rId7">
-                    <a14:imgEffect>
-                      <a14:brightnessContrast bright="25000"/>
-                    </a14:imgEffect>
-                  </a14:imgLayer>
-                </a14:imgProps>
-              </a:ext>
-              <a:ext uri="{28A0092B-C50C-407E-A947-70E740481C1C}">
-                <a14:useLocalDpi xmlns:a14="http://schemas.microsoft.com/office/drawing/2010/main"/>
-              </a:ext>
-            </a:extLst>
-          </a:blip>
-          <a:stretch>
-            <a:fillRect/>
-          </a:stretch>
-        </p:blipFill>
-        <p:spPr>
-          <a:xfrm>
-            <a:off x="7067548" y="3894281"/>
-            <a:ext cx="3207758" cy="2138506"/>
-          </a:xfrm>
-          <a:prstGeom prst="rect">
-            <a:avLst/>
-          </a:prstGeom>
-        </p:spPr>
-      </p:pic>
-      <p:sp>
-        <p:nvSpPr>
-          <p:cNvPr id="15" name="テキスト ボックス 14">
-            <a:extLst>
-              <a:ext uri="{FF2B5EF4-FFF2-40B4-BE49-F238E27FC236}">
-                <a16:creationId xmlns:a16="http://schemas.microsoft.com/office/drawing/2014/main" id="{1D84EA15-1F3D-8A57-8D0B-5715E467DC6F}"/>
-              </a:ext>
-            </a:extLst>
-          </p:cNvPr>
-          <p:cNvSpPr txBox="1"/>
-          <p:nvPr/>
-        </p:nvSpPr>
-        <p:spPr>
-          <a:xfrm>
-            <a:off x="6979534" y="5990093"/>
-            <a:ext cx="3703900" cy="276999"/>
-          </a:xfrm>
-          <a:prstGeom prst="rect">
-            <a:avLst/>
-          </a:prstGeom>
-          <a:noFill/>
-        </p:spPr>
-        <p:txBody>
-          <a:bodyPr wrap="square">
-            <a:spAutoFit/>
-          </a:bodyPr>
-          <a:lstStyle/>
-          <a:p>
-            <a:r>
-              <a:rPr lang="en-US" altLang="ja-JP" sz="1200" b="0" i="1" u="none" strike="noStrike" dirty="0">
-                <a:effectLst/>
-                <a:latin typeface="Georgia, serif"/>
-              </a:rPr>
-              <a:t>©︎KINAN Racing Team / </a:t>
-            </a:r>
-            <a:r>
-              <a:rPr lang="en-US" altLang="ja-JP" sz="1200" b="0" i="1" u="none" strike="noStrike" dirty="0" err="1">
-                <a:effectLst/>
-                <a:latin typeface="Georgia, serif"/>
-              </a:rPr>
-              <a:t>Syunsuke</a:t>
-            </a:r>
-            <a:r>
-              <a:rPr lang="en-US" altLang="ja-JP" sz="1200" b="0" i="1" u="none" strike="noStrike" dirty="0">
-                <a:effectLst/>
-                <a:latin typeface="Georgia, serif"/>
-              </a:rPr>
-              <a:t> FUKUMITSU</a:t>
-            </a:r>
-            <a:endParaRPr lang="ja-JP" altLang="en-US" sz="1200"/>
           </a:p>
         </p:txBody>
       </p:sp>
     </p:spTree>
     <p:extLst>
       <p:ext uri="{BB962C8B-B14F-4D97-AF65-F5344CB8AC3E}">
-        <p14:creationId xmlns:p14="http://schemas.microsoft.com/office/powerpoint/2010/main" val="1103775789"/>
+        <p14:creationId xmlns:p14="http://schemas.microsoft.com/office/powerpoint/2010/main" val="1720880781"/>
       </p:ext>
     </p:extLst>
   </p:cSld>
@@ -13546,6 +13437,14 @@
 <file path=ppt/slides/slide15.xml><?xml version="1.0" encoding="utf-8"?>
 <p:sld xmlns:a="http://schemas.openxmlformats.org/drawingml/2006/main" xmlns:r="http://schemas.openxmlformats.org/officeDocument/2006/relationships" xmlns:p="http://schemas.openxmlformats.org/presentationml/2006/main">
   <p:cSld>
+    <p:bg>
+      <p:bgPr>
+        <a:solidFill>
+          <a:schemeClr val="bg1"/>
+        </a:solidFill>
+        <a:effectLst/>
+      </p:bgPr>
+    </p:bg>
     <p:spTree>
       <p:nvGrpSpPr>
         <p:cNvPr id="1" name=""/>
@@ -13560,101 +13459,45 @@
           <a:chExt cx="0" cy="0"/>
         </a:xfrm>
       </p:grpSpPr>
-      <p:sp>
-        <p:nvSpPr>
-          <p:cNvPr id="2" name="タイトル 1">
-            <a:extLst>
-              <a:ext uri="{FF2B5EF4-FFF2-40B4-BE49-F238E27FC236}">
-                <a16:creationId xmlns:a16="http://schemas.microsoft.com/office/drawing/2014/main" id="{CE904FBF-1DB4-091E-F7F9-0CB502C546C6}"/>
-              </a:ext>
-            </a:extLst>
-          </p:cNvPr>
-          <p:cNvSpPr>
-            <a:spLocks noGrp="1"/>
-          </p:cNvSpPr>
-          <p:nvPr>
-            <p:ph type="title"/>
-          </p:nvPr>
-        </p:nvSpPr>
-        <p:spPr/>
-        <p:txBody>
-          <a:bodyPr/>
-          <a:lstStyle/>
-          <a:p>
-            <a:r>
-              <a:rPr lang="ja-JP" altLang="en-US" b="1">
-                <a:effectLst/>
-                <a:latin typeface="Meiryo UI" panose="020B0604030504040204" pitchFamily="50" charset="-128"/>
-              </a:rPr>
-              <a:t>まとめ</a:t>
-            </a:r>
-            <a:endParaRPr kumimoji="1" lang="ja-JP" altLang="en-US" dirty="0"/>
-          </a:p>
-        </p:txBody>
-      </p:sp>
-      <p:sp>
-        <p:nvSpPr>
-          <p:cNvPr id="3" name="コンテンツ プレースホルダー 2">
-            <a:extLst>
-              <a:ext uri="{FF2B5EF4-FFF2-40B4-BE49-F238E27FC236}">
-                <a16:creationId xmlns:a16="http://schemas.microsoft.com/office/drawing/2014/main" id="{9B5389DB-3BEA-2654-6147-F2E094E80009}"/>
-              </a:ext>
-            </a:extLst>
-          </p:cNvPr>
-          <p:cNvSpPr>
-            <a:spLocks noGrp="1"/>
-          </p:cNvSpPr>
-          <p:nvPr>
-            <p:ph idx="1"/>
-          </p:nvPr>
-        </p:nvSpPr>
-        <p:spPr/>
-        <p:txBody>
-          <a:bodyPr/>
-          <a:lstStyle/>
-          <a:p>
-            <a:r>
-              <a:rPr kumimoji="1" lang="ja-JP" altLang="en-US"/>
-              <a:t>なんやら便利そう</a:t>
-            </a:r>
-            <a:endParaRPr kumimoji="1" lang="en-US" altLang="ja-JP" dirty="0"/>
-          </a:p>
-          <a:p>
-            <a:r>
-              <a:rPr lang="ja-JP" altLang="en-US"/>
-              <a:t>日本語テキストが少ない</a:t>
-            </a:r>
-            <a:endParaRPr lang="en-US" altLang="ja-JP" dirty="0"/>
-          </a:p>
-          <a:p>
-            <a:r>
-              <a:rPr lang="ja-JP" altLang="en-US"/>
-              <a:t>ハードルが高く見えるけど、案外そうでもなさそう？</a:t>
-            </a:r>
-            <a:endParaRPr lang="en-US" altLang="ja-JP" dirty="0"/>
-          </a:p>
-          <a:p>
-            <a:r>
-              <a:rPr lang="ja-JP" altLang="en-US" b="1"/>
-              <a:t>みんなで使ってみようぜ！</a:t>
-            </a:r>
-            <a:endParaRPr lang="en-US" altLang="ja-JP" b="1" dirty="0"/>
-          </a:p>
-          <a:p>
-            <a:endParaRPr lang="en-US" altLang="ja-JP" dirty="0"/>
-          </a:p>
-          <a:p>
-            <a:endParaRPr lang="en-US" altLang="ja-JP" dirty="0"/>
-          </a:p>
-          <a:p>
-            <a:endParaRPr lang="en-US" altLang="ja-JP" dirty="0"/>
-          </a:p>
-        </p:txBody>
-      </p:sp>
+      <p:pic>
+        <p:nvPicPr>
+          <p:cNvPr id="5" name="グラフィックス 4">
+            <a:extLst>
+              <a:ext uri="{FF2B5EF4-FFF2-40B4-BE49-F238E27FC236}">
+                <a16:creationId xmlns:a16="http://schemas.microsoft.com/office/drawing/2014/main" id="{85006806-A2AF-5C5B-8741-C4BC7B6DDE80}"/>
+              </a:ext>
+            </a:extLst>
+          </p:cNvPr>
+          <p:cNvPicPr>
+            <a:picLocks noChangeAspect="1"/>
+          </p:cNvPicPr>
+          <p:nvPr/>
+        </p:nvPicPr>
+        <p:blipFill rotWithShape="1">
+          <a:blip r:embed="rId2">
+            <a:extLst>
+              <a:ext uri="{96DAC541-7B7A-43D3-8B79-37D633B846F1}">
+                <asvg:svgBlip xmlns:asvg="http://schemas.microsoft.com/office/drawing/2016/SVG/main" r:embed="rId3"/>
+              </a:ext>
+            </a:extLst>
+          </a:blip>
+          <a:srcRect l="5021" t="12943" r="74804" b="15114"/>
+          <a:stretch/>
+        </p:blipFill>
+        <p:spPr>
+          <a:xfrm>
+            <a:off x="4150962" y="1348353"/>
+            <a:ext cx="3890075" cy="3688597"/>
+          </a:xfrm>
+          <a:prstGeom prst="rect">
+            <a:avLst/>
+          </a:prstGeom>
+        </p:spPr>
+      </p:pic>
     </p:spTree>
     <p:extLst>
       <p:ext uri="{BB962C8B-B14F-4D97-AF65-F5344CB8AC3E}">
-        <p14:creationId xmlns:p14="http://schemas.microsoft.com/office/powerpoint/2010/main" val="1720880781"/>
+        <p14:creationId xmlns:p14="http://schemas.microsoft.com/office/powerpoint/2010/main" val="782306946"/>
       </p:ext>
     </p:extLst>
   </p:cSld>
@@ -13681,60 +13524,10 @@
           <a:chExt cx="0" cy="0"/>
         </a:xfrm>
       </p:grpSpPr>
-      <p:sp>
-        <p:nvSpPr>
-          <p:cNvPr id="2" name="タイトル 1">
-            <a:extLst>
-              <a:ext uri="{FF2B5EF4-FFF2-40B4-BE49-F238E27FC236}">
-                <a16:creationId xmlns:a16="http://schemas.microsoft.com/office/drawing/2014/main" id="{CC308DA3-6772-947C-BC76-4838B7584C54}"/>
-              </a:ext>
-            </a:extLst>
-          </p:cNvPr>
-          <p:cNvSpPr>
-            <a:spLocks noGrp="1"/>
-          </p:cNvSpPr>
-          <p:nvPr>
-            <p:ph type="title"/>
-          </p:nvPr>
-        </p:nvSpPr>
-        <p:spPr/>
-        <p:txBody>
-          <a:bodyPr/>
-          <a:lstStyle/>
-          <a:p>
-            <a:endParaRPr kumimoji="1" lang="ja-JP" altLang="en-US"/>
-          </a:p>
-        </p:txBody>
-      </p:sp>
-      <p:sp>
-        <p:nvSpPr>
-          <p:cNvPr id="3" name="コンテンツ プレースホルダー 2">
-            <a:extLst>
-              <a:ext uri="{FF2B5EF4-FFF2-40B4-BE49-F238E27FC236}">
-                <a16:creationId xmlns:a16="http://schemas.microsoft.com/office/drawing/2014/main" id="{07C3F32D-03F8-7432-2C63-DF065900D9C3}"/>
-              </a:ext>
-            </a:extLst>
-          </p:cNvPr>
-          <p:cNvSpPr>
-            <a:spLocks noGrp="1"/>
-          </p:cNvSpPr>
-          <p:nvPr>
-            <p:ph idx="1"/>
-          </p:nvPr>
-        </p:nvSpPr>
-        <p:spPr/>
-        <p:txBody>
-          <a:bodyPr/>
-          <a:lstStyle/>
-          <a:p>
-            <a:endParaRPr kumimoji="1" lang="ja-JP" altLang="en-US"/>
-          </a:p>
-        </p:txBody>
-      </p:sp>
     </p:spTree>
     <p:extLst>
       <p:ext uri="{BB962C8B-B14F-4D97-AF65-F5344CB8AC3E}">
-        <p14:creationId xmlns:p14="http://schemas.microsoft.com/office/powerpoint/2010/main" val="782306946"/>
+        <p14:creationId xmlns:p14="http://schemas.microsoft.com/office/powerpoint/2010/main" val="3296903080"/>
       </p:ext>
     </p:extLst>
   </p:cSld>
@@ -16851,6 +16644,129 @@
           </a:p>
         </p:txBody>
       </p:sp>
+      <p:sp>
+        <p:nvSpPr>
+          <p:cNvPr id="3" name="テキスト ボックス 2">
+            <a:extLst>
+              <a:ext uri="{FF2B5EF4-FFF2-40B4-BE49-F238E27FC236}">
+                <a16:creationId xmlns:a16="http://schemas.microsoft.com/office/drawing/2014/main" id="{4E68C200-F5EA-5B43-FBAF-A870ABAFD21A}"/>
+              </a:ext>
+            </a:extLst>
+          </p:cNvPr>
+          <p:cNvSpPr txBox="1"/>
+          <p:nvPr/>
+        </p:nvSpPr>
+        <p:spPr>
+          <a:xfrm>
+            <a:off x="7853082" y="4359883"/>
+            <a:ext cx="3235181" cy="1477328"/>
+          </a:xfrm>
+          <a:prstGeom prst="rect">
+            <a:avLst/>
+          </a:prstGeom>
+          <a:noFill/>
+          <a:ln>
+            <a:solidFill>
+              <a:schemeClr val="tx1"/>
+            </a:solidFill>
+          </a:ln>
+        </p:spPr>
+        <p:txBody>
+          <a:bodyPr wrap="none" rtlCol="0">
+            <a:spAutoFit/>
+          </a:bodyPr>
+          <a:lstStyle/>
+          <a:p>
+            <a:r>
+              <a:rPr kumimoji="1" lang="ja-JP" altLang="en-US">
+                <a:latin typeface="Meiryo UI" panose="020B0604030504040204" pitchFamily="34" charset="-128"/>
+                <a:ea typeface="Meiryo UI" panose="020B0604030504040204" pitchFamily="34" charset="-128"/>
+              </a:rPr>
+              <a:t>本日の想定レベル：⭐️⭐️</a:t>
+            </a:r>
+            <a:r>
+              <a:rPr kumimoji="1" lang="en-US" altLang="ja-JP" dirty="0">
+                <a:latin typeface="Meiryo UI" panose="020B0604030504040204" pitchFamily="34" charset="-128"/>
+                <a:ea typeface="Meiryo UI" panose="020B0604030504040204" pitchFamily="34" charset="-128"/>
+              </a:rPr>
+              <a:t>○○○</a:t>
+            </a:r>
+          </a:p>
+          <a:p>
+            <a:endParaRPr kumimoji="1" lang="en-US" altLang="ja-JP" dirty="0">
+              <a:latin typeface="Meiryo UI" panose="020B0604030504040204" pitchFamily="34" charset="-128"/>
+              <a:ea typeface="Meiryo UI" panose="020B0604030504040204" pitchFamily="34" charset="-128"/>
+            </a:endParaRPr>
+          </a:p>
+          <a:p>
+            <a:r>
+              <a:rPr lang="en-US" altLang="ja-JP" dirty="0">
+                <a:latin typeface="Meiryo UI" panose="020B0604030504040204" pitchFamily="34" charset="-128"/>
+                <a:ea typeface="Meiryo UI" panose="020B0604030504040204" pitchFamily="34" charset="-128"/>
+              </a:rPr>
+              <a:t>Python	</a:t>
+            </a:r>
+            <a:r>
+              <a:rPr lang="ja-JP" altLang="en-US">
+                <a:latin typeface="Meiryo UI" panose="020B0604030504040204" pitchFamily="34" charset="-128"/>
+                <a:ea typeface="Meiryo UI" panose="020B0604030504040204" pitchFamily="34" charset="-128"/>
+              </a:rPr>
+              <a:t>：ちょっとわかる</a:t>
+            </a:r>
+            <a:endParaRPr lang="en-US" altLang="ja-JP" dirty="0">
+              <a:latin typeface="Meiryo UI" panose="020B0604030504040204" pitchFamily="34" charset="-128"/>
+              <a:ea typeface="Meiryo UI" panose="020B0604030504040204" pitchFamily="34" charset="-128"/>
+            </a:endParaRPr>
+          </a:p>
+          <a:p>
+            <a:r>
+              <a:rPr kumimoji="1" lang="en-US" altLang="ja-JP" dirty="0">
+                <a:latin typeface="Meiryo UI" panose="020B0604030504040204" pitchFamily="34" charset="-128"/>
+                <a:ea typeface="Meiryo UI" panose="020B0604030504040204" pitchFamily="34" charset="-128"/>
+              </a:rPr>
+              <a:t>LLM	</a:t>
+            </a:r>
+            <a:r>
+              <a:rPr kumimoji="1" lang="ja-JP" altLang="en-US">
+                <a:latin typeface="Meiryo UI" panose="020B0604030504040204" pitchFamily="34" charset="-128"/>
+                <a:ea typeface="Meiryo UI" panose="020B0604030504040204" pitchFamily="34" charset="-128"/>
+              </a:rPr>
+              <a:t>：ちょっとわかる</a:t>
+            </a:r>
+            <a:endParaRPr kumimoji="1" lang="en-US" altLang="ja-JP" dirty="0">
+              <a:latin typeface="Meiryo UI" panose="020B0604030504040204" pitchFamily="34" charset="-128"/>
+              <a:ea typeface="Meiryo UI" panose="020B0604030504040204" pitchFamily="34" charset="-128"/>
+            </a:endParaRPr>
+          </a:p>
+          <a:p>
+            <a:r>
+              <a:rPr lang="ja-JP" altLang="en-US">
+                <a:latin typeface="Meiryo UI" panose="020B0604030504040204" pitchFamily="34" charset="-128"/>
+                <a:ea typeface="Meiryo UI" panose="020B0604030504040204" pitchFamily="34" charset="-128"/>
+              </a:rPr>
+              <a:t>英語</a:t>
+            </a:r>
+            <a:r>
+              <a:rPr lang="en-US" altLang="ja-JP" dirty="0">
+                <a:latin typeface="Meiryo UI" panose="020B0604030504040204" pitchFamily="34" charset="-128"/>
+                <a:ea typeface="Meiryo UI" panose="020B0604030504040204" pitchFamily="34" charset="-128"/>
+              </a:rPr>
+              <a:t>	</a:t>
+            </a:r>
+            <a:r>
+              <a:rPr lang="ja-JP" altLang="en-US">
+                <a:latin typeface="Meiryo UI" panose="020B0604030504040204" pitchFamily="34" charset="-128"/>
+                <a:ea typeface="Meiryo UI" panose="020B0604030504040204" pitchFamily="34" charset="-128"/>
+              </a:rPr>
+              <a:t>：ほとんどわかんない</a:t>
+            </a:r>
+            <a:endParaRPr lang="en-US" altLang="ja-JP" dirty="0">
+              <a:latin typeface="Meiryo UI" panose="020B0604030504040204" pitchFamily="34" charset="-128"/>
+              <a:ea typeface="Meiryo UI" panose="020B0604030504040204" pitchFamily="34" charset="-128"/>
+            </a:endParaRPr>
+          </a:p>
+        </p:txBody>
+      </p:sp>
     </p:spTree>
     <p:extLst>
       <p:ext uri="{BB962C8B-B14F-4D97-AF65-F5344CB8AC3E}">
@@ -16987,23 +16903,7 @@
             </a:r>
             <a:r>
               <a:rPr lang="ja-JP" altLang="en-US" sz="2000"/>
-              <a:t>活用</a:t>
-            </a:r>
-            <a:r>
-              <a:rPr lang="en-US" altLang="ja-JP" sz="2000" dirty="0"/>
-              <a:t>/</a:t>
-            </a:r>
-            <a:r>
-              <a:rPr lang="ja-JP" altLang="en-US" sz="2000"/>
-              <a:t>ザ・</a:t>
-            </a:r>
-            <a:r>
-              <a:rPr lang="en-US" altLang="ja-JP" sz="2000" dirty="0"/>
-              <a:t>JTC</a:t>
-            </a:r>
-            <a:r>
-              <a:rPr lang="ja-JP" altLang="en-US" sz="2000"/>
-              <a:t>）</a:t>
+              <a:t>活用）</a:t>
             </a:r>
             <a:endParaRPr lang="en-US" altLang="ja-JP" dirty="0"/>
           </a:p>
@@ -17048,12 +16948,221 @@
           </a:p>
         </p:txBody>
       </p:sp>
+      <p:grpSp>
+        <p:nvGrpSpPr>
+          <p:cNvPr id="4" name="グループ化 3">
+            <a:extLst>
+              <a:ext uri="{FF2B5EF4-FFF2-40B4-BE49-F238E27FC236}">
+                <a16:creationId xmlns:a16="http://schemas.microsoft.com/office/drawing/2014/main" id="{BADD30A3-ECF2-F394-B73D-485A4FE749FA}"/>
+              </a:ext>
+            </a:extLst>
+          </p:cNvPr>
+          <p:cNvGrpSpPr/>
+          <p:nvPr/>
+        </p:nvGrpSpPr>
+        <p:grpSpPr>
+          <a:xfrm>
+            <a:off x="692637" y="4459796"/>
+            <a:ext cx="6468527" cy="1628875"/>
+            <a:chOff x="692637" y="4155003"/>
+            <a:chExt cx="6468527" cy="1628875"/>
+          </a:xfrm>
+        </p:grpSpPr>
+        <p:pic>
+          <p:nvPicPr>
+            <p:cNvPr id="19" name="図 18" descr="ダイアグラム&#10;&#10;自動的に生成された説明">
+              <a:extLst>
+                <a:ext uri="{FF2B5EF4-FFF2-40B4-BE49-F238E27FC236}">
+                  <a16:creationId xmlns:a16="http://schemas.microsoft.com/office/drawing/2014/main" id="{7EC26165-4291-FA01-59C1-C02458EA11E2}"/>
+                </a:ext>
+              </a:extLst>
+            </p:cNvPr>
+            <p:cNvPicPr>
+              <a:picLocks noChangeAspect="1"/>
+            </p:cNvPicPr>
+            <p:nvPr/>
+          </p:nvPicPr>
+          <p:blipFill>
+            <a:blip r:embed="rId2" cstate="email">
+              <a:clrChange>
+                <a:clrFrom>
+                  <a:srgbClr val="000000">
+                    <a:alpha val="0"/>
+                  </a:srgbClr>
+                </a:clrFrom>
+                <a:clrTo>
+                  <a:srgbClr val="000000">
+                    <a:alpha val="0"/>
+                  </a:srgbClr>
+                </a:clrTo>
+              </a:clrChange>
+              <a:extLst>
+                <a:ext uri="{28A0092B-C50C-407E-A947-70E740481C1C}">
+                  <a14:useLocalDpi xmlns:a14="http://schemas.microsoft.com/office/drawing/2010/main"/>
+                </a:ext>
+              </a:extLst>
+            </a:blip>
+            <a:stretch>
+              <a:fillRect/>
+            </a:stretch>
+          </p:blipFill>
+          <p:spPr>
+            <a:xfrm>
+              <a:off x="5532289" y="4155003"/>
+              <a:ext cx="1628875" cy="1628875"/>
+            </a:xfrm>
+            <a:prstGeom prst="rect">
+              <a:avLst/>
+            </a:prstGeom>
+          </p:spPr>
+        </p:pic>
+        <p:pic>
+          <p:nvPicPr>
+            <p:cNvPr id="17" name="図 16" descr="黒い背景に白い文字がある&#10;&#10;低い精度で自動的に生成された説明">
+              <a:extLst>
+                <a:ext uri="{FF2B5EF4-FFF2-40B4-BE49-F238E27FC236}">
+                  <a16:creationId xmlns:a16="http://schemas.microsoft.com/office/drawing/2014/main" id="{90E5FCB2-6777-6BE6-D87D-4228FE5BD75A}"/>
+                </a:ext>
+              </a:extLst>
+            </p:cNvPr>
+            <p:cNvPicPr>
+              <a:picLocks noChangeAspect="1"/>
+            </p:cNvPicPr>
+            <p:nvPr/>
+          </p:nvPicPr>
+          <p:blipFill>
+            <a:blip r:embed="rId3" cstate="email">
+              <a:clrChange>
+                <a:clrFrom>
+                  <a:srgbClr val="000000">
+                    <a:alpha val="0"/>
+                  </a:srgbClr>
+                </a:clrFrom>
+                <a:clrTo>
+                  <a:srgbClr val="000000">
+                    <a:alpha val="0"/>
+                  </a:srgbClr>
+                </a:clrTo>
+              </a:clrChange>
+              <a:extLst>
+                <a:ext uri="{28A0092B-C50C-407E-A947-70E740481C1C}">
+                  <a14:useLocalDpi xmlns:a14="http://schemas.microsoft.com/office/drawing/2010/main"/>
+                </a:ext>
+              </a:extLst>
+            </a:blip>
+            <a:stretch>
+              <a:fillRect/>
+            </a:stretch>
+          </p:blipFill>
+          <p:spPr>
+            <a:xfrm>
+              <a:off x="3919071" y="4155003"/>
+              <a:ext cx="1628875" cy="1628875"/>
+            </a:xfrm>
+            <a:prstGeom prst="rect">
+              <a:avLst/>
+            </a:prstGeom>
+          </p:spPr>
+        </p:pic>
+        <p:pic>
+          <p:nvPicPr>
+            <p:cNvPr id="31" name="図 30" descr="ダイアグラム&#10;&#10;自動的に生成された説明">
+              <a:extLst>
+                <a:ext uri="{FF2B5EF4-FFF2-40B4-BE49-F238E27FC236}">
+                  <a16:creationId xmlns:a16="http://schemas.microsoft.com/office/drawing/2014/main" id="{EB0D8A36-EFBD-C4D9-B4CD-1A3A7EC05877}"/>
+                </a:ext>
+              </a:extLst>
+            </p:cNvPr>
+            <p:cNvPicPr>
+              <a:picLocks noChangeAspect="1"/>
+            </p:cNvPicPr>
+            <p:nvPr/>
+          </p:nvPicPr>
+          <p:blipFill>
+            <a:blip r:embed="rId4" cstate="email">
+              <a:clrChange>
+                <a:clrFrom>
+                  <a:srgbClr val="FFFFFF"/>
+                </a:clrFrom>
+                <a:clrTo>
+                  <a:srgbClr val="FFFFFF">
+                    <a:alpha val="0"/>
+                  </a:srgbClr>
+                </a:clrTo>
+              </a:clrChange>
+              <a:extLst>
+                <a:ext uri="{28A0092B-C50C-407E-A947-70E740481C1C}">
+                  <a14:useLocalDpi xmlns:a14="http://schemas.microsoft.com/office/drawing/2010/main"/>
+                </a:ext>
+              </a:extLst>
+            </a:blip>
+            <a:stretch>
+              <a:fillRect/>
+            </a:stretch>
+          </p:blipFill>
+          <p:spPr>
+            <a:xfrm>
+              <a:off x="2305854" y="4155003"/>
+              <a:ext cx="1628875" cy="1628875"/>
+            </a:xfrm>
+            <a:prstGeom prst="rect">
+              <a:avLst/>
+            </a:prstGeom>
+          </p:spPr>
+        </p:pic>
+        <p:pic>
+          <p:nvPicPr>
+            <p:cNvPr id="15" name="図 14" descr="ダイアグラム&#10;&#10;自動的に生成された説明">
+              <a:extLst>
+                <a:ext uri="{FF2B5EF4-FFF2-40B4-BE49-F238E27FC236}">
+                  <a16:creationId xmlns:a16="http://schemas.microsoft.com/office/drawing/2014/main" id="{284ADFB0-6B82-2F78-F173-6A678A6A6E14}"/>
+                </a:ext>
+              </a:extLst>
+            </p:cNvPr>
+            <p:cNvPicPr>
+              <a:picLocks noChangeAspect="1"/>
+            </p:cNvPicPr>
+            <p:nvPr/>
+          </p:nvPicPr>
+          <p:blipFill>
+            <a:blip r:embed="rId5" cstate="email">
+              <a:clrChange>
+                <a:clrFrom>
+                  <a:srgbClr val="FFFFFF"/>
+                </a:clrFrom>
+                <a:clrTo>
+                  <a:srgbClr val="FFFFFF">
+                    <a:alpha val="0"/>
+                  </a:srgbClr>
+                </a:clrTo>
+              </a:clrChange>
+              <a:extLst>
+                <a:ext uri="{28A0092B-C50C-407E-A947-70E740481C1C}">
+                  <a14:useLocalDpi xmlns:a14="http://schemas.microsoft.com/office/drawing/2010/main"/>
+                </a:ext>
+              </a:extLst>
+            </a:blip>
+            <a:stretch>
+              <a:fillRect/>
+            </a:stretch>
+          </p:blipFill>
+          <p:spPr>
+            <a:xfrm>
+              <a:off x="692637" y="4155003"/>
+              <a:ext cx="1628875" cy="1628875"/>
+            </a:xfrm>
+            <a:prstGeom prst="rect">
+              <a:avLst/>
+            </a:prstGeom>
+          </p:spPr>
+        </p:pic>
+      </p:grpSp>
       <p:pic>
         <p:nvPicPr>
-          <p:cNvPr id="19" name="図 18" descr="ダイアグラム&#10;&#10;自動的に生成された説明">
-            <a:extLst>
-              <a:ext uri="{FF2B5EF4-FFF2-40B4-BE49-F238E27FC236}">
-                <a16:creationId xmlns:a16="http://schemas.microsoft.com/office/drawing/2014/main" id="{7EC26165-4291-FA01-59C1-C02458EA11E2}"/>
+          <p:cNvPr id="6" name="図 5" descr="人, 野球, 男, 持つ が含まれている画像&#10;&#10;自動的に生成された説明">
+            <a:extLst>
+              <a:ext uri="{FF2B5EF4-FFF2-40B4-BE49-F238E27FC236}">
+                <a16:creationId xmlns:a16="http://schemas.microsoft.com/office/drawing/2014/main" id="{C06A6648-3AA0-1820-7874-0660FCB2CF3A}"/>
               </a:ext>
             </a:extLst>
           </p:cNvPr>
@@ -17063,19 +17172,7 @@
           <p:nvPr/>
         </p:nvPicPr>
         <p:blipFill>
-          <a:blip r:embed="rId2" cstate="email">
-            <a:clrChange>
-              <a:clrFrom>
-                <a:srgbClr val="000000">
-                  <a:alpha val="0"/>
-                </a:srgbClr>
-              </a:clrFrom>
-              <a:clrTo>
-                <a:srgbClr val="000000">
-                  <a:alpha val="0"/>
-                </a:srgbClr>
-              </a:clrTo>
-            </a:clrChange>
+          <a:blip r:embed="rId6" cstate="screen">
             <a:extLst>
               <a:ext uri="{28A0092B-C50C-407E-A947-70E740481C1C}">
                 <a14:useLocalDpi xmlns:a14="http://schemas.microsoft.com/office/drawing/2010/main"/>
@@ -17088,184 +17185,8 @@
         </p:blipFill>
         <p:spPr>
           <a:xfrm>
-            <a:off x="5532289" y="4155003"/>
-            <a:ext cx="1628875" cy="1628875"/>
-          </a:xfrm>
-          <a:prstGeom prst="rect">
-            <a:avLst/>
-          </a:prstGeom>
-        </p:spPr>
-      </p:pic>
-      <p:pic>
-        <p:nvPicPr>
-          <p:cNvPr id="17" name="図 16" descr="黒い背景に白い文字がある&#10;&#10;低い精度で自動的に生成された説明">
-            <a:extLst>
-              <a:ext uri="{FF2B5EF4-FFF2-40B4-BE49-F238E27FC236}">
-                <a16:creationId xmlns:a16="http://schemas.microsoft.com/office/drawing/2014/main" id="{90E5FCB2-6777-6BE6-D87D-4228FE5BD75A}"/>
-              </a:ext>
-            </a:extLst>
-          </p:cNvPr>
-          <p:cNvPicPr>
-            <a:picLocks noChangeAspect="1"/>
-          </p:cNvPicPr>
-          <p:nvPr/>
-        </p:nvPicPr>
-        <p:blipFill>
-          <a:blip r:embed="rId3" cstate="email">
-            <a:clrChange>
-              <a:clrFrom>
-                <a:srgbClr val="000000">
-                  <a:alpha val="0"/>
-                </a:srgbClr>
-              </a:clrFrom>
-              <a:clrTo>
-                <a:srgbClr val="000000">
-                  <a:alpha val="0"/>
-                </a:srgbClr>
-              </a:clrTo>
-            </a:clrChange>
-            <a:extLst>
-              <a:ext uri="{28A0092B-C50C-407E-A947-70E740481C1C}">
-                <a14:useLocalDpi xmlns:a14="http://schemas.microsoft.com/office/drawing/2010/main"/>
-              </a:ext>
-            </a:extLst>
-          </a:blip>
-          <a:stretch>
-            <a:fillRect/>
-          </a:stretch>
-        </p:blipFill>
-        <p:spPr>
-          <a:xfrm>
-            <a:off x="3919071" y="4155003"/>
-            <a:ext cx="1628875" cy="1628875"/>
-          </a:xfrm>
-          <a:prstGeom prst="rect">
-            <a:avLst/>
-          </a:prstGeom>
-        </p:spPr>
-      </p:pic>
-      <p:pic>
-        <p:nvPicPr>
-          <p:cNvPr id="31" name="図 30" descr="ダイアグラム&#10;&#10;自動的に生成された説明">
-            <a:extLst>
-              <a:ext uri="{FF2B5EF4-FFF2-40B4-BE49-F238E27FC236}">
-                <a16:creationId xmlns:a16="http://schemas.microsoft.com/office/drawing/2014/main" id="{EB0D8A36-EFBD-C4D9-B4CD-1A3A7EC05877}"/>
-              </a:ext>
-            </a:extLst>
-          </p:cNvPr>
-          <p:cNvPicPr>
-            <a:picLocks noChangeAspect="1"/>
-          </p:cNvPicPr>
-          <p:nvPr/>
-        </p:nvPicPr>
-        <p:blipFill>
-          <a:blip r:embed="rId4" cstate="email">
-            <a:clrChange>
-              <a:clrFrom>
-                <a:srgbClr val="FFFFFF"/>
-              </a:clrFrom>
-              <a:clrTo>
-                <a:srgbClr val="FFFFFF">
-                  <a:alpha val="0"/>
-                </a:srgbClr>
-              </a:clrTo>
-            </a:clrChange>
-            <a:extLst>
-              <a:ext uri="{28A0092B-C50C-407E-A947-70E740481C1C}">
-                <a14:useLocalDpi xmlns:a14="http://schemas.microsoft.com/office/drawing/2010/main"/>
-              </a:ext>
-            </a:extLst>
-          </a:blip>
-          <a:stretch>
-            <a:fillRect/>
-          </a:stretch>
-        </p:blipFill>
-        <p:spPr>
-          <a:xfrm>
-            <a:off x="2305854" y="4155003"/>
-            <a:ext cx="1628875" cy="1628875"/>
-          </a:xfrm>
-          <a:prstGeom prst="rect">
-            <a:avLst/>
-          </a:prstGeom>
-        </p:spPr>
-      </p:pic>
-      <p:pic>
-        <p:nvPicPr>
-          <p:cNvPr id="15" name="図 14" descr="ダイアグラム&#10;&#10;自動的に生成された説明">
-            <a:extLst>
-              <a:ext uri="{FF2B5EF4-FFF2-40B4-BE49-F238E27FC236}">
-                <a16:creationId xmlns:a16="http://schemas.microsoft.com/office/drawing/2014/main" id="{284ADFB0-6B82-2F78-F173-6A678A6A6E14}"/>
-              </a:ext>
-            </a:extLst>
-          </p:cNvPr>
-          <p:cNvPicPr>
-            <a:picLocks noChangeAspect="1"/>
-          </p:cNvPicPr>
-          <p:nvPr/>
-        </p:nvPicPr>
-        <p:blipFill>
-          <a:blip r:embed="rId5" cstate="email">
-            <a:clrChange>
-              <a:clrFrom>
-                <a:srgbClr val="FFFFFF"/>
-              </a:clrFrom>
-              <a:clrTo>
-                <a:srgbClr val="FFFFFF">
-                  <a:alpha val="0"/>
-                </a:srgbClr>
-              </a:clrTo>
-            </a:clrChange>
-            <a:extLst>
-              <a:ext uri="{28A0092B-C50C-407E-A947-70E740481C1C}">
-                <a14:useLocalDpi xmlns:a14="http://schemas.microsoft.com/office/drawing/2010/main"/>
-              </a:ext>
-            </a:extLst>
-          </a:blip>
-          <a:stretch>
-            <a:fillRect/>
-          </a:stretch>
-        </p:blipFill>
-        <p:spPr>
-          <a:xfrm>
-            <a:off x="692637" y="4155003"/>
-            <a:ext cx="1628875" cy="1628875"/>
-          </a:xfrm>
-          <a:prstGeom prst="rect">
-            <a:avLst/>
-          </a:prstGeom>
-        </p:spPr>
-      </p:pic>
-      <p:pic>
-        <p:nvPicPr>
-          <p:cNvPr id="6" name="図 5" descr="人, 野球, 男, 持つ が含まれている画像&#10;&#10;自動的に生成された説明">
-            <a:extLst>
-              <a:ext uri="{FF2B5EF4-FFF2-40B4-BE49-F238E27FC236}">
-                <a16:creationId xmlns:a16="http://schemas.microsoft.com/office/drawing/2014/main" id="{C06A6648-3AA0-1820-7874-0660FCB2CF3A}"/>
-              </a:ext>
-            </a:extLst>
-          </p:cNvPr>
-          <p:cNvPicPr>
-            <a:picLocks noChangeAspect="1"/>
-          </p:cNvPicPr>
-          <p:nvPr/>
-        </p:nvPicPr>
-        <p:blipFill>
-          <a:blip r:embed="rId6" cstate="screen">
-            <a:extLst>
-              <a:ext uri="{28A0092B-C50C-407E-A947-70E740481C1C}">
-                <a14:useLocalDpi xmlns:a14="http://schemas.microsoft.com/office/drawing/2010/main"/>
-              </a:ext>
-            </a:extLst>
-          </a:blip>
-          <a:stretch>
-            <a:fillRect/>
-          </a:stretch>
-        </p:blipFill>
-        <p:spPr>
-          <a:xfrm>
-            <a:off x="8514150" y="1690688"/>
-            <a:ext cx="2305613" cy="2305613"/>
+            <a:off x="7763436" y="1083406"/>
+            <a:ext cx="3056328" cy="3056328"/>
           </a:xfrm>
           <a:prstGeom prst="rect">
             <a:avLst/>
@@ -17531,7 +17452,7 @@
               <a:buNone/>
             </a:pPr>
             <a:r>
-              <a:rPr kumimoji="1" lang="en-US" altLang="ja-JP" b="1" dirty="0" err="1">
+              <a:rPr kumimoji="1" lang="en-US" altLang="ja-JP" b="1" dirty="0">
                 <a:effectLst>
                   <a:outerShdw blurRad="38100" dist="38100" dir="2700000" algn="tl">
                     <a:srgbClr val="000000">
@@ -17540,7 +17461,7 @@
                   </a:outerShdw>
                 </a:effectLst>
               </a:rPr>
-              <a:t>HuggingFace</a:t>
+              <a:t>Hugging Face</a:t>
             </a:r>
             <a:r>
               <a:rPr kumimoji="1" lang="ja-JP" altLang="en-US" b="1" dirty="0">
@@ -17691,7 +17612,7 @@
         </p:nvSpPr>
         <p:spPr>
           <a:xfrm rot="20737413">
-            <a:off x="5441209" y="5369004"/>
+            <a:off x="7165836" y="5695185"/>
             <a:ext cx="4666662" cy="369332"/>
           </a:xfrm>
           <a:prstGeom prst="rect">
@@ -17799,124 +17720,6 @@
           <a:chExt cx="0" cy="0"/>
         </a:xfrm>
       </p:grpSpPr>
-      <p:pic>
-        <p:nvPicPr>
-          <p:cNvPr id="4" name="図 3" descr="人, 野球, 男, 持つ が含まれている画像&#10;&#10;自動的に生成された説明">
-            <a:extLst>
-              <a:ext uri="{FF2B5EF4-FFF2-40B4-BE49-F238E27FC236}">
-                <a16:creationId xmlns:a16="http://schemas.microsoft.com/office/drawing/2014/main" id="{997BC4C2-BCD8-87C0-9934-F2D54E4D75B8}"/>
-              </a:ext>
-            </a:extLst>
-          </p:cNvPr>
-          <p:cNvPicPr>
-            <a:picLocks noChangeAspect="1"/>
-          </p:cNvPicPr>
-          <p:nvPr/>
-        </p:nvPicPr>
-        <p:blipFill>
-          <a:blip r:embed="rId2" cstate="screen">
-            <a:extLst>
-              <a:ext uri="{28A0092B-C50C-407E-A947-70E740481C1C}">
-                <a14:useLocalDpi xmlns:a14="http://schemas.microsoft.com/office/drawing/2010/main"/>
-              </a:ext>
-            </a:extLst>
-          </a:blip>
-          <a:stretch>
-            <a:fillRect/>
-          </a:stretch>
-        </p:blipFill>
-        <p:spPr>
-          <a:xfrm>
-            <a:off x="1216932" y="1368420"/>
-            <a:ext cx="4121160" cy="4121160"/>
-          </a:xfrm>
-          <a:prstGeom prst="rect">
-            <a:avLst/>
-          </a:prstGeom>
-        </p:spPr>
-      </p:pic>
-      <p:sp>
-        <p:nvSpPr>
-          <p:cNvPr id="5" name="テキスト ボックス 4">
-            <a:extLst>
-              <a:ext uri="{FF2B5EF4-FFF2-40B4-BE49-F238E27FC236}">
-                <a16:creationId xmlns:a16="http://schemas.microsoft.com/office/drawing/2014/main" id="{9B78A1D1-BAB7-22E6-F7AD-FF11FDFC306A}"/>
-              </a:ext>
-            </a:extLst>
-          </p:cNvPr>
-          <p:cNvSpPr txBox="1"/>
-          <p:nvPr/>
-        </p:nvSpPr>
-        <p:spPr>
-          <a:xfrm>
-            <a:off x="5873662" y="2814090"/>
-            <a:ext cx="5054589" cy="1107996"/>
-          </a:xfrm>
-          <a:prstGeom prst="rect">
-            <a:avLst/>
-          </a:prstGeom>
-          <a:noFill/>
-        </p:spPr>
-        <p:txBody>
-          <a:bodyPr wrap="none" rtlCol="0">
-            <a:spAutoFit/>
-          </a:bodyPr>
-          <a:lstStyle/>
-          <a:p>
-            <a:r>
-              <a:rPr kumimoji="1" lang="ja-JP" altLang="en-US" sz="6600">
-                <a:latin typeface="Meiryo UI" panose="020B0604030504040204" pitchFamily="34" charset="-128"/>
-                <a:ea typeface="Meiryo UI" panose="020B0604030504040204" pitchFamily="34" charset="-128"/>
-              </a:rPr>
-              <a:t>←</a:t>
-            </a:r>
-            <a:r>
-              <a:rPr kumimoji="1" lang="en-US" altLang="ja-JP" sz="6600" dirty="0">
-                <a:latin typeface="Meiryo UI" panose="020B0604030504040204" pitchFamily="34" charset="-128"/>
-                <a:ea typeface="Meiryo UI" panose="020B0604030504040204" pitchFamily="34" charset="-128"/>
-              </a:rPr>
-              <a:t> </a:t>
-            </a:r>
-            <a:r>
-              <a:rPr kumimoji="1" lang="ja-JP" altLang="en-US" sz="6600">
-                <a:latin typeface="Meiryo UI" panose="020B0604030504040204" pitchFamily="34" charset="-128"/>
-                <a:ea typeface="Meiryo UI" panose="020B0604030504040204" pitchFamily="34" charset="-128"/>
-              </a:rPr>
-              <a:t>素人（えっ</a:t>
-            </a:r>
-          </a:p>
-        </p:txBody>
-      </p:sp>
-    </p:spTree>
-    <p:extLst>
-      <p:ext uri="{BB962C8B-B14F-4D97-AF65-F5344CB8AC3E}">
-        <p14:creationId xmlns:p14="http://schemas.microsoft.com/office/powerpoint/2010/main" val="1063743810"/>
-      </p:ext>
-    </p:extLst>
-  </p:cSld>
-  <p:clrMapOvr>
-    <a:masterClrMapping/>
-  </p:clrMapOvr>
-</p:sld>
-</file>
-
-<file path=ppt/slides/slide6.xml><?xml version="1.0" encoding="utf-8"?>
-<p:sld xmlns:a="http://schemas.openxmlformats.org/drawingml/2006/main" xmlns:r="http://schemas.openxmlformats.org/officeDocument/2006/relationships" xmlns:p="http://schemas.openxmlformats.org/presentationml/2006/main">
-  <p:cSld>
-    <p:spTree>
-      <p:nvGrpSpPr>
-        <p:cNvPr id="1" name=""/>
-        <p:cNvGrpSpPr/>
-        <p:nvPr/>
-      </p:nvGrpSpPr>
-      <p:grpSpPr>
-        <a:xfrm>
-          <a:off x="0" y="0"/>
-          <a:ext cx="0" cy="0"/>
-          <a:chOff x="0" y="0"/>
-          <a:chExt cx="0" cy="0"/>
-        </a:xfrm>
-      </p:grpSpPr>
       <p:sp>
         <p:nvSpPr>
           <p:cNvPr id="9" name="タイトル 1">
@@ -17992,20 +17795,6 @@
           </a:bodyPr>
           <a:lstStyle/>
           <a:p>
-            <a:r>
-              <a:rPr kumimoji="1" lang="ja-JP" altLang="en-US" dirty="0">
-                <a:latin typeface="Meiryo UI" panose="020B0604030504040204" pitchFamily="34" charset="-128"/>
-                <a:ea typeface="Meiryo UI" panose="020B0604030504040204" pitchFamily="34" charset="-128"/>
-              </a:rPr>
-              <a:t>興味をもったの</a:t>
-            </a:r>
-            <a:r>
-              <a:rPr kumimoji="1" lang="ja-JP" altLang="en-US">
-                <a:latin typeface="Meiryo UI" panose="020B0604030504040204" pitchFamily="34" charset="-128"/>
-                <a:ea typeface="Meiryo UI" panose="020B0604030504040204" pitchFamily="34" charset="-128"/>
-              </a:rPr>
-              <a:t>は</a:t>
-            </a:r>
             <a:r>
               <a:rPr kumimoji="1" lang="en-US" altLang="ja-JP" dirty="0">
                 <a:latin typeface="Meiryo UI" panose="020B0604030504040204" pitchFamily="34" charset="-128"/>
@@ -18292,11 +18081,18 @@
           <a:p>
             <a:pPr lvl="2"/>
             <a:r>
+              <a:rPr lang="ja-JP" altLang="en-US">
+                <a:latin typeface="Meiryo UI" panose="020B0604030504040204" pitchFamily="34" charset="-128"/>
+                <a:ea typeface="Meiryo UI" panose="020B0604030504040204" pitchFamily="34" charset="-128"/>
+              </a:rPr>
+              <a:t>大量の</a:t>
+            </a:r>
+            <a:r>
               <a:rPr lang="ja-JP" altLang="en-US" dirty="0">
                 <a:latin typeface="Meiryo UI" panose="020B0604030504040204" pitchFamily="34" charset="-128"/>
                 <a:ea typeface="Meiryo UI" panose="020B0604030504040204" pitchFamily="34" charset="-128"/>
               </a:rPr>
-              <a:t>何テラもの学習データをローカル</a:t>
+              <a:t>学習データをローカル</a:t>
             </a:r>
             <a:r>
               <a:rPr lang="en-US" altLang="ja-JP" dirty="0">
@@ -18306,25 +18102,18 @@
               <a:t>PC</a:t>
             </a:r>
             <a:r>
+              <a:rPr lang="ja-JP" altLang="en-US">
+                <a:latin typeface="Meiryo UI" panose="020B0604030504040204" pitchFamily="34" charset="-128"/>
+                <a:ea typeface="Meiryo UI" panose="020B0604030504040204" pitchFamily="34" charset="-128"/>
+              </a:rPr>
+              <a:t>に置くではなく、その時に必要</a:t>
+            </a:r>
+            <a:r>
               <a:rPr lang="ja-JP" altLang="en-US" dirty="0">
                 <a:latin typeface="Meiryo UI" panose="020B0604030504040204" pitchFamily="34" charset="-128"/>
                 <a:ea typeface="Meiryo UI" panose="020B0604030504040204" pitchFamily="34" charset="-128"/>
               </a:rPr>
-              <a:t>に置くのは現実的でない</a:t>
-            </a:r>
-            <a:endParaRPr lang="en-US" altLang="ja-JP" dirty="0">
-              <a:latin typeface="Meiryo UI" panose="020B0604030504040204" pitchFamily="34" charset="-128"/>
-              <a:ea typeface="Meiryo UI" panose="020B0604030504040204" pitchFamily="34" charset="-128"/>
-            </a:endParaRPr>
-          </a:p>
-          <a:p>
-            <a:pPr lvl="2"/>
-            <a:r>
-              <a:rPr lang="ja-JP" altLang="en-US" dirty="0">
-                <a:latin typeface="Meiryo UI" panose="020B0604030504040204" pitchFamily="34" charset="-128"/>
-                <a:ea typeface="Meiryo UI" panose="020B0604030504040204" pitchFamily="34" charset="-128"/>
-              </a:rPr>
-              <a:t>必要な分だけをダウンロードしながら学習を進めていく</a:t>
+              <a:t>な分だけをダウンロードしながら学習を進めていく</a:t>
             </a:r>
             <a:endParaRPr lang="en-US" altLang="ja-JP" dirty="0">
               <a:latin typeface="Meiryo UI" panose="020B0604030504040204" pitchFamily="34" charset="-128"/>
@@ -18405,7 +18194,7 @@
 </p:sld>
 </file>
 
-<file path=ppt/slides/slide7.xml><?xml version="1.0" encoding="utf-8"?>
+<file path=ppt/slides/slide6.xml><?xml version="1.0" encoding="utf-8"?>
 <p:sld xmlns:a="http://schemas.openxmlformats.org/drawingml/2006/main" xmlns:r="http://schemas.openxmlformats.org/officeDocument/2006/relationships" xmlns:p="http://schemas.openxmlformats.org/presentationml/2006/main">
   <p:cSld>
     <p:spTree>
@@ -18870,7 +18659,7 @@
 </p:sld>
 </file>
 
-<file path=ppt/slides/slide8.xml><?xml version="1.0" encoding="utf-8"?>
+<file path=ppt/slides/slide7.xml><?xml version="1.0" encoding="utf-8"?>
 <p:sld xmlns:a="http://schemas.openxmlformats.org/drawingml/2006/main" xmlns:r="http://schemas.openxmlformats.org/officeDocument/2006/relationships" xmlns:p="http://schemas.openxmlformats.org/presentationml/2006/main">
   <p:cSld>
     <p:spTree>
@@ -19576,7 +19365,7 @@
 </p:sld>
 </file>
 
-<file path=ppt/slides/slide9.xml><?xml version="1.0" encoding="utf-8"?>
+<file path=ppt/slides/slide8.xml><?xml version="1.0" encoding="utf-8"?>
 <p:sld xmlns:a="http://schemas.openxmlformats.org/drawingml/2006/main" xmlns:r="http://schemas.openxmlformats.org/officeDocument/2006/relationships" xmlns:p="http://schemas.openxmlformats.org/presentationml/2006/main">
   <p:cSld>
     <p:spTree>
@@ -19864,6 +19653,229 @@
     <p:extLst>
       <p:ext uri="{BB962C8B-B14F-4D97-AF65-F5344CB8AC3E}">
         <p14:creationId xmlns:p14="http://schemas.microsoft.com/office/powerpoint/2010/main" val="1308905210"/>
+      </p:ext>
+    </p:extLst>
+  </p:cSld>
+  <p:clrMapOvr>
+    <a:masterClrMapping/>
+  </p:clrMapOvr>
+</p:sld>
+</file>
+
+<file path=ppt/slides/slide9.xml><?xml version="1.0" encoding="utf-8"?>
+<p:sld xmlns:a="http://schemas.openxmlformats.org/drawingml/2006/main" xmlns:r="http://schemas.openxmlformats.org/officeDocument/2006/relationships" xmlns:p="http://schemas.openxmlformats.org/presentationml/2006/main">
+  <p:cSld>
+    <p:spTree>
+      <p:nvGrpSpPr>
+        <p:cNvPr id="1" name=""/>
+        <p:cNvGrpSpPr/>
+        <p:nvPr/>
+      </p:nvGrpSpPr>
+      <p:grpSpPr>
+        <a:xfrm>
+          <a:off x="0" y="0"/>
+          <a:ext cx="0" cy="0"/>
+          <a:chOff x="0" y="0"/>
+          <a:chExt cx="0" cy="0"/>
+        </a:xfrm>
+      </p:grpSpPr>
+      <p:sp>
+        <p:nvSpPr>
+          <p:cNvPr id="2" name="タイトル 1">
+            <a:extLst>
+              <a:ext uri="{FF2B5EF4-FFF2-40B4-BE49-F238E27FC236}">
+                <a16:creationId xmlns:a16="http://schemas.microsoft.com/office/drawing/2014/main" id="{8FB4265A-2A4F-9E81-BAAB-D7A5428E41B7}"/>
+              </a:ext>
+            </a:extLst>
+          </p:cNvPr>
+          <p:cNvSpPr>
+            <a:spLocks noGrp="1"/>
+          </p:cNvSpPr>
+          <p:nvPr>
+            <p:ph type="title"/>
+          </p:nvPr>
+        </p:nvSpPr>
+        <p:spPr/>
+        <p:txBody>
+          <a:bodyPr/>
+          <a:lstStyle/>
+          <a:p>
+            <a:r>
+              <a:rPr lang="ja-JP" altLang="en-US" b="1">
+                <a:effectLst/>
+                <a:latin typeface="Meiryo UI" panose="020B0604030504040204" pitchFamily="50" charset="-128"/>
+              </a:rPr>
+              <a:t>デモンストレーション</a:t>
+            </a:r>
+            <a:endParaRPr kumimoji="1" lang="ja-JP" altLang="en-US" dirty="0"/>
+          </a:p>
+        </p:txBody>
+      </p:sp>
+      <p:sp>
+        <p:nvSpPr>
+          <p:cNvPr id="3" name="コンテンツ プレースホルダー 2">
+            <a:extLst>
+              <a:ext uri="{FF2B5EF4-FFF2-40B4-BE49-F238E27FC236}">
+                <a16:creationId xmlns:a16="http://schemas.microsoft.com/office/drawing/2014/main" id="{9A8C2B64-DEED-4E40-E581-B031973A0863}"/>
+              </a:ext>
+            </a:extLst>
+          </p:cNvPr>
+          <p:cNvSpPr>
+            <a:spLocks noGrp="1"/>
+          </p:cNvSpPr>
+          <p:nvPr>
+            <p:ph idx="1"/>
+          </p:nvPr>
+        </p:nvSpPr>
+        <p:spPr/>
+        <p:txBody>
+          <a:bodyPr>
+            <a:normAutofit fontScale="92500" lnSpcReduction="20000"/>
+          </a:bodyPr>
+          <a:lstStyle/>
+          <a:p>
+            <a:r>
+              <a:rPr kumimoji="1" lang="ja-JP" altLang="en-US" dirty="0"/>
+              <a:t>結局、使ってみた方が理解が早い</a:t>
+            </a:r>
+            <a:r>
+              <a:rPr kumimoji="1" lang="ja-JP" altLang="en-US"/>
+              <a:t>！ｗ</a:t>
+            </a:r>
+            <a:endParaRPr kumimoji="1" lang="en-US" altLang="ja-JP" dirty="0"/>
+          </a:p>
+          <a:p>
+            <a:endParaRPr lang="en-US" altLang="ja-JP" dirty="0"/>
+          </a:p>
+          <a:p>
+            <a:r>
+              <a:rPr lang="ja-JP" altLang="en-US"/>
+              <a:t>「</a:t>
+            </a:r>
+            <a:r>
+              <a:rPr lang="en-US" altLang="ja-JP" dirty="0"/>
+              <a:t>Textbooks Are All You Need</a:t>
+            </a:r>
+            <a:r>
+              <a:rPr lang="ja-JP" altLang="en-US"/>
+              <a:t>」の論文で有名になった</a:t>
+            </a:r>
+            <a:r>
+              <a:rPr lang="en-US" altLang="ja-JP" dirty="0"/>
+              <a:t>Phi-1</a:t>
+            </a:r>
+            <a:r>
+              <a:rPr lang="ja-JP" altLang="en-US"/>
+              <a:t>の派生</a:t>
+            </a:r>
+            <a:endParaRPr lang="en-US" altLang="ja-JP" dirty="0"/>
+          </a:p>
+          <a:p>
+            <a:pPr marL="0" indent="0">
+              <a:buNone/>
+            </a:pPr>
+            <a:r>
+              <a:rPr lang="ja-JP" altLang="en-US"/>
+              <a:t>　　　　　　</a:t>
+            </a:r>
+            <a:r>
+              <a:rPr lang="en-US" altLang="ja-JP" dirty="0"/>
+              <a:t> “</a:t>
+            </a:r>
+            <a:r>
+              <a:rPr lang="en-US" altLang="ja-JP" sz="3600" b="1" dirty="0"/>
+              <a:t>Phi-1.5</a:t>
+            </a:r>
+            <a:r>
+              <a:rPr lang="ja-JP" altLang="en-US" dirty="0"/>
+              <a:t>（</a:t>
+            </a:r>
+            <a:r>
+              <a:rPr lang="en-US" altLang="ja-JP" dirty="0"/>
+              <a:t>Microsoft</a:t>
+            </a:r>
+            <a:r>
+              <a:rPr lang="ja-JP" altLang="en-US"/>
+              <a:t>）</a:t>
+            </a:r>
+            <a:r>
+              <a:rPr lang="en-US" altLang="ja-JP" dirty="0"/>
+              <a:t>” </a:t>
+            </a:r>
+            <a:r>
+              <a:rPr lang="ja-JP" altLang="en-US"/>
+              <a:t>を使ってみよう￼￼￼￼￼￼</a:t>
+            </a:r>
+            <a:endParaRPr lang="en-US" altLang="ja-JP" dirty="0"/>
+          </a:p>
+          <a:p>
+            <a:endParaRPr lang="en-US" altLang="ja-JP" dirty="0"/>
+          </a:p>
+          <a:p>
+            <a:r>
+              <a:rPr lang="ja-JP" altLang="en-US">
+                <a:hlinkClick r:id="rId2"/>
+              </a:rPr>
+              <a:t>論文はこちら</a:t>
+            </a:r>
+            <a:endParaRPr lang="en-US" altLang="ja-JP" dirty="0"/>
+          </a:p>
+          <a:p>
+            <a:endParaRPr kumimoji="1" lang="en-US" altLang="ja-JP" dirty="0">
+              <a:hlinkClick r:id="rId3"/>
+            </a:endParaRPr>
+          </a:p>
+          <a:p>
+            <a:r>
+              <a:rPr kumimoji="1" lang="en-US" altLang="ja-JP" dirty="0">
+                <a:hlinkClick r:id="rId3"/>
+              </a:rPr>
+              <a:t>Huggingface</a:t>
+            </a:r>
+            <a:r>
+              <a:rPr kumimoji="1" lang="ja-JP" altLang="en-US">
+                <a:hlinkClick r:id="rId3"/>
+              </a:rPr>
+              <a:t>の</a:t>
+            </a:r>
+            <a:r>
+              <a:rPr kumimoji="1" lang="en-US" altLang="ja-JP" dirty="0">
+                <a:hlinkClick r:id="rId3"/>
+              </a:rPr>
+              <a:t>Phi-1.5</a:t>
+            </a:r>
+            <a:r>
+              <a:rPr kumimoji="1" lang="ja-JP" altLang="en-US">
+                <a:hlinkClick r:id="rId3"/>
+              </a:rPr>
+              <a:t>のページ</a:t>
+            </a:r>
+            <a:endParaRPr kumimoji="1" lang="en-US" altLang="ja-JP" dirty="0"/>
+          </a:p>
+          <a:p>
+            <a:pPr marL="0" indent="0">
+              <a:buNone/>
+            </a:pPr>
+            <a:r>
+              <a:rPr lang="en-US" altLang="ja-JP" dirty="0"/>
+              <a:t>  </a:t>
+            </a:r>
+          </a:p>
+          <a:p>
+            <a:r>
+              <a:rPr kumimoji="1" lang="en-US" altLang="ja-JP" dirty="0">
+                <a:hlinkClick r:id="rId4"/>
+              </a:rPr>
+              <a:t>Google Colab</a:t>
+            </a:r>
+            <a:endParaRPr kumimoji="1" lang="ja-JP" altLang="en-US" dirty="0"/>
+          </a:p>
+        </p:txBody>
+      </p:sp>
+    </p:spTree>
+    <p:extLst>
+      <p:ext uri="{BB962C8B-B14F-4D97-AF65-F5344CB8AC3E}">
+        <p14:creationId xmlns:p14="http://schemas.microsoft.com/office/powerpoint/2010/main" val="878374170"/>
       </p:ext>
     </p:extLst>
   </p:cSld>
